--- a/docs/Java 3 - presentation.pptx
+++ b/docs/Java 3 - presentation.pptx
@@ -22,6 +22,10 @@
     <p:sldId id="275" r:id="rId16"/>
     <p:sldId id="276" r:id="rId17"/>
     <p:sldId id="277" r:id="rId18"/>
+    <p:sldId id="278" r:id="rId19"/>
+    <p:sldId id="279" r:id="rId20"/>
+    <p:sldId id="280" r:id="rId21"/>
+    <p:sldId id="281" r:id="rId22"/>
   </p:sldIdLst>
   <p:sldSz cx="12192000" cy="6858000"/>
   <p:notesSz cx="6858000" cy="9144000"/>
@@ -120,6 +124,11 @@
       </a:defRPr>
     </a:lvl9pPr>
   </p:defaultTextStyle>
+  <p:extLst>
+    <p:ext uri="{EFAFB233-063F-42B5-8137-9DF3F51BA10A}">
+      <p15:sldGuideLst xmlns:p15="http://schemas.microsoft.com/office/powerpoint/2012/main"/>
+    </p:ext>
+  </p:extLst>
 </p:presentation>
 </file>
 
@@ -254,7 +263,7 @@
           <a:p>
             <a:fld id="{CCBC678F-7716-4A5C-99BF-A72700ECDBDF}" type="datetimeFigureOut">
               <a:rPr lang="ru-RU" smtClean="0"/>
-              <a:t>30.05.2021</a:t>
+              <a:t>08.06.2021</a:t>
             </a:fld>
             <a:endParaRPr lang="ru-RU"/>
           </a:p>
@@ -424,7 +433,7 @@
           <a:p>
             <a:fld id="{CCBC678F-7716-4A5C-99BF-A72700ECDBDF}" type="datetimeFigureOut">
               <a:rPr lang="ru-RU" smtClean="0"/>
-              <a:t>30.05.2021</a:t>
+              <a:t>08.06.2021</a:t>
             </a:fld>
             <a:endParaRPr lang="ru-RU"/>
           </a:p>
@@ -604,7 +613,7 @@
           <a:p>
             <a:fld id="{CCBC678F-7716-4A5C-99BF-A72700ECDBDF}" type="datetimeFigureOut">
               <a:rPr lang="ru-RU" smtClean="0"/>
-              <a:t>30.05.2021</a:t>
+              <a:t>08.06.2021</a:t>
             </a:fld>
             <a:endParaRPr lang="ru-RU"/>
           </a:p>
@@ -774,7 +783,7 @@
           <a:p>
             <a:fld id="{CCBC678F-7716-4A5C-99BF-A72700ECDBDF}" type="datetimeFigureOut">
               <a:rPr lang="ru-RU" smtClean="0"/>
-              <a:t>30.05.2021</a:t>
+              <a:t>08.06.2021</a:t>
             </a:fld>
             <a:endParaRPr lang="ru-RU"/>
           </a:p>
@@ -1020,7 +1029,7 @@
           <a:p>
             <a:fld id="{CCBC678F-7716-4A5C-99BF-A72700ECDBDF}" type="datetimeFigureOut">
               <a:rPr lang="ru-RU" smtClean="0"/>
-              <a:t>30.05.2021</a:t>
+              <a:t>08.06.2021</a:t>
             </a:fld>
             <a:endParaRPr lang="ru-RU"/>
           </a:p>
@@ -1252,7 +1261,7 @@
           <a:p>
             <a:fld id="{CCBC678F-7716-4A5C-99BF-A72700ECDBDF}" type="datetimeFigureOut">
               <a:rPr lang="ru-RU" smtClean="0"/>
-              <a:t>30.05.2021</a:t>
+              <a:t>08.06.2021</a:t>
             </a:fld>
             <a:endParaRPr lang="ru-RU"/>
           </a:p>
@@ -1619,7 +1628,7 @@
           <a:p>
             <a:fld id="{CCBC678F-7716-4A5C-99BF-A72700ECDBDF}" type="datetimeFigureOut">
               <a:rPr lang="ru-RU" smtClean="0"/>
-              <a:t>30.05.2021</a:t>
+              <a:t>08.06.2021</a:t>
             </a:fld>
             <a:endParaRPr lang="ru-RU"/>
           </a:p>
@@ -1737,7 +1746,7 @@
           <a:p>
             <a:fld id="{CCBC678F-7716-4A5C-99BF-A72700ECDBDF}" type="datetimeFigureOut">
               <a:rPr lang="ru-RU" smtClean="0"/>
-              <a:t>30.05.2021</a:t>
+              <a:t>08.06.2021</a:t>
             </a:fld>
             <a:endParaRPr lang="ru-RU"/>
           </a:p>
@@ -1832,7 +1841,7 @@
           <a:p>
             <a:fld id="{CCBC678F-7716-4A5C-99BF-A72700ECDBDF}" type="datetimeFigureOut">
               <a:rPr lang="ru-RU" smtClean="0"/>
-              <a:t>30.05.2021</a:t>
+              <a:t>08.06.2021</a:t>
             </a:fld>
             <a:endParaRPr lang="ru-RU"/>
           </a:p>
@@ -2109,7 +2118,7 @@
           <a:p>
             <a:fld id="{CCBC678F-7716-4A5C-99BF-A72700ECDBDF}" type="datetimeFigureOut">
               <a:rPr lang="ru-RU" smtClean="0"/>
-              <a:t>30.05.2021</a:t>
+              <a:t>08.06.2021</a:t>
             </a:fld>
             <a:endParaRPr lang="ru-RU"/>
           </a:p>
@@ -2362,7 +2371,7 @@
           <a:p>
             <a:fld id="{CCBC678F-7716-4A5C-99BF-A72700ECDBDF}" type="datetimeFigureOut">
               <a:rPr lang="ru-RU" smtClean="0"/>
-              <a:t>30.05.2021</a:t>
+              <a:t>08.06.2021</a:t>
             </a:fld>
             <a:endParaRPr lang="ru-RU"/>
           </a:p>
@@ -2575,7 +2584,7 @@
           <a:p>
             <a:fld id="{CCBC678F-7716-4A5C-99BF-A72700ECDBDF}" type="datetimeFigureOut">
               <a:rPr lang="ru-RU" smtClean="0"/>
-              <a:t>30.05.2021</a:t>
+              <a:t>08.06.2021</a:t>
             </a:fld>
             <a:endParaRPr lang="ru-RU"/>
           </a:p>
@@ -3247,11 +3256,11 @@
   <p:clrMapOvr>
     <a:masterClrMapping/>
   </p:clrMapOvr>
-  <mc:AlternateContent xmlns:mc="http://schemas.openxmlformats.org/markup-compatibility/2006">
-    <mc:Choice xmlns:p14="http://schemas.microsoft.com/office/powerpoint/2010/main" Requires="p14">
+  <mc:AlternateContent xmlns:mc="http://schemas.openxmlformats.org/markup-compatibility/2006" xmlns:p14="http://schemas.microsoft.com/office/powerpoint/2010/main">
+    <mc:Choice Requires="p14">
       <p:transition spd="slow" p14:dur="2000" advTm="500"/>
     </mc:Choice>
-    <mc:Fallback>
+    <mc:Fallback xmlns="">
       <p:transition spd="slow" advTm="500"/>
     </mc:Fallback>
   </mc:AlternateContent>
@@ -5066,11 +5075,11 @@
   <p:clrMapOvr>
     <a:masterClrMapping/>
   </p:clrMapOvr>
-  <mc:AlternateContent xmlns:mc="http://schemas.openxmlformats.org/markup-compatibility/2006">
-    <mc:Choice xmlns:p14="http://schemas.microsoft.com/office/powerpoint/2010/main" Requires="p14">
+  <mc:AlternateContent xmlns:mc="http://schemas.openxmlformats.org/markup-compatibility/2006" xmlns:p14="http://schemas.microsoft.com/office/powerpoint/2010/main">
+    <mc:Choice Requires="p14">
       <p:transition spd="slow" p14:dur="2000"/>
     </mc:Choice>
-    <mc:Fallback>
+    <mc:Fallback xmlns="">
       <p:transition spd="slow"/>
     </mc:Fallback>
   </mc:AlternateContent>
@@ -6234,68 +6243,6 @@
       </p:sp>
       <p:sp>
         <p:nvSpPr>
-          <p:cNvPr id="21" name="TextBox 20"/>
-          <p:cNvSpPr txBox="1"/>
-          <p:nvPr/>
-        </p:nvSpPr>
-        <p:spPr>
-          <a:xfrm>
-            <a:off x="5723722" y="3495949"/>
-            <a:ext cx="4423006" cy="923330"/>
-          </a:xfrm>
-          <a:prstGeom prst="rect">
-            <a:avLst/>
-          </a:prstGeom>
-          <a:noFill/>
-        </p:spPr>
-        <p:txBody>
-          <a:bodyPr wrap="none" rtlCol="0">
-            <a:spAutoFit/>
-          </a:bodyPr>
-          <a:lstStyle/>
-          <a:p>
-            <a:r>
-              <a:rPr lang="en-US" b="1" dirty="0" smtClean="0"/>
-              <a:t>POST</a:t>
-            </a:r>
-            <a:r>
-              <a:rPr lang="en-US" dirty="0" smtClean="0"/>
-              <a:t>:</a:t>
-            </a:r>
-            <a:endParaRPr lang="ru-RU" dirty="0" smtClean="0"/>
-          </a:p>
-          <a:p>
-            <a:r>
-              <a:rPr lang="en-US" dirty="0" smtClean="0"/>
-              <a:t>?</a:t>
-            </a:r>
-            <a:r>
-              <a:rPr lang="en-US" i="1" dirty="0" err="1" smtClean="0"/>
-              <a:t>createUser</a:t>
-            </a:r>
-            <a:r>
-              <a:rPr lang="en-US" dirty="0" smtClean="0"/>
-              <a:t>=1</a:t>
-            </a:r>
-          </a:p>
-          <a:p>
-            <a:r>
-              <a:rPr lang="en-US" dirty="0"/>
-              <a:t> </a:t>
-            </a:r>
-            <a:r>
-              <a:rPr lang="en-US" dirty="0" smtClean="0"/>
-              <a:t> + JSON </a:t>
-            </a:r>
-            <a:r>
-              <a:rPr lang="ru-RU" dirty="0" smtClean="0"/>
-              <a:t>пользователя для создания записи</a:t>
-            </a:r>
-          </a:p>
-        </p:txBody>
-      </p:sp>
-      <p:sp>
-        <p:nvSpPr>
           <p:cNvPr id="22" name="Двойная стрелка влево/вправо 5"/>
           <p:cNvSpPr/>
           <p:nvPr/>
@@ -6506,232 +6453,17 @@
             </a:r>
             <a:r>
               <a:rPr lang="ru-RU" dirty="0" smtClean="0"/>
-              <a:t>с данными о кредитах и платежах</a:t>
-            </a:r>
-          </a:p>
-        </p:txBody>
-      </p:sp>
-      <p:sp>
-        <p:nvSpPr>
-          <p:cNvPr id="24" name="Двойная стрелка влево/вправо 5"/>
-          <p:cNvSpPr/>
-          <p:nvPr/>
-        </p:nvSpPr>
-        <p:spPr>
-          <a:xfrm rot="16200000" flipH="1">
-            <a:off x="10011291" y="4456108"/>
-            <a:ext cx="461653" cy="544683"/>
-          </a:xfrm>
-          <a:custGeom>
-            <a:avLst/>
-            <a:gdLst>
-              <a:gd name="connsiteX0" fmla="*/ 0 w 451412"/>
-              <a:gd name="connsiteY0" fmla="*/ 242316 h 484632"/>
-              <a:gd name="connsiteX1" fmla="*/ 135270 w 451412"/>
-              <a:gd name="connsiteY1" fmla="*/ 0 h 484632"/>
-              <a:gd name="connsiteX2" fmla="*/ 135270 w 451412"/>
-              <a:gd name="connsiteY2" fmla="*/ 90435 h 484632"/>
-              <a:gd name="connsiteX3" fmla="*/ 316142 w 451412"/>
-              <a:gd name="connsiteY3" fmla="*/ 90435 h 484632"/>
-              <a:gd name="connsiteX4" fmla="*/ 316142 w 451412"/>
-              <a:gd name="connsiteY4" fmla="*/ 0 h 484632"/>
-              <a:gd name="connsiteX5" fmla="*/ 451412 w 451412"/>
-              <a:gd name="connsiteY5" fmla="*/ 242316 h 484632"/>
-              <a:gd name="connsiteX6" fmla="*/ 316142 w 451412"/>
-              <a:gd name="connsiteY6" fmla="*/ 484632 h 484632"/>
-              <a:gd name="connsiteX7" fmla="*/ 316142 w 451412"/>
-              <a:gd name="connsiteY7" fmla="*/ 394197 h 484632"/>
-              <a:gd name="connsiteX8" fmla="*/ 135270 w 451412"/>
-              <a:gd name="connsiteY8" fmla="*/ 394197 h 484632"/>
-              <a:gd name="connsiteX9" fmla="*/ 135270 w 451412"/>
-              <a:gd name="connsiteY9" fmla="*/ 484632 h 484632"/>
-              <a:gd name="connsiteX10" fmla="*/ 0 w 451412"/>
-              <a:gd name="connsiteY10" fmla="*/ 242316 h 484632"/>
-              <a:gd name="connsiteX0" fmla="*/ 0 w 451412"/>
-              <a:gd name="connsiteY0" fmla="*/ 242316 h 484632"/>
-              <a:gd name="connsiteX1" fmla="*/ 135270 w 451412"/>
-              <a:gd name="connsiteY1" fmla="*/ 0 h 484632"/>
-              <a:gd name="connsiteX2" fmla="*/ 135270 w 451412"/>
-              <a:gd name="connsiteY2" fmla="*/ 90435 h 484632"/>
-              <a:gd name="connsiteX3" fmla="*/ 316142 w 451412"/>
-              <a:gd name="connsiteY3" fmla="*/ 90435 h 484632"/>
-              <a:gd name="connsiteX4" fmla="*/ 451412 w 451412"/>
-              <a:gd name="connsiteY4" fmla="*/ 242316 h 484632"/>
-              <a:gd name="connsiteX5" fmla="*/ 316142 w 451412"/>
-              <a:gd name="connsiteY5" fmla="*/ 484632 h 484632"/>
-              <a:gd name="connsiteX6" fmla="*/ 316142 w 451412"/>
-              <a:gd name="connsiteY6" fmla="*/ 394197 h 484632"/>
-              <a:gd name="connsiteX7" fmla="*/ 135270 w 451412"/>
-              <a:gd name="connsiteY7" fmla="*/ 394197 h 484632"/>
-              <a:gd name="connsiteX8" fmla="*/ 135270 w 451412"/>
-              <a:gd name="connsiteY8" fmla="*/ 484632 h 484632"/>
-              <a:gd name="connsiteX9" fmla="*/ 0 w 451412"/>
-              <a:gd name="connsiteY9" fmla="*/ 242316 h 484632"/>
-              <a:gd name="connsiteX0" fmla="*/ 0 w 316142"/>
-              <a:gd name="connsiteY0" fmla="*/ 242316 h 484632"/>
-              <a:gd name="connsiteX1" fmla="*/ 135270 w 316142"/>
-              <a:gd name="connsiteY1" fmla="*/ 0 h 484632"/>
-              <a:gd name="connsiteX2" fmla="*/ 135270 w 316142"/>
-              <a:gd name="connsiteY2" fmla="*/ 90435 h 484632"/>
-              <a:gd name="connsiteX3" fmla="*/ 316142 w 316142"/>
-              <a:gd name="connsiteY3" fmla="*/ 90435 h 484632"/>
-              <a:gd name="connsiteX4" fmla="*/ 316142 w 316142"/>
-              <a:gd name="connsiteY4" fmla="*/ 484632 h 484632"/>
-              <a:gd name="connsiteX5" fmla="*/ 316142 w 316142"/>
-              <a:gd name="connsiteY5" fmla="*/ 394197 h 484632"/>
-              <a:gd name="connsiteX6" fmla="*/ 135270 w 316142"/>
-              <a:gd name="connsiteY6" fmla="*/ 394197 h 484632"/>
-              <a:gd name="connsiteX7" fmla="*/ 135270 w 316142"/>
-              <a:gd name="connsiteY7" fmla="*/ 484632 h 484632"/>
-              <a:gd name="connsiteX8" fmla="*/ 0 w 316142"/>
-              <a:gd name="connsiteY8" fmla="*/ 242316 h 484632"/>
-              <a:gd name="connsiteX0" fmla="*/ 0 w 316142"/>
-              <a:gd name="connsiteY0" fmla="*/ 242316 h 484632"/>
-              <a:gd name="connsiteX1" fmla="*/ 135270 w 316142"/>
-              <a:gd name="connsiteY1" fmla="*/ 0 h 484632"/>
-              <a:gd name="connsiteX2" fmla="*/ 135270 w 316142"/>
-              <a:gd name="connsiteY2" fmla="*/ 90435 h 484632"/>
-              <a:gd name="connsiteX3" fmla="*/ 316142 w 316142"/>
-              <a:gd name="connsiteY3" fmla="*/ 90435 h 484632"/>
-              <a:gd name="connsiteX4" fmla="*/ 316142 w 316142"/>
-              <a:gd name="connsiteY4" fmla="*/ 394197 h 484632"/>
-              <a:gd name="connsiteX5" fmla="*/ 135270 w 316142"/>
-              <a:gd name="connsiteY5" fmla="*/ 394197 h 484632"/>
-              <a:gd name="connsiteX6" fmla="*/ 135270 w 316142"/>
-              <a:gd name="connsiteY6" fmla="*/ 484632 h 484632"/>
-              <a:gd name="connsiteX7" fmla="*/ 0 w 316142"/>
-              <a:gd name="connsiteY7" fmla="*/ 242316 h 484632"/>
-              <a:gd name="connsiteX0" fmla="*/ 0 w 316142"/>
-              <a:gd name="connsiteY0" fmla="*/ 242316 h 484632"/>
-              <a:gd name="connsiteX1" fmla="*/ 135270 w 316142"/>
-              <a:gd name="connsiteY1" fmla="*/ 0 h 484632"/>
-              <a:gd name="connsiteX2" fmla="*/ 135270 w 316142"/>
-              <a:gd name="connsiteY2" fmla="*/ 90435 h 484632"/>
-              <a:gd name="connsiteX3" fmla="*/ 316142 w 316142"/>
-              <a:gd name="connsiteY3" fmla="*/ 394197 h 484632"/>
-              <a:gd name="connsiteX4" fmla="*/ 135270 w 316142"/>
-              <a:gd name="connsiteY4" fmla="*/ 394197 h 484632"/>
-              <a:gd name="connsiteX5" fmla="*/ 135270 w 316142"/>
-              <a:gd name="connsiteY5" fmla="*/ 484632 h 484632"/>
-              <a:gd name="connsiteX6" fmla="*/ 0 w 316142"/>
-              <a:gd name="connsiteY6" fmla="*/ 242316 h 484632"/>
-            </a:gdLst>
-            <a:ahLst/>
-            <a:cxnLst>
-              <a:cxn ang="0">
-                <a:pos x="connsiteX0" y="connsiteY0"/>
-              </a:cxn>
-              <a:cxn ang="0">
-                <a:pos x="connsiteX1" y="connsiteY1"/>
-              </a:cxn>
-              <a:cxn ang="0">
-                <a:pos x="connsiteX2" y="connsiteY2"/>
-              </a:cxn>
-              <a:cxn ang="0">
-                <a:pos x="connsiteX3" y="connsiteY3"/>
-              </a:cxn>
-              <a:cxn ang="0">
-                <a:pos x="connsiteX4" y="connsiteY4"/>
-              </a:cxn>
-              <a:cxn ang="0">
-                <a:pos x="connsiteX5" y="connsiteY5"/>
-              </a:cxn>
-              <a:cxn ang="0">
-                <a:pos x="connsiteX6" y="connsiteY6"/>
-              </a:cxn>
-            </a:cxnLst>
-            <a:rect l="l" t="t" r="r" b="b"/>
-            <a:pathLst>
-              <a:path w="316142" h="484632">
-                <a:moveTo>
-                  <a:pt x="0" y="242316"/>
-                </a:moveTo>
-                <a:lnTo>
-                  <a:pt x="135270" y="0"/>
-                </a:lnTo>
-                <a:lnTo>
-                  <a:pt x="135270" y="90435"/>
-                </a:lnTo>
-                <a:lnTo>
-                  <a:pt x="316142" y="394197"/>
-                </a:lnTo>
-                <a:lnTo>
-                  <a:pt x="135270" y="394197"/>
-                </a:lnTo>
-                <a:lnTo>
-                  <a:pt x="135270" y="484632"/>
-                </a:lnTo>
-                <a:lnTo>
-                  <a:pt x="0" y="242316"/>
-                </a:lnTo>
-                <a:close/>
-              </a:path>
-            </a:pathLst>
-          </a:custGeom>
-        </p:spPr>
-        <p:style>
-          <a:lnRef idx="2">
-            <a:schemeClr val="accent2">
-              <a:shade val="50000"/>
-            </a:schemeClr>
-          </a:lnRef>
-          <a:fillRef idx="1">
-            <a:schemeClr val="accent2"/>
-          </a:fillRef>
-          <a:effectRef idx="0">
-            <a:schemeClr val="accent2"/>
-          </a:effectRef>
-          <a:fontRef idx="minor">
-            <a:schemeClr val="lt1"/>
-          </a:fontRef>
-        </p:style>
-        <p:txBody>
-          <a:bodyPr rtlCol="0" anchor="ctr"/>
-          <a:lstStyle/>
-          <a:p>
-            <a:pPr algn="ctr"/>
-            <a:endParaRPr lang="ru-RU"/>
-          </a:p>
-        </p:txBody>
-      </p:sp>
-      <p:sp>
-        <p:nvSpPr>
-          <p:cNvPr id="25" name="TextBox 24"/>
-          <p:cNvSpPr txBox="1"/>
-          <p:nvPr/>
-        </p:nvSpPr>
-        <p:spPr>
-          <a:xfrm>
-            <a:off x="5723722" y="4405285"/>
-            <a:ext cx="4212050" cy="646331"/>
-          </a:xfrm>
-          <a:prstGeom prst="rect">
-            <a:avLst/>
-          </a:prstGeom>
-          <a:noFill/>
-        </p:spPr>
-        <p:txBody>
-          <a:bodyPr wrap="square" rtlCol="0">
-            <a:spAutoFit/>
-          </a:bodyPr>
-          <a:lstStyle/>
-          <a:p>
-            <a:pPr algn="r"/>
+              <a:t>с данными о кредитах и </a:t>
+            </a:r>
+            <a:r>
+              <a:rPr lang="ru-RU" dirty="0" smtClean="0"/>
+              <a:t>платежах</a:t>
+            </a:r>
             <a:r>
               <a:rPr lang="en-US" dirty="0" smtClean="0"/>
-              <a:t>JSON </a:t>
-            </a:r>
-            <a:r>
-              <a:rPr lang="ru-RU" dirty="0" smtClean="0"/>
-              <a:t>с идентификатором пользователя</a:t>
-            </a:r>
-          </a:p>
-          <a:p>
-            <a:pPr algn="r"/>
-            <a:r>
-              <a:rPr lang="ru-RU" dirty="0" smtClean="0"/>
-              <a:t>(новым или уже имеющимся)</a:t>
-            </a:r>
+              <a:t>:</a:t>
+            </a:r>
+            <a:endParaRPr lang="ru-RU" dirty="0" smtClean="0"/>
           </a:p>
         </p:txBody>
       </p:sp>
@@ -7354,6 +7086,105 @@
           </a:p>
         </p:txBody>
       </p:sp>
+      <p:sp>
+        <p:nvSpPr>
+          <p:cNvPr id="19" name="TextBox 18"/>
+          <p:cNvSpPr txBox="1"/>
+          <p:nvPr/>
+        </p:nvSpPr>
+        <p:spPr>
+          <a:xfrm>
+            <a:off x="5858436" y="3449788"/>
+            <a:ext cx="4077335" cy="2031325"/>
+          </a:xfrm>
+          <a:prstGeom prst="rect">
+            <a:avLst/>
+          </a:prstGeom>
+          <a:noFill/>
+        </p:spPr>
+        <p:txBody>
+          <a:bodyPr wrap="square" rtlCol="0">
+            <a:spAutoFit/>
+          </a:bodyPr>
+          <a:lstStyle/>
+          <a:p>
+            <a:r>
+              <a:rPr lang="en-US" dirty="0" smtClean="0"/>
+              <a:t>{</a:t>
+            </a:r>
+          </a:p>
+          <a:p>
+            <a:r>
+              <a:rPr lang="en-US" dirty="0"/>
+              <a:t> </a:t>
+            </a:r>
+            <a:r>
+              <a:rPr lang="en-US" dirty="0" smtClean="0"/>
+              <a:t>  </a:t>
+            </a:r>
+            <a:r>
+              <a:rPr lang="en-US" dirty="0" err="1" smtClean="0"/>
+              <a:t>creditsAndPayments</a:t>
+            </a:r>
+            <a:r>
+              <a:rPr lang="en-US" dirty="0" smtClean="0"/>
+              <a:t>:[</a:t>
+            </a:r>
+          </a:p>
+          <a:p>
+            <a:r>
+              <a:rPr lang="en-US" dirty="0"/>
+              <a:t> </a:t>
+            </a:r>
+            <a:r>
+              <a:rPr lang="en-US" dirty="0" smtClean="0"/>
+              <a:t>      {credit: {}, payments: [{}, {}, …]},</a:t>
+            </a:r>
+          </a:p>
+          <a:p>
+            <a:r>
+              <a:rPr lang="en-US" dirty="0"/>
+              <a:t> </a:t>
+            </a:r>
+            <a:r>
+              <a:rPr lang="en-US" dirty="0" smtClean="0"/>
+              <a:t>      {credit: {}, payments: […]},</a:t>
+            </a:r>
+          </a:p>
+          <a:p>
+            <a:r>
+              <a:rPr lang="en-US" dirty="0"/>
+              <a:t> </a:t>
+            </a:r>
+            <a:r>
+              <a:rPr lang="en-US" dirty="0" smtClean="0"/>
+              <a:t>      …</a:t>
+            </a:r>
+            <a:endParaRPr lang="en-US" dirty="0" smtClean="0"/>
+          </a:p>
+          <a:p>
+            <a:r>
+              <a:rPr lang="en-US" dirty="0"/>
+              <a:t> </a:t>
+            </a:r>
+            <a:r>
+              <a:rPr lang="en-US" dirty="0" smtClean="0"/>
+              <a:t>  </a:t>
+            </a:r>
+            <a:r>
+              <a:rPr lang="en-US" dirty="0" smtClean="0"/>
+              <a:t>]</a:t>
+            </a:r>
+          </a:p>
+          <a:p>
+            <a:r>
+              <a:rPr lang="en-US" dirty="0" smtClean="0"/>
+              <a:t>}</a:t>
+            </a:r>
+            <a:endParaRPr lang="ru-RU" dirty="0" smtClean="0"/>
+          </a:p>
+        </p:txBody>
+      </p:sp>
     </p:spTree>
     <p:extLst>
       <p:ext uri="{BB962C8B-B14F-4D97-AF65-F5344CB8AC3E}">
@@ -7364,11 +7195,11 @@
   <p:clrMapOvr>
     <a:masterClrMapping/>
   </p:clrMapOvr>
-  <mc:AlternateContent xmlns:mc="http://schemas.openxmlformats.org/markup-compatibility/2006">
-    <mc:Choice xmlns:p14="http://schemas.microsoft.com/office/powerpoint/2010/main" Requires="p14">
+  <mc:AlternateContent xmlns:mc="http://schemas.openxmlformats.org/markup-compatibility/2006" xmlns:p14="http://schemas.microsoft.com/office/powerpoint/2010/main">
+    <mc:Choice Requires="p14">
       <p:transition spd="slow" p14:dur="2000" advTm="2000"/>
     </mc:Choice>
-    <mc:Fallback>
+    <mc:Fallback xmlns="">
       <p:transition spd="slow" advTm="2000"/>
     </mc:Fallback>
   </mc:AlternateContent>
@@ -7519,7 +7350,7 @@
                                       <p:cBhvr>
                                         <p:cTn id="16" dur="500"/>
                                         <p:tgtEl>
-                                          <p:spTgt spid="25"/>
+                                          <p:spTgt spid="11"/>
                                         </p:tgtEl>
                                       </p:cBhvr>
                                     </p:animEffect>
@@ -7531,7 +7362,7 @@
                                           </p:stCondLst>
                                         </p:cTn>
                                         <p:tgtEl>
-                                          <p:spTgt spid="25"/>
+                                          <p:spTgt spid="11"/>
                                         </p:tgtEl>
                                         <p:attrNameLst>
                                           <p:attrName>style.visibility</p:attrName>
@@ -7554,7 +7385,7 @@
                                       <p:cBhvr>
                                         <p:cTn id="19" dur="500"/>
                                         <p:tgtEl>
-                                          <p:spTgt spid="21"/>
+                                          <p:spTgt spid="23"/>
                                         </p:tgtEl>
                                       </p:cBhvr>
                                     </p:animEffect>
@@ -7566,7 +7397,7 @@
                                           </p:stCondLst>
                                         </p:cTn>
                                         <p:tgtEl>
-                                          <p:spTgt spid="21"/>
+                                          <p:spTgt spid="23"/>
                                         </p:tgtEl>
                                         <p:attrNameLst>
                                           <p:attrName>style.visibility</p:attrName>
@@ -7589,7 +7420,7 @@
                                       <p:cBhvr>
                                         <p:cTn id="22" dur="500"/>
                                         <p:tgtEl>
-                                          <p:spTgt spid="11"/>
+                                          <p:spTgt spid="17"/>
                                         </p:tgtEl>
                                       </p:cBhvr>
                                     </p:animEffect>
@@ -7601,7 +7432,7 @@
                                           </p:stCondLst>
                                         </p:cTn>
                                         <p:tgtEl>
-                                          <p:spTgt spid="11"/>
+                                          <p:spTgt spid="17"/>
                                         </p:tgtEl>
                                         <p:attrNameLst>
                                           <p:attrName>style.visibility</p:attrName>
@@ -7624,7 +7455,7 @@
                                       <p:cBhvr>
                                         <p:cTn id="25" dur="500"/>
                                         <p:tgtEl>
-                                          <p:spTgt spid="23"/>
+                                          <p:spTgt spid="16"/>
                                         </p:tgtEl>
                                       </p:cBhvr>
                                     </p:animEffect>
@@ -7636,7 +7467,7 @@
                                           </p:stCondLst>
                                         </p:cTn>
                                         <p:tgtEl>
-                                          <p:spTgt spid="23"/>
+                                          <p:spTgt spid="16"/>
                                         </p:tgtEl>
                                         <p:attrNameLst>
                                           <p:attrName>style.visibility</p:attrName>
@@ -7659,7 +7490,7 @@
                                       <p:cBhvr>
                                         <p:cTn id="28" dur="500"/>
                                         <p:tgtEl>
-                                          <p:spTgt spid="17"/>
+                                          <p:spTgt spid="15"/>
                                         </p:tgtEl>
                                       </p:cBhvr>
                                     </p:animEffect>
@@ -7671,7 +7502,7 @@
                                           </p:stCondLst>
                                         </p:cTn>
                                         <p:tgtEl>
-                                          <p:spTgt spid="17"/>
+                                          <p:spTgt spid="15"/>
                                         </p:tgtEl>
                                         <p:attrNameLst>
                                           <p:attrName>style.visibility</p:attrName>
@@ -7694,118 +7525,13 @@
                                       <p:cBhvr>
                                         <p:cTn id="31" dur="500"/>
                                         <p:tgtEl>
-                                          <p:spTgt spid="16"/>
+                                          <p:spTgt spid="22"/>
                                         </p:tgtEl>
                                       </p:cBhvr>
                                     </p:animEffect>
                                     <p:set>
                                       <p:cBhvr>
                                         <p:cTn id="32" dur="1" fill="hold">
-                                          <p:stCondLst>
-                                            <p:cond delay="499"/>
-                                          </p:stCondLst>
-                                        </p:cTn>
-                                        <p:tgtEl>
-                                          <p:spTgt spid="16"/>
-                                        </p:tgtEl>
-                                        <p:attrNameLst>
-                                          <p:attrName>style.visibility</p:attrName>
-                                        </p:attrNameLst>
-                                      </p:cBhvr>
-                                      <p:to>
-                                        <p:strVal val="hidden"/>
-                                      </p:to>
-                                    </p:set>
-                                  </p:childTnLst>
-                                </p:cTn>
-                              </p:par>
-                              <p:par>
-                                <p:cTn id="33" presetID="22" presetClass="exit" presetSubtype="4" fill="hold" grpId="0" nodeType="withEffect">
-                                  <p:stCondLst>
-                                    <p:cond delay="0"/>
-                                  </p:stCondLst>
-                                  <p:childTnLst>
-                                    <p:animEffect transition="out" filter="wipe(down)">
-                                      <p:cBhvr>
-                                        <p:cTn id="34" dur="500"/>
-                                        <p:tgtEl>
-                                          <p:spTgt spid="15"/>
-                                        </p:tgtEl>
-                                      </p:cBhvr>
-                                    </p:animEffect>
-                                    <p:set>
-                                      <p:cBhvr>
-                                        <p:cTn id="35" dur="1" fill="hold">
-                                          <p:stCondLst>
-                                            <p:cond delay="499"/>
-                                          </p:stCondLst>
-                                        </p:cTn>
-                                        <p:tgtEl>
-                                          <p:spTgt spid="15"/>
-                                        </p:tgtEl>
-                                        <p:attrNameLst>
-                                          <p:attrName>style.visibility</p:attrName>
-                                        </p:attrNameLst>
-                                      </p:cBhvr>
-                                      <p:to>
-                                        <p:strVal val="hidden"/>
-                                      </p:to>
-                                    </p:set>
-                                  </p:childTnLst>
-                                </p:cTn>
-                              </p:par>
-                              <p:par>
-                                <p:cTn id="36" presetID="22" presetClass="exit" presetSubtype="4" fill="hold" grpId="0" nodeType="withEffect">
-                                  <p:stCondLst>
-                                    <p:cond delay="0"/>
-                                  </p:stCondLst>
-                                  <p:childTnLst>
-                                    <p:animEffect transition="out" filter="wipe(down)">
-                                      <p:cBhvr>
-                                        <p:cTn id="37" dur="500"/>
-                                        <p:tgtEl>
-                                          <p:spTgt spid="24"/>
-                                        </p:tgtEl>
-                                      </p:cBhvr>
-                                    </p:animEffect>
-                                    <p:set>
-                                      <p:cBhvr>
-                                        <p:cTn id="38" dur="1" fill="hold">
-                                          <p:stCondLst>
-                                            <p:cond delay="499"/>
-                                          </p:stCondLst>
-                                        </p:cTn>
-                                        <p:tgtEl>
-                                          <p:spTgt spid="24"/>
-                                        </p:tgtEl>
-                                        <p:attrNameLst>
-                                          <p:attrName>style.visibility</p:attrName>
-                                        </p:attrNameLst>
-                                      </p:cBhvr>
-                                      <p:to>
-                                        <p:strVal val="hidden"/>
-                                      </p:to>
-                                    </p:set>
-                                  </p:childTnLst>
-                                </p:cTn>
-                              </p:par>
-                              <p:par>
-                                <p:cTn id="39" presetID="22" presetClass="exit" presetSubtype="4" fill="hold" grpId="0" nodeType="withEffect">
-                                  <p:stCondLst>
-                                    <p:cond delay="0"/>
-                                  </p:stCondLst>
-                                  <p:childTnLst>
-                                    <p:animEffect transition="out" filter="wipe(down)">
-                                      <p:cBhvr>
-                                        <p:cTn id="40" dur="500"/>
-                                        <p:tgtEl>
-                                          <p:spTgt spid="22"/>
-                                        </p:tgtEl>
-                                      </p:cBhvr>
-                                    </p:animEffect>
-                                    <p:set>
-                                      <p:cBhvr>
-                                        <p:cTn id="41" dur="1" fill="hold">
                                           <p:stCondLst>
                                             <p:cond delay="499"/>
                                           </p:stCondLst>
@@ -7828,20 +7554,20 @@
                           </p:cTn>
                         </p:par>
                         <p:par>
-                          <p:cTn id="42" fill="hold">
+                          <p:cTn id="33" fill="hold">
                             <p:stCondLst>
                               <p:cond delay="1000"/>
                             </p:stCondLst>
                             <p:childTnLst>
                               <p:par>
-                                <p:cTn id="43" presetID="22" presetClass="exit" presetSubtype="4" fill="hold" grpId="0" nodeType="afterEffect">
+                                <p:cTn id="34" presetID="22" presetClass="exit" presetSubtype="4" fill="hold" grpId="0" nodeType="afterEffect">
                                   <p:stCondLst>
                                     <p:cond delay="0"/>
                                   </p:stCondLst>
                                   <p:childTnLst>
                                     <p:animEffect transition="out" filter="wipe(down)">
                                       <p:cBhvr>
-                                        <p:cTn id="44" dur="1000"/>
+                                        <p:cTn id="35" dur="1000"/>
                                         <p:tgtEl>
                                           <p:spTgt spid="2"/>
                                         </p:tgtEl>
@@ -7849,13 +7575,48 @@
                                     </p:animEffect>
                                     <p:set>
                                       <p:cBhvr>
-                                        <p:cTn id="45" dur="1" fill="hold">
+                                        <p:cTn id="36" dur="1" fill="hold">
                                           <p:stCondLst>
                                             <p:cond delay="999"/>
                                           </p:stCondLst>
                                         </p:cTn>
                                         <p:tgtEl>
                                           <p:spTgt spid="2"/>
+                                        </p:tgtEl>
+                                        <p:attrNameLst>
+                                          <p:attrName>style.visibility</p:attrName>
+                                        </p:attrNameLst>
+                                      </p:cBhvr>
+                                      <p:to>
+                                        <p:strVal val="hidden"/>
+                                      </p:to>
+                                    </p:set>
+                                  </p:childTnLst>
+                                </p:cTn>
+                              </p:par>
+                              <p:par>
+                                <p:cTn id="37" presetID="22" presetClass="exit" presetSubtype="4" fill="hold" grpId="0" nodeType="withEffect">
+                                  <p:stCondLst>
+                                    <p:cond delay="0"/>
+                                  </p:stCondLst>
+                                  <p:childTnLst>
+                                    <p:animEffect transition="out" filter="wipe(down)">
+                                      <p:cBhvr>
+                                        <p:cTn id="38" dur="500"/>
+                                        <p:tgtEl>
+                                          <p:spTgt spid="19"/>
+                                        </p:tgtEl>
+                                      </p:cBhvr>
+                                    </p:animEffect>
+                                    <p:set>
+                                      <p:cBhvr>
+                                        <p:cTn id="39" dur="1" fill="hold">
+                                          <p:stCondLst>
+                                            <p:cond delay="499"/>
+                                          </p:stCondLst>
+                                        </p:cTn>
+                                        <p:tgtEl>
+                                          <p:spTgt spid="19"/>
                                         </p:tgtEl>
                                         <p:attrNameLst>
                                           <p:attrName>style.visibility</p:attrName>
@@ -7901,13 +7662,11 @@
       <p:bldP spid="15" grpId="0"/>
       <p:bldP spid="16" grpId="0" animBg="1"/>
       <p:bldP spid="17" grpId="0"/>
-      <p:bldP spid="21" grpId="0"/>
       <p:bldP spid="22" grpId="0" animBg="1"/>
       <p:bldP spid="23" grpId="0"/>
-      <p:bldP spid="24" grpId="0" animBg="1"/>
-      <p:bldP spid="25" grpId="0"/>
       <p:bldP spid="26" grpId="0" animBg="1"/>
       <p:bldP spid="27" grpId="0" animBg="1"/>
+      <p:bldP spid="19" grpId="0"/>
     </p:bldLst>
   </p:timing>
 </p:sld>
@@ -8122,11 +7881,11 @@
   <p:clrMapOvr>
     <a:masterClrMapping/>
   </p:clrMapOvr>
-  <mc:AlternateContent xmlns:mc="http://schemas.openxmlformats.org/markup-compatibility/2006">
-    <mc:Choice xmlns:p14="http://schemas.microsoft.com/office/powerpoint/2010/main" Requires="p14">
+  <mc:AlternateContent xmlns:mc="http://schemas.openxmlformats.org/markup-compatibility/2006" xmlns:p14="http://schemas.microsoft.com/office/powerpoint/2010/main">
+    <mc:Choice Requires="p14">
       <p:transition spd="slow" p14:dur="2000" advTm="500"/>
     </mc:Choice>
-    <mc:Fallback>
+    <mc:Fallback xmlns="">
       <p:transition spd="slow" advTm="500"/>
     </mc:Fallback>
   </mc:AlternateContent>
@@ -8437,11 +8196,11 @@
   <p:clrMapOvr>
     <a:masterClrMapping/>
   </p:clrMapOvr>
-  <mc:AlternateContent xmlns:mc="http://schemas.openxmlformats.org/markup-compatibility/2006">
-    <mc:Choice xmlns:p14="http://schemas.microsoft.com/office/powerpoint/2010/main" Requires="p14">
+  <mc:AlternateContent xmlns:mc="http://schemas.openxmlformats.org/markup-compatibility/2006" xmlns:p14="http://schemas.microsoft.com/office/powerpoint/2010/main">
+    <mc:Choice Requires="p14">
       <p:transition spd="slow" p14:dur="2000" advTm="500"/>
     </mc:Choice>
-    <mc:Fallback>
+    <mc:Fallback xmlns="">
       <p:transition spd="slow" advTm="500"/>
     </mc:Fallback>
   </mc:AlternateContent>
@@ -8803,11 +8562,11 @@
   <p:clrMapOvr>
     <a:masterClrMapping/>
   </p:clrMapOvr>
-  <mc:AlternateContent xmlns:mc="http://schemas.openxmlformats.org/markup-compatibility/2006">
-    <mc:Choice xmlns:p14="http://schemas.microsoft.com/office/powerpoint/2010/main" Requires="p14">
+  <mc:AlternateContent xmlns:mc="http://schemas.openxmlformats.org/markup-compatibility/2006" xmlns:p14="http://schemas.microsoft.com/office/powerpoint/2010/main">
+    <mc:Choice Requires="p14">
       <p:transition spd="slow" p14:dur="2000"/>
     </mc:Choice>
-    <mc:Fallback>
+    <mc:Fallback xmlns="">
       <p:transition spd="slow"/>
     </mc:Fallback>
   </mc:AlternateContent>
@@ -9325,11 +9084,11 @@
   <p:clrMapOvr>
     <a:masterClrMapping/>
   </p:clrMapOvr>
-  <mc:AlternateContent xmlns:mc="http://schemas.openxmlformats.org/markup-compatibility/2006">
-    <mc:Choice xmlns:p14="http://schemas.microsoft.com/office/powerpoint/2010/main" Requires="p14">
+  <mc:AlternateContent xmlns:mc="http://schemas.openxmlformats.org/markup-compatibility/2006" xmlns:p14="http://schemas.microsoft.com/office/powerpoint/2010/main">
+    <mc:Choice Requires="p14">
       <p:transition spd="slow" p14:dur="2000"/>
     </mc:Choice>
-    <mc:Fallback>
+    <mc:Fallback xmlns="">
       <p:transition spd="slow"/>
     </mc:Fallback>
   </mc:AlternateContent>
@@ -9805,11 +9564,11 @@
   <p:clrMapOvr>
     <a:masterClrMapping/>
   </p:clrMapOvr>
-  <mc:AlternateContent xmlns:mc="http://schemas.openxmlformats.org/markup-compatibility/2006">
-    <mc:Choice xmlns:p14="http://schemas.microsoft.com/office/powerpoint/2010/main" Requires="p14">
+  <mc:AlternateContent xmlns:mc="http://schemas.openxmlformats.org/markup-compatibility/2006" xmlns:p14="http://schemas.microsoft.com/office/powerpoint/2010/main">
+    <mc:Choice Requires="p14">
       <p:transition spd="slow" p14:dur="2000"/>
     </mc:Choice>
-    <mc:Fallback>
+    <mc:Fallback xmlns="">
       <p:transition spd="slow"/>
     </mc:Fallback>
   </mc:AlternateContent>
@@ -9941,6 +9700,2801 @@
 </p:sld>
 </file>
 
+<file path=ppt/slides/slide18.xml><?xml version="1.0" encoding="utf-8"?>
+<p:sld xmlns:a="http://schemas.openxmlformats.org/drawingml/2006/main" xmlns:r="http://schemas.openxmlformats.org/officeDocument/2006/relationships" xmlns:p="http://schemas.openxmlformats.org/presentationml/2006/main">
+  <p:cSld>
+    <p:spTree>
+      <p:nvGrpSpPr>
+        <p:cNvPr id="1" name=""/>
+        <p:cNvGrpSpPr/>
+        <p:nvPr/>
+      </p:nvGrpSpPr>
+      <p:grpSpPr>
+        <a:xfrm>
+          <a:off x="0" y="0"/>
+          <a:ext cx="0" cy="0"/>
+          <a:chOff x="0" y="0"/>
+          <a:chExt cx="0" cy="0"/>
+        </a:xfrm>
+      </p:grpSpPr>
+      <p:sp>
+        <p:nvSpPr>
+          <p:cNvPr id="36" name="Прямоугольник 35"/>
+          <p:cNvSpPr/>
+          <p:nvPr/>
+        </p:nvSpPr>
+        <p:spPr>
+          <a:xfrm>
+            <a:off x="1529785" y="1167563"/>
+            <a:ext cx="9132429" cy="4480883"/>
+          </a:xfrm>
+          <a:prstGeom prst="rect">
+            <a:avLst/>
+          </a:prstGeom>
+          <a:solidFill>
+            <a:schemeClr val="bg1"/>
+          </a:solidFill>
+        </p:spPr>
+        <p:style>
+          <a:lnRef idx="2">
+            <a:schemeClr val="accent1">
+              <a:shade val="50000"/>
+            </a:schemeClr>
+          </a:lnRef>
+          <a:fillRef idx="1">
+            <a:schemeClr val="accent1"/>
+          </a:fillRef>
+          <a:effectRef idx="0">
+            <a:schemeClr val="accent1"/>
+          </a:effectRef>
+          <a:fontRef idx="minor">
+            <a:schemeClr val="lt1"/>
+          </a:fontRef>
+        </p:style>
+        <p:txBody>
+          <a:bodyPr rtlCol="0" anchor="ctr"/>
+          <a:lstStyle/>
+          <a:p>
+            <a:pPr algn="ctr"/>
+            <a:endParaRPr lang="ru-RU" dirty="0">
+              <a:solidFill>
+                <a:schemeClr val="tx1"/>
+              </a:solidFill>
+            </a:endParaRPr>
+          </a:p>
+        </p:txBody>
+      </p:sp>
+      <p:sp>
+        <p:nvSpPr>
+          <p:cNvPr id="10" name="TextBox 9"/>
+          <p:cNvSpPr txBox="1"/>
+          <p:nvPr/>
+        </p:nvSpPr>
+        <p:spPr>
+          <a:xfrm>
+            <a:off x="914401" y="151900"/>
+            <a:ext cx="10363199" cy="1015663"/>
+          </a:xfrm>
+          <a:prstGeom prst="rect">
+            <a:avLst/>
+          </a:prstGeom>
+          <a:noFill/>
+        </p:spPr>
+        <p:txBody>
+          <a:bodyPr wrap="square" rtlCol="0" anchor="ctr">
+            <a:spAutoFit/>
+          </a:bodyPr>
+          <a:lstStyle/>
+          <a:p>
+            <a:pPr algn="ctr"/>
+            <a:r>
+              <a:rPr lang="ru-RU" sz="6000" b="1" dirty="0" smtClean="0"/>
+              <a:t>Устройство сервисов</a:t>
+            </a:r>
+          </a:p>
+        </p:txBody>
+      </p:sp>
+      <p:sp>
+        <p:nvSpPr>
+          <p:cNvPr id="2" name="TextBox 1"/>
+          <p:cNvSpPr txBox="1"/>
+          <p:nvPr/>
+        </p:nvSpPr>
+        <p:spPr>
+          <a:xfrm>
+            <a:off x="3953595" y="1167563"/>
+            <a:ext cx="4284827" cy="461665"/>
+          </a:xfrm>
+          <a:prstGeom prst="rect">
+            <a:avLst/>
+          </a:prstGeom>
+          <a:noFill/>
+        </p:spPr>
+        <p:txBody>
+          <a:bodyPr wrap="none" rtlCol="0">
+            <a:spAutoFit/>
+          </a:bodyPr>
+          <a:lstStyle/>
+          <a:p>
+            <a:pPr algn="ctr"/>
+            <a:r>
+              <a:rPr lang="ru-RU" sz="2400" b="1" dirty="0" smtClean="0"/>
+              <a:t>Сервис </a:t>
+            </a:r>
+            <a:r>
+              <a:rPr lang="ru-RU" sz="2400" b="1" dirty="0" smtClean="0"/>
+              <a:t>данных пользователей</a:t>
+            </a:r>
+            <a:endParaRPr lang="ru-RU" sz="2400" b="1" dirty="0"/>
+          </a:p>
+        </p:txBody>
+      </p:sp>
+      <p:sp>
+        <p:nvSpPr>
+          <p:cNvPr id="11" name="TextBox 10"/>
+          <p:cNvSpPr txBox="1"/>
+          <p:nvPr/>
+        </p:nvSpPr>
+        <p:spPr>
+          <a:xfrm>
+            <a:off x="1552794" y="1629228"/>
+            <a:ext cx="3482055" cy="2677656"/>
+          </a:xfrm>
+          <a:prstGeom prst="rect">
+            <a:avLst/>
+          </a:prstGeom>
+          <a:noFill/>
+        </p:spPr>
+        <p:txBody>
+          <a:bodyPr wrap="square" rtlCol="0">
+            <a:spAutoFit/>
+          </a:bodyPr>
+          <a:lstStyle/>
+          <a:p>
+            <a:r>
+              <a:rPr lang="ru-RU" dirty="0" smtClean="0"/>
+              <a:t>База данных с </a:t>
+            </a:r>
+            <a:r>
+              <a:rPr lang="ru-RU" sz="2400" dirty="0"/>
+              <a:t>3</a:t>
+            </a:r>
+            <a:r>
+              <a:rPr lang="ru-RU" dirty="0" smtClean="0"/>
+              <a:t>-мя </a:t>
+            </a:r>
+            <a:r>
+              <a:rPr lang="ru-RU" dirty="0" smtClean="0"/>
+              <a:t>таблицами:</a:t>
+            </a:r>
+          </a:p>
+          <a:p>
+            <a:pPr marL="285750" indent="-285750">
+              <a:buFont typeface="Arial" panose="020B0604020202020204" pitchFamily="34" charset="0"/>
+              <a:buChar char="•"/>
+            </a:pPr>
+            <a:r>
+              <a:rPr lang="en-US" dirty="0" smtClean="0"/>
+              <a:t>Users</a:t>
+            </a:r>
+          </a:p>
+          <a:p>
+            <a:pPr marL="742950" lvl="1" indent="-285750">
+              <a:buFont typeface="Arial" panose="020B0604020202020204" pitchFamily="34" charset="0"/>
+              <a:buChar char="•"/>
+            </a:pPr>
+            <a:r>
+              <a:rPr lang="ru-RU" dirty="0" smtClean="0"/>
+              <a:t>Информация о пользователях</a:t>
+            </a:r>
+            <a:endParaRPr lang="en-US" dirty="0" smtClean="0"/>
+          </a:p>
+          <a:p>
+            <a:pPr marL="285750" indent="-285750">
+              <a:buFont typeface="Arial" panose="020B0604020202020204" pitchFamily="34" charset="0"/>
+              <a:buChar char="•"/>
+            </a:pPr>
+            <a:r>
+              <a:rPr lang="en-US" dirty="0" smtClean="0"/>
+              <a:t>Sexes</a:t>
+            </a:r>
+          </a:p>
+          <a:p>
+            <a:pPr marL="285750" indent="-285750">
+              <a:buFont typeface="Arial" panose="020B0604020202020204" pitchFamily="34" charset="0"/>
+              <a:buChar char="•"/>
+            </a:pPr>
+            <a:r>
+              <a:rPr lang="en-US" dirty="0" smtClean="0"/>
+              <a:t>Parents</a:t>
+            </a:r>
+            <a:endParaRPr lang="ru-RU" dirty="0" smtClean="0"/>
+          </a:p>
+          <a:p>
+            <a:pPr marL="742950" lvl="1" indent="-285750">
+              <a:buFont typeface="Arial" panose="020B0604020202020204" pitchFamily="34" charset="0"/>
+              <a:buChar char="•"/>
+            </a:pPr>
+            <a:r>
+              <a:rPr lang="ru-RU" dirty="0" smtClean="0"/>
+              <a:t>Установка связи родитель-ребёнок между пользователями</a:t>
+            </a:r>
+            <a:endParaRPr lang="ru-RU" dirty="0" smtClean="0"/>
+          </a:p>
+        </p:txBody>
+      </p:sp>
+      <p:pic>
+        <p:nvPicPr>
+          <p:cNvPr id="2052" name="Picture 4" descr="Database Table Icons - Download Free Vector Icons | Noun Project"/>
+          <p:cNvPicPr>
+            <a:picLocks noChangeAspect="1" noChangeArrowheads="1"/>
+          </p:cNvPicPr>
+          <p:nvPr/>
+        </p:nvPicPr>
+        <p:blipFill>
+          <a:blip r:embed="rId2">
+            <a:extLst>
+              <a:ext uri="{28A0092B-C50C-407E-A947-70E740481C1C}">
+                <a14:useLocalDpi xmlns:a14="http://schemas.microsoft.com/office/drawing/2010/main" val="0"/>
+              </a:ext>
+            </a:extLst>
+          </a:blip>
+          <a:srcRect/>
+          <a:stretch>
+            <a:fillRect/>
+          </a:stretch>
+        </p:blipFill>
+        <p:spPr bwMode="auto">
+          <a:xfrm>
+            <a:off x="3784922" y="4190315"/>
+            <a:ext cx="1458131" cy="1458131"/>
+          </a:xfrm>
+          <a:prstGeom prst="rect">
+            <a:avLst/>
+          </a:prstGeom>
+          <a:noFill/>
+          <a:extLst>
+            <a:ext uri="{909E8E84-426E-40DD-AFC4-6F175D3DCCD1}">
+              <a14:hiddenFill xmlns:a14="http://schemas.microsoft.com/office/drawing/2010/main">
+                <a:solidFill>
+                  <a:srgbClr val="FFFFFF"/>
+                </a:solidFill>
+              </a14:hiddenFill>
+            </a:ext>
+          </a:extLst>
+        </p:spPr>
+      </p:pic>
+      <p:sp>
+        <p:nvSpPr>
+          <p:cNvPr id="15" name="TextBox 14"/>
+          <p:cNvSpPr txBox="1"/>
+          <p:nvPr/>
+        </p:nvSpPr>
+        <p:spPr>
+          <a:xfrm>
+            <a:off x="5723722" y="1739716"/>
+            <a:ext cx="2234010" cy="369332"/>
+          </a:xfrm>
+          <a:prstGeom prst="rect">
+            <a:avLst/>
+          </a:prstGeom>
+          <a:noFill/>
+        </p:spPr>
+        <p:txBody>
+          <a:bodyPr wrap="none" rtlCol="0">
+            <a:spAutoFit/>
+          </a:bodyPr>
+          <a:lstStyle/>
+          <a:p>
+            <a:r>
+              <a:rPr lang="ru-RU" dirty="0" smtClean="0"/>
+              <a:t>Принимает запрос</a:t>
+            </a:r>
+            <a:r>
+              <a:rPr lang="ru-RU" dirty="0"/>
+              <a:t>ы</a:t>
+            </a:r>
+            <a:r>
+              <a:rPr lang="ru-RU" dirty="0" smtClean="0"/>
+              <a:t>:</a:t>
+            </a:r>
+          </a:p>
+        </p:txBody>
+      </p:sp>
+      <p:sp>
+        <p:nvSpPr>
+          <p:cNvPr id="16" name="Двойная стрелка влево/вправо 5"/>
+          <p:cNvSpPr/>
+          <p:nvPr/>
+        </p:nvSpPr>
+        <p:spPr>
+          <a:xfrm rot="5400000" flipH="1">
+            <a:off x="5220554" y="1714112"/>
+            <a:ext cx="461653" cy="544683"/>
+          </a:xfrm>
+          <a:custGeom>
+            <a:avLst/>
+            <a:gdLst>
+              <a:gd name="connsiteX0" fmla="*/ 0 w 451412"/>
+              <a:gd name="connsiteY0" fmla="*/ 242316 h 484632"/>
+              <a:gd name="connsiteX1" fmla="*/ 135270 w 451412"/>
+              <a:gd name="connsiteY1" fmla="*/ 0 h 484632"/>
+              <a:gd name="connsiteX2" fmla="*/ 135270 w 451412"/>
+              <a:gd name="connsiteY2" fmla="*/ 90435 h 484632"/>
+              <a:gd name="connsiteX3" fmla="*/ 316142 w 451412"/>
+              <a:gd name="connsiteY3" fmla="*/ 90435 h 484632"/>
+              <a:gd name="connsiteX4" fmla="*/ 316142 w 451412"/>
+              <a:gd name="connsiteY4" fmla="*/ 0 h 484632"/>
+              <a:gd name="connsiteX5" fmla="*/ 451412 w 451412"/>
+              <a:gd name="connsiteY5" fmla="*/ 242316 h 484632"/>
+              <a:gd name="connsiteX6" fmla="*/ 316142 w 451412"/>
+              <a:gd name="connsiteY6" fmla="*/ 484632 h 484632"/>
+              <a:gd name="connsiteX7" fmla="*/ 316142 w 451412"/>
+              <a:gd name="connsiteY7" fmla="*/ 394197 h 484632"/>
+              <a:gd name="connsiteX8" fmla="*/ 135270 w 451412"/>
+              <a:gd name="connsiteY8" fmla="*/ 394197 h 484632"/>
+              <a:gd name="connsiteX9" fmla="*/ 135270 w 451412"/>
+              <a:gd name="connsiteY9" fmla="*/ 484632 h 484632"/>
+              <a:gd name="connsiteX10" fmla="*/ 0 w 451412"/>
+              <a:gd name="connsiteY10" fmla="*/ 242316 h 484632"/>
+              <a:gd name="connsiteX0" fmla="*/ 0 w 451412"/>
+              <a:gd name="connsiteY0" fmla="*/ 242316 h 484632"/>
+              <a:gd name="connsiteX1" fmla="*/ 135270 w 451412"/>
+              <a:gd name="connsiteY1" fmla="*/ 0 h 484632"/>
+              <a:gd name="connsiteX2" fmla="*/ 135270 w 451412"/>
+              <a:gd name="connsiteY2" fmla="*/ 90435 h 484632"/>
+              <a:gd name="connsiteX3" fmla="*/ 316142 w 451412"/>
+              <a:gd name="connsiteY3" fmla="*/ 90435 h 484632"/>
+              <a:gd name="connsiteX4" fmla="*/ 451412 w 451412"/>
+              <a:gd name="connsiteY4" fmla="*/ 242316 h 484632"/>
+              <a:gd name="connsiteX5" fmla="*/ 316142 w 451412"/>
+              <a:gd name="connsiteY5" fmla="*/ 484632 h 484632"/>
+              <a:gd name="connsiteX6" fmla="*/ 316142 w 451412"/>
+              <a:gd name="connsiteY6" fmla="*/ 394197 h 484632"/>
+              <a:gd name="connsiteX7" fmla="*/ 135270 w 451412"/>
+              <a:gd name="connsiteY7" fmla="*/ 394197 h 484632"/>
+              <a:gd name="connsiteX8" fmla="*/ 135270 w 451412"/>
+              <a:gd name="connsiteY8" fmla="*/ 484632 h 484632"/>
+              <a:gd name="connsiteX9" fmla="*/ 0 w 451412"/>
+              <a:gd name="connsiteY9" fmla="*/ 242316 h 484632"/>
+              <a:gd name="connsiteX0" fmla="*/ 0 w 316142"/>
+              <a:gd name="connsiteY0" fmla="*/ 242316 h 484632"/>
+              <a:gd name="connsiteX1" fmla="*/ 135270 w 316142"/>
+              <a:gd name="connsiteY1" fmla="*/ 0 h 484632"/>
+              <a:gd name="connsiteX2" fmla="*/ 135270 w 316142"/>
+              <a:gd name="connsiteY2" fmla="*/ 90435 h 484632"/>
+              <a:gd name="connsiteX3" fmla="*/ 316142 w 316142"/>
+              <a:gd name="connsiteY3" fmla="*/ 90435 h 484632"/>
+              <a:gd name="connsiteX4" fmla="*/ 316142 w 316142"/>
+              <a:gd name="connsiteY4" fmla="*/ 484632 h 484632"/>
+              <a:gd name="connsiteX5" fmla="*/ 316142 w 316142"/>
+              <a:gd name="connsiteY5" fmla="*/ 394197 h 484632"/>
+              <a:gd name="connsiteX6" fmla="*/ 135270 w 316142"/>
+              <a:gd name="connsiteY6" fmla="*/ 394197 h 484632"/>
+              <a:gd name="connsiteX7" fmla="*/ 135270 w 316142"/>
+              <a:gd name="connsiteY7" fmla="*/ 484632 h 484632"/>
+              <a:gd name="connsiteX8" fmla="*/ 0 w 316142"/>
+              <a:gd name="connsiteY8" fmla="*/ 242316 h 484632"/>
+              <a:gd name="connsiteX0" fmla="*/ 0 w 316142"/>
+              <a:gd name="connsiteY0" fmla="*/ 242316 h 484632"/>
+              <a:gd name="connsiteX1" fmla="*/ 135270 w 316142"/>
+              <a:gd name="connsiteY1" fmla="*/ 0 h 484632"/>
+              <a:gd name="connsiteX2" fmla="*/ 135270 w 316142"/>
+              <a:gd name="connsiteY2" fmla="*/ 90435 h 484632"/>
+              <a:gd name="connsiteX3" fmla="*/ 316142 w 316142"/>
+              <a:gd name="connsiteY3" fmla="*/ 90435 h 484632"/>
+              <a:gd name="connsiteX4" fmla="*/ 316142 w 316142"/>
+              <a:gd name="connsiteY4" fmla="*/ 394197 h 484632"/>
+              <a:gd name="connsiteX5" fmla="*/ 135270 w 316142"/>
+              <a:gd name="connsiteY5" fmla="*/ 394197 h 484632"/>
+              <a:gd name="connsiteX6" fmla="*/ 135270 w 316142"/>
+              <a:gd name="connsiteY6" fmla="*/ 484632 h 484632"/>
+              <a:gd name="connsiteX7" fmla="*/ 0 w 316142"/>
+              <a:gd name="connsiteY7" fmla="*/ 242316 h 484632"/>
+              <a:gd name="connsiteX0" fmla="*/ 0 w 316142"/>
+              <a:gd name="connsiteY0" fmla="*/ 242316 h 484632"/>
+              <a:gd name="connsiteX1" fmla="*/ 135270 w 316142"/>
+              <a:gd name="connsiteY1" fmla="*/ 0 h 484632"/>
+              <a:gd name="connsiteX2" fmla="*/ 135270 w 316142"/>
+              <a:gd name="connsiteY2" fmla="*/ 90435 h 484632"/>
+              <a:gd name="connsiteX3" fmla="*/ 316142 w 316142"/>
+              <a:gd name="connsiteY3" fmla="*/ 394197 h 484632"/>
+              <a:gd name="connsiteX4" fmla="*/ 135270 w 316142"/>
+              <a:gd name="connsiteY4" fmla="*/ 394197 h 484632"/>
+              <a:gd name="connsiteX5" fmla="*/ 135270 w 316142"/>
+              <a:gd name="connsiteY5" fmla="*/ 484632 h 484632"/>
+              <a:gd name="connsiteX6" fmla="*/ 0 w 316142"/>
+              <a:gd name="connsiteY6" fmla="*/ 242316 h 484632"/>
+            </a:gdLst>
+            <a:ahLst/>
+            <a:cxnLst>
+              <a:cxn ang="0">
+                <a:pos x="connsiteX0" y="connsiteY0"/>
+              </a:cxn>
+              <a:cxn ang="0">
+                <a:pos x="connsiteX1" y="connsiteY1"/>
+              </a:cxn>
+              <a:cxn ang="0">
+                <a:pos x="connsiteX2" y="connsiteY2"/>
+              </a:cxn>
+              <a:cxn ang="0">
+                <a:pos x="connsiteX3" y="connsiteY3"/>
+              </a:cxn>
+              <a:cxn ang="0">
+                <a:pos x="connsiteX4" y="connsiteY4"/>
+              </a:cxn>
+              <a:cxn ang="0">
+                <a:pos x="connsiteX5" y="connsiteY5"/>
+              </a:cxn>
+              <a:cxn ang="0">
+                <a:pos x="connsiteX6" y="connsiteY6"/>
+              </a:cxn>
+            </a:cxnLst>
+            <a:rect l="l" t="t" r="r" b="b"/>
+            <a:pathLst>
+              <a:path w="316142" h="484632">
+                <a:moveTo>
+                  <a:pt x="0" y="242316"/>
+                </a:moveTo>
+                <a:lnTo>
+                  <a:pt x="135270" y="0"/>
+                </a:lnTo>
+                <a:lnTo>
+                  <a:pt x="135270" y="90435"/>
+                </a:lnTo>
+                <a:lnTo>
+                  <a:pt x="316142" y="394197"/>
+                </a:lnTo>
+                <a:lnTo>
+                  <a:pt x="135270" y="394197"/>
+                </a:lnTo>
+                <a:lnTo>
+                  <a:pt x="135270" y="484632"/>
+                </a:lnTo>
+                <a:lnTo>
+                  <a:pt x="0" y="242316"/>
+                </a:lnTo>
+                <a:close/>
+              </a:path>
+            </a:pathLst>
+          </a:custGeom>
+        </p:spPr>
+        <p:style>
+          <a:lnRef idx="2">
+            <a:schemeClr val="accent1">
+              <a:shade val="50000"/>
+            </a:schemeClr>
+          </a:lnRef>
+          <a:fillRef idx="1">
+            <a:schemeClr val="accent1"/>
+          </a:fillRef>
+          <a:effectRef idx="0">
+            <a:schemeClr val="accent1"/>
+          </a:effectRef>
+          <a:fontRef idx="minor">
+            <a:schemeClr val="lt1"/>
+          </a:fontRef>
+        </p:style>
+        <p:txBody>
+          <a:bodyPr rtlCol="0" anchor="ctr"/>
+          <a:lstStyle/>
+          <a:p>
+            <a:pPr algn="ctr"/>
+            <a:endParaRPr lang="ru-RU"/>
+          </a:p>
+        </p:txBody>
+      </p:sp>
+      <p:sp>
+        <p:nvSpPr>
+          <p:cNvPr id="17" name="TextBox 16"/>
+          <p:cNvSpPr txBox="1"/>
+          <p:nvPr/>
+        </p:nvSpPr>
+        <p:spPr>
+          <a:xfrm>
+            <a:off x="5723722" y="2179901"/>
+            <a:ext cx="4114653" cy="1200329"/>
+          </a:xfrm>
+          <a:prstGeom prst="rect">
+            <a:avLst/>
+          </a:prstGeom>
+          <a:noFill/>
+        </p:spPr>
+        <p:txBody>
+          <a:bodyPr wrap="none" rtlCol="0">
+            <a:spAutoFit/>
+          </a:bodyPr>
+          <a:lstStyle/>
+          <a:p>
+            <a:r>
+              <a:rPr lang="en-US" b="1" dirty="0" smtClean="0"/>
+              <a:t>GET</a:t>
+            </a:r>
+            <a:r>
+              <a:rPr lang="en-US" dirty="0" smtClean="0"/>
+              <a:t>:</a:t>
+            </a:r>
+            <a:endParaRPr lang="ru-RU" dirty="0" smtClean="0"/>
+          </a:p>
+          <a:p>
+            <a:r>
+              <a:rPr lang="en-US" dirty="0" smtClean="0"/>
+              <a:t>?</a:t>
+            </a:r>
+            <a:r>
+              <a:rPr lang="en-US" i="1" dirty="0"/>
+              <a:t>i</a:t>
+            </a:r>
+            <a:r>
+              <a:rPr lang="en-US" i="1" dirty="0" smtClean="0"/>
+              <a:t>d</a:t>
+            </a:r>
+            <a:r>
+              <a:rPr lang="en-US" dirty="0" smtClean="0"/>
+              <a:t>=&lt;</a:t>
+            </a:r>
+            <a:r>
+              <a:rPr lang="ru-RU" dirty="0" err="1" smtClean="0"/>
+              <a:t>идентификатор_пользователя</a:t>
+            </a:r>
+            <a:r>
+              <a:rPr lang="en-US" dirty="0" smtClean="0"/>
+              <a:t>&gt;&amp;</a:t>
+            </a:r>
+          </a:p>
+          <a:p>
+            <a:r>
+              <a:rPr lang="en-US" dirty="0"/>
+              <a:t> </a:t>
+            </a:r>
+            <a:r>
+              <a:rPr lang="en-US" dirty="0" smtClean="0"/>
+              <a:t> </a:t>
+            </a:r>
+            <a:r>
+              <a:rPr lang="en-US" dirty="0" err="1" smtClean="0"/>
+              <a:t>findRelatives</a:t>
+            </a:r>
+            <a:r>
+              <a:rPr lang="en-US" dirty="0" smtClean="0"/>
+              <a:t>=</a:t>
+            </a:r>
+            <a:r>
+              <a:rPr lang="ru-RU" dirty="0" smtClean="0"/>
+              <a:t>1</a:t>
+            </a:r>
+            <a:r>
+              <a:rPr lang="en-US" dirty="0" smtClean="0"/>
+              <a:t>&amp;</a:t>
+            </a:r>
+            <a:endParaRPr lang="en-US" dirty="0" smtClean="0"/>
+          </a:p>
+          <a:p>
+            <a:r>
+              <a:rPr lang="en-US" dirty="0"/>
+              <a:t> </a:t>
+            </a:r>
+            <a:r>
+              <a:rPr lang="en-US" dirty="0" smtClean="0"/>
+              <a:t> </a:t>
+            </a:r>
+            <a:r>
+              <a:rPr lang="en-US" i="1" dirty="0" err="1" smtClean="0"/>
+              <a:t>controlValue</a:t>
+            </a:r>
+            <a:r>
+              <a:rPr lang="en-US" dirty="0" smtClean="0"/>
+              <a:t>=&lt;</a:t>
+            </a:r>
+            <a:r>
+              <a:rPr lang="ru-RU" dirty="0" err="1" smtClean="0"/>
+              <a:t>контрольное_значение</a:t>
+            </a:r>
+            <a:r>
+              <a:rPr lang="en-US" dirty="0" smtClean="0"/>
+              <a:t>&gt;</a:t>
+            </a:r>
+            <a:endParaRPr lang="ru-RU" dirty="0" smtClean="0"/>
+          </a:p>
+        </p:txBody>
+      </p:sp>
+      <p:sp>
+        <p:nvSpPr>
+          <p:cNvPr id="23" name="TextBox 22"/>
+          <p:cNvSpPr txBox="1"/>
+          <p:nvPr/>
+        </p:nvSpPr>
+        <p:spPr>
+          <a:xfrm>
+            <a:off x="5723722" y="3311283"/>
+            <a:ext cx="4212050" cy="369332"/>
+          </a:xfrm>
+          <a:prstGeom prst="rect">
+            <a:avLst/>
+          </a:prstGeom>
+          <a:noFill/>
+        </p:spPr>
+        <p:txBody>
+          <a:bodyPr wrap="square" rtlCol="0">
+            <a:spAutoFit/>
+          </a:bodyPr>
+          <a:lstStyle/>
+          <a:p>
+            <a:pPr algn="ctr"/>
+            <a:r>
+              <a:rPr lang="ru-RU" dirty="0" smtClean="0"/>
+              <a:t>ИЛИ</a:t>
+            </a:r>
+            <a:endParaRPr lang="ru-RU" dirty="0" smtClean="0"/>
+          </a:p>
+        </p:txBody>
+      </p:sp>
+      <p:sp>
+        <p:nvSpPr>
+          <p:cNvPr id="24" name="Двойная стрелка влево/вправо 5"/>
+          <p:cNvSpPr/>
+          <p:nvPr/>
+        </p:nvSpPr>
+        <p:spPr>
+          <a:xfrm rot="16200000" flipH="1">
+            <a:off x="10011291" y="4583843"/>
+            <a:ext cx="461653" cy="544683"/>
+          </a:xfrm>
+          <a:custGeom>
+            <a:avLst/>
+            <a:gdLst>
+              <a:gd name="connsiteX0" fmla="*/ 0 w 451412"/>
+              <a:gd name="connsiteY0" fmla="*/ 242316 h 484632"/>
+              <a:gd name="connsiteX1" fmla="*/ 135270 w 451412"/>
+              <a:gd name="connsiteY1" fmla="*/ 0 h 484632"/>
+              <a:gd name="connsiteX2" fmla="*/ 135270 w 451412"/>
+              <a:gd name="connsiteY2" fmla="*/ 90435 h 484632"/>
+              <a:gd name="connsiteX3" fmla="*/ 316142 w 451412"/>
+              <a:gd name="connsiteY3" fmla="*/ 90435 h 484632"/>
+              <a:gd name="connsiteX4" fmla="*/ 316142 w 451412"/>
+              <a:gd name="connsiteY4" fmla="*/ 0 h 484632"/>
+              <a:gd name="connsiteX5" fmla="*/ 451412 w 451412"/>
+              <a:gd name="connsiteY5" fmla="*/ 242316 h 484632"/>
+              <a:gd name="connsiteX6" fmla="*/ 316142 w 451412"/>
+              <a:gd name="connsiteY6" fmla="*/ 484632 h 484632"/>
+              <a:gd name="connsiteX7" fmla="*/ 316142 w 451412"/>
+              <a:gd name="connsiteY7" fmla="*/ 394197 h 484632"/>
+              <a:gd name="connsiteX8" fmla="*/ 135270 w 451412"/>
+              <a:gd name="connsiteY8" fmla="*/ 394197 h 484632"/>
+              <a:gd name="connsiteX9" fmla="*/ 135270 w 451412"/>
+              <a:gd name="connsiteY9" fmla="*/ 484632 h 484632"/>
+              <a:gd name="connsiteX10" fmla="*/ 0 w 451412"/>
+              <a:gd name="connsiteY10" fmla="*/ 242316 h 484632"/>
+              <a:gd name="connsiteX0" fmla="*/ 0 w 451412"/>
+              <a:gd name="connsiteY0" fmla="*/ 242316 h 484632"/>
+              <a:gd name="connsiteX1" fmla="*/ 135270 w 451412"/>
+              <a:gd name="connsiteY1" fmla="*/ 0 h 484632"/>
+              <a:gd name="connsiteX2" fmla="*/ 135270 w 451412"/>
+              <a:gd name="connsiteY2" fmla="*/ 90435 h 484632"/>
+              <a:gd name="connsiteX3" fmla="*/ 316142 w 451412"/>
+              <a:gd name="connsiteY3" fmla="*/ 90435 h 484632"/>
+              <a:gd name="connsiteX4" fmla="*/ 451412 w 451412"/>
+              <a:gd name="connsiteY4" fmla="*/ 242316 h 484632"/>
+              <a:gd name="connsiteX5" fmla="*/ 316142 w 451412"/>
+              <a:gd name="connsiteY5" fmla="*/ 484632 h 484632"/>
+              <a:gd name="connsiteX6" fmla="*/ 316142 w 451412"/>
+              <a:gd name="connsiteY6" fmla="*/ 394197 h 484632"/>
+              <a:gd name="connsiteX7" fmla="*/ 135270 w 451412"/>
+              <a:gd name="connsiteY7" fmla="*/ 394197 h 484632"/>
+              <a:gd name="connsiteX8" fmla="*/ 135270 w 451412"/>
+              <a:gd name="connsiteY8" fmla="*/ 484632 h 484632"/>
+              <a:gd name="connsiteX9" fmla="*/ 0 w 451412"/>
+              <a:gd name="connsiteY9" fmla="*/ 242316 h 484632"/>
+              <a:gd name="connsiteX0" fmla="*/ 0 w 316142"/>
+              <a:gd name="connsiteY0" fmla="*/ 242316 h 484632"/>
+              <a:gd name="connsiteX1" fmla="*/ 135270 w 316142"/>
+              <a:gd name="connsiteY1" fmla="*/ 0 h 484632"/>
+              <a:gd name="connsiteX2" fmla="*/ 135270 w 316142"/>
+              <a:gd name="connsiteY2" fmla="*/ 90435 h 484632"/>
+              <a:gd name="connsiteX3" fmla="*/ 316142 w 316142"/>
+              <a:gd name="connsiteY3" fmla="*/ 90435 h 484632"/>
+              <a:gd name="connsiteX4" fmla="*/ 316142 w 316142"/>
+              <a:gd name="connsiteY4" fmla="*/ 484632 h 484632"/>
+              <a:gd name="connsiteX5" fmla="*/ 316142 w 316142"/>
+              <a:gd name="connsiteY5" fmla="*/ 394197 h 484632"/>
+              <a:gd name="connsiteX6" fmla="*/ 135270 w 316142"/>
+              <a:gd name="connsiteY6" fmla="*/ 394197 h 484632"/>
+              <a:gd name="connsiteX7" fmla="*/ 135270 w 316142"/>
+              <a:gd name="connsiteY7" fmla="*/ 484632 h 484632"/>
+              <a:gd name="connsiteX8" fmla="*/ 0 w 316142"/>
+              <a:gd name="connsiteY8" fmla="*/ 242316 h 484632"/>
+              <a:gd name="connsiteX0" fmla="*/ 0 w 316142"/>
+              <a:gd name="connsiteY0" fmla="*/ 242316 h 484632"/>
+              <a:gd name="connsiteX1" fmla="*/ 135270 w 316142"/>
+              <a:gd name="connsiteY1" fmla="*/ 0 h 484632"/>
+              <a:gd name="connsiteX2" fmla="*/ 135270 w 316142"/>
+              <a:gd name="connsiteY2" fmla="*/ 90435 h 484632"/>
+              <a:gd name="connsiteX3" fmla="*/ 316142 w 316142"/>
+              <a:gd name="connsiteY3" fmla="*/ 90435 h 484632"/>
+              <a:gd name="connsiteX4" fmla="*/ 316142 w 316142"/>
+              <a:gd name="connsiteY4" fmla="*/ 394197 h 484632"/>
+              <a:gd name="connsiteX5" fmla="*/ 135270 w 316142"/>
+              <a:gd name="connsiteY5" fmla="*/ 394197 h 484632"/>
+              <a:gd name="connsiteX6" fmla="*/ 135270 w 316142"/>
+              <a:gd name="connsiteY6" fmla="*/ 484632 h 484632"/>
+              <a:gd name="connsiteX7" fmla="*/ 0 w 316142"/>
+              <a:gd name="connsiteY7" fmla="*/ 242316 h 484632"/>
+              <a:gd name="connsiteX0" fmla="*/ 0 w 316142"/>
+              <a:gd name="connsiteY0" fmla="*/ 242316 h 484632"/>
+              <a:gd name="connsiteX1" fmla="*/ 135270 w 316142"/>
+              <a:gd name="connsiteY1" fmla="*/ 0 h 484632"/>
+              <a:gd name="connsiteX2" fmla="*/ 135270 w 316142"/>
+              <a:gd name="connsiteY2" fmla="*/ 90435 h 484632"/>
+              <a:gd name="connsiteX3" fmla="*/ 316142 w 316142"/>
+              <a:gd name="connsiteY3" fmla="*/ 394197 h 484632"/>
+              <a:gd name="connsiteX4" fmla="*/ 135270 w 316142"/>
+              <a:gd name="connsiteY4" fmla="*/ 394197 h 484632"/>
+              <a:gd name="connsiteX5" fmla="*/ 135270 w 316142"/>
+              <a:gd name="connsiteY5" fmla="*/ 484632 h 484632"/>
+              <a:gd name="connsiteX6" fmla="*/ 0 w 316142"/>
+              <a:gd name="connsiteY6" fmla="*/ 242316 h 484632"/>
+            </a:gdLst>
+            <a:ahLst/>
+            <a:cxnLst>
+              <a:cxn ang="0">
+                <a:pos x="connsiteX0" y="connsiteY0"/>
+              </a:cxn>
+              <a:cxn ang="0">
+                <a:pos x="connsiteX1" y="connsiteY1"/>
+              </a:cxn>
+              <a:cxn ang="0">
+                <a:pos x="connsiteX2" y="connsiteY2"/>
+              </a:cxn>
+              <a:cxn ang="0">
+                <a:pos x="connsiteX3" y="connsiteY3"/>
+              </a:cxn>
+              <a:cxn ang="0">
+                <a:pos x="connsiteX4" y="connsiteY4"/>
+              </a:cxn>
+              <a:cxn ang="0">
+                <a:pos x="connsiteX5" y="connsiteY5"/>
+              </a:cxn>
+              <a:cxn ang="0">
+                <a:pos x="connsiteX6" y="connsiteY6"/>
+              </a:cxn>
+            </a:cxnLst>
+            <a:rect l="l" t="t" r="r" b="b"/>
+            <a:pathLst>
+              <a:path w="316142" h="484632">
+                <a:moveTo>
+                  <a:pt x="0" y="242316"/>
+                </a:moveTo>
+                <a:lnTo>
+                  <a:pt x="135270" y="0"/>
+                </a:lnTo>
+                <a:lnTo>
+                  <a:pt x="135270" y="90435"/>
+                </a:lnTo>
+                <a:lnTo>
+                  <a:pt x="316142" y="394197"/>
+                </a:lnTo>
+                <a:lnTo>
+                  <a:pt x="135270" y="394197"/>
+                </a:lnTo>
+                <a:lnTo>
+                  <a:pt x="135270" y="484632"/>
+                </a:lnTo>
+                <a:lnTo>
+                  <a:pt x="0" y="242316"/>
+                </a:lnTo>
+                <a:close/>
+              </a:path>
+            </a:pathLst>
+          </a:custGeom>
+        </p:spPr>
+        <p:style>
+          <a:lnRef idx="2">
+            <a:schemeClr val="accent2">
+              <a:shade val="50000"/>
+            </a:schemeClr>
+          </a:lnRef>
+          <a:fillRef idx="1">
+            <a:schemeClr val="accent2"/>
+          </a:fillRef>
+          <a:effectRef idx="0">
+            <a:schemeClr val="accent2"/>
+          </a:effectRef>
+          <a:fontRef idx="minor">
+            <a:schemeClr val="lt1"/>
+          </a:fontRef>
+        </p:style>
+        <p:txBody>
+          <a:bodyPr rtlCol="0" anchor="ctr"/>
+          <a:lstStyle/>
+          <a:p>
+            <a:pPr algn="ctr"/>
+            <a:endParaRPr lang="ru-RU"/>
+          </a:p>
+        </p:txBody>
+      </p:sp>
+      <p:sp>
+        <p:nvSpPr>
+          <p:cNvPr id="26" name="Двойная стрелка влево/вправо 5"/>
+          <p:cNvSpPr/>
+          <p:nvPr/>
+        </p:nvSpPr>
+        <p:spPr>
+          <a:xfrm rot="16200000" flipH="1">
+            <a:off x="4777664" y="5631104"/>
+            <a:ext cx="805023" cy="871529"/>
+          </a:xfrm>
+          <a:custGeom>
+            <a:avLst/>
+            <a:gdLst>
+              <a:gd name="connsiteX0" fmla="*/ 0 w 451412"/>
+              <a:gd name="connsiteY0" fmla="*/ 242316 h 484632"/>
+              <a:gd name="connsiteX1" fmla="*/ 135270 w 451412"/>
+              <a:gd name="connsiteY1" fmla="*/ 0 h 484632"/>
+              <a:gd name="connsiteX2" fmla="*/ 135270 w 451412"/>
+              <a:gd name="connsiteY2" fmla="*/ 90435 h 484632"/>
+              <a:gd name="connsiteX3" fmla="*/ 316142 w 451412"/>
+              <a:gd name="connsiteY3" fmla="*/ 90435 h 484632"/>
+              <a:gd name="connsiteX4" fmla="*/ 316142 w 451412"/>
+              <a:gd name="connsiteY4" fmla="*/ 0 h 484632"/>
+              <a:gd name="connsiteX5" fmla="*/ 451412 w 451412"/>
+              <a:gd name="connsiteY5" fmla="*/ 242316 h 484632"/>
+              <a:gd name="connsiteX6" fmla="*/ 316142 w 451412"/>
+              <a:gd name="connsiteY6" fmla="*/ 484632 h 484632"/>
+              <a:gd name="connsiteX7" fmla="*/ 316142 w 451412"/>
+              <a:gd name="connsiteY7" fmla="*/ 394197 h 484632"/>
+              <a:gd name="connsiteX8" fmla="*/ 135270 w 451412"/>
+              <a:gd name="connsiteY8" fmla="*/ 394197 h 484632"/>
+              <a:gd name="connsiteX9" fmla="*/ 135270 w 451412"/>
+              <a:gd name="connsiteY9" fmla="*/ 484632 h 484632"/>
+              <a:gd name="connsiteX10" fmla="*/ 0 w 451412"/>
+              <a:gd name="connsiteY10" fmla="*/ 242316 h 484632"/>
+              <a:gd name="connsiteX0" fmla="*/ 0 w 451412"/>
+              <a:gd name="connsiteY0" fmla="*/ 242316 h 484632"/>
+              <a:gd name="connsiteX1" fmla="*/ 135270 w 451412"/>
+              <a:gd name="connsiteY1" fmla="*/ 0 h 484632"/>
+              <a:gd name="connsiteX2" fmla="*/ 135270 w 451412"/>
+              <a:gd name="connsiteY2" fmla="*/ 90435 h 484632"/>
+              <a:gd name="connsiteX3" fmla="*/ 316142 w 451412"/>
+              <a:gd name="connsiteY3" fmla="*/ 90435 h 484632"/>
+              <a:gd name="connsiteX4" fmla="*/ 451412 w 451412"/>
+              <a:gd name="connsiteY4" fmla="*/ 242316 h 484632"/>
+              <a:gd name="connsiteX5" fmla="*/ 316142 w 451412"/>
+              <a:gd name="connsiteY5" fmla="*/ 484632 h 484632"/>
+              <a:gd name="connsiteX6" fmla="*/ 316142 w 451412"/>
+              <a:gd name="connsiteY6" fmla="*/ 394197 h 484632"/>
+              <a:gd name="connsiteX7" fmla="*/ 135270 w 451412"/>
+              <a:gd name="connsiteY7" fmla="*/ 394197 h 484632"/>
+              <a:gd name="connsiteX8" fmla="*/ 135270 w 451412"/>
+              <a:gd name="connsiteY8" fmla="*/ 484632 h 484632"/>
+              <a:gd name="connsiteX9" fmla="*/ 0 w 451412"/>
+              <a:gd name="connsiteY9" fmla="*/ 242316 h 484632"/>
+              <a:gd name="connsiteX0" fmla="*/ 0 w 316142"/>
+              <a:gd name="connsiteY0" fmla="*/ 242316 h 484632"/>
+              <a:gd name="connsiteX1" fmla="*/ 135270 w 316142"/>
+              <a:gd name="connsiteY1" fmla="*/ 0 h 484632"/>
+              <a:gd name="connsiteX2" fmla="*/ 135270 w 316142"/>
+              <a:gd name="connsiteY2" fmla="*/ 90435 h 484632"/>
+              <a:gd name="connsiteX3" fmla="*/ 316142 w 316142"/>
+              <a:gd name="connsiteY3" fmla="*/ 90435 h 484632"/>
+              <a:gd name="connsiteX4" fmla="*/ 316142 w 316142"/>
+              <a:gd name="connsiteY4" fmla="*/ 484632 h 484632"/>
+              <a:gd name="connsiteX5" fmla="*/ 316142 w 316142"/>
+              <a:gd name="connsiteY5" fmla="*/ 394197 h 484632"/>
+              <a:gd name="connsiteX6" fmla="*/ 135270 w 316142"/>
+              <a:gd name="connsiteY6" fmla="*/ 394197 h 484632"/>
+              <a:gd name="connsiteX7" fmla="*/ 135270 w 316142"/>
+              <a:gd name="connsiteY7" fmla="*/ 484632 h 484632"/>
+              <a:gd name="connsiteX8" fmla="*/ 0 w 316142"/>
+              <a:gd name="connsiteY8" fmla="*/ 242316 h 484632"/>
+              <a:gd name="connsiteX0" fmla="*/ 0 w 316142"/>
+              <a:gd name="connsiteY0" fmla="*/ 242316 h 484632"/>
+              <a:gd name="connsiteX1" fmla="*/ 135270 w 316142"/>
+              <a:gd name="connsiteY1" fmla="*/ 0 h 484632"/>
+              <a:gd name="connsiteX2" fmla="*/ 135270 w 316142"/>
+              <a:gd name="connsiteY2" fmla="*/ 90435 h 484632"/>
+              <a:gd name="connsiteX3" fmla="*/ 316142 w 316142"/>
+              <a:gd name="connsiteY3" fmla="*/ 90435 h 484632"/>
+              <a:gd name="connsiteX4" fmla="*/ 316142 w 316142"/>
+              <a:gd name="connsiteY4" fmla="*/ 394197 h 484632"/>
+              <a:gd name="connsiteX5" fmla="*/ 135270 w 316142"/>
+              <a:gd name="connsiteY5" fmla="*/ 394197 h 484632"/>
+              <a:gd name="connsiteX6" fmla="*/ 135270 w 316142"/>
+              <a:gd name="connsiteY6" fmla="*/ 484632 h 484632"/>
+              <a:gd name="connsiteX7" fmla="*/ 0 w 316142"/>
+              <a:gd name="connsiteY7" fmla="*/ 242316 h 484632"/>
+              <a:gd name="connsiteX0" fmla="*/ 0 w 316142"/>
+              <a:gd name="connsiteY0" fmla="*/ 242316 h 484632"/>
+              <a:gd name="connsiteX1" fmla="*/ 135270 w 316142"/>
+              <a:gd name="connsiteY1" fmla="*/ 0 h 484632"/>
+              <a:gd name="connsiteX2" fmla="*/ 135270 w 316142"/>
+              <a:gd name="connsiteY2" fmla="*/ 90435 h 484632"/>
+              <a:gd name="connsiteX3" fmla="*/ 316142 w 316142"/>
+              <a:gd name="connsiteY3" fmla="*/ 394197 h 484632"/>
+              <a:gd name="connsiteX4" fmla="*/ 135270 w 316142"/>
+              <a:gd name="connsiteY4" fmla="*/ 394197 h 484632"/>
+              <a:gd name="connsiteX5" fmla="*/ 135270 w 316142"/>
+              <a:gd name="connsiteY5" fmla="*/ 484632 h 484632"/>
+              <a:gd name="connsiteX6" fmla="*/ 0 w 316142"/>
+              <a:gd name="connsiteY6" fmla="*/ 242316 h 484632"/>
+              <a:gd name="connsiteX0" fmla="*/ 0 w 316142"/>
+              <a:gd name="connsiteY0" fmla="*/ 242316 h 484632"/>
+              <a:gd name="connsiteX1" fmla="*/ 135270 w 316142"/>
+              <a:gd name="connsiteY1" fmla="*/ 0 h 484632"/>
+              <a:gd name="connsiteX2" fmla="*/ 135270 w 316142"/>
+              <a:gd name="connsiteY2" fmla="*/ 90435 h 484632"/>
+              <a:gd name="connsiteX3" fmla="*/ 316142 w 316142"/>
+              <a:gd name="connsiteY3" fmla="*/ 394197 h 484632"/>
+              <a:gd name="connsiteX4" fmla="*/ 251236 w 316142"/>
+              <a:gd name="connsiteY4" fmla="*/ 392379 h 484632"/>
+              <a:gd name="connsiteX5" fmla="*/ 135270 w 316142"/>
+              <a:gd name="connsiteY5" fmla="*/ 394197 h 484632"/>
+              <a:gd name="connsiteX6" fmla="*/ 135270 w 316142"/>
+              <a:gd name="connsiteY6" fmla="*/ 484632 h 484632"/>
+              <a:gd name="connsiteX7" fmla="*/ 0 w 316142"/>
+              <a:gd name="connsiteY7" fmla="*/ 242316 h 484632"/>
+              <a:gd name="connsiteX0" fmla="*/ 0 w 543456"/>
+              <a:gd name="connsiteY0" fmla="*/ 242316 h 795783"/>
+              <a:gd name="connsiteX1" fmla="*/ 135270 w 543456"/>
+              <a:gd name="connsiteY1" fmla="*/ 0 h 795783"/>
+              <a:gd name="connsiteX2" fmla="*/ 135270 w 543456"/>
+              <a:gd name="connsiteY2" fmla="*/ 90435 h 795783"/>
+              <a:gd name="connsiteX3" fmla="*/ 316142 w 543456"/>
+              <a:gd name="connsiteY3" fmla="*/ 394197 h 795783"/>
+              <a:gd name="connsiteX4" fmla="*/ 543456 w 543456"/>
+              <a:gd name="connsiteY4" fmla="*/ 795783 h 795783"/>
+              <a:gd name="connsiteX5" fmla="*/ 135270 w 543456"/>
+              <a:gd name="connsiteY5" fmla="*/ 394197 h 795783"/>
+              <a:gd name="connsiteX6" fmla="*/ 135270 w 543456"/>
+              <a:gd name="connsiteY6" fmla="*/ 484632 h 795783"/>
+              <a:gd name="connsiteX7" fmla="*/ 0 w 543456"/>
+              <a:gd name="connsiteY7" fmla="*/ 242316 h 795783"/>
+              <a:gd name="connsiteX0" fmla="*/ 0 w 543456"/>
+              <a:gd name="connsiteY0" fmla="*/ 242316 h 795783"/>
+              <a:gd name="connsiteX1" fmla="*/ 135270 w 543456"/>
+              <a:gd name="connsiteY1" fmla="*/ 0 h 795783"/>
+              <a:gd name="connsiteX2" fmla="*/ 135270 w 543456"/>
+              <a:gd name="connsiteY2" fmla="*/ 90435 h 795783"/>
+              <a:gd name="connsiteX3" fmla="*/ 543456 w 543456"/>
+              <a:gd name="connsiteY3" fmla="*/ 795783 h 795783"/>
+              <a:gd name="connsiteX4" fmla="*/ 135270 w 543456"/>
+              <a:gd name="connsiteY4" fmla="*/ 394197 h 795783"/>
+              <a:gd name="connsiteX5" fmla="*/ 135270 w 543456"/>
+              <a:gd name="connsiteY5" fmla="*/ 484632 h 795783"/>
+              <a:gd name="connsiteX6" fmla="*/ 0 w 543456"/>
+              <a:gd name="connsiteY6" fmla="*/ 242316 h 795783"/>
+              <a:gd name="connsiteX0" fmla="*/ 0 w 551283"/>
+              <a:gd name="connsiteY0" fmla="*/ 242316 h 789003"/>
+              <a:gd name="connsiteX1" fmla="*/ 135270 w 551283"/>
+              <a:gd name="connsiteY1" fmla="*/ 0 h 789003"/>
+              <a:gd name="connsiteX2" fmla="*/ 135270 w 551283"/>
+              <a:gd name="connsiteY2" fmla="*/ 90435 h 789003"/>
+              <a:gd name="connsiteX3" fmla="*/ 551283 w 551283"/>
+              <a:gd name="connsiteY3" fmla="*/ 789003 h 789003"/>
+              <a:gd name="connsiteX4" fmla="*/ 135270 w 551283"/>
+              <a:gd name="connsiteY4" fmla="*/ 394197 h 789003"/>
+              <a:gd name="connsiteX5" fmla="*/ 135270 w 551283"/>
+              <a:gd name="connsiteY5" fmla="*/ 484632 h 789003"/>
+              <a:gd name="connsiteX6" fmla="*/ 0 w 551283"/>
+              <a:gd name="connsiteY6" fmla="*/ 242316 h 789003"/>
+              <a:gd name="connsiteX0" fmla="*/ 0 w 551283"/>
+              <a:gd name="connsiteY0" fmla="*/ 242316 h 775443"/>
+              <a:gd name="connsiteX1" fmla="*/ 135270 w 551283"/>
+              <a:gd name="connsiteY1" fmla="*/ 0 h 775443"/>
+              <a:gd name="connsiteX2" fmla="*/ 135270 w 551283"/>
+              <a:gd name="connsiteY2" fmla="*/ 90435 h 775443"/>
+              <a:gd name="connsiteX3" fmla="*/ 551283 w 551283"/>
+              <a:gd name="connsiteY3" fmla="*/ 775443 h 775443"/>
+              <a:gd name="connsiteX4" fmla="*/ 135270 w 551283"/>
+              <a:gd name="connsiteY4" fmla="*/ 394197 h 775443"/>
+              <a:gd name="connsiteX5" fmla="*/ 135270 w 551283"/>
+              <a:gd name="connsiteY5" fmla="*/ 484632 h 775443"/>
+              <a:gd name="connsiteX6" fmla="*/ 0 w 551283"/>
+              <a:gd name="connsiteY6" fmla="*/ 242316 h 775443"/>
+            </a:gdLst>
+            <a:ahLst/>
+            <a:cxnLst>
+              <a:cxn ang="0">
+                <a:pos x="connsiteX0" y="connsiteY0"/>
+              </a:cxn>
+              <a:cxn ang="0">
+                <a:pos x="connsiteX1" y="connsiteY1"/>
+              </a:cxn>
+              <a:cxn ang="0">
+                <a:pos x="connsiteX2" y="connsiteY2"/>
+              </a:cxn>
+              <a:cxn ang="0">
+                <a:pos x="connsiteX3" y="connsiteY3"/>
+              </a:cxn>
+              <a:cxn ang="0">
+                <a:pos x="connsiteX4" y="connsiteY4"/>
+              </a:cxn>
+              <a:cxn ang="0">
+                <a:pos x="connsiteX5" y="connsiteY5"/>
+              </a:cxn>
+              <a:cxn ang="0">
+                <a:pos x="connsiteX6" y="connsiteY6"/>
+              </a:cxn>
+            </a:cxnLst>
+            <a:rect l="l" t="t" r="r" b="b"/>
+            <a:pathLst>
+              <a:path w="551283" h="775443">
+                <a:moveTo>
+                  <a:pt x="0" y="242316"/>
+                </a:moveTo>
+                <a:lnTo>
+                  <a:pt x="135270" y="0"/>
+                </a:lnTo>
+                <a:lnTo>
+                  <a:pt x="135270" y="90435"/>
+                </a:lnTo>
+                <a:lnTo>
+                  <a:pt x="551283" y="775443"/>
+                </a:lnTo>
+                <a:lnTo>
+                  <a:pt x="135270" y="394197"/>
+                </a:lnTo>
+                <a:lnTo>
+                  <a:pt x="135270" y="484632"/>
+                </a:lnTo>
+                <a:lnTo>
+                  <a:pt x="0" y="242316"/>
+                </a:lnTo>
+                <a:close/>
+              </a:path>
+            </a:pathLst>
+          </a:custGeom>
+        </p:spPr>
+        <p:style>
+          <a:lnRef idx="2">
+            <a:schemeClr val="accent1">
+              <a:shade val="50000"/>
+            </a:schemeClr>
+          </a:lnRef>
+          <a:fillRef idx="1">
+            <a:schemeClr val="accent1"/>
+          </a:fillRef>
+          <a:effectRef idx="0">
+            <a:schemeClr val="accent1"/>
+          </a:effectRef>
+          <a:fontRef idx="minor">
+            <a:schemeClr val="lt1"/>
+          </a:fontRef>
+        </p:style>
+        <p:txBody>
+          <a:bodyPr rtlCol="0" anchor="ctr"/>
+          <a:lstStyle/>
+          <a:p>
+            <a:pPr algn="ctr"/>
+            <a:endParaRPr lang="ru-RU"/>
+          </a:p>
+        </p:txBody>
+      </p:sp>
+      <p:sp>
+        <p:nvSpPr>
+          <p:cNvPr id="27" name="Двойная стрелка влево/вправо 5"/>
+          <p:cNvSpPr/>
+          <p:nvPr/>
+        </p:nvSpPr>
+        <p:spPr>
+          <a:xfrm flipV="1">
+            <a:off x="6576060" y="5662020"/>
+            <a:ext cx="805023" cy="871529"/>
+          </a:xfrm>
+          <a:custGeom>
+            <a:avLst/>
+            <a:gdLst>
+              <a:gd name="connsiteX0" fmla="*/ 0 w 451412"/>
+              <a:gd name="connsiteY0" fmla="*/ 242316 h 484632"/>
+              <a:gd name="connsiteX1" fmla="*/ 135270 w 451412"/>
+              <a:gd name="connsiteY1" fmla="*/ 0 h 484632"/>
+              <a:gd name="connsiteX2" fmla="*/ 135270 w 451412"/>
+              <a:gd name="connsiteY2" fmla="*/ 90435 h 484632"/>
+              <a:gd name="connsiteX3" fmla="*/ 316142 w 451412"/>
+              <a:gd name="connsiteY3" fmla="*/ 90435 h 484632"/>
+              <a:gd name="connsiteX4" fmla="*/ 316142 w 451412"/>
+              <a:gd name="connsiteY4" fmla="*/ 0 h 484632"/>
+              <a:gd name="connsiteX5" fmla="*/ 451412 w 451412"/>
+              <a:gd name="connsiteY5" fmla="*/ 242316 h 484632"/>
+              <a:gd name="connsiteX6" fmla="*/ 316142 w 451412"/>
+              <a:gd name="connsiteY6" fmla="*/ 484632 h 484632"/>
+              <a:gd name="connsiteX7" fmla="*/ 316142 w 451412"/>
+              <a:gd name="connsiteY7" fmla="*/ 394197 h 484632"/>
+              <a:gd name="connsiteX8" fmla="*/ 135270 w 451412"/>
+              <a:gd name="connsiteY8" fmla="*/ 394197 h 484632"/>
+              <a:gd name="connsiteX9" fmla="*/ 135270 w 451412"/>
+              <a:gd name="connsiteY9" fmla="*/ 484632 h 484632"/>
+              <a:gd name="connsiteX10" fmla="*/ 0 w 451412"/>
+              <a:gd name="connsiteY10" fmla="*/ 242316 h 484632"/>
+              <a:gd name="connsiteX0" fmla="*/ 0 w 451412"/>
+              <a:gd name="connsiteY0" fmla="*/ 242316 h 484632"/>
+              <a:gd name="connsiteX1" fmla="*/ 135270 w 451412"/>
+              <a:gd name="connsiteY1" fmla="*/ 0 h 484632"/>
+              <a:gd name="connsiteX2" fmla="*/ 135270 w 451412"/>
+              <a:gd name="connsiteY2" fmla="*/ 90435 h 484632"/>
+              <a:gd name="connsiteX3" fmla="*/ 316142 w 451412"/>
+              <a:gd name="connsiteY3" fmla="*/ 90435 h 484632"/>
+              <a:gd name="connsiteX4" fmla="*/ 451412 w 451412"/>
+              <a:gd name="connsiteY4" fmla="*/ 242316 h 484632"/>
+              <a:gd name="connsiteX5" fmla="*/ 316142 w 451412"/>
+              <a:gd name="connsiteY5" fmla="*/ 484632 h 484632"/>
+              <a:gd name="connsiteX6" fmla="*/ 316142 w 451412"/>
+              <a:gd name="connsiteY6" fmla="*/ 394197 h 484632"/>
+              <a:gd name="connsiteX7" fmla="*/ 135270 w 451412"/>
+              <a:gd name="connsiteY7" fmla="*/ 394197 h 484632"/>
+              <a:gd name="connsiteX8" fmla="*/ 135270 w 451412"/>
+              <a:gd name="connsiteY8" fmla="*/ 484632 h 484632"/>
+              <a:gd name="connsiteX9" fmla="*/ 0 w 451412"/>
+              <a:gd name="connsiteY9" fmla="*/ 242316 h 484632"/>
+              <a:gd name="connsiteX0" fmla="*/ 0 w 316142"/>
+              <a:gd name="connsiteY0" fmla="*/ 242316 h 484632"/>
+              <a:gd name="connsiteX1" fmla="*/ 135270 w 316142"/>
+              <a:gd name="connsiteY1" fmla="*/ 0 h 484632"/>
+              <a:gd name="connsiteX2" fmla="*/ 135270 w 316142"/>
+              <a:gd name="connsiteY2" fmla="*/ 90435 h 484632"/>
+              <a:gd name="connsiteX3" fmla="*/ 316142 w 316142"/>
+              <a:gd name="connsiteY3" fmla="*/ 90435 h 484632"/>
+              <a:gd name="connsiteX4" fmla="*/ 316142 w 316142"/>
+              <a:gd name="connsiteY4" fmla="*/ 484632 h 484632"/>
+              <a:gd name="connsiteX5" fmla="*/ 316142 w 316142"/>
+              <a:gd name="connsiteY5" fmla="*/ 394197 h 484632"/>
+              <a:gd name="connsiteX6" fmla="*/ 135270 w 316142"/>
+              <a:gd name="connsiteY6" fmla="*/ 394197 h 484632"/>
+              <a:gd name="connsiteX7" fmla="*/ 135270 w 316142"/>
+              <a:gd name="connsiteY7" fmla="*/ 484632 h 484632"/>
+              <a:gd name="connsiteX8" fmla="*/ 0 w 316142"/>
+              <a:gd name="connsiteY8" fmla="*/ 242316 h 484632"/>
+              <a:gd name="connsiteX0" fmla="*/ 0 w 316142"/>
+              <a:gd name="connsiteY0" fmla="*/ 242316 h 484632"/>
+              <a:gd name="connsiteX1" fmla="*/ 135270 w 316142"/>
+              <a:gd name="connsiteY1" fmla="*/ 0 h 484632"/>
+              <a:gd name="connsiteX2" fmla="*/ 135270 w 316142"/>
+              <a:gd name="connsiteY2" fmla="*/ 90435 h 484632"/>
+              <a:gd name="connsiteX3" fmla="*/ 316142 w 316142"/>
+              <a:gd name="connsiteY3" fmla="*/ 90435 h 484632"/>
+              <a:gd name="connsiteX4" fmla="*/ 316142 w 316142"/>
+              <a:gd name="connsiteY4" fmla="*/ 394197 h 484632"/>
+              <a:gd name="connsiteX5" fmla="*/ 135270 w 316142"/>
+              <a:gd name="connsiteY5" fmla="*/ 394197 h 484632"/>
+              <a:gd name="connsiteX6" fmla="*/ 135270 w 316142"/>
+              <a:gd name="connsiteY6" fmla="*/ 484632 h 484632"/>
+              <a:gd name="connsiteX7" fmla="*/ 0 w 316142"/>
+              <a:gd name="connsiteY7" fmla="*/ 242316 h 484632"/>
+              <a:gd name="connsiteX0" fmla="*/ 0 w 316142"/>
+              <a:gd name="connsiteY0" fmla="*/ 242316 h 484632"/>
+              <a:gd name="connsiteX1" fmla="*/ 135270 w 316142"/>
+              <a:gd name="connsiteY1" fmla="*/ 0 h 484632"/>
+              <a:gd name="connsiteX2" fmla="*/ 135270 w 316142"/>
+              <a:gd name="connsiteY2" fmla="*/ 90435 h 484632"/>
+              <a:gd name="connsiteX3" fmla="*/ 316142 w 316142"/>
+              <a:gd name="connsiteY3" fmla="*/ 394197 h 484632"/>
+              <a:gd name="connsiteX4" fmla="*/ 135270 w 316142"/>
+              <a:gd name="connsiteY4" fmla="*/ 394197 h 484632"/>
+              <a:gd name="connsiteX5" fmla="*/ 135270 w 316142"/>
+              <a:gd name="connsiteY5" fmla="*/ 484632 h 484632"/>
+              <a:gd name="connsiteX6" fmla="*/ 0 w 316142"/>
+              <a:gd name="connsiteY6" fmla="*/ 242316 h 484632"/>
+              <a:gd name="connsiteX0" fmla="*/ 0 w 316142"/>
+              <a:gd name="connsiteY0" fmla="*/ 242316 h 484632"/>
+              <a:gd name="connsiteX1" fmla="*/ 135270 w 316142"/>
+              <a:gd name="connsiteY1" fmla="*/ 0 h 484632"/>
+              <a:gd name="connsiteX2" fmla="*/ 135270 w 316142"/>
+              <a:gd name="connsiteY2" fmla="*/ 90435 h 484632"/>
+              <a:gd name="connsiteX3" fmla="*/ 316142 w 316142"/>
+              <a:gd name="connsiteY3" fmla="*/ 394197 h 484632"/>
+              <a:gd name="connsiteX4" fmla="*/ 251236 w 316142"/>
+              <a:gd name="connsiteY4" fmla="*/ 392379 h 484632"/>
+              <a:gd name="connsiteX5" fmla="*/ 135270 w 316142"/>
+              <a:gd name="connsiteY5" fmla="*/ 394197 h 484632"/>
+              <a:gd name="connsiteX6" fmla="*/ 135270 w 316142"/>
+              <a:gd name="connsiteY6" fmla="*/ 484632 h 484632"/>
+              <a:gd name="connsiteX7" fmla="*/ 0 w 316142"/>
+              <a:gd name="connsiteY7" fmla="*/ 242316 h 484632"/>
+              <a:gd name="connsiteX0" fmla="*/ 0 w 543456"/>
+              <a:gd name="connsiteY0" fmla="*/ 242316 h 795783"/>
+              <a:gd name="connsiteX1" fmla="*/ 135270 w 543456"/>
+              <a:gd name="connsiteY1" fmla="*/ 0 h 795783"/>
+              <a:gd name="connsiteX2" fmla="*/ 135270 w 543456"/>
+              <a:gd name="connsiteY2" fmla="*/ 90435 h 795783"/>
+              <a:gd name="connsiteX3" fmla="*/ 316142 w 543456"/>
+              <a:gd name="connsiteY3" fmla="*/ 394197 h 795783"/>
+              <a:gd name="connsiteX4" fmla="*/ 543456 w 543456"/>
+              <a:gd name="connsiteY4" fmla="*/ 795783 h 795783"/>
+              <a:gd name="connsiteX5" fmla="*/ 135270 w 543456"/>
+              <a:gd name="connsiteY5" fmla="*/ 394197 h 795783"/>
+              <a:gd name="connsiteX6" fmla="*/ 135270 w 543456"/>
+              <a:gd name="connsiteY6" fmla="*/ 484632 h 795783"/>
+              <a:gd name="connsiteX7" fmla="*/ 0 w 543456"/>
+              <a:gd name="connsiteY7" fmla="*/ 242316 h 795783"/>
+              <a:gd name="connsiteX0" fmla="*/ 0 w 543456"/>
+              <a:gd name="connsiteY0" fmla="*/ 242316 h 795783"/>
+              <a:gd name="connsiteX1" fmla="*/ 135270 w 543456"/>
+              <a:gd name="connsiteY1" fmla="*/ 0 h 795783"/>
+              <a:gd name="connsiteX2" fmla="*/ 135270 w 543456"/>
+              <a:gd name="connsiteY2" fmla="*/ 90435 h 795783"/>
+              <a:gd name="connsiteX3" fmla="*/ 543456 w 543456"/>
+              <a:gd name="connsiteY3" fmla="*/ 795783 h 795783"/>
+              <a:gd name="connsiteX4" fmla="*/ 135270 w 543456"/>
+              <a:gd name="connsiteY4" fmla="*/ 394197 h 795783"/>
+              <a:gd name="connsiteX5" fmla="*/ 135270 w 543456"/>
+              <a:gd name="connsiteY5" fmla="*/ 484632 h 795783"/>
+              <a:gd name="connsiteX6" fmla="*/ 0 w 543456"/>
+              <a:gd name="connsiteY6" fmla="*/ 242316 h 795783"/>
+              <a:gd name="connsiteX0" fmla="*/ 0 w 551283"/>
+              <a:gd name="connsiteY0" fmla="*/ 242316 h 789003"/>
+              <a:gd name="connsiteX1" fmla="*/ 135270 w 551283"/>
+              <a:gd name="connsiteY1" fmla="*/ 0 h 789003"/>
+              <a:gd name="connsiteX2" fmla="*/ 135270 w 551283"/>
+              <a:gd name="connsiteY2" fmla="*/ 90435 h 789003"/>
+              <a:gd name="connsiteX3" fmla="*/ 551283 w 551283"/>
+              <a:gd name="connsiteY3" fmla="*/ 789003 h 789003"/>
+              <a:gd name="connsiteX4" fmla="*/ 135270 w 551283"/>
+              <a:gd name="connsiteY4" fmla="*/ 394197 h 789003"/>
+              <a:gd name="connsiteX5" fmla="*/ 135270 w 551283"/>
+              <a:gd name="connsiteY5" fmla="*/ 484632 h 789003"/>
+              <a:gd name="connsiteX6" fmla="*/ 0 w 551283"/>
+              <a:gd name="connsiteY6" fmla="*/ 242316 h 789003"/>
+              <a:gd name="connsiteX0" fmla="*/ 0 w 551283"/>
+              <a:gd name="connsiteY0" fmla="*/ 242316 h 775443"/>
+              <a:gd name="connsiteX1" fmla="*/ 135270 w 551283"/>
+              <a:gd name="connsiteY1" fmla="*/ 0 h 775443"/>
+              <a:gd name="connsiteX2" fmla="*/ 135270 w 551283"/>
+              <a:gd name="connsiteY2" fmla="*/ 90435 h 775443"/>
+              <a:gd name="connsiteX3" fmla="*/ 551283 w 551283"/>
+              <a:gd name="connsiteY3" fmla="*/ 775443 h 775443"/>
+              <a:gd name="connsiteX4" fmla="*/ 135270 w 551283"/>
+              <a:gd name="connsiteY4" fmla="*/ 394197 h 775443"/>
+              <a:gd name="connsiteX5" fmla="*/ 135270 w 551283"/>
+              <a:gd name="connsiteY5" fmla="*/ 484632 h 775443"/>
+              <a:gd name="connsiteX6" fmla="*/ 0 w 551283"/>
+              <a:gd name="connsiteY6" fmla="*/ 242316 h 775443"/>
+            </a:gdLst>
+            <a:ahLst/>
+            <a:cxnLst>
+              <a:cxn ang="0">
+                <a:pos x="connsiteX0" y="connsiteY0"/>
+              </a:cxn>
+              <a:cxn ang="0">
+                <a:pos x="connsiteX1" y="connsiteY1"/>
+              </a:cxn>
+              <a:cxn ang="0">
+                <a:pos x="connsiteX2" y="connsiteY2"/>
+              </a:cxn>
+              <a:cxn ang="0">
+                <a:pos x="connsiteX3" y="connsiteY3"/>
+              </a:cxn>
+              <a:cxn ang="0">
+                <a:pos x="connsiteX4" y="connsiteY4"/>
+              </a:cxn>
+              <a:cxn ang="0">
+                <a:pos x="connsiteX5" y="connsiteY5"/>
+              </a:cxn>
+              <a:cxn ang="0">
+                <a:pos x="connsiteX6" y="connsiteY6"/>
+              </a:cxn>
+            </a:cxnLst>
+            <a:rect l="l" t="t" r="r" b="b"/>
+            <a:pathLst>
+              <a:path w="551283" h="775443">
+                <a:moveTo>
+                  <a:pt x="0" y="242316"/>
+                </a:moveTo>
+                <a:lnTo>
+                  <a:pt x="135270" y="0"/>
+                </a:lnTo>
+                <a:lnTo>
+                  <a:pt x="135270" y="90435"/>
+                </a:lnTo>
+                <a:lnTo>
+                  <a:pt x="551283" y="775443"/>
+                </a:lnTo>
+                <a:lnTo>
+                  <a:pt x="135270" y="394197"/>
+                </a:lnTo>
+                <a:lnTo>
+                  <a:pt x="135270" y="484632"/>
+                </a:lnTo>
+                <a:lnTo>
+                  <a:pt x="0" y="242316"/>
+                </a:lnTo>
+                <a:close/>
+              </a:path>
+            </a:pathLst>
+          </a:custGeom>
+        </p:spPr>
+        <p:style>
+          <a:lnRef idx="2">
+            <a:schemeClr val="accent2">
+              <a:shade val="50000"/>
+            </a:schemeClr>
+          </a:lnRef>
+          <a:fillRef idx="1">
+            <a:schemeClr val="accent2"/>
+          </a:fillRef>
+          <a:effectRef idx="0">
+            <a:schemeClr val="accent2"/>
+          </a:effectRef>
+          <a:fontRef idx="minor">
+            <a:schemeClr val="lt1"/>
+          </a:fontRef>
+        </p:style>
+        <p:txBody>
+          <a:bodyPr rtlCol="0" anchor="ctr"/>
+          <a:lstStyle/>
+          <a:p>
+            <a:pPr algn="ctr"/>
+            <a:endParaRPr lang="ru-RU"/>
+          </a:p>
+        </p:txBody>
+      </p:sp>
+      <p:sp>
+        <p:nvSpPr>
+          <p:cNvPr id="29" name="Прямоугольник 28"/>
+          <p:cNvSpPr/>
+          <p:nvPr/>
+        </p:nvSpPr>
+        <p:spPr>
+          <a:xfrm>
+            <a:off x="5638800" y="5943600"/>
+            <a:ext cx="914400" cy="914400"/>
+          </a:xfrm>
+          <a:prstGeom prst="rect">
+            <a:avLst/>
+          </a:prstGeom>
+        </p:spPr>
+        <p:style>
+          <a:lnRef idx="2">
+            <a:schemeClr val="accent1">
+              <a:shade val="50000"/>
+            </a:schemeClr>
+          </a:lnRef>
+          <a:fillRef idx="1">
+            <a:schemeClr val="accent1"/>
+          </a:fillRef>
+          <a:effectRef idx="0">
+            <a:schemeClr val="accent1"/>
+          </a:effectRef>
+          <a:fontRef idx="minor">
+            <a:schemeClr val="lt1"/>
+          </a:fontRef>
+        </p:style>
+        <p:txBody>
+          <a:bodyPr rtlCol="0" anchor="ctr"/>
+          <a:lstStyle/>
+          <a:p>
+            <a:pPr algn="ctr"/>
+            <a:r>
+              <a:rPr lang="en-US" dirty="0" smtClean="0"/>
+              <a:t>MAIN</a:t>
+            </a:r>
+          </a:p>
+          <a:p>
+            <a:pPr algn="ctr"/>
+            <a:r>
+              <a:rPr lang="en-US" dirty="0" smtClean="0"/>
+              <a:t>service</a:t>
+            </a:r>
+            <a:endParaRPr lang="ru-RU" dirty="0"/>
+          </a:p>
+        </p:txBody>
+      </p:sp>
+      <p:sp>
+        <p:nvSpPr>
+          <p:cNvPr id="19" name="Прямоугольник 18"/>
+          <p:cNvSpPr/>
+          <p:nvPr/>
+        </p:nvSpPr>
+        <p:spPr>
+          <a:xfrm>
+            <a:off x="0" y="0"/>
+            <a:ext cx="914400" cy="914400"/>
+          </a:xfrm>
+          <a:prstGeom prst="rect">
+            <a:avLst/>
+          </a:prstGeom>
+        </p:spPr>
+        <p:style>
+          <a:lnRef idx="2">
+            <a:schemeClr val="accent1">
+              <a:shade val="50000"/>
+            </a:schemeClr>
+          </a:lnRef>
+          <a:fillRef idx="1">
+            <a:schemeClr val="accent1"/>
+          </a:fillRef>
+          <a:effectRef idx="0">
+            <a:schemeClr val="accent1"/>
+          </a:effectRef>
+          <a:fontRef idx="minor">
+            <a:schemeClr val="lt1"/>
+          </a:fontRef>
+        </p:style>
+        <p:txBody>
+          <a:bodyPr rtlCol="0" anchor="ctr"/>
+          <a:lstStyle/>
+          <a:p>
+            <a:pPr algn="ctr"/>
+            <a:r>
+              <a:rPr lang="en-US" dirty="0" smtClean="0"/>
+              <a:t>CREDIT</a:t>
+            </a:r>
+          </a:p>
+          <a:p>
+            <a:pPr algn="ctr"/>
+            <a:r>
+              <a:rPr lang="en-US" dirty="0" smtClean="0"/>
+              <a:t>service</a:t>
+            </a:r>
+            <a:endParaRPr lang="ru-RU" dirty="0"/>
+          </a:p>
+        </p:txBody>
+      </p:sp>
+      <p:sp>
+        <p:nvSpPr>
+          <p:cNvPr id="30" name="TextBox 29"/>
+          <p:cNvSpPr txBox="1"/>
+          <p:nvPr/>
+        </p:nvSpPr>
+        <p:spPr>
+          <a:xfrm>
+            <a:off x="5723722" y="3610388"/>
+            <a:ext cx="5164875" cy="923330"/>
+          </a:xfrm>
+          <a:prstGeom prst="rect">
+            <a:avLst/>
+          </a:prstGeom>
+          <a:noFill/>
+        </p:spPr>
+        <p:txBody>
+          <a:bodyPr wrap="none" rtlCol="0">
+            <a:spAutoFit/>
+          </a:bodyPr>
+          <a:lstStyle/>
+          <a:p>
+            <a:r>
+              <a:rPr lang="en-US" dirty="0" smtClean="0"/>
+              <a:t>?surname=&lt;</a:t>
+            </a:r>
+            <a:r>
+              <a:rPr lang="ru-RU" dirty="0" smtClean="0"/>
+              <a:t>Ф</a:t>
+            </a:r>
+            <a:r>
+              <a:rPr lang="en-US" dirty="0" smtClean="0"/>
+              <a:t>&gt;</a:t>
+            </a:r>
+            <a:r>
+              <a:rPr lang="en-US" dirty="0" smtClean="0"/>
+              <a:t>&amp;</a:t>
+            </a:r>
+            <a:r>
+              <a:rPr lang="en-US" i="1" dirty="0" err="1" smtClean="0"/>
+              <a:t>firstname</a:t>
+            </a:r>
+            <a:r>
+              <a:rPr lang="en-US" dirty="0"/>
+              <a:t>=&lt;</a:t>
+            </a:r>
+            <a:r>
+              <a:rPr lang="ru-RU" dirty="0"/>
+              <a:t>И</a:t>
+            </a:r>
+            <a:r>
+              <a:rPr lang="en-US" dirty="0" smtClean="0"/>
+              <a:t>&gt;&amp;patronymic=&lt;</a:t>
+            </a:r>
+            <a:r>
+              <a:rPr lang="ru-RU" dirty="0" smtClean="0"/>
+              <a:t>О</a:t>
+            </a:r>
+            <a:r>
+              <a:rPr lang="en-US" dirty="0" smtClean="0"/>
+              <a:t>&gt;&amp;</a:t>
+            </a:r>
+            <a:endParaRPr lang="en-US" dirty="0" smtClean="0"/>
+          </a:p>
+          <a:p>
+            <a:r>
+              <a:rPr lang="ru-RU" dirty="0"/>
+              <a:t> </a:t>
+            </a:r>
+            <a:r>
+              <a:rPr lang="ru-RU" dirty="0" smtClean="0"/>
+              <a:t> </a:t>
+            </a:r>
+            <a:r>
+              <a:rPr lang="en-US" dirty="0" smtClean="0"/>
+              <a:t>&lt;</a:t>
+            </a:r>
+            <a:r>
+              <a:rPr lang="ru-RU" dirty="0" smtClean="0"/>
+              <a:t>уточняющая инфо-</a:t>
+            </a:r>
+            <a:r>
+              <a:rPr lang="ru-RU" dirty="0" err="1" smtClean="0"/>
+              <a:t>ия</a:t>
+            </a:r>
+            <a:r>
+              <a:rPr lang="en-US" dirty="0" smtClean="0"/>
+              <a:t>&gt;</a:t>
+            </a:r>
+            <a:r>
+              <a:rPr lang="ru-RU" dirty="0" smtClean="0"/>
+              <a:t>=</a:t>
+            </a:r>
+            <a:r>
+              <a:rPr lang="en-US" dirty="0" smtClean="0"/>
+              <a:t>&lt;</a:t>
+            </a:r>
+            <a:r>
+              <a:rPr lang="ru-RU" dirty="0" smtClean="0"/>
+              <a:t>значение</a:t>
+            </a:r>
+            <a:r>
+              <a:rPr lang="en-US" dirty="0" smtClean="0"/>
+              <a:t>&gt;&amp;</a:t>
+            </a:r>
+            <a:endParaRPr lang="en-US" dirty="0" smtClean="0"/>
+          </a:p>
+          <a:p>
+            <a:r>
+              <a:rPr lang="en-US" dirty="0"/>
+              <a:t> </a:t>
+            </a:r>
+            <a:r>
+              <a:rPr lang="en-US" dirty="0" smtClean="0"/>
+              <a:t> </a:t>
+            </a:r>
+            <a:r>
+              <a:rPr lang="en-US" i="1" dirty="0" err="1" smtClean="0"/>
+              <a:t>controlValue</a:t>
+            </a:r>
+            <a:r>
+              <a:rPr lang="en-US" dirty="0" smtClean="0"/>
+              <a:t>=&lt;</a:t>
+            </a:r>
+            <a:r>
+              <a:rPr lang="ru-RU" dirty="0" err="1" smtClean="0"/>
+              <a:t>контрольное_значение</a:t>
+            </a:r>
+            <a:r>
+              <a:rPr lang="en-US" dirty="0" smtClean="0"/>
+              <a:t>&gt;</a:t>
+            </a:r>
+            <a:endParaRPr lang="ru-RU" dirty="0" smtClean="0"/>
+          </a:p>
+        </p:txBody>
+      </p:sp>
+      <p:sp>
+        <p:nvSpPr>
+          <p:cNvPr id="31" name="TextBox 30"/>
+          <p:cNvSpPr txBox="1"/>
+          <p:nvPr/>
+        </p:nvSpPr>
+        <p:spPr>
+          <a:xfrm>
+            <a:off x="5723722" y="4532321"/>
+            <a:ext cx="4212050" cy="646331"/>
+          </a:xfrm>
+          <a:prstGeom prst="rect">
+            <a:avLst/>
+          </a:prstGeom>
+          <a:noFill/>
+        </p:spPr>
+        <p:txBody>
+          <a:bodyPr wrap="square" rtlCol="0">
+            <a:spAutoFit/>
+          </a:bodyPr>
+          <a:lstStyle/>
+          <a:p>
+            <a:pPr algn="r"/>
+            <a:r>
+              <a:rPr lang="en-US" dirty="0" smtClean="0"/>
+              <a:t>JSON </a:t>
+            </a:r>
+            <a:r>
+              <a:rPr lang="ru-RU" dirty="0" smtClean="0"/>
+              <a:t>с данными о </a:t>
+            </a:r>
+            <a:r>
+              <a:rPr lang="ru-RU" dirty="0" smtClean="0"/>
+              <a:t>пользователе</a:t>
+            </a:r>
+            <a:br>
+              <a:rPr lang="ru-RU" dirty="0" smtClean="0"/>
+            </a:br>
+            <a:r>
+              <a:rPr lang="ru-RU" dirty="0" smtClean="0"/>
+              <a:t>(</a:t>
+            </a:r>
+            <a:r>
+              <a:rPr lang="ru-RU" dirty="0" smtClean="0"/>
+              <a:t>с указанием</a:t>
+            </a:r>
+            <a:r>
+              <a:rPr lang="ru-RU" dirty="0" smtClean="0"/>
+              <a:t> родственных связей)</a:t>
+            </a:r>
+            <a:endParaRPr lang="ru-RU" dirty="0" smtClean="0"/>
+          </a:p>
+        </p:txBody>
+      </p:sp>
+    </p:spTree>
+    <p:extLst>
+      <p:ext uri="{BB962C8B-B14F-4D97-AF65-F5344CB8AC3E}">
+        <p14:creationId xmlns:p14="http://schemas.microsoft.com/office/powerpoint/2010/main" val="403050922"/>
+      </p:ext>
+    </p:extLst>
+  </p:cSld>
+  <p:clrMapOvr>
+    <a:masterClrMapping/>
+  </p:clrMapOvr>
+  <mc:AlternateContent xmlns:mc="http://schemas.openxmlformats.org/markup-compatibility/2006" xmlns:p14="http://schemas.microsoft.com/office/powerpoint/2010/main">
+    <mc:Choice Requires="p14">
+      <p:transition spd="slow" p14:dur="2000"/>
+    </mc:Choice>
+    <mc:Fallback xmlns="">
+      <p:transition spd="slow"/>
+    </mc:Fallback>
+  </mc:AlternateContent>
+  <p:timing>
+    <p:tnLst>
+      <p:par>
+        <p:cTn id="1" dur="indefinite" restart="never" nodeType="tmRoot"/>
+      </p:par>
+    </p:tnLst>
+  </p:timing>
+</p:sld>
+</file>
+
+<file path=ppt/slides/slide19.xml><?xml version="1.0" encoding="utf-8"?>
+<p:sld xmlns:a="http://schemas.openxmlformats.org/drawingml/2006/main" xmlns:r="http://schemas.openxmlformats.org/officeDocument/2006/relationships" xmlns:p="http://schemas.openxmlformats.org/presentationml/2006/main">
+  <p:cSld>
+    <p:spTree>
+      <p:nvGrpSpPr>
+        <p:cNvPr id="1" name=""/>
+        <p:cNvGrpSpPr/>
+        <p:nvPr/>
+      </p:nvGrpSpPr>
+      <p:grpSpPr>
+        <a:xfrm>
+          <a:off x="0" y="0"/>
+          <a:ext cx="0" cy="0"/>
+          <a:chOff x="0" y="0"/>
+          <a:chExt cx="0" cy="0"/>
+        </a:xfrm>
+      </p:grpSpPr>
+      <p:sp>
+        <p:nvSpPr>
+          <p:cNvPr id="36" name="Прямоугольник 35"/>
+          <p:cNvSpPr/>
+          <p:nvPr/>
+        </p:nvSpPr>
+        <p:spPr>
+          <a:xfrm>
+            <a:off x="1529785" y="1167563"/>
+            <a:ext cx="9132429" cy="4480883"/>
+          </a:xfrm>
+          <a:prstGeom prst="rect">
+            <a:avLst/>
+          </a:prstGeom>
+          <a:solidFill>
+            <a:schemeClr val="bg1"/>
+          </a:solidFill>
+        </p:spPr>
+        <p:style>
+          <a:lnRef idx="2">
+            <a:schemeClr val="accent1">
+              <a:shade val="50000"/>
+            </a:schemeClr>
+          </a:lnRef>
+          <a:fillRef idx="1">
+            <a:schemeClr val="accent1"/>
+          </a:fillRef>
+          <a:effectRef idx="0">
+            <a:schemeClr val="accent1"/>
+          </a:effectRef>
+          <a:fontRef idx="minor">
+            <a:schemeClr val="lt1"/>
+          </a:fontRef>
+        </p:style>
+        <p:txBody>
+          <a:bodyPr rtlCol="0" anchor="ctr"/>
+          <a:lstStyle/>
+          <a:p>
+            <a:pPr algn="ctr"/>
+            <a:endParaRPr lang="ru-RU" dirty="0">
+              <a:solidFill>
+                <a:schemeClr val="tx1"/>
+              </a:solidFill>
+            </a:endParaRPr>
+          </a:p>
+        </p:txBody>
+      </p:sp>
+      <p:sp>
+        <p:nvSpPr>
+          <p:cNvPr id="10" name="TextBox 9"/>
+          <p:cNvSpPr txBox="1"/>
+          <p:nvPr/>
+        </p:nvSpPr>
+        <p:spPr>
+          <a:xfrm>
+            <a:off x="914401" y="151900"/>
+            <a:ext cx="10363199" cy="1015663"/>
+          </a:xfrm>
+          <a:prstGeom prst="rect">
+            <a:avLst/>
+          </a:prstGeom>
+          <a:noFill/>
+        </p:spPr>
+        <p:txBody>
+          <a:bodyPr wrap="square" rtlCol="0" anchor="ctr">
+            <a:spAutoFit/>
+          </a:bodyPr>
+          <a:lstStyle/>
+          <a:p>
+            <a:pPr algn="ctr"/>
+            <a:r>
+              <a:rPr lang="ru-RU" sz="6000" b="1" dirty="0" smtClean="0"/>
+              <a:t>Устройство сервисов</a:t>
+            </a:r>
+          </a:p>
+        </p:txBody>
+      </p:sp>
+      <p:sp>
+        <p:nvSpPr>
+          <p:cNvPr id="2" name="TextBox 1"/>
+          <p:cNvSpPr txBox="1"/>
+          <p:nvPr/>
+        </p:nvSpPr>
+        <p:spPr>
+          <a:xfrm>
+            <a:off x="3953590" y="1167563"/>
+            <a:ext cx="4284826" cy="461665"/>
+          </a:xfrm>
+          <a:prstGeom prst="rect">
+            <a:avLst/>
+          </a:prstGeom>
+          <a:noFill/>
+        </p:spPr>
+        <p:txBody>
+          <a:bodyPr wrap="none" rtlCol="0">
+            <a:spAutoFit/>
+          </a:bodyPr>
+          <a:lstStyle/>
+          <a:p>
+            <a:pPr algn="ctr"/>
+            <a:r>
+              <a:rPr lang="ru-RU" sz="2400" b="1" dirty="0"/>
+              <a:t>Сервис данных пользователей</a:t>
+            </a:r>
+            <a:endParaRPr lang="ru-RU" sz="2400" b="1" dirty="0"/>
+          </a:p>
+        </p:txBody>
+      </p:sp>
+      <p:sp>
+        <p:nvSpPr>
+          <p:cNvPr id="26" name="Двойная стрелка влево/вправо 5"/>
+          <p:cNvSpPr/>
+          <p:nvPr/>
+        </p:nvSpPr>
+        <p:spPr>
+          <a:xfrm rot="16200000" flipH="1">
+            <a:off x="4777664" y="5631104"/>
+            <a:ext cx="805023" cy="871529"/>
+          </a:xfrm>
+          <a:custGeom>
+            <a:avLst/>
+            <a:gdLst>
+              <a:gd name="connsiteX0" fmla="*/ 0 w 451412"/>
+              <a:gd name="connsiteY0" fmla="*/ 242316 h 484632"/>
+              <a:gd name="connsiteX1" fmla="*/ 135270 w 451412"/>
+              <a:gd name="connsiteY1" fmla="*/ 0 h 484632"/>
+              <a:gd name="connsiteX2" fmla="*/ 135270 w 451412"/>
+              <a:gd name="connsiteY2" fmla="*/ 90435 h 484632"/>
+              <a:gd name="connsiteX3" fmla="*/ 316142 w 451412"/>
+              <a:gd name="connsiteY3" fmla="*/ 90435 h 484632"/>
+              <a:gd name="connsiteX4" fmla="*/ 316142 w 451412"/>
+              <a:gd name="connsiteY4" fmla="*/ 0 h 484632"/>
+              <a:gd name="connsiteX5" fmla="*/ 451412 w 451412"/>
+              <a:gd name="connsiteY5" fmla="*/ 242316 h 484632"/>
+              <a:gd name="connsiteX6" fmla="*/ 316142 w 451412"/>
+              <a:gd name="connsiteY6" fmla="*/ 484632 h 484632"/>
+              <a:gd name="connsiteX7" fmla="*/ 316142 w 451412"/>
+              <a:gd name="connsiteY7" fmla="*/ 394197 h 484632"/>
+              <a:gd name="connsiteX8" fmla="*/ 135270 w 451412"/>
+              <a:gd name="connsiteY8" fmla="*/ 394197 h 484632"/>
+              <a:gd name="connsiteX9" fmla="*/ 135270 w 451412"/>
+              <a:gd name="connsiteY9" fmla="*/ 484632 h 484632"/>
+              <a:gd name="connsiteX10" fmla="*/ 0 w 451412"/>
+              <a:gd name="connsiteY10" fmla="*/ 242316 h 484632"/>
+              <a:gd name="connsiteX0" fmla="*/ 0 w 451412"/>
+              <a:gd name="connsiteY0" fmla="*/ 242316 h 484632"/>
+              <a:gd name="connsiteX1" fmla="*/ 135270 w 451412"/>
+              <a:gd name="connsiteY1" fmla="*/ 0 h 484632"/>
+              <a:gd name="connsiteX2" fmla="*/ 135270 w 451412"/>
+              <a:gd name="connsiteY2" fmla="*/ 90435 h 484632"/>
+              <a:gd name="connsiteX3" fmla="*/ 316142 w 451412"/>
+              <a:gd name="connsiteY3" fmla="*/ 90435 h 484632"/>
+              <a:gd name="connsiteX4" fmla="*/ 451412 w 451412"/>
+              <a:gd name="connsiteY4" fmla="*/ 242316 h 484632"/>
+              <a:gd name="connsiteX5" fmla="*/ 316142 w 451412"/>
+              <a:gd name="connsiteY5" fmla="*/ 484632 h 484632"/>
+              <a:gd name="connsiteX6" fmla="*/ 316142 w 451412"/>
+              <a:gd name="connsiteY6" fmla="*/ 394197 h 484632"/>
+              <a:gd name="connsiteX7" fmla="*/ 135270 w 451412"/>
+              <a:gd name="connsiteY7" fmla="*/ 394197 h 484632"/>
+              <a:gd name="connsiteX8" fmla="*/ 135270 w 451412"/>
+              <a:gd name="connsiteY8" fmla="*/ 484632 h 484632"/>
+              <a:gd name="connsiteX9" fmla="*/ 0 w 451412"/>
+              <a:gd name="connsiteY9" fmla="*/ 242316 h 484632"/>
+              <a:gd name="connsiteX0" fmla="*/ 0 w 316142"/>
+              <a:gd name="connsiteY0" fmla="*/ 242316 h 484632"/>
+              <a:gd name="connsiteX1" fmla="*/ 135270 w 316142"/>
+              <a:gd name="connsiteY1" fmla="*/ 0 h 484632"/>
+              <a:gd name="connsiteX2" fmla="*/ 135270 w 316142"/>
+              <a:gd name="connsiteY2" fmla="*/ 90435 h 484632"/>
+              <a:gd name="connsiteX3" fmla="*/ 316142 w 316142"/>
+              <a:gd name="connsiteY3" fmla="*/ 90435 h 484632"/>
+              <a:gd name="connsiteX4" fmla="*/ 316142 w 316142"/>
+              <a:gd name="connsiteY4" fmla="*/ 484632 h 484632"/>
+              <a:gd name="connsiteX5" fmla="*/ 316142 w 316142"/>
+              <a:gd name="connsiteY5" fmla="*/ 394197 h 484632"/>
+              <a:gd name="connsiteX6" fmla="*/ 135270 w 316142"/>
+              <a:gd name="connsiteY6" fmla="*/ 394197 h 484632"/>
+              <a:gd name="connsiteX7" fmla="*/ 135270 w 316142"/>
+              <a:gd name="connsiteY7" fmla="*/ 484632 h 484632"/>
+              <a:gd name="connsiteX8" fmla="*/ 0 w 316142"/>
+              <a:gd name="connsiteY8" fmla="*/ 242316 h 484632"/>
+              <a:gd name="connsiteX0" fmla="*/ 0 w 316142"/>
+              <a:gd name="connsiteY0" fmla="*/ 242316 h 484632"/>
+              <a:gd name="connsiteX1" fmla="*/ 135270 w 316142"/>
+              <a:gd name="connsiteY1" fmla="*/ 0 h 484632"/>
+              <a:gd name="connsiteX2" fmla="*/ 135270 w 316142"/>
+              <a:gd name="connsiteY2" fmla="*/ 90435 h 484632"/>
+              <a:gd name="connsiteX3" fmla="*/ 316142 w 316142"/>
+              <a:gd name="connsiteY3" fmla="*/ 90435 h 484632"/>
+              <a:gd name="connsiteX4" fmla="*/ 316142 w 316142"/>
+              <a:gd name="connsiteY4" fmla="*/ 394197 h 484632"/>
+              <a:gd name="connsiteX5" fmla="*/ 135270 w 316142"/>
+              <a:gd name="connsiteY5" fmla="*/ 394197 h 484632"/>
+              <a:gd name="connsiteX6" fmla="*/ 135270 w 316142"/>
+              <a:gd name="connsiteY6" fmla="*/ 484632 h 484632"/>
+              <a:gd name="connsiteX7" fmla="*/ 0 w 316142"/>
+              <a:gd name="connsiteY7" fmla="*/ 242316 h 484632"/>
+              <a:gd name="connsiteX0" fmla="*/ 0 w 316142"/>
+              <a:gd name="connsiteY0" fmla="*/ 242316 h 484632"/>
+              <a:gd name="connsiteX1" fmla="*/ 135270 w 316142"/>
+              <a:gd name="connsiteY1" fmla="*/ 0 h 484632"/>
+              <a:gd name="connsiteX2" fmla="*/ 135270 w 316142"/>
+              <a:gd name="connsiteY2" fmla="*/ 90435 h 484632"/>
+              <a:gd name="connsiteX3" fmla="*/ 316142 w 316142"/>
+              <a:gd name="connsiteY3" fmla="*/ 394197 h 484632"/>
+              <a:gd name="connsiteX4" fmla="*/ 135270 w 316142"/>
+              <a:gd name="connsiteY4" fmla="*/ 394197 h 484632"/>
+              <a:gd name="connsiteX5" fmla="*/ 135270 w 316142"/>
+              <a:gd name="connsiteY5" fmla="*/ 484632 h 484632"/>
+              <a:gd name="connsiteX6" fmla="*/ 0 w 316142"/>
+              <a:gd name="connsiteY6" fmla="*/ 242316 h 484632"/>
+              <a:gd name="connsiteX0" fmla="*/ 0 w 316142"/>
+              <a:gd name="connsiteY0" fmla="*/ 242316 h 484632"/>
+              <a:gd name="connsiteX1" fmla="*/ 135270 w 316142"/>
+              <a:gd name="connsiteY1" fmla="*/ 0 h 484632"/>
+              <a:gd name="connsiteX2" fmla="*/ 135270 w 316142"/>
+              <a:gd name="connsiteY2" fmla="*/ 90435 h 484632"/>
+              <a:gd name="connsiteX3" fmla="*/ 316142 w 316142"/>
+              <a:gd name="connsiteY3" fmla="*/ 394197 h 484632"/>
+              <a:gd name="connsiteX4" fmla="*/ 251236 w 316142"/>
+              <a:gd name="connsiteY4" fmla="*/ 392379 h 484632"/>
+              <a:gd name="connsiteX5" fmla="*/ 135270 w 316142"/>
+              <a:gd name="connsiteY5" fmla="*/ 394197 h 484632"/>
+              <a:gd name="connsiteX6" fmla="*/ 135270 w 316142"/>
+              <a:gd name="connsiteY6" fmla="*/ 484632 h 484632"/>
+              <a:gd name="connsiteX7" fmla="*/ 0 w 316142"/>
+              <a:gd name="connsiteY7" fmla="*/ 242316 h 484632"/>
+              <a:gd name="connsiteX0" fmla="*/ 0 w 543456"/>
+              <a:gd name="connsiteY0" fmla="*/ 242316 h 795783"/>
+              <a:gd name="connsiteX1" fmla="*/ 135270 w 543456"/>
+              <a:gd name="connsiteY1" fmla="*/ 0 h 795783"/>
+              <a:gd name="connsiteX2" fmla="*/ 135270 w 543456"/>
+              <a:gd name="connsiteY2" fmla="*/ 90435 h 795783"/>
+              <a:gd name="connsiteX3" fmla="*/ 316142 w 543456"/>
+              <a:gd name="connsiteY3" fmla="*/ 394197 h 795783"/>
+              <a:gd name="connsiteX4" fmla="*/ 543456 w 543456"/>
+              <a:gd name="connsiteY4" fmla="*/ 795783 h 795783"/>
+              <a:gd name="connsiteX5" fmla="*/ 135270 w 543456"/>
+              <a:gd name="connsiteY5" fmla="*/ 394197 h 795783"/>
+              <a:gd name="connsiteX6" fmla="*/ 135270 w 543456"/>
+              <a:gd name="connsiteY6" fmla="*/ 484632 h 795783"/>
+              <a:gd name="connsiteX7" fmla="*/ 0 w 543456"/>
+              <a:gd name="connsiteY7" fmla="*/ 242316 h 795783"/>
+              <a:gd name="connsiteX0" fmla="*/ 0 w 543456"/>
+              <a:gd name="connsiteY0" fmla="*/ 242316 h 795783"/>
+              <a:gd name="connsiteX1" fmla="*/ 135270 w 543456"/>
+              <a:gd name="connsiteY1" fmla="*/ 0 h 795783"/>
+              <a:gd name="connsiteX2" fmla="*/ 135270 w 543456"/>
+              <a:gd name="connsiteY2" fmla="*/ 90435 h 795783"/>
+              <a:gd name="connsiteX3" fmla="*/ 543456 w 543456"/>
+              <a:gd name="connsiteY3" fmla="*/ 795783 h 795783"/>
+              <a:gd name="connsiteX4" fmla="*/ 135270 w 543456"/>
+              <a:gd name="connsiteY4" fmla="*/ 394197 h 795783"/>
+              <a:gd name="connsiteX5" fmla="*/ 135270 w 543456"/>
+              <a:gd name="connsiteY5" fmla="*/ 484632 h 795783"/>
+              <a:gd name="connsiteX6" fmla="*/ 0 w 543456"/>
+              <a:gd name="connsiteY6" fmla="*/ 242316 h 795783"/>
+              <a:gd name="connsiteX0" fmla="*/ 0 w 551283"/>
+              <a:gd name="connsiteY0" fmla="*/ 242316 h 789003"/>
+              <a:gd name="connsiteX1" fmla="*/ 135270 w 551283"/>
+              <a:gd name="connsiteY1" fmla="*/ 0 h 789003"/>
+              <a:gd name="connsiteX2" fmla="*/ 135270 w 551283"/>
+              <a:gd name="connsiteY2" fmla="*/ 90435 h 789003"/>
+              <a:gd name="connsiteX3" fmla="*/ 551283 w 551283"/>
+              <a:gd name="connsiteY3" fmla="*/ 789003 h 789003"/>
+              <a:gd name="connsiteX4" fmla="*/ 135270 w 551283"/>
+              <a:gd name="connsiteY4" fmla="*/ 394197 h 789003"/>
+              <a:gd name="connsiteX5" fmla="*/ 135270 w 551283"/>
+              <a:gd name="connsiteY5" fmla="*/ 484632 h 789003"/>
+              <a:gd name="connsiteX6" fmla="*/ 0 w 551283"/>
+              <a:gd name="connsiteY6" fmla="*/ 242316 h 789003"/>
+              <a:gd name="connsiteX0" fmla="*/ 0 w 551283"/>
+              <a:gd name="connsiteY0" fmla="*/ 242316 h 775443"/>
+              <a:gd name="connsiteX1" fmla="*/ 135270 w 551283"/>
+              <a:gd name="connsiteY1" fmla="*/ 0 h 775443"/>
+              <a:gd name="connsiteX2" fmla="*/ 135270 w 551283"/>
+              <a:gd name="connsiteY2" fmla="*/ 90435 h 775443"/>
+              <a:gd name="connsiteX3" fmla="*/ 551283 w 551283"/>
+              <a:gd name="connsiteY3" fmla="*/ 775443 h 775443"/>
+              <a:gd name="connsiteX4" fmla="*/ 135270 w 551283"/>
+              <a:gd name="connsiteY4" fmla="*/ 394197 h 775443"/>
+              <a:gd name="connsiteX5" fmla="*/ 135270 w 551283"/>
+              <a:gd name="connsiteY5" fmla="*/ 484632 h 775443"/>
+              <a:gd name="connsiteX6" fmla="*/ 0 w 551283"/>
+              <a:gd name="connsiteY6" fmla="*/ 242316 h 775443"/>
+            </a:gdLst>
+            <a:ahLst/>
+            <a:cxnLst>
+              <a:cxn ang="0">
+                <a:pos x="connsiteX0" y="connsiteY0"/>
+              </a:cxn>
+              <a:cxn ang="0">
+                <a:pos x="connsiteX1" y="connsiteY1"/>
+              </a:cxn>
+              <a:cxn ang="0">
+                <a:pos x="connsiteX2" y="connsiteY2"/>
+              </a:cxn>
+              <a:cxn ang="0">
+                <a:pos x="connsiteX3" y="connsiteY3"/>
+              </a:cxn>
+              <a:cxn ang="0">
+                <a:pos x="connsiteX4" y="connsiteY4"/>
+              </a:cxn>
+              <a:cxn ang="0">
+                <a:pos x="connsiteX5" y="connsiteY5"/>
+              </a:cxn>
+              <a:cxn ang="0">
+                <a:pos x="connsiteX6" y="connsiteY6"/>
+              </a:cxn>
+            </a:cxnLst>
+            <a:rect l="l" t="t" r="r" b="b"/>
+            <a:pathLst>
+              <a:path w="551283" h="775443">
+                <a:moveTo>
+                  <a:pt x="0" y="242316"/>
+                </a:moveTo>
+                <a:lnTo>
+                  <a:pt x="135270" y="0"/>
+                </a:lnTo>
+                <a:lnTo>
+                  <a:pt x="135270" y="90435"/>
+                </a:lnTo>
+                <a:lnTo>
+                  <a:pt x="551283" y="775443"/>
+                </a:lnTo>
+                <a:lnTo>
+                  <a:pt x="135270" y="394197"/>
+                </a:lnTo>
+                <a:lnTo>
+                  <a:pt x="135270" y="484632"/>
+                </a:lnTo>
+                <a:lnTo>
+                  <a:pt x="0" y="242316"/>
+                </a:lnTo>
+                <a:close/>
+              </a:path>
+            </a:pathLst>
+          </a:custGeom>
+        </p:spPr>
+        <p:style>
+          <a:lnRef idx="2">
+            <a:schemeClr val="accent1">
+              <a:shade val="50000"/>
+            </a:schemeClr>
+          </a:lnRef>
+          <a:fillRef idx="1">
+            <a:schemeClr val="accent1"/>
+          </a:fillRef>
+          <a:effectRef idx="0">
+            <a:schemeClr val="accent1"/>
+          </a:effectRef>
+          <a:fontRef idx="minor">
+            <a:schemeClr val="lt1"/>
+          </a:fontRef>
+        </p:style>
+        <p:txBody>
+          <a:bodyPr rtlCol="0" anchor="ctr"/>
+          <a:lstStyle/>
+          <a:p>
+            <a:pPr algn="ctr"/>
+            <a:endParaRPr lang="ru-RU"/>
+          </a:p>
+        </p:txBody>
+      </p:sp>
+      <p:sp>
+        <p:nvSpPr>
+          <p:cNvPr id="27" name="Двойная стрелка влево/вправо 5"/>
+          <p:cNvSpPr/>
+          <p:nvPr/>
+        </p:nvSpPr>
+        <p:spPr>
+          <a:xfrm flipV="1">
+            <a:off x="6576060" y="5662020"/>
+            <a:ext cx="805023" cy="871529"/>
+          </a:xfrm>
+          <a:custGeom>
+            <a:avLst/>
+            <a:gdLst>
+              <a:gd name="connsiteX0" fmla="*/ 0 w 451412"/>
+              <a:gd name="connsiteY0" fmla="*/ 242316 h 484632"/>
+              <a:gd name="connsiteX1" fmla="*/ 135270 w 451412"/>
+              <a:gd name="connsiteY1" fmla="*/ 0 h 484632"/>
+              <a:gd name="connsiteX2" fmla="*/ 135270 w 451412"/>
+              <a:gd name="connsiteY2" fmla="*/ 90435 h 484632"/>
+              <a:gd name="connsiteX3" fmla="*/ 316142 w 451412"/>
+              <a:gd name="connsiteY3" fmla="*/ 90435 h 484632"/>
+              <a:gd name="connsiteX4" fmla="*/ 316142 w 451412"/>
+              <a:gd name="connsiteY4" fmla="*/ 0 h 484632"/>
+              <a:gd name="connsiteX5" fmla="*/ 451412 w 451412"/>
+              <a:gd name="connsiteY5" fmla="*/ 242316 h 484632"/>
+              <a:gd name="connsiteX6" fmla="*/ 316142 w 451412"/>
+              <a:gd name="connsiteY6" fmla="*/ 484632 h 484632"/>
+              <a:gd name="connsiteX7" fmla="*/ 316142 w 451412"/>
+              <a:gd name="connsiteY7" fmla="*/ 394197 h 484632"/>
+              <a:gd name="connsiteX8" fmla="*/ 135270 w 451412"/>
+              <a:gd name="connsiteY8" fmla="*/ 394197 h 484632"/>
+              <a:gd name="connsiteX9" fmla="*/ 135270 w 451412"/>
+              <a:gd name="connsiteY9" fmla="*/ 484632 h 484632"/>
+              <a:gd name="connsiteX10" fmla="*/ 0 w 451412"/>
+              <a:gd name="connsiteY10" fmla="*/ 242316 h 484632"/>
+              <a:gd name="connsiteX0" fmla="*/ 0 w 451412"/>
+              <a:gd name="connsiteY0" fmla="*/ 242316 h 484632"/>
+              <a:gd name="connsiteX1" fmla="*/ 135270 w 451412"/>
+              <a:gd name="connsiteY1" fmla="*/ 0 h 484632"/>
+              <a:gd name="connsiteX2" fmla="*/ 135270 w 451412"/>
+              <a:gd name="connsiteY2" fmla="*/ 90435 h 484632"/>
+              <a:gd name="connsiteX3" fmla="*/ 316142 w 451412"/>
+              <a:gd name="connsiteY3" fmla="*/ 90435 h 484632"/>
+              <a:gd name="connsiteX4" fmla="*/ 451412 w 451412"/>
+              <a:gd name="connsiteY4" fmla="*/ 242316 h 484632"/>
+              <a:gd name="connsiteX5" fmla="*/ 316142 w 451412"/>
+              <a:gd name="connsiteY5" fmla="*/ 484632 h 484632"/>
+              <a:gd name="connsiteX6" fmla="*/ 316142 w 451412"/>
+              <a:gd name="connsiteY6" fmla="*/ 394197 h 484632"/>
+              <a:gd name="connsiteX7" fmla="*/ 135270 w 451412"/>
+              <a:gd name="connsiteY7" fmla="*/ 394197 h 484632"/>
+              <a:gd name="connsiteX8" fmla="*/ 135270 w 451412"/>
+              <a:gd name="connsiteY8" fmla="*/ 484632 h 484632"/>
+              <a:gd name="connsiteX9" fmla="*/ 0 w 451412"/>
+              <a:gd name="connsiteY9" fmla="*/ 242316 h 484632"/>
+              <a:gd name="connsiteX0" fmla="*/ 0 w 316142"/>
+              <a:gd name="connsiteY0" fmla="*/ 242316 h 484632"/>
+              <a:gd name="connsiteX1" fmla="*/ 135270 w 316142"/>
+              <a:gd name="connsiteY1" fmla="*/ 0 h 484632"/>
+              <a:gd name="connsiteX2" fmla="*/ 135270 w 316142"/>
+              <a:gd name="connsiteY2" fmla="*/ 90435 h 484632"/>
+              <a:gd name="connsiteX3" fmla="*/ 316142 w 316142"/>
+              <a:gd name="connsiteY3" fmla="*/ 90435 h 484632"/>
+              <a:gd name="connsiteX4" fmla="*/ 316142 w 316142"/>
+              <a:gd name="connsiteY4" fmla="*/ 484632 h 484632"/>
+              <a:gd name="connsiteX5" fmla="*/ 316142 w 316142"/>
+              <a:gd name="connsiteY5" fmla="*/ 394197 h 484632"/>
+              <a:gd name="connsiteX6" fmla="*/ 135270 w 316142"/>
+              <a:gd name="connsiteY6" fmla="*/ 394197 h 484632"/>
+              <a:gd name="connsiteX7" fmla="*/ 135270 w 316142"/>
+              <a:gd name="connsiteY7" fmla="*/ 484632 h 484632"/>
+              <a:gd name="connsiteX8" fmla="*/ 0 w 316142"/>
+              <a:gd name="connsiteY8" fmla="*/ 242316 h 484632"/>
+              <a:gd name="connsiteX0" fmla="*/ 0 w 316142"/>
+              <a:gd name="connsiteY0" fmla="*/ 242316 h 484632"/>
+              <a:gd name="connsiteX1" fmla="*/ 135270 w 316142"/>
+              <a:gd name="connsiteY1" fmla="*/ 0 h 484632"/>
+              <a:gd name="connsiteX2" fmla="*/ 135270 w 316142"/>
+              <a:gd name="connsiteY2" fmla="*/ 90435 h 484632"/>
+              <a:gd name="connsiteX3" fmla="*/ 316142 w 316142"/>
+              <a:gd name="connsiteY3" fmla="*/ 90435 h 484632"/>
+              <a:gd name="connsiteX4" fmla="*/ 316142 w 316142"/>
+              <a:gd name="connsiteY4" fmla="*/ 394197 h 484632"/>
+              <a:gd name="connsiteX5" fmla="*/ 135270 w 316142"/>
+              <a:gd name="connsiteY5" fmla="*/ 394197 h 484632"/>
+              <a:gd name="connsiteX6" fmla="*/ 135270 w 316142"/>
+              <a:gd name="connsiteY6" fmla="*/ 484632 h 484632"/>
+              <a:gd name="connsiteX7" fmla="*/ 0 w 316142"/>
+              <a:gd name="connsiteY7" fmla="*/ 242316 h 484632"/>
+              <a:gd name="connsiteX0" fmla="*/ 0 w 316142"/>
+              <a:gd name="connsiteY0" fmla="*/ 242316 h 484632"/>
+              <a:gd name="connsiteX1" fmla="*/ 135270 w 316142"/>
+              <a:gd name="connsiteY1" fmla="*/ 0 h 484632"/>
+              <a:gd name="connsiteX2" fmla="*/ 135270 w 316142"/>
+              <a:gd name="connsiteY2" fmla="*/ 90435 h 484632"/>
+              <a:gd name="connsiteX3" fmla="*/ 316142 w 316142"/>
+              <a:gd name="connsiteY3" fmla="*/ 394197 h 484632"/>
+              <a:gd name="connsiteX4" fmla="*/ 135270 w 316142"/>
+              <a:gd name="connsiteY4" fmla="*/ 394197 h 484632"/>
+              <a:gd name="connsiteX5" fmla="*/ 135270 w 316142"/>
+              <a:gd name="connsiteY5" fmla="*/ 484632 h 484632"/>
+              <a:gd name="connsiteX6" fmla="*/ 0 w 316142"/>
+              <a:gd name="connsiteY6" fmla="*/ 242316 h 484632"/>
+              <a:gd name="connsiteX0" fmla="*/ 0 w 316142"/>
+              <a:gd name="connsiteY0" fmla="*/ 242316 h 484632"/>
+              <a:gd name="connsiteX1" fmla="*/ 135270 w 316142"/>
+              <a:gd name="connsiteY1" fmla="*/ 0 h 484632"/>
+              <a:gd name="connsiteX2" fmla="*/ 135270 w 316142"/>
+              <a:gd name="connsiteY2" fmla="*/ 90435 h 484632"/>
+              <a:gd name="connsiteX3" fmla="*/ 316142 w 316142"/>
+              <a:gd name="connsiteY3" fmla="*/ 394197 h 484632"/>
+              <a:gd name="connsiteX4" fmla="*/ 251236 w 316142"/>
+              <a:gd name="connsiteY4" fmla="*/ 392379 h 484632"/>
+              <a:gd name="connsiteX5" fmla="*/ 135270 w 316142"/>
+              <a:gd name="connsiteY5" fmla="*/ 394197 h 484632"/>
+              <a:gd name="connsiteX6" fmla="*/ 135270 w 316142"/>
+              <a:gd name="connsiteY6" fmla="*/ 484632 h 484632"/>
+              <a:gd name="connsiteX7" fmla="*/ 0 w 316142"/>
+              <a:gd name="connsiteY7" fmla="*/ 242316 h 484632"/>
+              <a:gd name="connsiteX0" fmla="*/ 0 w 543456"/>
+              <a:gd name="connsiteY0" fmla="*/ 242316 h 795783"/>
+              <a:gd name="connsiteX1" fmla="*/ 135270 w 543456"/>
+              <a:gd name="connsiteY1" fmla="*/ 0 h 795783"/>
+              <a:gd name="connsiteX2" fmla="*/ 135270 w 543456"/>
+              <a:gd name="connsiteY2" fmla="*/ 90435 h 795783"/>
+              <a:gd name="connsiteX3" fmla="*/ 316142 w 543456"/>
+              <a:gd name="connsiteY3" fmla="*/ 394197 h 795783"/>
+              <a:gd name="connsiteX4" fmla="*/ 543456 w 543456"/>
+              <a:gd name="connsiteY4" fmla="*/ 795783 h 795783"/>
+              <a:gd name="connsiteX5" fmla="*/ 135270 w 543456"/>
+              <a:gd name="connsiteY5" fmla="*/ 394197 h 795783"/>
+              <a:gd name="connsiteX6" fmla="*/ 135270 w 543456"/>
+              <a:gd name="connsiteY6" fmla="*/ 484632 h 795783"/>
+              <a:gd name="connsiteX7" fmla="*/ 0 w 543456"/>
+              <a:gd name="connsiteY7" fmla="*/ 242316 h 795783"/>
+              <a:gd name="connsiteX0" fmla="*/ 0 w 543456"/>
+              <a:gd name="connsiteY0" fmla="*/ 242316 h 795783"/>
+              <a:gd name="connsiteX1" fmla="*/ 135270 w 543456"/>
+              <a:gd name="connsiteY1" fmla="*/ 0 h 795783"/>
+              <a:gd name="connsiteX2" fmla="*/ 135270 w 543456"/>
+              <a:gd name="connsiteY2" fmla="*/ 90435 h 795783"/>
+              <a:gd name="connsiteX3" fmla="*/ 543456 w 543456"/>
+              <a:gd name="connsiteY3" fmla="*/ 795783 h 795783"/>
+              <a:gd name="connsiteX4" fmla="*/ 135270 w 543456"/>
+              <a:gd name="connsiteY4" fmla="*/ 394197 h 795783"/>
+              <a:gd name="connsiteX5" fmla="*/ 135270 w 543456"/>
+              <a:gd name="connsiteY5" fmla="*/ 484632 h 795783"/>
+              <a:gd name="connsiteX6" fmla="*/ 0 w 543456"/>
+              <a:gd name="connsiteY6" fmla="*/ 242316 h 795783"/>
+              <a:gd name="connsiteX0" fmla="*/ 0 w 551283"/>
+              <a:gd name="connsiteY0" fmla="*/ 242316 h 789003"/>
+              <a:gd name="connsiteX1" fmla="*/ 135270 w 551283"/>
+              <a:gd name="connsiteY1" fmla="*/ 0 h 789003"/>
+              <a:gd name="connsiteX2" fmla="*/ 135270 w 551283"/>
+              <a:gd name="connsiteY2" fmla="*/ 90435 h 789003"/>
+              <a:gd name="connsiteX3" fmla="*/ 551283 w 551283"/>
+              <a:gd name="connsiteY3" fmla="*/ 789003 h 789003"/>
+              <a:gd name="connsiteX4" fmla="*/ 135270 w 551283"/>
+              <a:gd name="connsiteY4" fmla="*/ 394197 h 789003"/>
+              <a:gd name="connsiteX5" fmla="*/ 135270 w 551283"/>
+              <a:gd name="connsiteY5" fmla="*/ 484632 h 789003"/>
+              <a:gd name="connsiteX6" fmla="*/ 0 w 551283"/>
+              <a:gd name="connsiteY6" fmla="*/ 242316 h 789003"/>
+              <a:gd name="connsiteX0" fmla="*/ 0 w 551283"/>
+              <a:gd name="connsiteY0" fmla="*/ 242316 h 775443"/>
+              <a:gd name="connsiteX1" fmla="*/ 135270 w 551283"/>
+              <a:gd name="connsiteY1" fmla="*/ 0 h 775443"/>
+              <a:gd name="connsiteX2" fmla="*/ 135270 w 551283"/>
+              <a:gd name="connsiteY2" fmla="*/ 90435 h 775443"/>
+              <a:gd name="connsiteX3" fmla="*/ 551283 w 551283"/>
+              <a:gd name="connsiteY3" fmla="*/ 775443 h 775443"/>
+              <a:gd name="connsiteX4" fmla="*/ 135270 w 551283"/>
+              <a:gd name="connsiteY4" fmla="*/ 394197 h 775443"/>
+              <a:gd name="connsiteX5" fmla="*/ 135270 w 551283"/>
+              <a:gd name="connsiteY5" fmla="*/ 484632 h 775443"/>
+              <a:gd name="connsiteX6" fmla="*/ 0 w 551283"/>
+              <a:gd name="connsiteY6" fmla="*/ 242316 h 775443"/>
+            </a:gdLst>
+            <a:ahLst/>
+            <a:cxnLst>
+              <a:cxn ang="0">
+                <a:pos x="connsiteX0" y="connsiteY0"/>
+              </a:cxn>
+              <a:cxn ang="0">
+                <a:pos x="connsiteX1" y="connsiteY1"/>
+              </a:cxn>
+              <a:cxn ang="0">
+                <a:pos x="connsiteX2" y="connsiteY2"/>
+              </a:cxn>
+              <a:cxn ang="0">
+                <a:pos x="connsiteX3" y="connsiteY3"/>
+              </a:cxn>
+              <a:cxn ang="0">
+                <a:pos x="connsiteX4" y="connsiteY4"/>
+              </a:cxn>
+              <a:cxn ang="0">
+                <a:pos x="connsiteX5" y="connsiteY5"/>
+              </a:cxn>
+              <a:cxn ang="0">
+                <a:pos x="connsiteX6" y="connsiteY6"/>
+              </a:cxn>
+            </a:cxnLst>
+            <a:rect l="l" t="t" r="r" b="b"/>
+            <a:pathLst>
+              <a:path w="551283" h="775443">
+                <a:moveTo>
+                  <a:pt x="0" y="242316"/>
+                </a:moveTo>
+                <a:lnTo>
+                  <a:pt x="135270" y="0"/>
+                </a:lnTo>
+                <a:lnTo>
+                  <a:pt x="135270" y="90435"/>
+                </a:lnTo>
+                <a:lnTo>
+                  <a:pt x="551283" y="775443"/>
+                </a:lnTo>
+                <a:lnTo>
+                  <a:pt x="135270" y="394197"/>
+                </a:lnTo>
+                <a:lnTo>
+                  <a:pt x="135270" y="484632"/>
+                </a:lnTo>
+                <a:lnTo>
+                  <a:pt x="0" y="242316"/>
+                </a:lnTo>
+                <a:close/>
+              </a:path>
+            </a:pathLst>
+          </a:custGeom>
+        </p:spPr>
+        <p:style>
+          <a:lnRef idx="2">
+            <a:schemeClr val="accent2">
+              <a:shade val="50000"/>
+            </a:schemeClr>
+          </a:lnRef>
+          <a:fillRef idx="1">
+            <a:schemeClr val="accent2"/>
+          </a:fillRef>
+          <a:effectRef idx="0">
+            <a:schemeClr val="accent2"/>
+          </a:effectRef>
+          <a:fontRef idx="minor">
+            <a:schemeClr val="lt1"/>
+          </a:fontRef>
+        </p:style>
+        <p:txBody>
+          <a:bodyPr rtlCol="0" anchor="ctr"/>
+          <a:lstStyle/>
+          <a:p>
+            <a:pPr algn="ctr"/>
+            <a:endParaRPr lang="ru-RU"/>
+          </a:p>
+        </p:txBody>
+      </p:sp>
+      <p:sp>
+        <p:nvSpPr>
+          <p:cNvPr id="29" name="Прямоугольник 28"/>
+          <p:cNvSpPr/>
+          <p:nvPr/>
+        </p:nvSpPr>
+        <p:spPr>
+          <a:xfrm>
+            <a:off x="5638800" y="5943600"/>
+            <a:ext cx="914400" cy="914400"/>
+          </a:xfrm>
+          <a:prstGeom prst="rect">
+            <a:avLst/>
+          </a:prstGeom>
+        </p:spPr>
+        <p:style>
+          <a:lnRef idx="2">
+            <a:schemeClr val="accent1">
+              <a:shade val="50000"/>
+            </a:schemeClr>
+          </a:lnRef>
+          <a:fillRef idx="1">
+            <a:schemeClr val="accent1"/>
+          </a:fillRef>
+          <a:effectRef idx="0">
+            <a:schemeClr val="accent1"/>
+          </a:effectRef>
+          <a:fontRef idx="minor">
+            <a:schemeClr val="lt1"/>
+          </a:fontRef>
+        </p:style>
+        <p:txBody>
+          <a:bodyPr rtlCol="0" anchor="ctr"/>
+          <a:lstStyle/>
+          <a:p>
+            <a:pPr algn="ctr"/>
+            <a:r>
+              <a:rPr lang="en-US" dirty="0" smtClean="0"/>
+              <a:t>MAIN</a:t>
+            </a:r>
+          </a:p>
+          <a:p>
+            <a:pPr algn="ctr"/>
+            <a:r>
+              <a:rPr lang="en-US" dirty="0" smtClean="0"/>
+              <a:t>service</a:t>
+            </a:r>
+            <a:endParaRPr lang="ru-RU" dirty="0"/>
+          </a:p>
+        </p:txBody>
+      </p:sp>
+      <p:sp>
+        <p:nvSpPr>
+          <p:cNvPr id="19" name="Прямоугольник 18"/>
+          <p:cNvSpPr/>
+          <p:nvPr/>
+        </p:nvSpPr>
+        <p:spPr>
+          <a:xfrm>
+            <a:off x="0" y="0"/>
+            <a:ext cx="914400" cy="914400"/>
+          </a:xfrm>
+          <a:prstGeom prst="rect">
+            <a:avLst/>
+          </a:prstGeom>
+        </p:spPr>
+        <p:style>
+          <a:lnRef idx="2">
+            <a:schemeClr val="accent1">
+              <a:shade val="50000"/>
+            </a:schemeClr>
+          </a:lnRef>
+          <a:fillRef idx="1">
+            <a:schemeClr val="accent1"/>
+          </a:fillRef>
+          <a:effectRef idx="0">
+            <a:schemeClr val="accent1"/>
+          </a:effectRef>
+          <a:fontRef idx="minor">
+            <a:schemeClr val="lt1"/>
+          </a:fontRef>
+        </p:style>
+        <p:txBody>
+          <a:bodyPr rtlCol="0" anchor="ctr"/>
+          <a:lstStyle/>
+          <a:p>
+            <a:pPr algn="ctr"/>
+            <a:r>
+              <a:rPr lang="en-US" dirty="0" smtClean="0"/>
+              <a:t>CREDIT</a:t>
+            </a:r>
+          </a:p>
+          <a:p>
+            <a:pPr algn="ctr"/>
+            <a:r>
+              <a:rPr lang="en-US" dirty="0" smtClean="0"/>
+              <a:t>service</a:t>
+            </a:r>
+            <a:endParaRPr lang="ru-RU" dirty="0"/>
+          </a:p>
+        </p:txBody>
+      </p:sp>
+      <p:sp>
+        <p:nvSpPr>
+          <p:cNvPr id="3" name="TextBox 2"/>
+          <p:cNvSpPr txBox="1"/>
+          <p:nvPr/>
+        </p:nvSpPr>
+        <p:spPr>
+          <a:xfrm>
+            <a:off x="2630976" y="1611073"/>
+            <a:ext cx="2821029" cy="369332"/>
+          </a:xfrm>
+          <a:prstGeom prst="rect">
+            <a:avLst/>
+          </a:prstGeom>
+          <a:noFill/>
+        </p:spPr>
+        <p:txBody>
+          <a:bodyPr wrap="none" rtlCol="0">
+            <a:spAutoFit/>
+          </a:bodyPr>
+          <a:lstStyle/>
+          <a:p>
+            <a:pPr algn="ctr"/>
+            <a:r>
+              <a:rPr lang="ru-RU" b="1" dirty="0" smtClean="0"/>
+              <a:t>Уточняющая информация</a:t>
+            </a:r>
+            <a:endParaRPr lang="ru-RU" b="1" dirty="0"/>
+          </a:p>
+        </p:txBody>
+      </p:sp>
+      <p:sp>
+        <p:nvSpPr>
+          <p:cNvPr id="20" name="TextBox 19"/>
+          <p:cNvSpPr txBox="1"/>
+          <p:nvPr/>
+        </p:nvSpPr>
+        <p:spPr>
+          <a:xfrm>
+            <a:off x="1529785" y="2090893"/>
+            <a:ext cx="5023415" cy="923330"/>
+          </a:xfrm>
+          <a:prstGeom prst="rect">
+            <a:avLst/>
+          </a:prstGeom>
+          <a:noFill/>
+        </p:spPr>
+        <p:txBody>
+          <a:bodyPr wrap="square" rtlCol="0">
+            <a:spAutoFit/>
+          </a:bodyPr>
+          <a:lstStyle/>
+          <a:p>
+            <a:pPr marL="285750" indent="-285750">
+              <a:buFont typeface="Arial" panose="020B0604020202020204" pitchFamily="34" charset="0"/>
+              <a:buChar char="•"/>
+            </a:pPr>
+            <a:r>
+              <a:rPr lang="ru-RU" dirty="0" smtClean="0"/>
+              <a:t>Номер паспорта: </a:t>
+            </a:r>
+            <a:r>
+              <a:rPr lang="en-US" dirty="0" err="1" smtClean="0"/>
+              <a:t>passportNumber</a:t>
+            </a:r>
+            <a:endParaRPr lang="en-US" dirty="0" smtClean="0"/>
+          </a:p>
+          <a:p>
+            <a:pPr marL="285750" indent="-285750">
+              <a:buFont typeface="Arial" panose="020B0604020202020204" pitchFamily="34" charset="0"/>
+              <a:buChar char="•"/>
+            </a:pPr>
+            <a:r>
+              <a:rPr lang="ru-RU" dirty="0" smtClean="0"/>
+              <a:t>Номер водительского удостоверения: </a:t>
+            </a:r>
+            <a:r>
+              <a:rPr lang="en-US" dirty="0" err="1" smtClean="0"/>
+              <a:t>driverID</a:t>
+            </a:r>
+            <a:endParaRPr lang="en-US" dirty="0" smtClean="0"/>
+          </a:p>
+          <a:p>
+            <a:pPr marL="285750" indent="-285750">
+              <a:buFont typeface="Arial" panose="020B0604020202020204" pitchFamily="34" charset="0"/>
+              <a:buChar char="•"/>
+            </a:pPr>
+            <a:r>
+              <a:rPr lang="ru-RU" dirty="0" smtClean="0"/>
+              <a:t>Идентификатор налогоплательщика: </a:t>
+            </a:r>
+            <a:r>
+              <a:rPr lang="en-US" dirty="0" err="1" smtClean="0"/>
+              <a:t>taxID</a:t>
+            </a:r>
+            <a:endParaRPr lang="ru-RU" dirty="0" smtClean="0"/>
+          </a:p>
+        </p:txBody>
+      </p:sp>
+      <p:sp>
+        <p:nvSpPr>
+          <p:cNvPr id="21" name="TextBox 20"/>
+          <p:cNvSpPr txBox="1"/>
+          <p:nvPr/>
+        </p:nvSpPr>
+        <p:spPr>
+          <a:xfrm>
+            <a:off x="7457569" y="1629228"/>
+            <a:ext cx="2323136" cy="369332"/>
+          </a:xfrm>
+          <a:prstGeom prst="rect">
+            <a:avLst/>
+          </a:prstGeom>
+          <a:noFill/>
+        </p:spPr>
+        <p:txBody>
+          <a:bodyPr wrap="none" rtlCol="0">
+            <a:spAutoFit/>
+          </a:bodyPr>
+          <a:lstStyle/>
+          <a:p>
+            <a:pPr algn="ctr"/>
+            <a:r>
+              <a:rPr lang="ru-RU" b="1" dirty="0" smtClean="0"/>
+              <a:t>Отправляемый </a:t>
+            </a:r>
+            <a:r>
+              <a:rPr lang="en-US" b="1" dirty="0" smtClean="0"/>
+              <a:t>JSON:</a:t>
+            </a:r>
+            <a:endParaRPr lang="ru-RU" b="1" dirty="0"/>
+          </a:p>
+        </p:txBody>
+      </p:sp>
+      <p:sp>
+        <p:nvSpPr>
+          <p:cNvPr id="25" name="TextBox 24"/>
+          <p:cNvSpPr txBox="1"/>
+          <p:nvPr/>
+        </p:nvSpPr>
+        <p:spPr>
+          <a:xfrm>
+            <a:off x="6576060" y="2090893"/>
+            <a:ext cx="4086154" cy="3416320"/>
+          </a:xfrm>
+          <a:prstGeom prst="rect">
+            <a:avLst/>
+          </a:prstGeom>
+          <a:noFill/>
+        </p:spPr>
+        <p:txBody>
+          <a:bodyPr wrap="square" rtlCol="0">
+            <a:spAutoFit/>
+          </a:bodyPr>
+          <a:lstStyle/>
+          <a:p>
+            <a:r>
+              <a:rPr lang="en-US" dirty="0" smtClean="0"/>
+              <a:t>{</a:t>
+            </a:r>
+          </a:p>
+          <a:p>
+            <a:r>
+              <a:rPr lang="en-US" dirty="0"/>
+              <a:t> </a:t>
+            </a:r>
+            <a:r>
+              <a:rPr lang="en-US" dirty="0" smtClean="0"/>
+              <a:t>  </a:t>
+            </a:r>
+            <a:r>
+              <a:rPr lang="en-US" dirty="0" err="1" smtClean="0"/>
+              <a:t>userAndRelatives</a:t>
+            </a:r>
+            <a:r>
+              <a:rPr lang="en-US" dirty="0" smtClean="0"/>
+              <a:t>:{</a:t>
+            </a:r>
+          </a:p>
+          <a:p>
+            <a:r>
+              <a:rPr lang="en-US" dirty="0"/>
+              <a:t> </a:t>
+            </a:r>
+            <a:r>
+              <a:rPr lang="en-US" dirty="0" smtClean="0"/>
+              <a:t>      user: {USER},</a:t>
+            </a:r>
+          </a:p>
+          <a:p>
+            <a:r>
+              <a:rPr lang="en-US" dirty="0"/>
+              <a:t> </a:t>
+            </a:r>
+            <a:r>
+              <a:rPr lang="en-US" dirty="0" smtClean="0"/>
+              <a:t>      parents: [{USER}, {USER}],</a:t>
+            </a:r>
+          </a:p>
+          <a:p>
+            <a:r>
+              <a:rPr lang="en-US" dirty="0"/>
+              <a:t> </a:t>
+            </a:r>
+            <a:r>
+              <a:rPr lang="en-US" dirty="0" smtClean="0"/>
+              <a:t>      children: [{USER}, {USER}]</a:t>
+            </a:r>
+          </a:p>
+          <a:p>
+            <a:r>
+              <a:rPr lang="en-US" dirty="0" smtClean="0"/>
+              <a:t>   }</a:t>
+            </a:r>
+          </a:p>
+          <a:p>
+            <a:r>
+              <a:rPr lang="en-US" dirty="0" smtClean="0"/>
+              <a:t>}</a:t>
+            </a:r>
+          </a:p>
+          <a:p>
+            <a:endParaRPr lang="en-US" dirty="0"/>
+          </a:p>
+          <a:p>
+            <a:r>
+              <a:rPr lang="en-US" dirty="0" smtClean="0"/>
+              <a:t>USER = {</a:t>
+            </a:r>
+          </a:p>
+          <a:p>
+            <a:r>
+              <a:rPr lang="en-US" dirty="0"/>
+              <a:t> </a:t>
+            </a:r>
+            <a:r>
+              <a:rPr lang="en-US" dirty="0" smtClean="0"/>
+              <a:t>  id: &lt;&gt;, </a:t>
+            </a:r>
+            <a:r>
+              <a:rPr lang="en-US" dirty="0" err="1" smtClean="0"/>
+              <a:t>creditServiceId</a:t>
+            </a:r>
+            <a:r>
+              <a:rPr lang="en-US" dirty="0" smtClean="0"/>
+              <a:t>: &lt;&gt;,</a:t>
+            </a:r>
+            <a:br>
+              <a:rPr lang="en-US" dirty="0" smtClean="0"/>
+            </a:br>
+            <a:r>
+              <a:rPr lang="en-US" dirty="0" smtClean="0"/>
+              <a:t>   </a:t>
+            </a:r>
+            <a:r>
+              <a:rPr lang="en-US" dirty="0" err="1" smtClean="0"/>
+              <a:t>firstname</a:t>
+            </a:r>
+            <a:r>
+              <a:rPr lang="en-US" dirty="0" smtClean="0"/>
+              <a:t>: &lt;&gt;, surname: &lt;&gt;, …</a:t>
+            </a:r>
+          </a:p>
+          <a:p>
+            <a:r>
+              <a:rPr lang="en-US" dirty="0" smtClean="0"/>
+              <a:t>}</a:t>
+            </a:r>
+            <a:endParaRPr lang="ru-RU" dirty="0"/>
+          </a:p>
+        </p:txBody>
+      </p:sp>
+      <p:sp>
+        <p:nvSpPr>
+          <p:cNvPr id="28" name="TextBox 27"/>
+          <p:cNvSpPr txBox="1"/>
+          <p:nvPr/>
+        </p:nvSpPr>
+        <p:spPr>
+          <a:xfrm>
+            <a:off x="2799420" y="3106556"/>
+            <a:ext cx="2484142" cy="369332"/>
+          </a:xfrm>
+          <a:prstGeom prst="rect">
+            <a:avLst/>
+          </a:prstGeom>
+          <a:noFill/>
+        </p:spPr>
+        <p:txBody>
+          <a:bodyPr wrap="none" rtlCol="0">
+            <a:spAutoFit/>
+          </a:bodyPr>
+          <a:lstStyle/>
+          <a:p>
+            <a:pPr algn="ctr"/>
+            <a:r>
+              <a:rPr lang="ru-RU" b="1" dirty="0" smtClean="0"/>
+              <a:t>Контрольное значение</a:t>
+            </a:r>
+            <a:endParaRPr lang="ru-RU" b="1" dirty="0"/>
+          </a:p>
+        </p:txBody>
+      </p:sp>
+      <p:sp>
+        <p:nvSpPr>
+          <p:cNvPr id="32" name="TextBox 31"/>
+          <p:cNvSpPr txBox="1"/>
+          <p:nvPr/>
+        </p:nvSpPr>
+        <p:spPr>
+          <a:xfrm>
+            <a:off x="1529784" y="3568221"/>
+            <a:ext cx="5023415" cy="2031325"/>
+          </a:xfrm>
+          <a:prstGeom prst="rect">
+            <a:avLst/>
+          </a:prstGeom>
+          <a:noFill/>
+        </p:spPr>
+        <p:txBody>
+          <a:bodyPr wrap="square" rtlCol="0">
+            <a:spAutoFit/>
+          </a:bodyPr>
+          <a:lstStyle/>
+          <a:p>
+            <a:pPr algn="ctr"/>
+            <a:r>
+              <a:rPr lang="en-US" sz="2400" dirty="0" smtClean="0"/>
+              <a:t>SHA-256</a:t>
+            </a:r>
+            <a:r>
+              <a:rPr lang="ru-RU" dirty="0" smtClean="0"/>
+              <a:t/>
+            </a:r>
+            <a:br>
+              <a:rPr lang="ru-RU" dirty="0" smtClean="0"/>
+            </a:br>
+            <a:r>
+              <a:rPr lang="en-US" dirty="0" smtClean="0"/>
+              <a:t>+</a:t>
+            </a:r>
+            <a:r>
+              <a:rPr lang="ru-RU" dirty="0" smtClean="0"/>
+              <a:t/>
+            </a:r>
+            <a:br>
+              <a:rPr lang="ru-RU" dirty="0" smtClean="0"/>
+            </a:br>
+            <a:r>
+              <a:rPr lang="ru-RU" sz="2400" dirty="0" smtClean="0"/>
+              <a:t>секретное значение</a:t>
+            </a:r>
+          </a:p>
+          <a:p>
+            <a:pPr algn="ctr"/>
+            <a:r>
+              <a:rPr lang="ru-RU" sz="1600" dirty="0" smtClean="0"/>
+              <a:t>(знает отправитель и получатель)</a:t>
+            </a:r>
+            <a:r>
+              <a:rPr lang="ru-RU" dirty="0" smtClean="0"/>
+              <a:t/>
+            </a:r>
+            <a:br>
+              <a:rPr lang="ru-RU" dirty="0" smtClean="0"/>
+            </a:br>
+            <a:r>
+              <a:rPr lang="ru-RU" dirty="0" smtClean="0"/>
+              <a:t>+</a:t>
+            </a:r>
+            <a:br>
+              <a:rPr lang="ru-RU" dirty="0" smtClean="0"/>
+            </a:br>
+            <a:r>
+              <a:rPr lang="ru-RU" sz="2400" dirty="0" smtClean="0"/>
+              <a:t>текущая дата</a:t>
+            </a:r>
+          </a:p>
+        </p:txBody>
+      </p:sp>
+    </p:spTree>
+    <p:extLst>
+      <p:ext uri="{BB962C8B-B14F-4D97-AF65-F5344CB8AC3E}">
+        <p14:creationId xmlns:p14="http://schemas.microsoft.com/office/powerpoint/2010/main" val="3894368805"/>
+      </p:ext>
+    </p:extLst>
+  </p:cSld>
+  <p:clrMapOvr>
+    <a:masterClrMapping/>
+  </p:clrMapOvr>
+  <mc:AlternateContent xmlns:mc="http://schemas.openxmlformats.org/markup-compatibility/2006" xmlns:p14="http://schemas.microsoft.com/office/powerpoint/2010/main">
+    <mc:Choice Requires="p14">
+      <p:transition spd="slow" p14:dur="2000"/>
+    </mc:Choice>
+    <mc:Fallback xmlns="">
+      <p:transition spd="slow"/>
+    </mc:Fallback>
+  </mc:AlternateContent>
+  <p:timing>
+    <p:tnLst>
+      <p:par>
+        <p:cTn id="1" dur="indefinite" restart="never" nodeType="tmRoot"/>
+      </p:par>
+    </p:tnLst>
+  </p:timing>
+</p:sld>
+</file>
+
 <file path=ppt/slides/slide2.xml><?xml version="1.0" encoding="utf-8"?>
 <p:sld xmlns:a="http://schemas.openxmlformats.org/drawingml/2006/main" xmlns:r="http://schemas.openxmlformats.org/officeDocument/2006/relationships" xmlns:p="http://schemas.openxmlformats.org/presentationml/2006/main">
   <p:cSld>
@@ -10282,6 +12836,4110 @@
     <p:tnLst>
       <p:par>
         <p:cTn id="1" dur="indefinite" restart="never" nodeType="tmRoot"/>
+      </p:par>
+    </p:tnLst>
+  </p:timing>
+</p:sld>
+</file>
+
+<file path=ppt/slides/slide20.xml><?xml version="1.0" encoding="utf-8"?>
+<p:sld xmlns:a="http://schemas.openxmlformats.org/drawingml/2006/main" xmlns:r="http://schemas.openxmlformats.org/officeDocument/2006/relationships" xmlns:p="http://schemas.openxmlformats.org/presentationml/2006/main">
+  <p:cSld>
+    <p:spTree>
+      <p:nvGrpSpPr>
+        <p:cNvPr id="1" name=""/>
+        <p:cNvGrpSpPr/>
+        <p:nvPr/>
+      </p:nvGrpSpPr>
+      <p:grpSpPr>
+        <a:xfrm>
+          <a:off x="0" y="0"/>
+          <a:ext cx="0" cy="0"/>
+          <a:chOff x="0" y="0"/>
+          <a:chExt cx="0" cy="0"/>
+        </a:xfrm>
+      </p:grpSpPr>
+      <p:sp>
+        <p:nvSpPr>
+          <p:cNvPr id="36" name="Прямоугольник 35"/>
+          <p:cNvSpPr/>
+          <p:nvPr/>
+        </p:nvSpPr>
+        <p:spPr>
+          <a:xfrm>
+            <a:off x="1529785" y="1167563"/>
+            <a:ext cx="9132429" cy="4480883"/>
+          </a:xfrm>
+          <a:prstGeom prst="rect">
+            <a:avLst/>
+          </a:prstGeom>
+          <a:solidFill>
+            <a:schemeClr val="bg1"/>
+          </a:solidFill>
+        </p:spPr>
+        <p:style>
+          <a:lnRef idx="2">
+            <a:schemeClr val="accent1">
+              <a:shade val="50000"/>
+            </a:schemeClr>
+          </a:lnRef>
+          <a:fillRef idx="1">
+            <a:schemeClr val="accent1"/>
+          </a:fillRef>
+          <a:effectRef idx="0">
+            <a:schemeClr val="accent1"/>
+          </a:effectRef>
+          <a:fontRef idx="minor">
+            <a:schemeClr val="lt1"/>
+          </a:fontRef>
+        </p:style>
+        <p:txBody>
+          <a:bodyPr rtlCol="0" anchor="ctr"/>
+          <a:lstStyle/>
+          <a:p>
+            <a:pPr algn="ctr"/>
+            <a:endParaRPr lang="ru-RU" dirty="0">
+              <a:solidFill>
+                <a:schemeClr val="tx1"/>
+              </a:solidFill>
+            </a:endParaRPr>
+          </a:p>
+        </p:txBody>
+      </p:sp>
+      <p:sp>
+        <p:nvSpPr>
+          <p:cNvPr id="10" name="TextBox 9"/>
+          <p:cNvSpPr txBox="1"/>
+          <p:nvPr/>
+        </p:nvSpPr>
+        <p:spPr>
+          <a:xfrm>
+            <a:off x="914401" y="151900"/>
+            <a:ext cx="10363199" cy="1015663"/>
+          </a:xfrm>
+          <a:prstGeom prst="rect">
+            <a:avLst/>
+          </a:prstGeom>
+          <a:noFill/>
+        </p:spPr>
+        <p:txBody>
+          <a:bodyPr wrap="square" rtlCol="0" anchor="ctr">
+            <a:spAutoFit/>
+          </a:bodyPr>
+          <a:lstStyle/>
+          <a:p>
+            <a:pPr algn="ctr"/>
+            <a:r>
+              <a:rPr lang="ru-RU" sz="6000" b="1" dirty="0" smtClean="0"/>
+              <a:t>Устройство сервисов</a:t>
+            </a:r>
+          </a:p>
+        </p:txBody>
+      </p:sp>
+      <p:sp>
+        <p:nvSpPr>
+          <p:cNvPr id="2" name="TextBox 1"/>
+          <p:cNvSpPr txBox="1"/>
+          <p:nvPr/>
+        </p:nvSpPr>
+        <p:spPr>
+          <a:xfrm>
+            <a:off x="4248031" y="1167563"/>
+            <a:ext cx="3695948" cy="461665"/>
+          </a:xfrm>
+          <a:prstGeom prst="rect">
+            <a:avLst/>
+          </a:prstGeom>
+          <a:noFill/>
+        </p:spPr>
+        <p:txBody>
+          <a:bodyPr wrap="none" rtlCol="0">
+            <a:spAutoFit/>
+          </a:bodyPr>
+          <a:lstStyle/>
+          <a:p>
+            <a:pPr algn="ctr"/>
+            <a:r>
+              <a:rPr lang="ru-RU" sz="2400" b="1" dirty="0" smtClean="0"/>
+              <a:t>Сервис </a:t>
+            </a:r>
+            <a:r>
+              <a:rPr lang="ru-RU" sz="2400" b="1" dirty="0" smtClean="0"/>
+              <a:t>основного доступа</a:t>
+            </a:r>
+            <a:endParaRPr lang="ru-RU" sz="2400" b="1" dirty="0"/>
+          </a:p>
+        </p:txBody>
+      </p:sp>
+      <p:sp>
+        <p:nvSpPr>
+          <p:cNvPr id="11" name="TextBox 10"/>
+          <p:cNvSpPr txBox="1"/>
+          <p:nvPr/>
+        </p:nvSpPr>
+        <p:spPr>
+          <a:xfrm>
+            <a:off x="1550765" y="1739716"/>
+            <a:ext cx="3482055" cy="369332"/>
+          </a:xfrm>
+          <a:prstGeom prst="rect">
+            <a:avLst/>
+          </a:prstGeom>
+          <a:noFill/>
+        </p:spPr>
+        <p:txBody>
+          <a:bodyPr wrap="square" rtlCol="0">
+            <a:spAutoFit/>
+          </a:bodyPr>
+          <a:lstStyle/>
+          <a:p>
+            <a:pPr algn="ctr"/>
+            <a:r>
+              <a:rPr lang="ru-RU" dirty="0" smtClean="0"/>
+              <a:t>Не имеет доступа к БД</a:t>
+            </a:r>
+            <a:endParaRPr lang="ru-RU" dirty="0" smtClean="0"/>
+          </a:p>
+        </p:txBody>
+      </p:sp>
+      <p:sp>
+        <p:nvSpPr>
+          <p:cNvPr id="15" name="TextBox 14"/>
+          <p:cNvSpPr txBox="1"/>
+          <p:nvPr/>
+        </p:nvSpPr>
+        <p:spPr>
+          <a:xfrm>
+            <a:off x="5723722" y="1739716"/>
+            <a:ext cx="2234010" cy="369332"/>
+          </a:xfrm>
+          <a:prstGeom prst="rect">
+            <a:avLst/>
+          </a:prstGeom>
+          <a:noFill/>
+        </p:spPr>
+        <p:txBody>
+          <a:bodyPr wrap="none" rtlCol="0">
+            <a:spAutoFit/>
+          </a:bodyPr>
+          <a:lstStyle/>
+          <a:p>
+            <a:r>
+              <a:rPr lang="ru-RU" dirty="0" smtClean="0"/>
+              <a:t>Принимает запрос</a:t>
+            </a:r>
+            <a:r>
+              <a:rPr lang="ru-RU" dirty="0"/>
+              <a:t>ы</a:t>
+            </a:r>
+            <a:r>
+              <a:rPr lang="ru-RU" dirty="0" smtClean="0"/>
+              <a:t>:</a:t>
+            </a:r>
+          </a:p>
+        </p:txBody>
+      </p:sp>
+      <p:sp>
+        <p:nvSpPr>
+          <p:cNvPr id="16" name="Двойная стрелка влево/вправо 5"/>
+          <p:cNvSpPr/>
+          <p:nvPr/>
+        </p:nvSpPr>
+        <p:spPr>
+          <a:xfrm rot="5400000" flipH="1">
+            <a:off x="5220554" y="1714112"/>
+            <a:ext cx="461653" cy="544683"/>
+          </a:xfrm>
+          <a:custGeom>
+            <a:avLst/>
+            <a:gdLst>
+              <a:gd name="connsiteX0" fmla="*/ 0 w 451412"/>
+              <a:gd name="connsiteY0" fmla="*/ 242316 h 484632"/>
+              <a:gd name="connsiteX1" fmla="*/ 135270 w 451412"/>
+              <a:gd name="connsiteY1" fmla="*/ 0 h 484632"/>
+              <a:gd name="connsiteX2" fmla="*/ 135270 w 451412"/>
+              <a:gd name="connsiteY2" fmla="*/ 90435 h 484632"/>
+              <a:gd name="connsiteX3" fmla="*/ 316142 w 451412"/>
+              <a:gd name="connsiteY3" fmla="*/ 90435 h 484632"/>
+              <a:gd name="connsiteX4" fmla="*/ 316142 w 451412"/>
+              <a:gd name="connsiteY4" fmla="*/ 0 h 484632"/>
+              <a:gd name="connsiteX5" fmla="*/ 451412 w 451412"/>
+              <a:gd name="connsiteY5" fmla="*/ 242316 h 484632"/>
+              <a:gd name="connsiteX6" fmla="*/ 316142 w 451412"/>
+              <a:gd name="connsiteY6" fmla="*/ 484632 h 484632"/>
+              <a:gd name="connsiteX7" fmla="*/ 316142 w 451412"/>
+              <a:gd name="connsiteY7" fmla="*/ 394197 h 484632"/>
+              <a:gd name="connsiteX8" fmla="*/ 135270 w 451412"/>
+              <a:gd name="connsiteY8" fmla="*/ 394197 h 484632"/>
+              <a:gd name="connsiteX9" fmla="*/ 135270 w 451412"/>
+              <a:gd name="connsiteY9" fmla="*/ 484632 h 484632"/>
+              <a:gd name="connsiteX10" fmla="*/ 0 w 451412"/>
+              <a:gd name="connsiteY10" fmla="*/ 242316 h 484632"/>
+              <a:gd name="connsiteX0" fmla="*/ 0 w 451412"/>
+              <a:gd name="connsiteY0" fmla="*/ 242316 h 484632"/>
+              <a:gd name="connsiteX1" fmla="*/ 135270 w 451412"/>
+              <a:gd name="connsiteY1" fmla="*/ 0 h 484632"/>
+              <a:gd name="connsiteX2" fmla="*/ 135270 w 451412"/>
+              <a:gd name="connsiteY2" fmla="*/ 90435 h 484632"/>
+              <a:gd name="connsiteX3" fmla="*/ 316142 w 451412"/>
+              <a:gd name="connsiteY3" fmla="*/ 90435 h 484632"/>
+              <a:gd name="connsiteX4" fmla="*/ 451412 w 451412"/>
+              <a:gd name="connsiteY4" fmla="*/ 242316 h 484632"/>
+              <a:gd name="connsiteX5" fmla="*/ 316142 w 451412"/>
+              <a:gd name="connsiteY5" fmla="*/ 484632 h 484632"/>
+              <a:gd name="connsiteX6" fmla="*/ 316142 w 451412"/>
+              <a:gd name="connsiteY6" fmla="*/ 394197 h 484632"/>
+              <a:gd name="connsiteX7" fmla="*/ 135270 w 451412"/>
+              <a:gd name="connsiteY7" fmla="*/ 394197 h 484632"/>
+              <a:gd name="connsiteX8" fmla="*/ 135270 w 451412"/>
+              <a:gd name="connsiteY8" fmla="*/ 484632 h 484632"/>
+              <a:gd name="connsiteX9" fmla="*/ 0 w 451412"/>
+              <a:gd name="connsiteY9" fmla="*/ 242316 h 484632"/>
+              <a:gd name="connsiteX0" fmla="*/ 0 w 316142"/>
+              <a:gd name="connsiteY0" fmla="*/ 242316 h 484632"/>
+              <a:gd name="connsiteX1" fmla="*/ 135270 w 316142"/>
+              <a:gd name="connsiteY1" fmla="*/ 0 h 484632"/>
+              <a:gd name="connsiteX2" fmla="*/ 135270 w 316142"/>
+              <a:gd name="connsiteY2" fmla="*/ 90435 h 484632"/>
+              <a:gd name="connsiteX3" fmla="*/ 316142 w 316142"/>
+              <a:gd name="connsiteY3" fmla="*/ 90435 h 484632"/>
+              <a:gd name="connsiteX4" fmla="*/ 316142 w 316142"/>
+              <a:gd name="connsiteY4" fmla="*/ 484632 h 484632"/>
+              <a:gd name="connsiteX5" fmla="*/ 316142 w 316142"/>
+              <a:gd name="connsiteY5" fmla="*/ 394197 h 484632"/>
+              <a:gd name="connsiteX6" fmla="*/ 135270 w 316142"/>
+              <a:gd name="connsiteY6" fmla="*/ 394197 h 484632"/>
+              <a:gd name="connsiteX7" fmla="*/ 135270 w 316142"/>
+              <a:gd name="connsiteY7" fmla="*/ 484632 h 484632"/>
+              <a:gd name="connsiteX8" fmla="*/ 0 w 316142"/>
+              <a:gd name="connsiteY8" fmla="*/ 242316 h 484632"/>
+              <a:gd name="connsiteX0" fmla="*/ 0 w 316142"/>
+              <a:gd name="connsiteY0" fmla="*/ 242316 h 484632"/>
+              <a:gd name="connsiteX1" fmla="*/ 135270 w 316142"/>
+              <a:gd name="connsiteY1" fmla="*/ 0 h 484632"/>
+              <a:gd name="connsiteX2" fmla="*/ 135270 w 316142"/>
+              <a:gd name="connsiteY2" fmla="*/ 90435 h 484632"/>
+              <a:gd name="connsiteX3" fmla="*/ 316142 w 316142"/>
+              <a:gd name="connsiteY3" fmla="*/ 90435 h 484632"/>
+              <a:gd name="connsiteX4" fmla="*/ 316142 w 316142"/>
+              <a:gd name="connsiteY4" fmla="*/ 394197 h 484632"/>
+              <a:gd name="connsiteX5" fmla="*/ 135270 w 316142"/>
+              <a:gd name="connsiteY5" fmla="*/ 394197 h 484632"/>
+              <a:gd name="connsiteX6" fmla="*/ 135270 w 316142"/>
+              <a:gd name="connsiteY6" fmla="*/ 484632 h 484632"/>
+              <a:gd name="connsiteX7" fmla="*/ 0 w 316142"/>
+              <a:gd name="connsiteY7" fmla="*/ 242316 h 484632"/>
+              <a:gd name="connsiteX0" fmla="*/ 0 w 316142"/>
+              <a:gd name="connsiteY0" fmla="*/ 242316 h 484632"/>
+              <a:gd name="connsiteX1" fmla="*/ 135270 w 316142"/>
+              <a:gd name="connsiteY1" fmla="*/ 0 h 484632"/>
+              <a:gd name="connsiteX2" fmla="*/ 135270 w 316142"/>
+              <a:gd name="connsiteY2" fmla="*/ 90435 h 484632"/>
+              <a:gd name="connsiteX3" fmla="*/ 316142 w 316142"/>
+              <a:gd name="connsiteY3" fmla="*/ 394197 h 484632"/>
+              <a:gd name="connsiteX4" fmla="*/ 135270 w 316142"/>
+              <a:gd name="connsiteY4" fmla="*/ 394197 h 484632"/>
+              <a:gd name="connsiteX5" fmla="*/ 135270 w 316142"/>
+              <a:gd name="connsiteY5" fmla="*/ 484632 h 484632"/>
+              <a:gd name="connsiteX6" fmla="*/ 0 w 316142"/>
+              <a:gd name="connsiteY6" fmla="*/ 242316 h 484632"/>
+            </a:gdLst>
+            <a:ahLst/>
+            <a:cxnLst>
+              <a:cxn ang="0">
+                <a:pos x="connsiteX0" y="connsiteY0"/>
+              </a:cxn>
+              <a:cxn ang="0">
+                <a:pos x="connsiteX1" y="connsiteY1"/>
+              </a:cxn>
+              <a:cxn ang="0">
+                <a:pos x="connsiteX2" y="connsiteY2"/>
+              </a:cxn>
+              <a:cxn ang="0">
+                <a:pos x="connsiteX3" y="connsiteY3"/>
+              </a:cxn>
+              <a:cxn ang="0">
+                <a:pos x="connsiteX4" y="connsiteY4"/>
+              </a:cxn>
+              <a:cxn ang="0">
+                <a:pos x="connsiteX5" y="connsiteY5"/>
+              </a:cxn>
+              <a:cxn ang="0">
+                <a:pos x="connsiteX6" y="connsiteY6"/>
+              </a:cxn>
+            </a:cxnLst>
+            <a:rect l="l" t="t" r="r" b="b"/>
+            <a:pathLst>
+              <a:path w="316142" h="484632">
+                <a:moveTo>
+                  <a:pt x="0" y="242316"/>
+                </a:moveTo>
+                <a:lnTo>
+                  <a:pt x="135270" y="0"/>
+                </a:lnTo>
+                <a:lnTo>
+                  <a:pt x="135270" y="90435"/>
+                </a:lnTo>
+                <a:lnTo>
+                  <a:pt x="316142" y="394197"/>
+                </a:lnTo>
+                <a:lnTo>
+                  <a:pt x="135270" y="394197"/>
+                </a:lnTo>
+                <a:lnTo>
+                  <a:pt x="135270" y="484632"/>
+                </a:lnTo>
+                <a:lnTo>
+                  <a:pt x="0" y="242316"/>
+                </a:lnTo>
+                <a:close/>
+              </a:path>
+            </a:pathLst>
+          </a:custGeom>
+        </p:spPr>
+        <p:style>
+          <a:lnRef idx="2">
+            <a:schemeClr val="accent1">
+              <a:shade val="50000"/>
+            </a:schemeClr>
+          </a:lnRef>
+          <a:fillRef idx="1">
+            <a:schemeClr val="accent1"/>
+          </a:fillRef>
+          <a:effectRef idx="0">
+            <a:schemeClr val="accent1"/>
+          </a:effectRef>
+          <a:fontRef idx="minor">
+            <a:schemeClr val="lt1"/>
+          </a:fontRef>
+        </p:style>
+        <p:txBody>
+          <a:bodyPr rtlCol="0" anchor="ctr"/>
+          <a:lstStyle/>
+          <a:p>
+            <a:pPr algn="ctr"/>
+            <a:endParaRPr lang="ru-RU"/>
+          </a:p>
+        </p:txBody>
+      </p:sp>
+      <p:sp>
+        <p:nvSpPr>
+          <p:cNvPr id="24" name="Двойная стрелка влево/вправо 5"/>
+          <p:cNvSpPr/>
+          <p:nvPr/>
+        </p:nvSpPr>
+        <p:spPr>
+          <a:xfrm rot="16200000" flipH="1">
+            <a:off x="10011291" y="3150969"/>
+            <a:ext cx="461653" cy="544683"/>
+          </a:xfrm>
+          <a:custGeom>
+            <a:avLst/>
+            <a:gdLst>
+              <a:gd name="connsiteX0" fmla="*/ 0 w 451412"/>
+              <a:gd name="connsiteY0" fmla="*/ 242316 h 484632"/>
+              <a:gd name="connsiteX1" fmla="*/ 135270 w 451412"/>
+              <a:gd name="connsiteY1" fmla="*/ 0 h 484632"/>
+              <a:gd name="connsiteX2" fmla="*/ 135270 w 451412"/>
+              <a:gd name="connsiteY2" fmla="*/ 90435 h 484632"/>
+              <a:gd name="connsiteX3" fmla="*/ 316142 w 451412"/>
+              <a:gd name="connsiteY3" fmla="*/ 90435 h 484632"/>
+              <a:gd name="connsiteX4" fmla="*/ 316142 w 451412"/>
+              <a:gd name="connsiteY4" fmla="*/ 0 h 484632"/>
+              <a:gd name="connsiteX5" fmla="*/ 451412 w 451412"/>
+              <a:gd name="connsiteY5" fmla="*/ 242316 h 484632"/>
+              <a:gd name="connsiteX6" fmla="*/ 316142 w 451412"/>
+              <a:gd name="connsiteY6" fmla="*/ 484632 h 484632"/>
+              <a:gd name="connsiteX7" fmla="*/ 316142 w 451412"/>
+              <a:gd name="connsiteY7" fmla="*/ 394197 h 484632"/>
+              <a:gd name="connsiteX8" fmla="*/ 135270 w 451412"/>
+              <a:gd name="connsiteY8" fmla="*/ 394197 h 484632"/>
+              <a:gd name="connsiteX9" fmla="*/ 135270 w 451412"/>
+              <a:gd name="connsiteY9" fmla="*/ 484632 h 484632"/>
+              <a:gd name="connsiteX10" fmla="*/ 0 w 451412"/>
+              <a:gd name="connsiteY10" fmla="*/ 242316 h 484632"/>
+              <a:gd name="connsiteX0" fmla="*/ 0 w 451412"/>
+              <a:gd name="connsiteY0" fmla="*/ 242316 h 484632"/>
+              <a:gd name="connsiteX1" fmla="*/ 135270 w 451412"/>
+              <a:gd name="connsiteY1" fmla="*/ 0 h 484632"/>
+              <a:gd name="connsiteX2" fmla="*/ 135270 w 451412"/>
+              <a:gd name="connsiteY2" fmla="*/ 90435 h 484632"/>
+              <a:gd name="connsiteX3" fmla="*/ 316142 w 451412"/>
+              <a:gd name="connsiteY3" fmla="*/ 90435 h 484632"/>
+              <a:gd name="connsiteX4" fmla="*/ 451412 w 451412"/>
+              <a:gd name="connsiteY4" fmla="*/ 242316 h 484632"/>
+              <a:gd name="connsiteX5" fmla="*/ 316142 w 451412"/>
+              <a:gd name="connsiteY5" fmla="*/ 484632 h 484632"/>
+              <a:gd name="connsiteX6" fmla="*/ 316142 w 451412"/>
+              <a:gd name="connsiteY6" fmla="*/ 394197 h 484632"/>
+              <a:gd name="connsiteX7" fmla="*/ 135270 w 451412"/>
+              <a:gd name="connsiteY7" fmla="*/ 394197 h 484632"/>
+              <a:gd name="connsiteX8" fmla="*/ 135270 w 451412"/>
+              <a:gd name="connsiteY8" fmla="*/ 484632 h 484632"/>
+              <a:gd name="connsiteX9" fmla="*/ 0 w 451412"/>
+              <a:gd name="connsiteY9" fmla="*/ 242316 h 484632"/>
+              <a:gd name="connsiteX0" fmla="*/ 0 w 316142"/>
+              <a:gd name="connsiteY0" fmla="*/ 242316 h 484632"/>
+              <a:gd name="connsiteX1" fmla="*/ 135270 w 316142"/>
+              <a:gd name="connsiteY1" fmla="*/ 0 h 484632"/>
+              <a:gd name="connsiteX2" fmla="*/ 135270 w 316142"/>
+              <a:gd name="connsiteY2" fmla="*/ 90435 h 484632"/>
+              <a:gd name="connsiteX3" fmla="*/ 316142 w 316142"/>
+              <a:gd name="connsiteY3" fmla="*/ 90435 h 484632"/>
+              <a:gd name="connsiteX4" fmla="*/ 316142 w 316142"/>
+              <a:gd name="connsiteY4" fmla="*/ 484632 h 484632"/>
+              <a:gd name="connsiteX5" fmla="*/ 316142 w 316142"/>
+              <a:gd name="connsiteY5" fmla="*/ 394197 h 484632"/>
+              <a:gd name="connsiteX6" fmla="*/ 135270 w 316142"/>
+              <a:gd name="connsiteY6" fmla="*/ 394197 h 484632"/>
+              <a:gd name="connsiteX7" fmla="*/ 135270 w 316142"/>
+              <a:gd name="connsiteY7" fmla="*/ 484632 h 484632"/>
+              <a:gd name="connsiteX8" fmla="*/ 0 w 316142"/>
+              <a:gd name="connsiteY8" fmla="*/ 242316 h 484632"/>
+              <a:gd name="connsiteX0" fmla="*/ 0 w 316142"/>
+              <a:gd name="connsiteY0" fmla="*/ 242316 h 484632"/>
+              <a:gd name="connsiteX1" fmla="*/ 135270 w 316142"/>
+              <a:gd name="connsiteY1" fmla="*/ 0 h 484632"/>
+              <a:gd name="connsiteX2" fmla="*/ 135270 w 316142"/>
+              <a:gd name="connsiteY2" fmla="*/ 90435 h 484632"/>
+              <a:gd name="connsiteX3" fmla="*/ 316142 w 316142"/>
+              <a:gd name="connsiteY3" fmla="*/ 90435 h 484632"/>
+              <a:gd name="connsiteX4" fmla="*/ 316142 w 316142"/>
+              <a:gd name="connsiteY4" fmla="*/ 394197 h 484632"/>
+              <a:gd name="connsiteX5" fmla="*/ 135270 w 316142"/>
+              <a:gd name="connsiteY5" fmla="*/ 394197 h 484632"/>
+              <a:gd name="connsiteX6" fmla="*/ 135270 w 316142"/>
+              <a:gd name="connsiteY6" fmla="*/ 484632 h 484632"/>
+              <a:gd name="connsiteX7" fmla="*/ 0 w 316142"/>
+              <a:gd name="connsiteY7" fmla="*/ 242316 h 484632"/>
+              <a:gd name="connsiteX0" fmla="*/ 0 w 316142"/>
+              <a:gd name="connsiteY0" fmla="*/ 242316 h 484632"/>
+              <a:gd name="connsiteX1" fmla="*/ 135270 w 316142"/>
+              <a:gd name="connsiteY1" fmla="*/ 0 h 484632"/>
+              <a:gd name="connsiteX2" fmla="*/ 135270 w 316142"/>
+              <a:gd name="connsiteY2" fmla="*/ 90435 h 484632"/>
+              <a:gd name="connsiteX3" fmla="*/ 316142 w 316142"/>
+              <a:gd name="connsiteY3" fmla="*/ 394197 h 484632"/>
+              <a:gd name="connsiteX4" fmla="*/ 135270 w 316142"/>
+              <a:gd name="connsiteY4" fmla="*/ 394197 h 484632"/>
+              <a:gd name="connsiteX5" fmla="*/ 135270 w 316142"/>
+              <a:gd name="connsiteY5" fmla="*/ 484632 h 484632"/>
+              <a:gd name="connsiteX6" fmla="*/ 0 w 316142"/>
+              <a:gd name="connsiteY6" fmla="*/ 242316 h 484632"/>
+            </a:gdLst>
+            <a:ahLst/>
+            <a:cxnLst>
+              <a:cxn ang="0">
+                <a:pos x="connsiteX0" y="connsiteY0"/>
+              </a:cxn>
+              <a:cxn ang="0">
+                <a:pos x="connsiteX1" y="connsiteY1"/>
+              </a:cxn>
+              <a:cxn ang="0">
+                <a:pos x="connsiteX2" y="connsiteY2"/>
+              </a:cxn>
+              <a:cxn ang="0">
+                <a:pos x="connsiteX3" y="connsiteY3"/>
+              </a:cxn>
+              <a:cxn ang="0">
+                <a:pos x="connsiteX4" y="connsiteY4"/>
+              </a:cxn>
+              <a:cxn ang="0">
+                <a:pos x="connsiteX5" y="connsiteY5"/>
+              </a:cxn>
+              <a:cxn ang="0">
+                <a:pos x="connsiteX6" y="connsiteY6"/>
+              </a:cxn>
+            </a:cxnLst>
+            <a:rect l="l" t="t" r="r" b="b"/>
+            <a:pathLst>
+              <a:path w="316142" h="484632">
+                <a:moveTo>
+                  <a:pt x="0" y="242316"/>
+                </a:moveTo>
+                <a:lnTo>
+                  <a:pt x="135270" y="0"/>
+                </a:lnTo>
+                <a:lnTo>
+                  <a:pt x="135270" y="90435"/>
+                </a:lnTo>
+                <a:lnTo>
+                  <a:pt x="316142" y="394197"/>
+                </a:lnTo>
+                <a:lnTo>
+                  <a:pt x="135270" y="394197"/>
+                </a:lnTo>
+                <a:lnTo>
+                  <a:pt x="135270" y="484632"/>
+                </a:lnTo>
+                <a:lnTo>
+                  <a:pt x="0" y="242316"/>
+                </a:lnTo>
+                <a:close/>
+              </a:path>
+            </a:pathLst>
+          </a:custGeom>
+        </p:spPr>
+        <p:style>
+          <a:lnRef idx="2">
+            <a:schemeClr val="accent2">
+              <a:shade val="50000"/>
+            </a:schemeClr>
+          </a:lnRef>
+          <a:fillRef idx="1">
+            <a:schemeClr val="accent2"/>
+          </a:fillRef>
+          <a:effectRef idx="0">
+            <a:schemeClr val="accent2"/>
+          </a:effectRef>
+          <a:fontRef idx="minor">
+            <a:schemeClr val="lt1"/>
+          </a:fontRef>
+        </p:style>
+        <p:txBody>
+          <a:bodyPr rtlCol="0" anchor="ctr"/>
+          <a:lstStyle/>
+          <a:p>
+            <a:pPr algn="ctr"/>
+            <a:endParaRPr lang="ru-RU"/>
+          </a:p>
+        </p:txBody>
+      </p:sp>
+      <p:sp>
+        <p:nvSpPr>
+          <p:cNvPr id="26" name="Двойная стрелка влево/вправо 5"/>
+          <p:cNvSpPr/>
+          <p:nvPr/>
+        </p:nvSpPr>
+        <p:spPr>
+          <a:xfrm rot="16200000" flipH="1">
+            <a:off x="296419" y="815910"/>
+            <a:ext cx="1059550" cy="1291490"/>
+          </a:xfrm>
+          <a:custGeom>
+            <a:avLst/>
+            <a:gdLst>
+              <a:gd name="connsiteX0" fmla="*/ 0 w 451412"/>
+              <a:gd name="connsiteY0" fmla="*/ 242316 h 484632"/>
+              <a:gd name="connsiteX1" fmla="*/ 135270 w 451412"/>
+              <a:gd name="connsiteY1" fmla="*/ 0 h 484632"/>
+              <a:gd name="connsiteX2" fmla="*/ 135270 w 451412"/>
+              <a:gd name="connsiteY2" fmla="*/ 90435 h 484632"/>
+              <a:gd name="connsiteX3" fmla="*/ 316142 w 451412"/>
+              <a:gd name="connsiteY3" fmla="*/ 90435 h 484632"/>
+              <a:gd name="connsiteX4" fmla="*/ 316142 w 451412"/>
+              <a:gd name="connsiteY4" fmla="*/ 0 h 484632"/>
+              <a:gd name="connsiteX5" fmla="*/ 451412 w 451412"/>
+              <a:gd name="connsiteY5" fmla="*/ 242316 h 484632"/>
+              <a:gd name="connsiteX6" fmla="*/ 316142 w 451412"/>
+              <a:gd name="connsiteY6" fmla="*/ 484632 h 484632"/>
+              <a:gd name="connsiteX7" fmla="*/ 316142 w 451412"/>
+              <a:gd name="connsiteY7" fmla="*/ 394197 h 484632"/>
+              <a:gd name="connsiteX8" fmla="*/ 135270 w 451412"/>
+              <a:gd name="connsiteY8" fmla="*/ 394197 h 484632"/>
+              <a:gd name="connsiteX9" fmla="*/ 135270 w 451412"/>
+              <a:gd name="connsiteY9" fmla="*/ 484632 h 484632"/>
+              <a:gd name="connsiteX10" fmla="*/ 0 w 451412"/>
+              <a:gd name="connsiteY10" fmla="*/ 242316 h 484632"/>
+              <a:gd name="connsiteX0" fmla="*/ 0 w 451412"/>
+              <a:gd name="connsiteY0" fmla="*/ 242316 h 484632"/>
+              <a:gd name="connsiteX1" fmla="*/ 135270 w 451412"/>
+              <a:gd name="connsiteY1" fmla="*/ 0 h 484632"/>
+              <a:gd name="connsiteX2" fmla="*/ 135270 w 451412"/>
+              <a:gd name="connsiteY2" fmla="*/ 90435 h 484632"/>
+              <a:gd name="connsiteX3" fmla="*/ 316142 w 451412"/>
+              <a:gd name="connsiteY3" fmla="*/ 90435 h 484632"/>
+              <a:gd name="connsiteX4" fmla="*/ 451412 w 451412"/>
+              <a:gd name="connsiteY4" fmla="*/ 242316 h 484632"/>
+              <a:gd name="connsiteX5" fmla="*/ 316142 w 451412"/>
+              <a:gd name="connsiteY5" fmla="*/ 484632 h 484632"/>
+              <a:gd name="connsiteX6" fmla="*/ 316142 w 451412"/>
+              <a:gd name="connsiteY6" fmla="*/ 394197 h 484632"/>
+              <a:gd name="connsiteX7" fmla="*/ 135270 w 451412"/>
+              <a:gd name="connsiteY7" fmla="*/ 394197 h 484632"/>
+              <a:gd name="connsiteX8" fmla="*/ 135270 w 451412"/>
+              <a:gd name="connsiteY8" fmla="*/ 484632 h 484632"/>
+              <a:gd name="connsiteX9" fmla="*/ 0 w 451412"/>
+              <a:gd name="connsiteY9" fmla="*/ 242316 h 484632"/>
+              <a:gd name="connsiteX0" fmla="*/ 0 w 316142"/>
+              <a:gd name="connsiteY0" fmla="*/ 242316 h 484632"/>
+              <a:gd name="connsiteX1" fmla="*/ 135270 w 316142"/>
+              <a:gd name="connsiteY1" fmla="*/ 0 h 484632"/>
+              <a:gd name="connsiteX2" fmla="*/ 135270 w 316142"/>
+              <a:gd name="connsiteY2" fmla="*/ 90435 h 484632"/>
+              <a:gd name="connsiteX3" fmla="*/ 316142 w 316142"/>
+              <a:gd name="connsiteY3" fmla="*/ 90435 h 484632"/>
+              <a:gd name="connsiteX4" fmla="*/ 316142 w 316142"/>
+              <a:gd name="connsiteY4" fmla="*/ 484632 h 484632"/>
+              <a:gd name="connsiteX5" fmla="*/ 316142 w 316142"/>
+              <a:gd name="connsiteY5" fmla="*/ 394197 h 484632"/>
+              <a:gd name="connsiteX6" fmla="*/ 135270 w 316142"/>
+              <a:gd name="connsiteY6" fmla="*/ 394197 h 484632"/>
+              <a:gd name="connsiteX7" fmla="*/ 135270 w 316142"/>
+              <a:gd name="connsiteY7" fmla="*/ 484632 h 484632"/>
+              <a:gd name="connsiteX8" fmla="*/ 0 w 316142"/>
+              <a:gd name="connsiteY8" fmla="*/ 242316 h 484632"/>
+              <a:gd name="connsiteX0" fmla="*/ 0 w 316142"/>
+              <a:gd name="connsiteY0" fmla="*/ 242316 h 484632"/>
+              <a:gd name="connsiteX1" fmla="*/ 135270 w 316142"/>
+              <a:gd name="connsiteY1" fmla="*/ 0 h 484632"/>
+              <a:gd name="connsiteX2" fmla="*/ 135270 w 316142"/>
+              <a:gd name="connsiteY2" fmla="*/ 90435 h 484632"/>
+              <a:gd name="connsiteX3" fmla="*/ 316142 w 316142"/>
+              <a:gd name="connsiteY3" fmla="*/ 90435 h 484632"/>
+              <a:gd name="connsiteX4" fmla="*/ 316142 w 316142"/>
+              <a:gd name="connsiteY4" fmla="*/ 394197 h 484632"/>
+              <a:gd name="connsiteX5" fmla="*/ 135270 w 316142"/>
+              <a:gd name="connsiteY5" fmla="*/ 394197 h 484632"/>
+              <a:gd name="connsiteX6" fmla="*/ 135270 w 316142"/>
+              <a:gd name="connsiteY6" fmla="*/ 484632 h 484632"/>
+              <a:gd name="connsiteX7" fmla="*/ 0 w 316142"/>
+              <a:gd name="connsiteY7" fmla="*/ 242316 h 484632"/>
+              <a:gd name="connsiteX0" fmla="*/ 0 w 316142"/>
+              <a:gd name="connsiteY0" fmla="*/ 242316 h 484632"/>
+              <a:gd name="connsiteX1" fmla="*/ 135270 w 316142"/>
+              <a:gd name="connsiteY1" fmla="*/ 0 h 484632"/>
+              <a:gd name="connsiteX2" fmla="*/ 135270 w 316142"/>
+              <a:gd name="connsiteY2" fmla="*/ 90435 h 484632"/>
+              <a:gd name="connsiteX3" fmla="*/ 316142 w 316142"/>
+              <a:gd name="connsiteY3" fmla="*/ 394197 h 484632"/>
+              <a:gd name="connsiteX4" fmla="*/ 135270 w 316142"/>
+              <a:gd name="connsiteY4" fmla="*/ 394197 h 484632"/>
+              <a:gd name="connsiteX5" fmla="*/ 135270 w 316142"/>
+              <a:gd name="connsiteY5" fmla="*/ 484632 h 484632"/>
+              <a:gd name="connsiteX6" fmla="*/ 0 w 316142"/>
+              <a:gd name="connsiteY6" fmla="*/ 242316 h 484632"/>
+              <a:gd name="connsiteX0" fmla="*/ 0 w 316142"/>
+              <a:gd name="connsiteY0" fmla="*/ 242316 h 484632"/>
+              <a:gd name="connsiteX1" fmla="*/ 135270 w 316142"/>
+              <a:gd name="connsiteY1" fmla="*/ 0 h 484632"/>
+              <a:gd name="connsiteX2" fmla="*/ 135270 w 316142"/>
+              <a:gd name="connsiteY2" fmla="*/ 90435 h 484632"/>
+              <a:gd name="connsiteX3" fmla="*/ 316142 w 316142"/>
+              <a:gd name="connsiteY3" fmla="*/ 394197 h 484632"/>
+              <a:gd name="connsiteX4" fmla="*/ 251236 w 316142"/>
+              <a:gd name="connsiteY4" fmla="*/ 392379 h 484632"/>
+              <a:gd name="connsiteX5" fmla="*/ 135270 w 316142"/>
+              <a:gd name="connsiteY5" fmla="*/ 394197 h 484632"/>
+              <a:gd name="connsiteX6" fmla="*/ 135270 w 316142"/>
+              <a:gd name="connsiteY6" fmla="*/ 484632 h 484632"/>
+              <a:gd name="connsiteX7" fmla="*/ 0 w 316142"/>
+              <a:gd name="connsiteY7" fmla="*/ 242316 h 484632"/>
+              <a:gd name="connsiteX0" fmla="*/ 0 w 543456"/>
+              <a:gd name="connsiteY0" fmla="*/ 242316 h 795783"/>
+              <a:gd name="connsiteX1" fmla="*/ 135270 w 543456"/>
+              <a:gd name="connsiteY1" fmla="*/ 0 h 795783"/>
+              <a:gd name="connsiteX2" fmla="*/ 135270 w 543456"/>
+              <a:gd name="connsiteY2" fmla="*/ 90435 h 795783"/>
+              <a:gd name="connsiteX3" fmla="*/ 316142 w 543456"/>
+              <a:gd name="connsiteY3" fmla="*/ 394197 h 795783"/>
+              <a:gd name="connsiteX4" fmla="*/ 543456 w 543456"/>
+              <a:gd name="connsiteY4" fmla="*/ 795783 h 795783"/>
+              <a:gd name="connsiteX5" fmla="*/ 135270 w 543456"/>
+              <a:gd name="connsiteY5" fmla="*/ 394197 h 795783"/>
+              <a:gd name="connsiteX6" fmla="*/ 135270 w 543456"/>
+              <a:gd name="connsiteY6" fmla="*/ 484632 h 795783"/>
+              <a:gd name="connsiteX7" fmla="*/ 0 w 543456"/>
+              <a:gd name="connsiteY7" fmla="*/ 242316 h 795783"/>
+              <a:gd name="connsiteX0" fmla="*/ 0 w 543456"/>
+              <a:gd name="connsiteY0" fmla="*/ 242316 h 795783"/>
+              <a:gd name="connsiteX1" fmla="*/ 135270 w 543456"/>
+              <a:gd name="connsiteY1" fmla="*/ 0 h 795783"/>
+              <a:gd name="connsiteX2" fmla="*/ 135270 w 543456"/>
+              <a:gd name="connsiteY2" fmla="*/ 90435 h 795783"/>
+              <a:gd name="connsiteX3" fmla="*/ 543456 w 543456"/>
+              <a:gd name="connsiteY3" fmla="*/ 795783 h 795783"/>
+              <a:gd name="connsiteX4" fmla="*/ 135270 w 543456"/>
+              <a:gd name="connsiteY4" fmla="*/ 394197 h 795783"/>
+              <a:gd name="connsiteX5" fmla="*/ 135270 w 543456"/>
+              <a:gd name="connsiteY5" fmla="*/ 484632 h 795783"/>
+              <a:gd name="connsiteX6" fmla="*/ 0 w 543456"/>
+              <a:gd name="connsiteY6" fmla="*/ 242316 h 795783"/>
+              <a:gd name="connsiteX0" fmla="*/ 0 w 551283"/>
+              <a:gd name="connsiteY0" fmla="*/ 242316 h 789003"/>
+              <a:gd name="connsiteX1" fmla="*/ 135270 w 551283"/>
+              <a:gd name="connsiteY1" fmla="*/ 0 h 789003"/>
+              <a:gd name="connsiteX2" fmla="*/ 135270 w 551283"/>
+              <a:gd name="connsiteY2" fmla="*/ 90435 h 789003"/>
+              <a:gd name="connsiteX3" fmla="*/ 551283 w 551283"/>
+              <a:gd name="connsiteY3" fmla="*/ 789003 h 789003"/>
+              <a:gd name="connsiteX4" fmla="*/ 135270 w 551283"/>
+              <a:gd name="connsiteY4" fmla="*/ 394197 h 789003"/>
+              <a:gd name="connsiteX5" fmla="*/ 135270 w 551283"/>
+              <a:gd name="connsiteY5" fmla="*/ 484632 h 789003"/>
+              <a:gd name="connsiteX6" fmla="*/ 0 w 551283"/>
+              <a:gd name="connsiteY6" fmla="*/ 242316 h 789003"/>
+              <a:gd name="connsiteX0" fmla="*/ 0 w 551283"/>
+              <a:gd name="connsiteY0" fmla="*/ 242316 h 775443"/>
+              <a:gd name="connsiteX1" fmla="*/ 135270 w 551283"/>
+              <a:gd name="connsiteY1" fmla="*/ 0 h 775443"/>
+              <a:gd name="connsiteX2" fmla="*/ 135270 w 551283"/>
+              <a:gd name="connsiteY2" fmla="*/ 90435 h 775443"/>
+              <a:gd name="connsiteX3" fmla="*/ 551283 w 551283"/>
+              <a:gd name="connsiteY3" fmla="*/ 775443 h 775443"/>
+              <a:gd name="connsiteX4" fmla="*/ 135270 w 551283"/>
+              <a:gd name="connsiteY4" fmla="*/ 394197 h 775443"/>
+              <a:gd name="connsiteX5" fmla="*/ 135270 w 551283"/>
+              <a:gd name="connsiteY5" fmla="*/ 484632 h 775443"/>
+              <a:gd name="connsiteX6" fmla="*/ 0 w 551283"/>
+              <a:gd name="connsiteY6" fmla="*/ 242316 h 775443"/>
+              <a:gd name="connsiteX0" fmla="*/ 0 w 725582"/>
+              <a:gd name="connsiteY0" fmla="*/ 242316 h 1178043"/>
+              <a:gd name="connsiteX1" fmla="*/ 135270 w 725582"/>
+              <a:gd name="connsiteY1" fmla="*/ 0 h 1178043"/>
+              <a:gd name="connsiteX2" fmla="*/ 135270 w 725582"/>
+              <a:gd name="connsiteY2" fmla="*/ 90435 h 1178043"/>
+              <a:gd name="connsiteX3" fmla="*/ 725582 w 725582"/>
+              <a:gd name="connsiteY3" fmla="*/ 1178043 h 1178043"/>
+              <a:gd name="connsiteX4" fmla="*/ 135270 w 725582"/>
+              <a:gd name="connsiteY4" fmla="*/ 394197 h 1178043"/>
+              <a:gd name="connsiteX5" fmla="*/ 135270 w 725582"/>
+              <a:gd name="connsiteY5" fmla="*/ 484632 h 1178043"/>
+              <a:gd name="connsiteX6" fmla="*/ 0 w 725582"/>
+              <a:gd name="connsiteY6" fmla="*/ 242316 h 1178043"/>
+              <a:gd name="connsiteX0" fmla="*/ 0 w 725584"/>
+              <a:gd name="connsiteY0" fmla="*/ 242316 h 1158750"/>
+              <a:gd name="connsiteX1" fmla="*/ 135270 w 725584"/>
+              <a:gd name="connsiteY1" fmla="*/ 0 h 1158750"/>
+              <a:gd name="connsiteX2" fmla="*/ 135270 w 725584"/>
+              <a:gd name="connsiteY2" fmla="*/ 90435 h 1158750"/>
+              <a:gd name="connsiteX3" fmla="*/ 725584 w 725584"/>
+              <a:gd name="connsiteY3" fmla="*/ 1158750 h 1158750"/>
+              <a:gd name="connsiteX4" fmla="*/ 135270 w 725584"/>
+              <a:gd name="connsiteY4" fmla="*/ 394197 h 1158750"/>
+              <a:gd name="connsiteX5" fmla="*/ 135270 w 725584"/>
+              <a:gd name="connsiteY5" fmla="*/ 484632 h 1158750"/>
+              <a:gd name="connsiteX6" fmla="*/ 0 w 725584"/>
+              <a:gd name="connsiteY6" fmla="*/ 242316 h 1158750"/>
+              <a:gd name="connsiteX0" fmla="*/ 0 w 725584"/>
+              <a:gd name="connsiteY0" fmla="*/ 242316 h 1149103"/>
+              <a:gd name="connsiteX1" fmla="*/ 135270 w 725584"/>
+              <a:gd name="connsiteY1" fmla="*/ 0 h 1149103"/>
+              <a:gd name="connsiteX2" fmla="*/ 135270 w 725584"/>
+              <a:gd name="connsiteY2" fmla="*/ 90435 h 1149103"/>
+              <a:gd name="connsiteX3" fmla="*/ 725584 w 725584"/>
+              <a:gd name="connsiteY3" fmla="*/ 1149103 h 1149103"/>
+              <a:gd name="connsiteX4" fmla="*/ 135270 w 725584"/>
+              <a:gd name="connsiteY4" fmla="*/ 394197 h 1149103"/>
+              <a:gd name="connsiteX5" fmla="*/ 135270 w 725584"/>
+              <a:gd name="connsiteY5" fmla="*/ 484632 h 1149103"/>
+              <a:gd name="connsiteX6" fmla="*/ 0 w 725584"/>
+              <a:gd name="connsiteY6" fmla="*/ 242316 h 1149103"/>
+            </a:gdLst>
+            <a:ahLst/>
+            <a:cxnLst>
+              <a:cxn ang="0">
+                <a:pos x="connsiteX0" y="connsiteY0"/>
+              </a:cxn>
+              <a:cxn ang="0">
+                <a:pos x="connsiteX1" y="connsiteY1"/>
+              </a:cxn>
+              <a:cxn ang="0">
+                <a:pos x="connsiteX2" y="connsiteY2"/>
+              </a:cxn>
+              <a:cxn ang="0">
+                <a:pos x="connsiteX3" y="connsiteY3"/>
+              </a:cxn>
+              <a:cxn ang="0">
+                <a:pos x="connsiteX4" y="connsiteY4"/>
+              </a:cxn>
+              <a:cxn ang="0">
+                <a:pos x="connsiteX5" y="connsiteY5"/>
+              </a:cxn>
+              <a:cxn ang="0">
+                <a:pos x="connsiteX6" y="connsiteY6"/>
+              </a:cxn>
+            </a:cxnLst>
+            <a:rect l="l" t="t" r="r" b="b"/>
+            <a:pathLst>
+              <a:path w="725584" h="1149103">
+                <a:moveTo>
+                  <a:pt x="0" y="242316"/>
+                </a:moveTo>
+                <a:lnTo>
+                  <a:pt x="135270" y="0"/>
+                </a:lnTo>
+                <a:lnTo>
+                  <a:pt x="135270" y="90435"/>
+                </a:lnTo>
+                <a:lnTo>
+                  <a:pt x="725584" y="1149103"/>
+                </a:lnTo>
+                <a:lnTo>
+                  <a:pt x="135270" y="394197"/>
+                </a:lnTo>
+                <a:lnTo>
+                  <a:pt x="135270" y="484632"/>
+                </a:lnTo>
+                <a:lnTo>
+                  <a:pt x="0" y="242316"/>
+                </a:lnTo>
+                <a:close/>
+              </a:path>
+            </a:pathLst>
+          </a:custGeom>
+        </p:spPr>
+        <p:style>
+          <a:lnRef idx="2">
+            <a:schemeClr val="accent1">
+              <a:shade val="50000"/>
+            </a:schemeClr>
+          </a:lnRef>
+          <a:fillRef idx="1">
+            <a:schemeClr val="accent1"/>
+          </a:fillRef>
+          <a:effectRef idx="0">
+            <a:schemeClr val="accent1"/>
+          </a:effectRef>
+          <a:fontRef idx="minor">
+            <a:schemeClr val="lt1"/>
+          </a:fontRef>
+        </p:style>
+        <p:txBody>
+          <a:bodyPr rtlCol="0" anchor="ctr"/>
+          <a:lstStyle/>
+          <a:p>
+            <a:pPr algn="ctr"/>
+            <a:endParaRPr lang="ru-RU"/>
+          </a:p>
+        </p:txBody>
+      </p:sp>
+      <p:sp>
+        <p:nvSpPr>
+          <p:cNvPr id="27" name="Двойная стрелка влево/вправо 5"/>
+          <p:cNvSpPr/>
+          <p:nvPr/>
+        </p:nvSpPr>
+        <p:spPr>
+          <a:xfrm rot="16200000" flipV="1">
+            <a:off x="999209" y="272725"/>
+            <a:ext cx="805023" cy="946945"/>
+          </a:xfrm>
+          <a:custGeom>
+            <a:avLst/>
+            <a:gdLst>
+              <a:gd name="connsiteX0" fmla="*/ 0 w 451412"/>
+              <a:gd name="connsiteY0" fmla="*/ 242316 h 484632"/>
+              <a:gd name="connsiteX1" fmla="*/ 135270 w 451412"/>
+              <a:gd name="connsiteY1" fmla="*/ 0 h 484632"/>
+              <a:gd name="connsiteX2" fmla="*/ 135270 w 451412"/>
+              <a:gd name="connsiteY2" fmla="*/ 90435 h 484632"/>
+              <a:gd name="connsiteX3" fmla="*/ 316142 w 451412"/>
+              <a:gd name="connsiteY3" fmla="*/ 90435 h 484632"/>
+              <a:gd name="connsiteX4" fmla="*/ 316142 w 451412"/>
+              <a:gd name="connsiteY4" fmla="*/ 0 h 484632"/>
+              <a:gd name="connsiteX5" fmla="*/ 451412 w 451412"/>
+              <a:gd name="connsiteY5" fmla="*/ 242316 h 484632"/>
+              <a:gd name="connsiteX6" fmla="*/ 316142 w 451412"/>
+              <a:gd name="connsiteY6" fmla="*/ 484632 h 484632"/>
+              <a:gd name="connsiteX7" fmla="*/ 316142 w 451412"/>
+              <a:gd name="connsiteY7" fmla="*/ 394197 h 484632"/>
+              <a:gd name="connsiteX8" fmla="*/ 135270 w 451412"/>
+              <a:gd name="connsiteY8" fmla="*/ 394197 h 484632"/>
+              <a:gd name="connsiteX9" fmla="*/ 135270 w 451412"/>
+              <a:gd name="connsiteY9" fmla="*/ 484632 h 484632"/>
+              <a:gd name="connsiteX10" fmla="*/ 0 w 451412"/>
+              <a:gd name="connsiteY10" fmla="*/ 242316 h 484632"/>
+              <a:gd name="connsiteX0" fmla="*/ 0 w 451412"/>
+              <a:gd name="connsiteY0" fmla="*/ 242316 h 484632"/>
+              <a:gd name="connsiteX1" fmla="*/ 135270 w 451412"/>
+              <a:gd name="connsiteY1" fmla="*/ 0 h 484632"/>
+              <a:gd name="connsiteX2" fmla="*/ 135270 w 451412"/>
+              <a:gd name="connsiteY2" fmla="*/ 90435 h 484632"/>
+              <a:gd name="connsiteX3" fmla="*/ 316142 w 451412"/>
+              <a:gd name="connsiteY3" fmla="*/ 90435 h 484632"/>
+              <a:gd name="connsiteX4" fmla="*/ 451412 w 451412"/>
+              <a:gd name="connsiteY4" fmla="*/ 242316 h 484632"/>
+              <a:gd name="connsiteX5" fmla="*/ 316142 w 451412"/>
+              <a:gd name="connsiteY5" fmla="*/ 484632 h 484632"/>
+              <a:gd name="connsiteX6" fmla="*/ 316142 w 451412"/>
+              <a:gd name="connsiteY6" fmla="*/ 394197 h 484632"/>
+              <a:gd name="connsiteX7" fmla="*/ 135270 w 451412"/>
+              <a:gd name="connsiteY7" fmla="*/ 394197 h 484632"/>
+              <a:gd name="connsiteX8" fmla="*/ 135270 w 451412"/>
+              <a:gd name="connsiteY8" fmla="*/ 484632 h 484632"/>
+              <a:gd name="connsiteX9" fmla="*/ 0 w 451412"/>
+              <a:gd name="connsiteY9" fmla="*/ 242316 h 484632"/>
+              <a:gd name="connsiteX0" fmla="*/ 0 w 316142"/>
+              <a:gd name="connsiteY0" fmla="*/ 242316 h 484632"/>
+              <a:gd name="connsiteX1" fmla="*/ 135270 w 316142"/>
+              <a:gd name="connsiteY1" fmla="*/ 0 h 484632"/>
+              <a:gd name="connsiteX2" fmla="*/ 135270 w 316142"/>
+              <a:gd name="connsiteY2" fmla="*/ 90435 h 484632"/>
+              <a:gd name="connsiteX3" fmla="*/ 316142 w 316142"/>
+              <a:gd name="connsiteY3" fmla="*/ 90435 h 484632"/>
+              <a:gd name="connsiteX4" fmla="*/ 316142 w 316142"/>
+              <a:gd name="connsiteY4" fmla="*/ 484632 h 484632"/>
+              <a:gd name="connsiteX5" fmla="*/ 316142 w 316142"/>
+              <a:gd name="connsiteY5" fmla="*/ 394197 h 484632"/>
+              <a:gd name="connsiteX6" fmla="*/ 135270 w 316142"/>
+              <a:gd name="connsiteY6" fmla="*/ 394197 h 484632"/>
+              <a:gd name="connsiteX7" fmla="*/ 135270 w 316142"/>
+              <a:gd name="connsiteY7" fmla="*/ 484632 h 484632"/>
+              <a:gd name="connsiteX8" fmla="*/ 0 w 316142"/>
+              <a:gd name="connsiteY8" fmla="*/ 242316 h 484632"/>
+              <a:gd name="connsiteX0" fmla="*/ 0 w 316142"/>
+              <a:gd name="connsiteY0" fmla="*/ 242316 h 484632"/>
+              <a:gd name="connsiteX1" fmla="*/ 135270 w 316142"/>
+              <a:gd name="connsiteY1" fmla="*/ 0 h 484632"/>
+              <a:gd name="connsiteX2" fmla="*/ 135270 w 316142"/>
+              <a:gd name="connsiteY2" fmla="*/ 90435 h 484632"/>
+              <a:gd name="connsiteX3" fmla="*/ 316142 w 316142"/>
+              <a:gd name="connsiteY3" fmla="*/ 90435 h 484632"/>
+              <a:gd name="connsiteX4" fmla="*/ 316142 w 316142"/>
+              <a:gd name="connsiteY4" fmla="*/ 394197 h 484632"/>
+              <a:gd name="connsiteX5" fmla="*/ 135270 w 316142"/>
+              <a:gd name="connsiteY5" fmla="*/ 394197 h 484632"/>
+              <a:gd name="connsiteX6" fmla="*/ 135270 w 316142"/>
+              <a:gd name="connsiteY6" fmla="*/ 484632 h 484632"/>
+              <a:gd name="connsiteX7" fmla="*/ 0 w 316142"/>
+              <a:gd name="connsiteY7" fmla="*/ 242316 h 484632"/>
+              <a:gd name="connsiteX0" fmla="*/ 0 w 316142"/>
+              <a:gd name="connsiteY0" fmla="*/ 242316 h 484632"/>
+              <a:gd name="connsiteX1" fmla="*/ 135270 w 316142"/>
+              <a:gd name="connsiteY1" fmla="*/ 0 h 484632"/>
+              <a:gd name="connsiteX2" fmla="*/ 135270 w 316142"/>
+              <a:gd name="connsiteY2" fmla="*/ 90435 h 484632"/>
+              <a:gd name="connsiteX3" fmla="*/ 316142 w 316142"/>
+              <a:gd name="connsiteY3" fmla="*/ 394197 h 484632"/>
+              <a:gd name="connsiteX4" fmla="*/ 135270 w 316142"/>
+              <a:gd name="connsiteY4" fmla="*/ 394197 h 484632"/>
+              <a:gd name="connsiteX5" fmla="*/ 135270 w 316142"/>
+              <a:gd name="connsiteY5" fmla="*/ 484632 h 484632"/>
+              <a:gd name="connsiteX6" fmla="*/ 0 w 316142"/>
+              <a:gd name="connsiteY6" fmla="*/ 242316 h 484632"/>
+              <a:gd name="connsiteX0" fmla="*/ 0 w 316142"/>
+              <a:gd name="connsiteY0" fmla="*/ 242316 h 484632"/>
+              <a:gd name="connsiteX1" fmla="*/ 135270 w 316142"/>
+              <a:gd name="connsiteY1" fmla="*/ 0 h 484632"/>
+              <a:gd name="connsiteX2" fmla="*/ 135270 w 316142"/>
+              <a:gd name="connsiteY2" fmla="*/ 90435 h 484632"/>
+              <a:gd name="connsiteX3" fmla="*/ 316142 w 316142"/>
+              <a:gd name="connsiteY3" fmla="*/ 394197 h 484632"/>
+              <a:gd name="connsiteX4" fmla="*/ 251236 w 316142"/>
+              <a:gd name="connsiteY4" fmla="*/ 392379 h 484632"/>
+              <a:gd name="connsiteX5" fmla="*/ 135270 w 316142"/>
+              <a:gd name="connsiteY5" fmla="*/ 394197 h 484632"/>
+              <a:gd name="connsiteX6" fmla="*/ 135270 w 316142"/>
+              <a:gd name="connsiteY6" fmla="*/ 484632 h 484632"/>
+              <a:gd name="connsiteX7" fmla="*/ 0 w 316142"/>
+              <a:gd name="connsiteY7" fmla="*/ 242316 h 484632"/>
+              <a:gd name="connsiteX0" fmla="*/ 0 w 543456"/>
+              <a:gd name="connsiteY0" fmla="*/ 242316 h 795783"/>
+              <a:gd name="connsiteX1" fmla="*/ 135270 w 543456"/>
+              <a:gd name="connsiteY1" fmla="*/ 0 h 795783"/>
+              <a:gd name="connsiteX2" fmla="*/ 135270 w 543456"/>
+              <a:gd name="connsiteY2" fmla="*/ 90435 h 795783"/>
+              <a:gd name="connsiteX3" fmla="*/ 316142 w 543456"/>
+              <a:gd name="connsiteY3" fmla="*/ 394197 h 795783"/>
+              <a:gd name="connsiteX4" fmla="*/ 543456 w 543456"/>
+              <a:gd name="connsiteY4" fmla="*/ 795783 h 795783"/>
+              <a:gd name="connsiteX5" fmla="*/ 135270 w 543456"/>
+              <a:gd name="connsiteY5" fmla="*/ 394197 h 795783"/>
+              <a:gd name="connsiteX6" fmla="*/ 135270 w 543456"/>
+              <a:gd name="connsiteY6" fmla="*/ 484632 h 795783"/>
+              <a:gd name="connsiteX7" fmla="*/ 0 w 543456"/>
+              <a:gd name="connsiteY7" fmla="*/ 242316 h 795783"/>
+              <a:gd name="connsiteX0" fmla="*/ 0 w 543456"/>
+              <a:gd name="connsiteY0" fmla="*/ 242316 h 795783"/>
+              <a:gd name="connsiteX1" fmla="*/ 135270 w 543456"/>
+              <a:gd name="connsiteY1" fmla="*/ 0 h 795783"/>
+              <a:gd name="connsiteX2" fmla="*/ 135270 w 543456"/>
+              <a:gd name="connsiteY2" fmla="*/ 90435 h 795783"/>
+              <a:gd name="connsiteX3" fmla="*/ 543456 w 543456"/>
+              <a:gd name="connsiteY3" fmla="*/ 795783 h 795783"/>
+              <a:gd name="connsiteX4" fmla="*/ 135270 w 543456"/>
+              <a:gd name="connsiteY4" fmla="*/ 394197 h 795783"/>
+              <a:gd name="connsiteX5" fmla="*/ 135270 w 543456"/>
+              <a:gd name="connsiteY5" fmla="*/ 484632 h 795783"/>
+              <a:gd name="connsiteX6" fmla="*/ 0 w 543456"/>
+              <a:gd name="connsiteY6" fmla="*/ 242316 h 795783"/>
+              <a:gd name="connsiteX0" fmla="*/ 0 w 551283"/>
+              <a:gd name="connsiteY0" fmla="*/ 242316 h 789003"/>
+              <a:gd name="connsiteX1" fmla="*/ 135270 w 551283"/>
+              <a:gd name="connsiteY1" fmla="*/ 0 h 789003"/>
+              <a:gd name="connsiteX2" fmla="*/ 135270 w 551283"/>
+              <a:gd name="connsiteY2" fmla="*/ 90435 h 789003"/>
+              <a:gd name="connsiteX3" fmla="*/ 551283 w 551283"/>
+              <a:gd name="connsiteY3" fmla="*/ 789003 h 789003"/>
+              <a:gd name="connsiteX4" fmla="*/ 135270 w 551283"/>
+              <a:gd name="connsiteY4" fmla="*/ 394197 h 789003"/>
+              <a:gd name="connsiteX5" fmla="*/ 135270 w 551283"/>
+              <a:gd name="connsiteY5" fmla="*/ 484632 h 789003"/>
+              <a:gd name="connsiteX6" fmla="*/ 0 w 551283"/>
+              <a:gd name="connsiteY6" fmla="*/ 242316 h 789003"/>
+              <a:gd name="connsiteX0" fmla="*/ 0 w 551283"/>
+              <a:gd name="connsiteY0" fmla="*/ 242316 h 775443"/>
+              <a:gd name="connsiteX1" fmla="*/ 135270 w 551283"/>
+              <a:gd name="connsiteY1" fmla="*/ 0 h 775443"/>
+              <a:gd name="connsiteX2" fmla="*/ 135270 w 551283"/>
+              <a:gd name="connsiteY2" fmla="*/ 90435 h 775443"/>
+              <a:gd name="connsiteX3" fmla="*/ 551283 w 551283"/>
+              <a:gd name="connsiteY3" fmla="*/ 775443 h 775443"/>
+              <a:gd name="connsiteX4" fmla="*/ 135270 w 551283"/>
+              <a:gd name="connsiteY4" fmla="*/ 394197 h 775443"/>
+              <a:gd name="connsiteX5" fmla="*/ 135270 w 551283"/>
+              <a:gd name="connsiteY5" fmla="*/ 484632 h 775443"/>
+              <a:gd name="connsiteX6" fmla="*/ 0 w 551283"/>
+              <a:gd name="connsiteY6" fmla="*/ 242316 h 775443"/>
+              <a:gd name="connsiteX0" fmla="*/ 0 w 551283"/>
+              <a:gd name="connsiteY0" fmla="*/ 242316 h 842544"/>
+              <a:gd name="connsiteX1" fmla="*/ 135270 w 551283"/>
+              <a:gd name="connsiteY1" fmla="*/ 0 h 842544"/>
+              <a:gd name="connsiteX2" fmla="*/ 135270 w 551283"/>
+              <a:gd name="connsiteY2" fmla="*/ 90435 h 842544"/>
+              <a:gd name="connsiteX3" fmla="*/ 551283 w 551283"/>
+              <a:gd name="connsiteY3" fmla="*/ 842544 h 842544"/>
+              <a:gd name="connsiteX4" fmla="*/ 135270 w 551283"/>
+              <a:gd name="connsiteY4" fmla="*/ 394197 h 842544"/>
+              <a:gd name="connsiteX5" fmla="*/ 135270 w 551283"/>
+              <a:gd name="connsiteY5" fmla="*/ 484632 h 842544"/>
+              <a:gd name="connsiteX6" fmla="*/ 0 w 551283"/>
+              <a:gd name="connsiteY6" fmla="*/ 242316 h 842544"/>
+            </a:gdLst>
+            <a:ahLst/>
+            <a:cxnLst>
+              <a:cxn ang="0">
+                <a:pos x="connsiteX0" y="connsiteY0"/>
+              </a:cxn>
+              <a:cxn ang="0">
+                <a:pos x="connsiteX1" y="connsiteY1"/>
+              </a:cxn>
+              <a:cxn ang="0">
+                <a:pos x="connsiteX2" y="connsiteY2"/>
+              </a:cxn>
+              <a:cxn ang="0">
+                <a:pos x="connsiteX3" y="connsiteY3"/>
+              </a:cxn>
+              <a:cxn ang="0">
+                <a:pos x="connsiteX4" y="connsiteY4"/>
+              </a:cxn>
+              <a:cxn ang="0">
+                <a:pos x="connsiteX5" y="connsiteY5"/>
+              </a:cxn>
+              <a:cxn ang="0">
+                <a:pos x="connsiteX6" y="connsiteY6"/>
+              </a:cxn>
+            </a:cxnLst>
+            <a:rect l="l" t="t" r="r" b="b"/>
+            <a:pathLst>
+              <a:path w="551283" h="842544">
+                <a:moveTo>
+                  <a:pt x="0" y="242316"/>
+                </a:moveTo>
+                <a:lnTo>
+                  <a:pt x="135270" y="0"/>
+                </a:lnTo>
+                <a:lnTo>
+                  <a:pt x="135270" y="90435"/>
+                </a:lnTo>
+                <a:lnTo>
+                  <a:pt x="551283" y="842544"/>
+                </a:lnTo>
+                <a:lnTo>
+                  <a:pt x="135270" y="394197"/>
+                </a:lnTo>
+                <a:lnTo>
+                  <a:pt x="135270" y="484632"/>
+                </a:lnTo>
+                <a:lnTo>
+                  <a:pt x="0" y="242316"/>
+                </a:lnTo>
+                <a:close/>
+              </a:path>
+            </a:pathLst>
+          </a:custGeom>
+        </p:spPr>
+        <p:style>
+          <a:lnRef idx="2">
+            <a:schemeClr val="accent2">
+              <a:shade val="50000"/>
+            </a:schemeClr>
+          </a:lnRef>
+          <a:fillRef idx="1">
+            <a:schemeClr val="accent2"/>
+          </a:fillRef>
+          <a:effectRef idx="0">
+            <a:schemeClr val="accent2"/>
+          </a:effectRef>
+          <a:fontRef idx="minor">
+            <a:schemeClr val="lt1"/>
+          </a:fontRef>
+        </p:style>
+        <p:txBody>
+          <a:bodyPr rtlCol="0" anchor="ctr"/>
+          <a:lstStyle/>
+          <a:p>
+            <a:pPr algn="ctr"/>
+            <a:endParaRPr lang="ru-RU"/>
+          </a:p>
+        </p:txBody>
+      </p:sp>
+      <p:sp>
+        <p:nvSpPr>
+          <p:cNvPr id="19" name="Прямоугольник 18"/>
+          <p:cNvSpPr/>
+          <p:nvPr/>
+        </p:nvSpPr>
+        <p:spPr>
+          <a:xfrm>
+            <a:off x="0" y="0"/>
+            <a:ext cx="914400" cy="914400"/>
+          </a:xfrm>
+          <a:prstGeom prst="rect">
+            <a:avLst/>
+          </a:prstGeom>
+        </p:spPr>
+        <p:style>
+          <a:lnRef idx="2">
+            <a:schemeClr val="accent1">
+              <a:shade val="50000"/>
+            </a:schemeClr>
+          </a:lnRef>
+          <a:fillRef idx="1">
+            <a:schemeClr val="accent1"/>
+          </a:fillRef>
+          <a:effectRef idx="0">
+            <a:schemeClr val="accent1"/>
+          </a:effectRef>
+          <a:fontRef idx="minor">
+            <a:schemeClr val="lt1"/>
+          </a:fontRef>
+        </p:style>
+        <p:txBody>
+          <a:bodyPr rtlCol="0" anchor="ctr"/>
+          <a:lstStyle/>
+          <a:p>
+            <a:pPr algn="ctr"/>
+            <a:r>
+              <a:rPr lang="en-US" dirty="0" smtClean="0"/>
+              <a:t>CREDIT</a:t>
+            </a:r>
+          </a:p>
+          <a:p>
+            <a:pPr algn="ctr"/>
+            <a:r>
+              <a:rPr lang="en-US" dirty="0" smtClean="0"/>
+              <a:t>service</a:t>
+            </a:r>
+            <a:endParaRPr lang="ru-RU" dirty="0"/>
+          </a:p>
+        </p:txBody>
+      </p:sp>
+      <p:sp>
+        <p:nvSpPr>
+          <p:cNvPr id="30" name="TextBox 29"/>
+          <p:cNvSpPr txBox="1"/>
+          <p:nvPr/>
+        </p:nvSpPr>
+        <p:spPr>
+          <a:xfrm>
+            <a:off x="5723722" y="2213635"/>
+            <a:ext cx="5164875" cy="923330"/>
+          </a:xfrm>
+          <a:prstGeom prst="rect">
+            <a:avLst/>
+          </a:prstGeom>
+          <a:noFill/>
+        </p:spPr>
+        <p:txBody>
+          <a:bodyPr wrap="none" rtlCol="0">
+            <a:spAutoFit/>
+          </a:bodyPr>
+          <a:lstStyle/>
+          <a:p>
+            <a:r>
+              <a:rPr lang="en-US" dirty="0" smtClean="0"/>
+              <a:t>?surname=&lt;</a:t>
+            </a:r>
+            <a:r>
+              <a:rPr lang="ru-RU" dirty="0" smtClean="0"/>
+              <a:t>Ф</a:t>
+            </a:r>
+            <a:r>
+              <a:rPr lang="en-US" dirty="0" smtClean="0"/>
+              <a:t>&gt;</a:t>
+            </a:r>
+            <a:r>
+              <a:rPr lang="en-US" dirty="0" smtClean="0"/>
+              <a:t>&amp;</a:t>
+            </a:r>
+            <a:r>
+              <a:rPr lang="en-US" i="1" dirty="0" err="1" smtClean="0"/>
+              <a:t>firstname</a:t>
+            </a:r>
+            <a:r>
+              <a:rPr lang="en-US" dirty="0"/>
+              <a:t>=&lt;</a:t>
+            </a:r>
+            <a:r>
+              <a:rPr lang="ru-RU" dirty="0"/>
+              <a:t>И</a:t>
+            </a:r>
+            <a:r>
+              <a:rPr lang="en-US" dirty="0" smtClean="0"/>
+              <a:t>&gt;&amp;patronymic=&lt;</a:t>
+            </a:r>
+            <a:r>
+              <a:rPr lang="ru-RU" dirty="0" smtClean="0"/>
+              <a:t>О</a:t>
+            </a:r>
+            <a:r>
+              <a:rPr lang="en-US" dirty="0" smtClean="0"/>
+              <a:t>&gt;&amp;</a:t>
+            </a:r>
+            <a:endParaRPr lang="en-US" dirty="0" smtClean="0"/>
+          </a:p>
+          <a:p>
+            <a:r>
+              <a:rPr lang="ru-RU" dirty="0"/>
+              <a:t> </a:t>
+            </a:r>
+            <a:r>
+              <a:rPr lang="ru-RU" dirty="0" smtClean="0"/>
+              <a:t> </a:t>
+            </a:r>
+            <a:r>
+              <a:rPr lang="en-US" dirty="0" smtClean="0"/>
+              <a:t>&lt;</a:t>
+            </a:r>
+            <a:r>
+              <a:rPr lang="ru-RU" dirty="0" smtClean="0"/>
+              <a:t>уточняющая инфо-</a:t>
+            </a:r>
+            <a:r>
+              <a:rPr lang="ru-RU" dirty="0" err="1" smtClean="0"/>
+              <a:t>ия</a:t>
+            </a:r>
+            <a:r>
+              <a:rPr lang="en-US" dirty="0" smtClean="0"/>
+              <a:t>&gt;</a:t>
+            </a:r>
+            <a:r>
+              <a:rPr lang="ru-RU" dirty="0" smtClean="0"/>
+              <a:t>=</a:t>
+            </a:r>
+            <a:r>
+              <a:rPr lang="en-US" dirty="0" smtClean="0"/>
+              <a:t>&lt;</a:t>
+            </a:r>
+            <a:r>
+              <a:rPr lang="ru-RU" dirty="0" smtClean="0"/>
+              <a:t>значение</a:t>
+            </a:r>
+            <a:r>
+              <a:rPr lang="en-US" dirty="0" smtClean="0"/>
+              <a:t>&gt;&amp;</a:t>
+            </a:r>
+            <a:endParaRPr lang="en-US" dirty="0" smtClean="0"/>
+          </a:p>
+          <a:p>
+            <a:r>
+              <a:rPr lang="en-US" dirty="0"/>
+              <a:t> </a:t>
+            </a:r>
+            <a:r>
+              <a:rPr lang="en-US" dirty="0" smtClean="0"/>
+              <a:t> </a:t>
+            </a:r>
+            <a:r>
+              <a:rPr lang="en-US" i="1" dirty="0" err="1" smtClean="0"/>
+              <a:t>controlValue</a:t>
+            </a:r>
+            <a:r>
+              <a:rPr lang="en-US" dirty="0" smtClean="0"/>
+              <a:t>=&lt;</a:t>
+            </a:r>
+            <a:r>
+              <a:rPr lang="ru-RU" dirty="0" err="1" smtClean="0"/>
+              <a:t>контрольное_значение</a:t>
+            </a:r>
+            <a:r>
+              <a:rPr lang="en-US" dirty="0" smtClean="0"/>
+              <a:t>&gt;</a:t>
+            </a:r>
+            <a:endParaRPr lang="ru-RU" dirty="0" smtClean="0"/>
+          </a:p>
+        </p:txBody>
+      </p:sp>
+      <p:sp>
+        <p:nvSpPr>
+          <p:cNvPr id="31" name="TextBox 30"/>
+          <p:cNvSpPr txBox="1"/>
+          <p:nvPr/>
+        </p:nvSpPr>
+        <p:spPr>
+          <a:xfrm>
+            <a:off x="5723722" y="3099447"/>
+            <a:ext cx="4212050" cy="923330"/>
+          </a:xfrm>
+          <a:prstGeom prst="rect">
+            <a:avLst/>
+          </a:prstGeom>
+          <a:noFill/>
+        </p:spPr>
+        <p:txBody>
+          <a:bodyPr wrap="square" rtlCol="0">
+            <a:spAutoFit/>
+          </a:bodyPr>
+          <a:lstStyle/>
+          <a:p>
+            <a:pPr algn="r"/>
+            <a:r>
+              <a:rPr lang="en-US" dirty="0" smtClean="0"/>
+              <a:t>JSON </a:t>
+            </a:r>
+            <a:r>
+              <a:rPr lang="ru-RU" dirty="0" smtClean="0"/>
+              <a:t>с данными о </a:t>
+            </a:r>
+            <a:r>
+              <a:rPr lang="ru-RU" dirty="0" smtClean="0"/>
+              <a:t>пользователе</a:t>
+            </a:r>
+            <a:br>
+              <a:rPr lang="ru-RU" dirty="0" smtClean="0"/>
+            </a:br>
+            <a:r>
+              <a:rPr lang="ru-RU" dirty="0" smtClean="0"/>
+              <a:t>(</a:t>
+            </a:r>
+            <a:r>
+              <a:rPr lang="ru-RU" dirty="0" smtClean="0"/>
+              <a:t>с указанием</a:t>
+            </a:r>
+            <a:r>
+              <a:rPr lang="ru-RU" dirty="0" smtClean="0"/>
+              <a:t> родственных связей) и всех кредитах пользователя (с платежами)</a:t>
+            </a:r>
+            <a:endParaRPr lang="ru-RU" dirty="0" smtClean="0"/>
+          </a:p>
+        </p:txBody>
+      </p:sp>
+      <p:sp>
+        <p:nvSpPr>
+          <p:cNvPr id="18" name="Прямоугольник 17"/>
+          <p:cNvSpPr/>
+          <p:nvPr/>
+        </p:nvSpPr>
+        <p:spPr>
+          <a:xfrm>
+            <a:off x="11277600" y="0"/>
+            <a:ext cx="914400" cy="914400"/>
+          </a:xfrm>
+          <a:prstGeom prst="rect">
+            <a:avLst/>
+          </a:prstGeom>
+        </p:spPr>
+        <p:style>
+          <a:lnRef idx="2">
+            <a:schemeClr val="accent1">
+              <a:shade val="50000"/>
+            </a:schemeClr>
+          </a:lnRef>
+          <a:fillRef idx="1">
+            <a:schemeClr val="accent1"/>
+          </a:fillRef>
+          <a:effectRef idx="0">
+            <a:schemeClr val="accent1"/>
+          </a:effectRef>
+          <a:fontRef idx="minor">
+            <a:schemeClr val="lt1"/>
+          </a:fontRef>
+        </p:style>
+        <p:txBody>
+          <a:bodyPr rtlCol="0" anchor="ctr"/>
+          <a:lstStyle/>
+          <a:p>
+            <a:pPr algn="ctr"/>
+            <a:r>
+              <a:rPr lang="en-US" dirty="0" smtClean="0"/>
+              <a:t>USER</a:t>
+            </a:r>
+          </a:p>
+          <a:p>
+            <a:pPr algn="ctr"/>
+            <a:r>
+              <a:rPr lang="en-US" dirty="0"/>
+              <a:t>s</a:t>
+            </a:r>
+            <a:r>
+              <a:rPr lang="en-US" dirty="0" smtClean="0"/>
+              <a:t>ervice</a:t>
+            </a:r>
+          </a:p>
+        </p:txBody>
+      </p:sp>
+      <p:grpSp>
+        <p:nvGrpSpPr>
+          <p:cNvPr id="4" name="Группа 3"/>
+          <p:cNvGrpSpPr/>
+          <p:nvPr/>
+        </p:nvGrpSpPr>
+        <p:grpSpPr>
+          <a:xfrm>
+            <a:off x="2972475" y="2127664"/>
+            <a:ext cx="638634" cy="638634"/>
+            <a:chOff x="2611225" y="1885433"/>
+            <a:chExt cx="775953" cy="775953"/>
+          </a:xfrm>
+        </p:grpSpPr>
+        <p:pic>
+          <p:nvPicPr>
+            <p:cNvPr id="2052" name="Picture 4" descr="Database Table Icons - Download Free Vector Icons | Noun Project"/>
+            <p:cNvPicPr>
+              <a:picLocks noChangeAspect="1" noChangeArrowheads="1"/>
+            </p:cNvPicPr>
+            <p:nvPr/>
+          </p:nvPicPr>
+          <p:blipFill>
+            <a:blip r:embed="rId2" cstate="print">
+              <a:extLst>
+                <a:ext uri="{28A0092B-C50C-407E-A947-70E740481C1C}">
+                  <a14:useLocalDpi xmlns:a14="http://schemas.microsoft.com/office/drawing/2010/main" val="0"/>
+                </a:ext>
+              </a:extLst>
+            </a:blip>
+            <a:srcRect/>
+            <a:stretch>
+              <a:fillRect/>
+            </a:stretch>
+          </p:blipFill>
+          <p:spPr bwMode="auto">
+            <a:xfrm>
+              <a:off x="2645211" y="1919252"/>
+              <a:ext cx="707979" cy="707979"/>
+            </a:xfrm>
+            <a:prstGeom prst="rect">
+              <a:avLst/>
+            </a:prstGeom>
+            <a:noFill/>
+            <a:extLst>
+              <a:ext uri="{909E8E84-426E-40DD-AFC4-6F175D3DCCD1}">
+                <a14:hiddenFill xmlns:a14="http://schemas.microsoft.com/office/drawing/2010/main">
+                  <a:solidFill>
+                    <a:srgbClr val="FFFFFF"/>
+                  </a:solidFill>
+                </a14:hiddenFill>
+              </a:ext>
+            </a:extLst>
+          </p:spPr>
+        </p:pic>
+        <p:sp>
+          <p:nvSpPr>
+            <p:cNvPr id="3" name="Знак запрета 2"/>
+            <p:cNvSpPr/>
+            <p:nvPr/>
+          </p:nvSpPr>
+          <p:spPr>
+            <a:xfrm>
+              <a:off x="2611225" y="1885433"/>
+              <a:ext cx="775953" cy="775953"/>
+            </a:xfrm>
+            <a:prstGeom prst="noSmoking">
+              <a:avLst>
+                <a:gd name="adj" fmla="val 8728"/>
+              </a:avLst>
+            </a:prstGeom>
+          </p:spPr>
+          <p:style>
+            <a:lnRef idx="2">
+              <a:schemeClr val="accent2">
+                <a:shade val="50000"/>
+              </a:schemeClr>
+            </a:lnRef>
+            <a:fillRef idx="1">
+              <a:schemeClr val="accent2"/>
+            </a:fillRef>
+            <a:effectRef idx="0">
+              <a:schemeClr val="accent2"/>
+            </a:effectRef>
+            <a:fontRef idx="minor">
+              <a:schemeClr val="lt1"/>
+            </a:fontRef>
+          </p:style>
+          <p:txBody>
+            <a:bodyPr rtlCol="0" anchor="ctr"/>
+            <a:lstStyle/>
+            <a:p>
+              <a:pPr algn="ctr"/>
+              <a:endParaRPr lang="ru-RU" b="1">
+                <a:ln w="22225">
+                  <a:solidFill>
+                    <a:schemeClr val="accent2"/>
+                  </a:solidFill>
+                  <a:prstDash val="solid"/>
+                </a:ln>
+                <a:solidFill>
+                  <a:schemeClr val="accent2">
+                    <a:lumMod val="40000"/>
+                    <a:lumOff val="60000"/>
+                  </a:schemeClr>
+                </a:solidFill>
+              </a:endParaRPr>
+            </a:p>
+          </p:txBody>
+        </p:sp>
+      </p:grpSp>
+      <p:sp>
+        <p:nvSpPr>
+          <p:cNvPr id="21" name="TextBox 20"/>
+          <p:cNvSpPr txBox="1"/>
+          <p:nvPr/>
+        </p:nvSpPr>
+        <p:spPr>
+          <a:xfrm>
+            <a:off x="1558413" y="2766298"/>
+            <a:ext cx="3482055" cy="2585323"/>
+          </a:xfrm>
+          <a:prstGeom prst="rect">
+            <a:avLst/>
+          </a:prstGeom>
+          <a:noFill/>
+        </p:spPr>
+        <p:txBody>
+          <a:bodyPr wrap="square" rtlCol="0">
+            <a:spAutoFit/>
+          </a:bodyPr>
+          <a:lstStyle/>
+          <a:p>
+            <a:pPr algn="ctr"/>
+            <a:r>
+              <a:rPr lang="ru-RU" dirty="0" smtClean="0"/>
+              <a:t>Известная информация:</a:t>
+            </a:r>
+          </a:p>
+          <a:p>
+            <a:pPr marL="285750" indent="-285750">
+              <a:buFont typeface="Arial" panose="020B0604020202020204" pitchFamily="34" charset="0"/>
+              <a:buChar char="•"/>
+            </a:pPr>
+            <a:r>
+              <a:rPr lang="en-US" dirty="0" smtClean="0"/>
+              <a:t>IP</a:t>
+            </a:r>
+            <a:r>
+              <a:rPr lang="ru-RU" dirty="0" smtClean="0"/>
+              <a:t>-адреса сервисов кредитной истории и данных о польз-</a:t>
+            </a:r>
+            <a:r>
+              <a:rPr lang="ru-RU" dirty="0" err="1" smtClean="0"/>
+              <a:t>ях</a:t>
+            </a:r>
+            <a:endParaRPr lang="ru-RU" dirty="0" smtClean="0"/>
+          </a:p>
+          <a:p>
+            <a:pPr marL="285750" indent="-285750">
+              <a:buFont typeface="Arial" panose="020B0604020202020204" pitchFamily="34" charset="0"/>
+              <a:buChar char="•"/>
+            </a:pPr>
+            <a:r>
+              <a:rPr lang="ru-RU" dirty="0" smtClean="0"/>
+              <a:t>Секретные фразы для вычисления контрольных значений</a:t>
+            </a:r>
+          </a:p>
+          <a:p>
+            <a:pPr marL="285750" indent="-285750">
+              <a:buFont typeface="Arial" panose="020B0604020202020204" pitchFamily="34" charset="0"/>
+              <a:buChar char="•"/>
+            </a:pPr>
+            <a:r>
+              <a:rPr lang="ru-RU" dirty="0" smtClean="0"/>
+              <a:t>Модели данных, совпадающие с таковыми у других сервисов</a:t>
+            </a:r>
+            <a:endParaRPr lang="ru-RU" dirty="0" smtClean="0"/>
+          </a:p>
+        </p:txBody>
+      </p:sp>
+      <p:sp>
+        <p:nvSpPr>
+          <p:cNvPr id="22" name="Двойная стрелка влево/вправо 5"/>
+          <p:cNvSpPr/>
+          <p:nvPr/>
+        </p:nvSpPr>
+        <p:spPr>
+          <a:xfrm rot="5400000">
+            <a:off x="10838935" y="815909"/>
+            <a:ext cx="1059550" cy="1291490"/>
+          </a:xfrm>
+          <a:custGeom>
+            <a:avLst/>
+            <a:gdLst>
+              <a:gd name="connsiteX0" fmla="*/ 0 w 451412"/>
+              <a:gd name="connsiteY0" fmla="*/ 242316 h 484632"/>
+              <a:gd name="connsiteX1" fmla="*/ 135270 w 451412"/>
+              <a:gd name="connsiteY1" fmla="*/ 0 h 484632"/>
+              <a:gd name="connsiteX2" fmla="*/ 135270 w 451412"/>
+              <a:gd name="connsiteY2" fmla="*/ 90435 h 484632"/>
+              <a:gd name="connsiteX3" fmla="*/ 316142 w 451412"/>
+              <a:gd name="connsiteY3" fmla="*/ 90435 h 484632"/>
+              <a:gd name="connsiteX4" fmla="*/ 316142 w 451412"/>
+              <a:gd name="connsiteY4" fmla="*/ 0 h 484632"/>
+              <a:gd name="connsiteX5" fmla="*/ 451412 w 451412"/>
+              <a:gd name="connsiteY5" fmla="*/ 242316 h 484632"/>
+              <a:gd name="connsiteX6" fmla="*/ 316142 w 451412"/>
+              <a:gd name="connsiteY6" fmla="*/ 484632 h 484632"/>
+              <a:gd name="connsiteX7" fmla="*/ 316142 w 451412"/>
+              <a:gd name="connsiteY7" fmla="*/ 394197 h 484632"/>
+              <a:gd name="connsiteX8" fmla="*/ 135270 w 451412"/>
+              <a:gd name="connsiteY8" fmla="*/ 394197 h 484632"/>
+              <a:gd name="connsiteX9" fmla="*/ 135270 w 451412"/>
+              <a:gd name="connsiteY9" fmla="*/ 484632 h 484632"/>
+              <a:gd name="connsiteX10" fmla="*/ 0 w 451412"/>
+              <a:gd name="connsiteY10" fmla="*/ 242316 h 484632"/>
+              <a:gd name="connsiteX0" fmla="*/ 0 w 451412"/>
+              <a:gd name="connsiteY0" fmla="*/ 242316 h 484632"/>
+              <a:gd name="connsiteX1" fmla="*/ 135270 w 451412"/>
+              <a:gd name="connsiteY1" fmla="*/ 0 h 484632"/>
+              <a:gd name="connsiteX2" fmla="*/ 135270 w 451412"/>
+              <a:gd name="connsiteY2" fmla="*/ 90435 h 484632"/>
+              <a:gd name="connsiteX3" fmla="*/ 316142 w 451412"/>
+              <a:gd name="connsiteY3" fmla="*/ 90435 h 484632"/>
+              <a:gd name="connsiteX4" fmla="*/ 451412 w 451412"/>
+              <a:gd name="connsiteY4" fmla="*/ 242316 h 484632"/>
+              <a:gd name="connsiteX5" fmla="*/ 316142 w 451412"/>
+              <a:gd name="connsiteY5" fmla="*/ 484632 h 484632"/>
+              <a:gd name="connsiteX6" fmla="*/ 316142 w 451412"/>
+              <a:gd name="connsiteY6" fmla="*/ 394197 h 484632"/>
+              <a:gd name="connsiteX7" fmla="*/ 135270 w 451412"/>
+              <a:gd name="connsiteY7" fmla="*/ 394197 h 484632"/>
+              <a:gd name="connsiteX8" fmla="*/ 135270 w 451412"/>
+              <a:gd name="connsiteY8" fmla="*/ 484632 h 484632"/>
+              <a:gd name="connsiteX9" fmla="*/ 0 w 451412"/>
+              <a:gd name="connsiteY9" fmla="*/ 242316 h 484632"/>
+              <a:gd name="connsiteX0" fmla="*/ 0 w 316142"/>
+              <a:gd name="connsiteY0" fmla="*/ 242316 h 484632"/>
+              <a:gd name="connsiteX1" fmla="*/ 135270 w 316142"/>
+              <a:gd name="connsiteY1" fmla="*/ 0 h 484632"/>
+              <a:gd name="connsiteX2" fmla="*/ 135270 w 316142"/>
+              <a:gd name="connsiteY2" fmla="*/ 90435 h 484632"/>
+              <a:gd name="connsiteX3" fmla="*/ 316142 w 316142"/>
+              <a:gd name="connsiteY3" fmla="*/ 90435 h 484632"/>
+              <a:gd name="connsiteX4" fmla="*/ 316142 w 316142"/>
+              <a:gd name="connsiteY4" fmla="*/ 484632 h 484632"/>
+              <a:gd name="connsiteX5" fmla="*/ 316142 w 316142"/>
+              <a:gd name="connsiteY5" fmla="*/ 394197 h 484632"/>
+              <a:gd name="connsiteX6" fmla="*/ 135270 w 316142"/>
+              <a:gd name="connsiteY6" fmla="*/ 394197 h 484632"/>
+              <a:gd name="connsiteX7" fmla="*/ 135270 w 316142"/>
+              <a:gd name="connsiteY7" fmla="*/ 484632 h 484632"/>
+              <a:gd name="connsiteX8" fmla="*/ 0 w 316142"/>
+              <a:gd name="connsiteY8" fmla="*/ 242316 h 484632"/>
+              <a:gd name="connsiteX0" fmla="*/ 0 w 316142"/>
+              <a:gd name="connsiteY0" fmla="*/ 242316 h 484632"/>
+              <a:gd name="connsiteX1" fmla="*/ 135270 w 316142"/>
+              <a:gd name="connsiteY1" fmla="*/ 0 h 484632"/>
+              <a:gd name="connsiteX2" fmla="*/ 135270 w 316142"/>
+              <a:gd name="connsiteY2" fmla="*/ 90435 h 484632"/>
+              <a:gd name="connsiteX3" fmla="*/ 316142 w 316142"/>
+              <a:gd name="connsiteY3" fmla="*/ 90435 h 484632"/>
+              <a:gd name="connsiteX4" fmla="*/ 316142 w 316142"/>
+              <a:gd name="connsiteY4" fmla="*/ 394197 h 484632"/>
+              <a:gd name="connsiteX5" fmla="*/ 135270 w 316142"/>
+              <a:gd name="connsiteY5" fmla="*/ 394197 h 484632"/>
+              <a:gd name="connsiteX6" fmla="*/ 135270 w 316142"/>
+              <a:gd name="connsiteY6" fmla="*/ 484632 h 484632"/>
+              <a:gd name="connsiteX7" fmla="*/ 0 w 316142"/>
+              <a:gd name="connsiteY7" fmla="*/ 242316 h 484632"/>
+              <a:gd name="connsiteX0" fmla="*/ 0 w 316142"/>
+              <a:gd name="connsiteY0" fmla="*/ 242316 h 484632"/>
+              <a:gd name="connsiteX1" fmla="*/ 135270 w 316142"/>
+              <a:gd name="connsiteY1" fmla="*/ 0 h 484632"/>
+              <a:gd name="connsiteX2" fmla="*/ 135270 w 316142"/>
+              <a:gd name="connsiteY2" fmla="*/ 90435 h 484632"/>
+              <a:gd name="connsiteX3" fmla="*/ 316142 w 316142"/>
+              <a:gd name="connsiteY3" fmla="*/ 394197 h 484632"/>
+              <a:gd name="connsiteX4" fmla="*/ 135270 w 316142"/>
+              <a:gd name="connsiteY4" fmla="*/ 394197 h 484632"/>
+              <a:gd name="connsiteX5" fmla="*/ 135270 w 316142"/>
+              <a:gd name="connsiteY5" fmla="*/ 484632 h 484632"/>
+              <a:gd name="connsiteX6" fmla="*/ 0 w 316142"/>
+              <a:gd name="connsiteY6" fmla="*/ 242316 h 484632"/>
+              <a:gd name="connsiteX0" fmla="*/ 0 w 316142"/>
+              <a:gd name="connsiteY0" fmla="*/ 242316 h 484632"/>
+              <a:gd name="connsiteX1" fmla="*/ 135270 w 316142"/>
+              <a:gd name="connsiteY1" fmla="*/ 0 h 484632"/>
+              <a:gd name="connsiteX2" fmla="*/ 135270 w 316142"/>
+              <a:gd name="connsiteY2" fmla="*/ 90435 h 484632"/>
+              <a:gd name="connsiteX3" fmla="*/ 316142 w 316142"/>
+              <a:gd name="connsiteY3" fmla="*/ 394197 h 484632"/>
+              <a:gd name="connsiteX4" fmla="*/ 251236 w 316142"/>
+              <a:gd name="connsiteY4" fmla="*/ 392379 h 484632"/>
+              <a:gd name="connsiteX5" fmla="*/ 135270 w 316142"/>
+              <a:gd name="connsiteY5" fmla="*/ 394197 h 484632"/>
+              <a:gd name="connsiteX6" fmla="*/ 135270 w 316142"/>
+              <a:gd name="connsiteY6" fmla="*/ 484632 h 484632"/>
+              <a:gd name="connsiteX7" fmla="*/ 0 w 316142"/>
+              <a:gd name="connsiteY7" fmla="*/ 242316 h 484632"/>
+              <a:gd name="connsiteX0" fmla="*/ 0 w 543456"/>
+              <a:gd name="connsiteY0" fmla="*/ 242316 h 795783"/>
+              <a:gd name="connsiteX1" fmla="*/ 135270 w 543456"/>
+              <a:gd name="connsiteY1" fmla="*/ 0 h 795783"/>
+              <a:gd name="connsiteX2" fmla="*/ 135270 w 543456"/>
+              <a:gd name="connsiteY2" fmla="*/ 90435 h 795783"/>
+              <a:gd name="connsiteX3" fmla="*/ 316142 w 543456"/>
+              <a:gd name="connsiteY3" fmla="*/ 394197 h 795783"/>
+              <a:gd name="connsiteX4" fmla="*/ 543456 w 543456"/>
+              <a:gd name="connsiteY4" fmla="*/ 795783 h 795783"/>
+              <a:gd name="connsiteX5" fmla="*/ 135270 w 543456"/>
+              <a:gd name="connsiteY5" fmla="*/ 394197 h 795783"/>
+              <a:gd name="connsiteX6" fmla="*/ 135270 w 543456"/>
+              <a:gd name="connsiteY6" fmla="*/ 484632 h 795783"/>
+              <a:gd name="connsiteX7" fmla="*/ 0 w 543456"/>
+              <a:gd name="connsiteY7" fmla="*/ 242316 h 795783"/>
+              <a:gd name="connsiteX0" fmla="*/ 0 w 543456"/>
+              <a:gd name="connsiteY0" fmla="*/ 242316 h 795783"/>
+              <a:gd name="connsiteX1" fmla="*/ 135270 w 543456"/>
+              <a:gd name="connsiteY1" fmla="*/ 0 h 795783"/>
+              <a:gd name="connsiteX2" fmla="*/ 135270 w 543456"/>
+              <a:gd name="connsiteY2" fmla="*/ 90435 h 795783"/>
+              <a:gd name="connsiteX3" fmla="*/ 543456 w 543456"/>
+              <a:gd name="connsiteY3" fmla="*/ 795783 h 795783"/>
+              <a:gd name="connsiteX4" fmla="*/ 135270 w 543456"/>
+              <a:gd name="connsiteY4" fmla="*/ 394197 h 795783"/>
+              <a:gd name="connsiteX5" fmla="*/ 135270 w 543456"/>
+              <a:gd name="connsiteY5" fmla="*/ 484632 h 795783"/>
+              <a:gd name="connsiteX6" fmla="*/ 0 w 543456"/>
+              <a:gd name="connsiteY6" fmla="*/ 242316 h 795783"/>
+              <a:gd name="connsiteX0" fmla="*/ 0 w 551283"/>
+              <a:gd name="connsiteY0" fmla="*/ 242316 h 789003"/>
+              <a:gd name="connsiteX1" fmla="*/ 135270 w 551283"/>
+              <a:gd name="connsiteY1" fmla="*/ 0 h 789003"/>
+              <a:gd name="connsiteX2" fmla="*/ 135270 w 551283"/>
+              <a:gd name="connsiteY2" fmla="*/ 90435 h 789003"/>
+              <a:gd name="connsiteX3" fmla="*/ 551283 w 551283"/>
+              <a:gd name="connsiteY3" fmla="*/ 789003 h 789003"/>
+              <a:gd name="connsiteX4" fmla="*/ 135270 w 551283"/>
+              <a:gd name="connsiteY4" fmla="*/ 394197 h 789003"/>
+              <a:gd name="connsiteX5" fmla="*/ 135270 w 551283"/>
+              <a:gd name="connsiteY5" fmla="*/ 484632 h 789003"/>
+              <a:gd name="connsiteX6" fmla="*/ 0 w 551283"/>
+              <a:gd name="connsiteY6" fmla="*/ 242316 h 789003"/>
+              <a:gd name="connsiteX0" fmla="*/ 0 w 551283"/>
+              <a:gd name="connsiteY0" fmla="*/ 242316 h 775443"/>
+              <a:gd name="connsiteX1" fmla="*/ 135270 w 551283"/>
+              <a:gd name="connsiteY1" fmla="*/ 0 h 775443"/>
+              <a:gd name="connsiteX2" fmla="*/ 135270 w 551283"/>
+              <a:gd name="connsiteY2" fmla="*/ 90435 h 775443"/>
+              <a:gd name="connsiteX3" fmla="*/ 551283 w 551283"/>
+              <a:gd name="connsiteY3" fmla="*/ 775443 h 775443"/>
+              <a:gd name="connsiteX4" fmla="*/ 135270 w 551283"/>
+              <a:gd name="connsiteY4" fmla="*/ 394197 h 775443"/>
+              <a:gd name="connsiteX5" fmla="*/ 135270 w 551283"/>
+              <a:gd name="connsiteY5" fmla="*/ 484632 h 775443"/>
+              <a:gd name="connsiteX6" fmla="*/ 0 w 551283"/>
+              <a:gd name="connsiteY6" fmla="*/ 242316 h 775443"/>
+              <a:gd name="connsiteX0" fmla="*/ 0 w 725582"/>
+              <a:gd name="connsiteY0" fmla="*/ 242316 h 1178043"/>
+              <a:gd name="connsiteX1" fmla="*/ 135270 w 725582"/>
+              <a:gd name="connsiteY1" fmla="*/ 0 h 1178043"/>
+              <a:gd name="connsiteX2" fmla="*/ 135270 w 725582"/>
+              <a:gd name="connsiteY2" fmla="*/ 90435 h 1178043"/>
+              <a:gd name="connsiteX3" fmla="*/ 725582 w 725582"/>
+              <a:gd name="connsiteY3" fmla="*/ 1178043 h 1178043"/>
+              <a:gd name="connsiteX4" fmla="*/ 135270 w 725582"/>
+              <a:gd name="connsiteY4" fmla="*/ 394197 h 1178043"/>
+              <a:gd name="connsiteX5" fmla="*/ 135270 w 725582"/>
+              <a:gd name="connsiteY5" fmla="*/ 484632 h 1178043"/>
+              <a:gd name="connsiteX6" fmla="*/ 0 w 725582"/>
+              <a:gd name="connsiteY6" fmla="*/ 242316 h 1178043"/>
+              <a:gd name="connsiteX0" fmla="*/ 0 w 725584"/>
+              <a:gd name="connsiteY0" fmla="*/ 242316 h 1158750"/>
+              <a:gd name="connsiteX1" fmla="*/ 135270 w 725584"/>
+              <a:gd name="connsiteY1" fmla="*/ 0 h 1158750"/>
+              <a:gd name="connsiteX2" fmla="*/ 135270 w 725584"/>
+              <a:gd name="connsiteY2" fmla="*/ 90435 h 1158750"/>
+              <a:gd name="connsiteX3" fmla="*/ 725584 w 725584"/>
+              <a:gd name="connsiteY3" fmla="*/ 1158750 h 1158750"/>
+              <a:gd name="connsiteX4" fmla="*/ 135270 w 725584"/>
+              <a:gd name="connsiteY4" fmla="*/ 394197 h 1158750"/>
+              <a:gd name="connsiteX5" fmla="*/ 135270 w 725584"/>
+              <a:gd name="connsiteY5" fmla="*/ 484632 h 1158750"/>
+              <a:gd name="connsiteX6" fmla="*/ 0 w 725584"/>
+              <a:gd name="connsiteY6" fmla="*/ 242316 h 1158750"/>
+              <a:gd name="connsiteX0" fmla="*/ 0 w 725584"/>
+              <a:gd name="connsiteY0" fmla="*/ 242316 h 1149103"/>
+              <a:gd name="connsiteX1" fmla="*/ 135270 w 725584"/>
+              <a:gd name="connsiteY1" fmla="*/ 0 h 1149103"/>
+              <a:gd name="connsiteX2" fmla="*/ 135270 w 725584"/>
+              <a:gd name="connsiteY2" fmla="*/ 90435 h 1149103"/>
+              <a:gd name="connsiteX3" fmla="*/ 725584 w 725584"/>
+              <a:gd name="connsiteY3" fmla="*/ 1149103 h 1149103"/>
+              <a:gd name="connsiteX4" fmla="*/ 135270 w 725584"/>
+              <a:gd name="connsiteY4" fmla="*/ 394197 h 1149103"/>
+              <a:gd name="connsiteX5" fmla="*/ 135270 w 725584"/>
+              <a:gd name="connsiteY5" fmla="*/ 484632 h 1149103"/>
+              <a:gd name="connsiteX6" fmla="*/ 0 w 725584"/>
+              <a:gd name="connsiteY6" fmla="*/ 242316 h 1149103"/>
+            </a:gdLst>
+            <a:ahLst/>
+            <a:cxnLst>
+              <a:cxn ang="0">
+                <a:pos x="connsiteX0" y="connsiteY0"/>
+              </a:cxn>
+              <a:cxn ang="0">
+                <a:pos x="connsiteX1" y="connsiteY1"/>
+              </a:cxn>
+              <a:cxn ang="0">
+                <a:pos x="connsiteX2" y="connsiteY2"/>
+              </a:cxn>
+              <a:cxn ang="0">
+                <a:pos x="connsiteX3" y="connsiteY3"/>
+              </a:cxn>
+              <a:cxn ang="0">
+                <a:pos x="connsiteX4" y="connsiteY4"/>
+              </a:cxn>
+              <a:cxn ang="0">
+                <a:pos x="connsiteX5" y="connsiteY5"/>
+              </a:cxn>
+              <a:cxn ang="0">
+                <a:pos x="connsiteX6" y="connsiteY6"/>
+              </a:cxn>
+            </a:cxnLst>
+            <a:rect l="l" t="t" r="r" b="b"/>
+            <a:pathLst>
+              <a:path w="725584" h="1149103">
+                <a:moveTo>
+                  <a:pt x="0" y="242316"/>
+                </a:moveTo>
+                <a:lnTo>
+                  <a:pt x="135270" y="0"/>
+                </a:lnTo>
+                <a:lnTo>
+                  <a:pt x="135270" y="90435"/>
+                </a:lnTo>
+                <a:lnTo>
+                  <a:pt x="725584" y="1149103"/>
+                </a:lnTo>
+                <a:lnTo>
+                  <a:pt x="135270" y="394197"/>
+                </a:lnTo>
+                <a:lnTo>
+                  <a:pt x="135270" y="484632"/>
+                </a:lnTo>
+                <a:lnTo>
+                  <a:pt x="0" y="242316"/>
+                </a:lnTo>
+                <a:close/>
+              </a:path>
+            </a:pathLst>
+          </a:custGeom>
+        </p:spPr>
+        <p:style>
+          <a:lnRef idx="2">
+            <a:schemeClr val="accent1">
+              <a:shade val="50000"/>
+            </a:schemeClr>
+          </a:lnRef>
+          <a:fillRef idx="1">
+            <a:schemeClr val="accent1"/>
+          </a:fillRef>
+          <a:effectRef idx="0">
+            <a:schemeClr val="accent1"/>
+          </a:effectRef>
+          <a:fontRef idx="minor">
+            <a:schemeClr val="lt1"/>
+          </a:fontRef>
+        </p:style>
+        <p:txBody>
+          <a:bodyPr rtlCol="0" anchor="ctr"/>
+          <a:lstStyle/>
+          <a:p>
+            <a:pPr algn="ctr"/>
+            <a:endParaRPr lang="ru-RU"/>
+          </a:p>
+        </p:txBody>
+      </p:sp>
+      <p:sp>
+        <p:nvSpPr>
+          <p:cNvPr id="28" name="Двойная стрелка влево/вправо 5"/>
+          <p:cNvSpPr/>
+          <p:nvPr/>
+        </p:nvSpPr>
+        <p:spPr>
+          <a:xfrm rot="16200000" flipH="1">
+            <a:off x="4777664" y="5631104"/>
+            <a:ext cx="805023" cy="871529"/>
+          </a:xfrm>
+          <a:custGeom>
+            <a:avLst/>
+            <a:gdLst>
+              <a:gd name="connsiteX0" fmla="*/ 0 w 451412"/>
+              <a:gd name="connsiteY0" fmla="*/ 242316 h 484632"/>
+              <a:gd name="connsiteX1" fmla="*/ 135270 w 451412"/>
+              <a:gd name="connsiteY1" fmla="*/ 0 h 484632"/>
+              <a:gd name="connsiteX2" fmla="*/ 135270 w 451412"/>
+              <a:gd name="connsiteY2" fmla="*/ 90435 h 484632"/>
+              <a:gd name="connsiteX3" fmla="*/ 316142 w 451412"/>
+              <a:gd name="connsiteY3" fmla="*/ 90435 h 484632"/>
+              <a:gd name="connsiteX4" fmla="*/ 316142 w 451412"/>
+              <a:gd name="connsiteY4" fmla="*/ 0 h 484632"/>
+              <a:gd name="connsiteX5" fmla="*/ 451412 w 451412"/>
+              <a:gd name="connsiteY5" fmla="*/ 242316 h 484632"/>
+              <a:gd name="connsiteX6" fmla="*/ 316142 w 451412"/>
+              <a:gd name="connsiteY6" fmla="*/ 484632 h 484632"/>
+              <a:gd name="connsiteX7" fmla="*/ 316142 w 451412"/>
+              <a:gd name="connsiteY7" fmla="*/ 394197 h 484632"/>
+              <a:gd name="connsiteX8" fmla="*/ 135270 w 451412"/>
+              <a:gd name="connsiteY8" fmla="*/ 394197 h 484632"/>
+              <a:gd name="connsiteX9" fmla="*/ 135270 w 451412"/>
+              <a:gd name="connsiteY9" fmla="*/ 484632 h 484632"/>
+              <a:gd name="connsiteX10" fmla="*/ 0 w 451412"/>
+              <a:gd name="connsiteY10" fmla="*/ 242316 h 484632"/>
+              <a:gd name="connsiteX0" fmla="*/ 0 w 451412"/>
+              <a:gd name="connsiteY0" fmla="*/ 242316 h 484632"/>
+              <a:gd name="connsiteX1" fmla="*/ 135270 w 451412"/>
+              <a:gd name="connsiteY1" fmla="*/ 0 h 484632"/>
+              <a:gd name="connsiteX2" fmla="*/ 135270 w 451412"/>
+              <a:gd name="connsiteY2" fmla="*/ 90435 h 484632"/>
+              <a:gd name="connsiteX3" fmla="*/ 316142 w 451412"/>
+              <a:gd name="connsiteY3" fmla="*/ 90435 h 484632"/>
+              <a:gd name="connsiteX4" fmla="*/ 451412 w 451412"/>
+              <a:gd name="connsiteY4" fmla="*/ 242316 h 484632"/>
+              <a:gd name="connsiteX5" fmla="*/ 316142 w 451412"/>
+              <a:gd name="connsiteY5" fmla="*/ 484632 h 484632"/>
+              <a:gd name="connsiteX6" fmla="*/ 316142 w 451412"/>
+              <a:gd name="connsiteY6" fmla="*/ 394197 h 484632"/>
+              <a:gd name="connsiteX7" fmla="*/ 135270 w 451412"/>
+              <a:gd name="connsiteY7" fmla="*/ 394197 h 484632"/>
+              <a:gd name="connsiteX8" fmla="*/ 135270 w 451412"/>
+              <a:gd name="connsiteY8" fmla="*/ 484632 h 484632"/>
+              <a:gd name="connsiteX9" fmla="*/ 0 w 451412"/>
+              <a:gd name="connsiteY9" fmla="*/ 242316 h 484632"/>
+              <a:gd name="connsiteX0" fmla="*/ 0 w 316142"/>
+              <a:gd name="connsiteY0" fmla="*/ 242316 h 484632"/>
+              <a:gd name="connsiteX1" fmla="*/ 135270 w 316142"/>
+              <a:gd name="connsiteY1" fmla="*/ 0 h 484632"/>
+              <a:gd name="connsiteX2" fmla="*/ 135270 w 316142"/>
+              <a:gd name="connsiteY2" fmla="*/ 90435 h 484632"/>
+              <a:gd name="connsiteX3" fmla="*/ 316142 w 316142"/>
+              <a:gd name="connsiteY3" fmla="*/ 90435 h 484632"/>
+              <a:gd name="connsiteX4" fmla="*/ 316142 w 316142"/>
+              <a:gd name="connsiteY4" fmla="*/ 484632 h 484632"/>
+              <a:gd name="connsiteX5" fmla="*/ 316142 w 316142"/>
+              <a:gd name="connsiteY5" fmla="*/ 394197 h 484632"/>
+              <a:gd name="connsiteX6" fmla="*/ 135270 w 316142"/>
+              <a:gd name="connsiteY6" fmla="*/ 394197 h 484632"/>
+              <a:gd name="connsiteX7" fmla="*/ 135270 w 316142"/>
+              <a:gd name="connsiteY7" fmla="*/ 484632 h 484632"/>
+              <a:gd name="connsiteX8" fmla="*/ 0 w 316142"/>
+              <a:gd name="connsiteY8" fmla="*/ 242316 h 484632"/>
+              <a:gd name="connsiteX0" fmla="*/ 0 w 316142"/>
+              <a:gd name="connsiteY0" fmla="*/ 242316 h 484632"/>
+              <a:gd name="connsiteX1" fmla="*/ 135270 w 316142"/>
+              <a:gd name="connsiteY1" fmla="*/ 0 h 484632"/>
+              <a:gd name="connsiteX2" fmla="*/ 135270 w 316142"/>
+              <a:gd name="connsiteY2" fmla="*/ 90435 h 484632"/>
+              <a:gd name="connsiteX3" fmla="*/ 316142 w 316142"/>
+              <a:gd name="connsiteY3" fmla="*/ 90435 h 484632"/>
+              <a:gd name="connsiteX4" fmla="*/ 316142 w 316142"/>
+              <a:gd name="connsiteY4" fmla="*/ 394197 h 484632"/>
+              <a:gd name="connsiteX5" fmla="*/ 135270 w 316142"/>
+              <a:gd name="connsiteY5" fmla="*/ 394197 h 484632"/>
+              <a:gd name="connsiteX6" fmla="*/ 135270 w 316142"/>
+              <a:gd name="connsiteY6" fmla="*/ 484632 h 484632"/>
+              <a:gd name="connsiteX7" fmla="*/ 0 w 316142"/>
+              <a:gd name="connsiteY7" fmla="*/ 242316 h 484632"/>
+              <a:gd name="connsiteX0" fmla="*/ 0 w 316142"/>
+              <a:gd name="connsiteY0" fmla="*/ 242316 h 484632"/>
+              <a:gd name="connsiteX1" fmla="*/ 135270 w 316142"/>
+              <a:gd name="connsiteY1" fmla="*/ 0 h 484632"/>
+              <a:gd name="connsiteX2" fmla="*/ 135270 w 316142"/>
+              <a:gd name="connsiteY2" fmla="*/ 90435 h 484632"/>
+              <a:gd name="connsiteX3" fmla="*/ 316142 w 316142"/>
+              <a:gd name="connsiteY3" fmla="*/ 394197 h 484632"/>
+              <a:gd name="connsiteX4" fmla="*/ 135270 w 316142"/>
+              <a:gd name="connsiteY4" fmla="*/ 394197 h 484632"/>
+              <a:gd name="connsiteX5" fmla="*/ 135270 w 316142"/>
+              <a:gd name="connsiteY5" fmla="*/ 484632 h 484632"/>
+              <a:gd name="connsiteX6" fmla="*/ 0 w 316142"/>
+              <a:gd name="connsiteY6" fmla="*/ 242316 h 484632"/>
+              <a:gd name="connsiteX0" fmla="*/ 0 w 316142"/>
+              <a:gd name="connsiteY0" fmla="*/ 242316 h 484632"/>
+              <a:gd name="connsiteX1" fmla="*/ 135270 w 316142"/>
+              <a:gd name="connsiteY1" fmla="*/ 0 h 484632"/>
+              <a:gd name="connsiteX2" fmla="*/ 135270 w 316142"/>
+              <a:gd name="connsiteY2" fmla="*/ 90435 h 484632"/>
+              <a:gd name="connsiteX3" fmla="*/ 316142 w 316142"/>
+              <a:gd name="connsiteY3" fmla="*/ 394197 h 484632"/>
+              <a:gd name="connsiteX4" fmla="*/ 251236 w 316142"/>
+              <a:gd name="connsiteY4" fmla="*/ 392379 h 484632"/>
+              <a:gd name="connsiteX5" fmla="*/ 135270 w 316142"/>
+              <a:gd name="connsiteY5" fmla="*/ 394197 h 484632"/>
+              <a:gd name="connsiteX6" fmla="*/ 135270 w 316142"/>
+              <a:gd name="connsiteY6" fmla="*/ 484632 h 484632"/>
+              <a:gd name="connsiteX7" fmla="*/ 0 w 316142"/>
+              <a:gd name="connsiteY7" fmla="*/ 242316 h 484632"/>
+              <a:gd name="connsiteX0" fmla="*/ 0 w 543456"/>
+              <a:gd name="connsiteY0" fmla="*/ 242316 h 795783"/>
+              <a:gd name="connsiteX1" fmla="*/ 135270 w 543456"/>
+              <a:gd name="connsiteY1" fmla="*/ 0 h 795783"/>
+              <a:gd name="connsiteX2" fmla="*/ 135270 w 543456"/>
+              <a:gd name="connsiteY2" fmla="*/ 90435 h 795783"/>
+              <a:gd name="connsiteX3" fmla="*/ 316142 w 543456"/>
+              <a:gd name="connsiteY3" fmla="*/ 394197 h 795783"/>
+              <a:gd name="connsiteX4" fmla="*/ 543456 w 543456"/>
+              <a:gd name="connsiteY4" fmla="*/ 795783 h 795783"/>
+              <a:gd name="connsiteX5" fmla="*/ 135270 w 543456"/>
+              <a:gd name="connsiteY5" fmla="*/ 394197 h 795783"/>
+              <a:gd name="connsiteX6" fmla="*/ 135270 w 543456"/>
+              <a:gd name="connsiteY6" fmla="*/ 484632 h 795783"/>
+              <a:gd name="connsiteX7" fmla="*/ 0 w 543456"/>
+              <a:gd name="connsiteY7" fmla="*/ 242316 h 795783"/>
+              <a:gd name="connsiteX0" fmla="*/ 0 w 543456"/>
+              <a:gd name="connsiteY0" fmla="*/ 242316 h 795783"/>
+              <a:gd name="connsiteX1" fmla="*/ 135270 w 543456"/>
+              <a:gd name="connsiteY1" fmla="*/ 0 h 795783"/>
+              <a:gd name="connsiteX2" fmla="*/ 135270 w 543456"/>
+              <a:gd name="connsiteY2" fmla="*/ 90435 h 795783"/>
+              <a:gd name="connsiteX3" fmla="*/ 543456 w 543456"/>
+              <a:gd name="connsiteY3" fmla="*/ 795783 h 795783"/>
+              <a:gd name="connsiteX4" fmla="*/ 135270 w 543456"/>
+              <a:gd name="connsiteY4" fmla="*/ 394197 h 795783"/>
+              <a:gd name="connsiteX5" fmla="*/ 135270 w 543456"/>
+              <a:gd name="connsiteY5" fmla="*/ 484632 h 795783"/>
+              <a:gd name="connsiteX6" fmla="*/ 0 w 543456"/>
+              <a:gd name="connsiteY6" fmla="*/ 242316 h 795783"/>
+              <a:gd name="connsiteX0" fmla="*/ 0 w 551283"/>
+              <a:gd name="connsiteY0" fmla="*/ 242316 h 789003"/>
+              <a:gd name="connsiteX1" fmla="*/ 135270 w 551283"/>
+              <a:gd name="connsiteY1" fmla="*/ 0 h 789003"/>
+              <a:gd name="connsiteX2" fmla="*/ 135270 w 551283"/>
+              <a:gd name="connsiteY2" fmla="*/ 90435 h 789003"/>
+              <a:gd name="connsiteX3" fmla="*/ 551283 w 551283"/>
+              <a:gd name="connsiteY3" fmla="*/ 789003 h 789003"/>
+              <a:gd name="connsiteX4" fmla="*/ 135270 w 551283"/>
+              <a:gd name="connsiteY4" fmla="*/ 394197 h 789003"/>
+              <a:gd name="connsiteX5" fmla="*/ 135270 w 551283"/>
+              <a:gd name="connsiteY5" fmla="*/ 484632 h 789003"/>
+              <a:gd name="connsiteX6" fmla="*/ 0 w 551283"/>
+              <a:gd name="connsiteY6" fmla="*/ 242316 h 789003"/>
+              <a:gd name="connsiteX0" fmla="*/ 0 w 551283"/>
+              <a:gd name="connsiteY0" fmla="*/ 242316 h 775443"/>
+              <a:gd name="connsiteX1" fmla="*/ 135270 w 551283"/>
+              <a:gd name="connsiteY1" fmla="*/ 0 h 775443"/>
+              <a:gd name="connsiteX2" fmla="*/ 135270 w 551283"/>
+              <a:gd name="connsiteY2" fmla="*/ 90435 h 775443"/>
+              <a:gd name="connsiteX3" fmla="*/ 551283 w 551283"/>
+              <a:gd name="connsiteY3" fmla="*/ 775443 h 775443"/>
+              <a:gd name="connsiteX4" fmla="*/ 135270 w 551283"/>
+              <a:gd name="connsiteY4" fmla="*/ 394197 h 775443"/>
+              <a:gd name="connsiteX5" fmla="*/ 135270 w 551283"/>
+              <a:gd name="connsiteY5" fmla="*/ 484632 h 775443"/>
+              <a:gd name="connsiteX6" fmla="*/ 0 w 551283"/>
+              <a:gd name="connsiteY6" fmla="*/ 242316 h 775443"/>
+            </a:gdLst>
+            <a:ahLst/>
+            <a:cxnLst>
+              <a:cxn ang="0">
+                <a:pos x="connsiteX0" y="connsiteY0"/>
+              </a:cxn>
+              <a:cxn ang="0">
+                <a:pos x="connsiteX1" y="connsiteY1"/>
+              </a:cxn>
+              <a:cxn ang="0">
+                <a:pos x="connsiteX2" y="connsiteY2"/>
+              </a:cxn>
+              <a:cxn ang="0">
+                <a:pos x="connsiteX3" y="connsiteY3"/>
+              </a:cxn>
+              <a:cxn ang="0">
+                <a:pos x="connsiteX4" y="connsiteY4"/>
+              </a:cxn>
+              <a:cxn ang="0">
+                <a:pos x="connsiteX5" y="connsiteY5"/>
+              </a:cxn>
+              <a:cxn ang="0">
+                <a:pos x="connsiteX6" y="connsiteY6"/>
+              </a:cxn>
+            </a:cxnLst>
+            <a:rect l="l" t="t" r="r" b="b"/>
+            <a:pathLst>
+              <a:path w="551283" h="775443">
+                <a:moveTo>
+                  <a:pt x="0" y="242316"/>
+                </a:moveTo>
+                <a:lnTo>
+                  <a:pt x="135270" y="0"/>
+                </a:lnTo>
+                <a:lnTo>
+                  <a:pt x="135270" y="90435"/>
+                </a:lnTo>
+                <a:lnTo>
+                  <a:pt x="551283" y="775443"/>
+                </a:lnTo>
+                <a:lnTo>
+                  <a:pt x="135270" y="394197"/>
+                </a:lnTo>
+                <a:lnTo>
+                  <a:pt x="135270" y="484632"/>
+                </a:lnTo>
+                <a:lnTo>
+                  <a:pt x="0" y="242316"/>
+                </a:lnTo>
+                <a:close/>
+              </a:path>
+            </a:pathLst>
+          </a:custGeom>
+        </p:spPr>
+        <p:style>
+          <a:lnRef idx="2">
+            <a:schemeClr val="accent1">
+              <a:shade val="50000"/>
+            </a:schemeClr>
+          </a:lnRef>
+          <a:fillRef idx="1">
+            <a:schemeClr val="accent1"/>
+          </a:fillRef>
+          <a:effectRef idx="0">
+            <a:schemeClr val="accent1"/>
+          </a:effectRef>
+          <a:fontRef idx="minor">
+            <a:schemeClr val="lt1"/>
+          </a:fontRef>
+        </p:style>
+        <p:txBody>
+          <a:bodyPr rtlCol="0" anchor="ctr"/>
+          <a:lstStyle/>
+          <a:p>
+            <a:pPr algn="ctr"/>
+            <a:endParaRPr lang="ru-RU"/>
+          </a:p>
+        </p:txBody>
+      </p:sp>
+      <p:sp>
+        <p:nvSpPr>
+          <p:cNvPr id="32" name="Двойная стрелка влево/вправо 5"/>
+          <p:cNvSpPr/>
+          <p:nvPr/>
+        </p:nvSpPr>
+        <p:spPr>
+          <a:xfrm flipV="1">
+            <a:off x="6576060" y="5662020"/>
+            <a:ext cx="805023" cy="871529"/>
+          </a:xfrm>
+          <a:custGeom>
+            <a:avLst/>
+            <a:gdLst>
+              <a:gd name="connsiteX0" fmla="*/ 0 w 451412"/>
+              <a:gd name="connsiteY0" fmla="*/ 242316 h 484632"/>
+              <a:gd name="connsiteX1" fmla="*/ 135270 w 451412"/>
+              <a:gd name="connsiteY1" fmla="*/ 0 h 484632"/>
+              <a:gd name="connsiteX2" fmla="*/ 135270 w 451412"/>
+              <a:gd name="connsiteY2" fmla="*/ 90435 h 484632"/>
+              <a:gd name="connsiteX3" fmla="*/ 316142 w 451412"/>
+              <a:gd name="connsiteY3" fmla="*/ 90435 h 484632"/>
+              <a:gd name="connsiteX4" fmla="*/ 316142 w 451412"/>
+              <a:gd name="connsiteY4" fmla="*/ 0 h 484632"/>
+              <a:gd name="connsiteX5" fmla="*/ 451412 w 451412"/>
+              <a:gd name="connsiteY5" fmla="*/ 242316 h 484632"/>
+              <a:gd name="connsiteX6" fmla="*/ 316142 w 451412"/>
+              <a:gd name="connsiteY6" fmla="*/ 484632 h 484632"/>
+              <a:gd name="connsiteX7" fmla="*/ 316142 w 451412"/>
+              <a:gd name="connsiteY7" fmla="*/ 394197 h 484632"/>
+              <a:gd name="connsiteX8" fmla="*/ 135270 w 451412"/>
+              <a:gd name="connsiteY8" fmla="*/ 394197 h 484632"/>
+              <a:gd name="connsiteX9" fmla="*/ 135270 w 451412"/>
+              <a:gd name="connsiteY9" fmla="*/ 484632 h 484632"/>
+              <a:gd name="connsiteX10" fmla="*/ 0 w 451412"/>
+              <a:gd name="connsiteY10" fmla="*/ 242316 h 484632"/>
+              <a:gd name="connsiteX0" fmla="*/ 0 w 451412"/>
+              <a:gd name="connsiteY0" fmla="*/ 242316 h 484632"/>
+              <a:gd name="connsiteX1" fmla="*/ 135270 w 451412"/>
+              <a:gd name="connsiteY1" fmla="*/ 0 h 484632"/>
+              <a:gd name="connsiteX2" fmla="*/ 135270 w 451412"/>
+              <a:gd name="connsiteY2" fmla="*/ 90435 h 484632"/>
+              <a:gd name="connsiteX3" fmla="*/ 316142 w 451412"/>
+              <a:gd name="connsiteY3" fmla="*/ 90435 h 484632"/>
+              <a:gd name="connsiteX4" fmla="*/ 451412 w 451412"/>
+              <a:gd name="connsiteY4" fmla="*/ 242316 h 484632"/>
+              <a:gd name="connsiteX5" fmla="*/ 316142 w 451412"/>
+              <a:gd name="connsiteY5" fmla="*/ 484632 h 484632"/>
+              <a:gd name="connsiteX6" fmla="*/ 316142 w 451412"/>
+              <a:gd name="connsiteY6" fmla="*/ 394197 h 484632"/>
+              <a:gd name="connsiteX7" fmla="*/ 135270 w 451412"/>
+              <a:gd name="connsiteY7" fmla="*/ 394197 h 484632"/>
+              <a:gd name="connsiteX8" fmla="*/ 135270 w 451412"/>
+              <a:gd name="connsiteY8" fmla="*/ 484632 h 484632"/>
+              <a:gd name="connsiteX9" fmla="*/ 0 w 451412"/>
+              <a:gd name="connsiteY9" fmla="*/ 242316 h 484632"/>
+              <a:gd name="connsiteX0" fmla="*/ 0 w 316142"/>
+              <a:gd name="connsiteY0" fmla="*/ 242316 h 484632"/>
+              <a:gd name="connsiteX1" fmla="*/ 135270 w 316142"/>
+              <a:gd name="connsiteY1" fmla="*/ 0 h 484632"/>
+              <a:gd name="connsiteX2" fmla="*/ 135270 w 316142"/>
+              <a:gd name="connsiteY2" fmla="*/ 90435 h 484632"/>
+              <a:gd name="connsiteX3" fmla="*/ 316142 w 316142"/>
+              <a:gd name="connsiteY3" fmla="*/ 90435 h 484632"/>
+              <a:gd name="connsiteX4" fmla="*/ 316142 w 316142"/>
+              <a:gd name="connsiteY4" fmla="*/ 484632 h 484632"/>
+              <a:gd name="connsiteX5" fmla="*/ 316142 w 316142"/>
+              <a:gd name="connsiteY5" fmla="*/ 394197 h 484632"/>
+              <a:gd name="connsiteX6" fmla="*/ 135270 w 316142"/>
+              <a:gd name="connsiteY6" fmla="*/ 394197 h 484632"/>
+              <a:gd name="connsiteX7" fmla="*/ 135270 w 316142"/>
+              <a:gd name="connsiteY7" fmla="*/ 484632 h 484632"/>
+              <a:gd name="connsiteX8" fmla="*/ 0 w 316142"/>
+              <a:gd name="connsiteY8" fmla="*/ 242316 h 484632"/>
+              <a:gd name="connsiteX0" fmla="*/ 0 w 316142"/>
+              <a:gd name="connsiteY0" fmla="*/ 242316 h 484632"/>
+              <a:gd name="connsiteX1" fmla="*/ 135270 w 316142"/>
+              <a:gd name="connsiteY1" fmla="*/ 0 h 484632"/>
+              <a:gd name="connsiteX2" fmla="*/ 135270 w 316142"/>
+              <a:gd name="connsiteY2" fmla="*/ 90435 h 484632"/>
+              <a:gd name="connsiteX3" fmla="*/ 316142 w 316142"/>
+              <a:gd name="connsiteY3" fmla="*/ 90435 h 484632"/>
+              <a:gd name="connsiteX4" fmla="*/ 316142 w 316142"/>
+              <a:gd name="connsiteY4" fmla="*/ 394197 h 484632"/>
+              <a:gd name="connsiteX5" fmla="*/ 135270 w 316142"/>
+              <a:gd name="connsiteY5" fmla="*/ 394197 h 484632"/>
+              <a:gd name="connsiteX6" fmla="*/ 135270 w 316142"/>
+              <a:gd name="connsiteY6" fmla="*/ 484632 h 484632"/>
+              <a:gd name="connsiteX7" fmla="*/ 0 w 316142"/>
+              <a:gd name="connsiteY7" fmla="*/ 242316 h 484632"/>
+              <a:gd name="connsiteX0" fmla="*/ 0 w 316142"/>
+              <a:gd name="connsiteY0" fmla="*/ 242316 h 484632"/>
+              <a:gd name="connsiteX1" fmla="*/ 135270 w 316142"/>
+              <a:gd name="connsiteY1" fmla="*/ 0 h 484632"/>
+              <a:gd name="connsiteX2" fmla="*/ 135270 w 316142"/>
+              <a:gd name="connsiteY2" fmla="*/ 90435 h 484632"/>
+              <a:gd name="connsiteX3" fmla="*/ 316142 w 316142"/>
+              <a:gd name="connsiteY3" fmla="*/ 394197 h 484632"/>
+              <a:gd name="connsiteX4" fmla="*/ 135270 w 316142"/>
+              <a:gd name="connsiteY4" fmla="*/ 394197 h 484632"/>
+              <a:gd name="connsiteX5" fmla="*/ 135270 w 316142"/>
+              <a:gd name="connsiteY5" fmla="*/ 484632 h 484632"/>
+              <a:gd name="connsiteX6" fmla="*/ 0 w 316142"/>
+              <a:gd name="connsiteY6" fmla="*/ 242316 h 484632"/>
+              <a:gd name="connsiteX0" fmla="*/ 0 w 316142"/>
+              <a:gd name="connsiteY0" fmla="*/ 242316 h 484632"/>
+              <a:gd name="connsiteX1" fmla="*/ 135270 w 316142"/>
+              <a:gd name="connsiteY1" fmla="*/ 0 h 484632"/>
+              <a:gd name="connsiteX2" fmla="*/ 135270 w 316142"/>
+              <a:gd name="connsiteY2" fmla="*/ 90435 h 484632"/>
+              <a:gd name="connsiteX3" fmla="*/ 316142 w 316142"/>
+              <a:gd name="connsiteY3" fmla="*/ 394197 h 484632"/>
+              <a:gd name="connsiteX4" fmla="*/ 251236 w 316142"/>
+              <a:gd name="connsiteY4" fmla="*/ 392379 h 484632"/>
+              <a:gd name="connsiteX5" fmla="*/ 135270 w 316142"/>
+              <a:gd name="connsiteY5" fmla="*/ 394197 h 484632"/>
+              <a:gd name="connsiteX6" fmla="*/ 135270 w 316142"/>
+              <a:gd name="connsiteY6" fmla="*/ 484632 h 484632"/>
+              <a:gd name="connsiteX7" fmla="*/ 0 w 316142"/>
+              <a:gd name="connsiteY7" fmla="*/ 242316 h 484632"/>
+              <a:gd name="connsiteX0" fmla="*/ 0 w 543456"/>
+              <a:gd name="connsiteY0" fmla="*/ 242316 h 795783"/>
+              <a:gd name="connsiteX1" fmla="*/ 135270 w 543456"/>
+              <a:gd name="connsiteY1" fmla="*/ 0 h 795783"/>
+              <a:gd name="connsiteX2" fmla="*/ 135270 w 543456"/>
+              <a:gd name="connsiteY2" fmla="*/ 90435 h 795783"/>
+              <a:gd name="connsiteX3" fmla="*/ 316142 w 543456"/>
+              <a:gd name="connsiteY3" fmla="*/ 394197 h 795783"/>
+              <a:gd name="connsiteX4" fmla="*/ 543456 w 543456"/>
+              <a:gd name="connsiteY4" fmla="*/ 795783 h 795783"/>
+              <a:gd name="connsiteX5" fmla="*/ 135270 w 543456"/>
+              <a:gd name="connsiteY5" fmla="*/ 394197 h 795783"/>
+              <a:gd name="connsiteX6" fmla="*/ 135270 w 543456"/>
+              <a:gd name="connsiteY6" fmla="*/ 484632 h 795783"/>
+              <a:gd name="connsiteX7" fmla="*/ 0 w 543456"/>
+              <a:gd name="connsiteY7" fmla="*/ 242316 h 795783"/>
+              <a:gd name="connsiteX0" fmla="*/ 0 w 543456"/>
+              <a:gd name="connsiteY0" fmla="*/ 242316 h 795783"/>
+              <a:gd name="connsiteX1" fmla="*/ 135270 w 543456"/>
+              <a:gd name="connsiteY1" fmla="*/ 0 h 795783"/>
+              <a:gd name="connsiteX2" fmla="*/ 135270 w 543456"/>
+              <a:gd name="connsiteY2" fmla="*/ 90435 h 795783"/>
+              <a:gd name="connsiteX3" fmla="*/ 543456 w 543456"/>
+              <a:gd name="connsiteY3" fmla="*/ 795783 h 795783"/>
+              <a:gd name="connsiteX4" fmla="*/ 135270 w 543456"/>
+              <a:gd name="connsiteY4" fmla="*/ 394197 h 795783"/>
+              <a:gd name="connsiteX5" fmla="*/ 135270 w 543456"/>
+              <a:gd name="connsiteY5" fmla="*/ 484632 h 795783"/>
+              <a:gd name="connsiteX6" fmla="*/ 0 w 543456"/>
+              <a:gd name="connsiteY6" fmla="*/ 242316 h 795783"/>
+              <a:gd name="connsiteX0" fmla="*/ 0 w 551283"/>
+              <a:gd name="connsiteY0" fmla="*/ 242316 h 789003"/>
+              <a:gd name="connsiteX1" fmla="*/ 135270 w 551283"/>
+              <a:gd name="connsiteY1" fmla="*/ 0 h 789003"/>
+              <a:gd name="connsiteX2" fmla="*/ 135270 w 551283"/>
+              <a:gd name="connsiteY2" fmla="*/ 90435 h 789003"/>
+              <a:gd name="connsiteX3" fmla="*/ 551283 w 551283"/>
+              <a:gd name="connsiteY3" fmla="*/ 789003 h 789003"/>
+              <a:gd name="connsiteX4" fmla="*/ 135270 w 551283"/>
+              <a:gd name="connsiteY4" fmla="*/ 394197 h 789003"/>
+              <a:gd name="connsiteX5" fmla="*/ 135270 w 551283"/>
+              <a:gd name="connsiteY5" fmla="*/ 484632 h 789003"/>
+              <a:gd name="connsiteX6" fmla="*/ 0 w 551283"/>
+              <a:gd name="connsiteY6" fmla="*/ 242316 h 789003"/>
+              <a:gd name="connsiteX0" fmla="*/ 0 w 551283"/>
+              <a:gd name="connsiteY0" fmla="*/ 242316 h 775443"/>
+              <a:gd name="connsiteX1" fmla="*/ 135270 w 551283"/>
+              <a:gd name="connsiteY1" fmla="*/ 0 h 775443"/>
+              <a:gd name="connsiteX2" fmla="*/ 135270 w 551283"/>
+              <a:gd name="connsiteY2" fmla="*/ 90435 h 775443"/>
+              <a:gd name="connsiteX3" fmla="*/ 551283 w 551283"/>
+              <a:gd name="connsiteY3" fmla="*/ 775443 h 775443"/>
+              <a:gd name="connsiteX4" fmla="*/ 135270 w 551283"/>
+              <a:gd name="connsiteY4" fmla="*/ 394197 h 775443"/>
+              <a:gd name="connsiteX5" fmla="*/ 135270 w 551283"/>
+              <a:gd name="connsiteY5" fmla="*/ 484632 h 775443"/>
+              <a:gd name="connsiteX6" fmla="*/ 0 w 551283"/>
+              <a:gd name="connsiteY6" fmla="*/ 242316 h 775443"/>
+            </a:gdLst>
+            <a:ahLst/>
+            <a:cxnLst>
+              <a:cxn ang="0">
+                <a:pos x="connsiteX0" y="connsiteY0"/>
+              </a:cxn>
+              <a:cxn ang="0">
+                <a:pos x="connsiteX1" y="connsiteY1"/>
+              </a:cxn>
+              <a:cxn ang="0">
+                <a:pos x="connsiteX2" y="connsiteY2"/>
+              </a:cxn>
+              <a:cxn ang="0">
+                <a:pos x="connsiteX3" y="connsiteY3"/>
+              </a:cxn>
+              <a:cxn ang="0">
+                <a:pos x="connsiteX4" y="connsiteY4"/>
+              </a:cxn>
+              <a:cxn ang="0">
+                <a:pos x="connsiteX5" y="connsiteY5"/>
+              </a:cxn>
+              <a:cxn ang="0">
+                <a:pos x="connsiteX6" y="connsiteY6"/>
+              </a:cxn>
+            </a:cxnLst>
+            <a:rect l="l" t="t" r="r" b="b"/>
+            <a:pathLst>
+              <a:path w="551283" h="775443">
+                <a:moveTo>
+                  <a:pt x="0" y="242316"/>
+                </a:moveTo>
+                <a:lnTo>
+                  <a:pt x="135270" y="0"/>
+                </a:lnTo>
+                <a:lnTo>
+                  <a:pt x="135270" y="90435"/>
+                </a:lnTo>
+                <a:lnTo>
+                  <a:pt x="551283" y="775443"/>
+                </a:lnTo>
+                <a:lnTo>
+                  <a:pt x="135270" y="394197"/>
+                </a:lnTo>
+                <a:lnTo>
+                  <a:pt x="135270" y="484632"/>
+                </a:lnTo>
+                <a:lnTo>
+                  <a:pt x="0" y="242316"/>
+                </a:lnTo>
+                <a:close/>
+              </a:path>
+            </a:pathLst>
+          </a:custGeom>
+        </p:spPr>
+        <p:style>
+          <a:lnRef idx="2">
+            <a:schemeClr val="accent2">
+              <a:shade val="50000"/>
+            </a:schemeClr>
+          </a:lnRef>
+          <a:fillRef idx="1">
+            <a:schemeClr val="accent2"/>
+          </a:fillRef>
+          <a:effectRef idx="0">
+            <a:schemeClr val="accent2"/>
+          </a:effectRef>
+          <a:fontRef idx="minor">
+            <a:schemeClr val="lt1"/>
+          </a:fontRef>
+        </p:style>
+        <p:txBody>
+          <a:bodyPr rtlCol="0" anchor="ctr"/>
+          <a:lstStyle/>
+          <a:p>
+            <a:pPr algn="ctr"/>
+            <a:endParaRPr lang="ru-RU"/>
+          </a:p>
+        </p:txBody>
+      </p:sp>
+      <p:grpSp>
+        <p:nvGrpSpPr>
+          <p:cNvPr id="33" name="Группа 32"/>
+          <p:cNvGrpSpPr/>
+          <p:nvPr/>
+        </p:nvGrpSpPr>
+        <p:grpSpPr>
+          <a:xfrm>
+            <a:off x="5423839" y="5958723"/>
+            <a:ext cx="1344319" cy="754164"/>
+            <a:chOff x="3713801" y="5263909"/>
+            <a:chExt cx="2435860" cy="1366519"/>
+          </a:xfrm>
+        </p:grpSpPr>
+        <p:pic>
+          <p:nvPicPr>
+            <p:cNvPr id="34" name="Picture 2" descr="Иконка «Пользователь» — скачай бесплатно PNG и векторе"/>
+            <p:cNvPicPr>
+              <a:picLocks noChangeAspect="1" noChangeArrowheads="1"/>
+            </p:cNvPicPr>
+            <p:nvPr/>
+          </p:nvPicPr>
+          <p:blipFill>
+            <a:blip r:embed="rId3" cstate="print">
+              <a:extLst>
+                <a:ext uri="{28A0092B-C50C-407E-A947-70E740481C1C}">
+                  <a14:useLocalDpi xmlns:a14="http://schemas.microsoft.com/office/drawing/2010/main" val="0"/>
+                </a:ext>
+              </a:extLst>
+            </a:blip>
+            <a:srcRect/>
+            <a:stretch>
+              <a:fillRect/>
+            </a:stretch>
+          </p:blipFill>
+          <p:spPr bwMode="auto">
+            <a:xfrm>
+              <a:off x="4931731" y="5397258"/>
+              <a:ext cx="1217930" cy="1217930"/>
+            </a:xfrm>
+            <a:prstGeom prst="rect">
+              <a:avLst/>
+            </a:prstGeom>
+            <a:noFill/>
+            <a:extLst>
+              <a:ext uri="{909E8E84-426E-40DD-AFC4-6F175D3DCCD1}">
+                <a14:hiddenFill xmlns:a14="http://schemas.microsoft.com/office/drawing/2010/main">
+                  <a:solidFill>
+                    <a:srgbClr val="FFFFFF"/>
+                  </a:solidFill>
+                </a14:hiddenFill>
+              </a:ext>
+            </a:extLst>
+          </p:spPr>
+        </p:pic>
+        <p:pic>
+          <p:nvPicPr>
+            <p:cNvPr id="35" name="Picture 2" descr="Иконка «Пользователь» — скачай бесплатно PNG и векторе"/>
+            <p:cNvPicPr>
+              <a:picLocks noChangeAspect="1" noChangeArrowheads="1"/>
+            </p:cNvPicPr>
+            <p:nvPr/>
+          </p:nvPicPr>
+          <p:blipFill>
+            <a:blip r:embed="rId4" cstate="print">
+              <a:extLst>
+                <a:ext uri="{28A0092B-C50C-407E-A947-70E740481C1C}">
+                  <a14:useLocalDpi xmlns:a14="http://schemas.microsoft.com/office/drawing/2010/main" val="0"/>
+                </a:ext>
+              </a:extLst>
+            </a:blip>
+            <a:srcRect/>
+            <a:stretch>
+              <a:fillRect/>
+            </a:stretch>
+          </p:blipFill>
+          <p:spPr bwMode="auto">
+            <a:xfrm>
+              <a:off x="4248471" y="5263909"/>
+              <a:ext cx="1366519" cy="1366519"/>
+            </a:xfrm>
+            <a:prstGeom prst="rect">
+              <a:avLst/>
+            </a:prstGeom>
+            <a:noFill/>
+            <a:extLst>
+              <a:ext uri="{909E8E84-426E-40DD-AFC4-6F175D3DCCD1}">
+                <a14:hiddenFill xmlns:a14="http://schemas.microsoft.com/office/drawing/2010/main">
+                  <a:solidFill>
+                    <a:srgbClr val="FFFFFF"/>
+                  </a:solidFill>
+                </a14:hiddenFill>
+              </a:ext>
+            </a:extLst>
+          </p:spPr>
+        </p:pic>
+        <p:pic>
+          <p:nvPicPr>
+            <p:cNvPr id="37" name="Picture 2" descr="Иконка «Пользователь» — скачай бесплатно PNG и векторе"/>
+            <p:cNvPicPr>
+              <a:picLocks noChangeAspect="1" noChangeArrowheads="1"/>
+            </p:cNvPicPr>
+            <p:nvPr/>
+          </p:nvPicPr>
+          <p:blipFill>
+            <a:blip r:embed="rId3" cstate="print">
+              <a:extLst>
+                <a:ext uri="{28A0092B-C50C-407E-A947-70E740481C1C}">
+                  <a14:useLocalDpi xmlns:a14="http://schemas.microsoft.com/office/drawing/2010/main" val="0"/>
+                </a:ext>
+              </a:extLst>
+            </a:blip>
+            <a:srcRect/>
+            <a:stretch>
+              <a:fillRect/>
+            </a:stretch>
+          </p:blipFill>
+          <p:spPr bwMode="auto">
+            <a:xfrm>
+              <a:off x="3713801" y="5397258"/>
+              <a:ext cx="1217930" cy="1217930"/>
+            </a:xfrm>
+            <a:prstGeom prst="rect">
+              <a:avLst/>
+            </a:prstGeom>
+            <a:noFill/>
+            <a:extLst>
+              <a:ext uri="{909E8E84-426E-40DD-AFC4-6F175D3DCCD1}">
+                <a14:hiddenFill xmlns:a14="http://schemas.microsoft.com/office/drawing/2010/main">
+                  <a:solidFill>
+                    <a:srgbClr val="FFFFFF"/>
+                  </a:solidFill>
+                </a14:hiddenFill>
+              </a:ext>
+            </a:extLst>
+          </p:spPr>
+        </p:pic>
+      </p:grpSp>
+      <p:sp>
+        <p:nvSpPr>
+          <p:cNvPr id="38" name="Двойная стрелка влево/вправо 5"/>
+          <p:cNvSpPr/>
+          <p:nvPr/>
+        </p:nvSpPr>
+        <p:spPr>
+          <a:xfrm rot="5400000" flipH="1" flipV="1">
+            <a:off x="10387768" y="272725"/>
+            <a:ext cx="805023" cy="946945"/>
+          </a:xfrm>
+          <a:custGeom>
+            <a:avLst/>
+            <a:gdLst>
+              <a:gd name="connsiteX0" fmla="*/ 0 w 451412"/>
+              <a:gd name="connsiteY0" fmla="*/ 242316 h 484632"/>
+              <a:gd name="connsiteX1" fmla="*/ 135270 w 451412"/>
+              <a:gd name="connsiteY1" fmla="*/ 0 h 484632"/>
+              <a:gd name="connsiteX2" fmla="*/ 135270 w 451412"/>
+              <a:gd name="connsiteY2" fmla="*/ 90435 h 484632"/>
+              <a:gd name="connsiteX3" fmla="*/ 316142 w 451412"/>
+              <a:gd name="connsiteY3" fmla="*/ 90435 h 484632"/>
+              <a:gd name="connsiteX4" fmla="*/ 316142 w 451412"/>
+              <a:gd name="connsiteY4" fmla="*/ 0 h 484632"/>
+              <a:gd name="connsiteX5" fmla="*/ 451412 w 451412"/>
+              <a:gd name="connsiteY5" fmla="*/ 242316 h 484632"/>
+              <a:gd name="connsiteX6" fmla="*/ 316142 w 451412"/>
+              <a:gd name="connsiteY6" fmla="*/ 484632 h 484632"/>
+              <a:gd name="connsiteX7" fmla="*/ 316142 w 451412"/>
+              <a:gd name="connsiteY7" fmla="*/ 394197 h 484632"/>
+              <a:gd name="connsiteX8" fmla="*/ 135270 w 451412"/>
+              <a:gd name="connsiteY8" fmla="*/ 394197 h 484632"/>
+              <a:gd name="connsiteX9" fmla="*/ 135270 w 451412"/>
+              <a:gd name="connsiteY9" fmla="*/ 484632 h 484632"/>
+              <a:gd name="connsiteX10" fmla="*/ 0 w 451412"/>
+              <a:gd name="connsiteY10" fmla="*/ 242316 h 484632"/>
+              <a:gd name="connsiteX0" fmla="*/ 0 w 451412"/>
+              <a:gd name="connsiteY0" fmla="*/ 242316 h 484632"/>
+              <a:gd name="connsiteX1" fmla="*/ 135270 w 451412"/>
+              <a:gd name="connsiteY1" fmla="*/ 0 h 484632"/>
+              <a:gd name="connsiteX2" fmla="*/ 135270 w 451412"/>
+              <a:gd name="connsiteY2" fmla="*/ 90435 h 484632"/>
+              <a:gd name="connsiteX3" fmla="*/ 316142 w 451412"/>
+              <a:gd name="connsiteY3" fmla="*/ 90435 h 484632"/>
+              <a:gd name="connsiteX4" fmla="*/ 451412 w 451412"/>
+              <a:gd name="connsiteY4" fmla="*/ 242316 h 484632"/>
+              <a:gd name="connsiteX5" fmla="*/ 316142 w 451412"/>
+              <a:gd name="connsiteY5" fmla="*/ 484632 h 484632"/>
+              <a:gd name="connsiteX6" fmla="*/ 316142 w 451412"/>
+              <a:gd name="connsiteY6" fmla="*/ 394197 h 484632"/>
+              <a:gd name="connsiteX7" fmla="*/ 135270 w 451412"/>
+              <a:gd name="connsiteY7" fmla="*/ 394197 h 484632"/>
+              <a:gd name="connsiteX8" fmla="*/ 135270 w 451412"/>
+              <a:gd name="connsiteY8" fmla="*/ 484632 h 484632"/>
+              <a:gd name="connsiteX9" fmla="*/ 0 w 451412"/>
+              <a:gd name="connsiteY9" fmla="*/ 242316 h 484632"/>
+              <a:gd name="connsiteX0" fmla="*/ 0 w 316142"/>
+              <a:gd name="connsiteY0" fmla="*/ 242316 h 484632"/>
+              <a:gd name="connsiteX1" fmla="*/ 135270 w 316142"/>
+              <a:gd name="connsiteY1" fmla="*/ 0 h 484632"/>
+              <a:gd name="connsiteX2" fmla="*/ 135270 w 316142"/>
+              <a:gd name="connsiteY2" fmla="*/ 90435 h 484632"/>
+              <a:gd name="connsiteX3" fmla="*/ 316142 w 316142"/>
+              <a:gd name="connsiteY3" fmla="*/ 90435 h 484632"/>
+              <a:gd name="connsiteX4" fmla="*/ 316142 w 316142"/>
+              <a:gd name="connsiteY4" fmla="*/ 484632 h 484632"/>
+              <a:gd name="connsiteX5" fmla="*/ 316142 w 316142"/>
+              <a:gd name="connsiteY5" fmla="*/ 394197 h 484632"/>
+              <a:gd name="connsiteX6" fmla="*/ 135270 w 316142"/>
+              <a:gd name="connsiteY6" fmla="*/ 394197 h 484632"/>
+              <a:gd name="connsiteX7" fmla="*/ 135270 w 316142"/>
+              <a:gd name="connsiteY7" fmla="*/ 484632 h 484632"/>
+              <a:gd name="connsiteX8" fmla="*/ 0 w 316142"/>
+              <a:gd name="connsiteY8" fmla="*/ 242316 h 484632"/>
+              <a:gd name="connsiteX0" fmla="*/ 0 w 316142"/>
+              <a:gd name="connsiteY0" fmla="*/ 242316 h 484632"/>
+              <a:gd name="connsiteX1" fmla="*/ 135270 w 316142"/>
+              <a:gd name="connsiteY1" fmla="*/ 0 h 484632"/>
+              <a:gd name="connsiteX2" fmla="*/ 135270 w 316142"/>
+              <a:gd name="connsiteY2" fmla="*/ 90435 h 484632"/>
+              <a:gd name="connsiteX3" fmla="*/ 316142 w 316142"/>
+              <a:gd name="connsiteY3" fmla="*/ 90435 h 484632"/>
+              <a:gd name="connsiteX4" fmla="*/ 316142 w 316142"/>
+              <a:gd name="connsiteY4" fmla="*/ 394197 h 484632"/>
+              <a:gd name="connsiteX5" fmla="*/ 135270 w 316142"/>
+              <a:gd name="connsiteY5" fmla="*/ 394197 h 484632"/>
+              <a:gd name="connsiteX6" fmla="*/ 135270 w 316142"/>
+              <a:gd name="connsiteY6" fmla="*/ 484632 h 484632"/>
+              <a:gd name="connsiteX7" fmla="*/ 0 w 316142"/>
+              <a:gd name="connsiteY7" fmla="*/ 242316 h 484632"/>
+              <a:gd name="connsiteX0" fmla="*/ 0 w 316142"/>
+              <a:gd name="connsiteY0" fmla="*/ 242316 h 484632"/>
+              <a:gd name="connsiteX1" fmla="*/ 135270 w 316142"/>
+              <a:gd name="connsiteY1" fmla="*/ 0 h 484632"/>
+              <a:gd name="connsiteX2" fmla="*/ 135270 w 316142"/>
+              <a:gd name="connsiteY2" fmla="*/ 90435 h 484632"/>
+              <a:gd name="connsiteX3" fmla="*/ 316142 w 316142"/>
+              <a:gd name="connsiteY3" fmla="*/ 394197 h 484632"/>
+              <a:gd name="connsiteX4" fmla="*/ 135270 w 316142"/>
+              <a:gd name="connsiteY4" fmla="*/ 394197 h 484632"/>
+              <a:gd name="connsiteX5" fmla="*/ 135270 w 316142"/>
+              <a:gd name="connsiteY5" fmla="*/ 484632 h 484632"/>
+              <a:gd name="connsiteX6" fmla="*/ 0 w 316142"/>
+              <a:gd name="connsiteY6" fmla="*/ 242316 h 484632"/>
+              <a:gd name="connsiteX0" fmla="*/ 0 w 316142"/>
+              <a:gd name="connsiteY0" fmla="*/ 242316 h 484632"/>
+              <a:gd name="connsiteX1" fmla="*/ 135270 w 316142"/>
+              <a:gd name="connsiteY1" fmla="*/ 0 h 484632"/>
+              <a:gd name="connsiteX2" fmla="*/ 135270 w 316142"/>
+              <a:gd name="connsiteY2" fmla="*/ 90435 h 484632"/>
+              <a:gd name="connsiteX3" fmla="*/ 316142 w 316142"/>
+              <a:gd name="connsiteY3" fmla="*/ 394197 h 484632"/>
+              <a:gd name="connsiteX4" fmla="*/ 251236 w 316142"/>
+              <a:gd name="connsiteY4" fmla="*/ 392379 h 484632"/>
+              <a:gd name="connsiteX5" fmla="*/ 135270 w 316142"/>
+              <a:gd name="connsiteY5" fmla="*/ 394197 h 484632"/>
+              <a:gd name="connsiteX6" fmla="*/ 135270 w 316142"/>
+              <a:gd name="connsiteY6" fmla="*/ 484632 h 484632"/>
+              <a:gd name="connsiteX7" fmla="*/ 0 w 316142"/>
+              <a:gd name="connsiteY7" fmla="*/ 242316 h 484632"/>
+              <a:gd name="connsiteX0" fmla="*/ 0 w 543456"/>
+              <a:gd name="connsiteY0" fmla="*/ 242316 h 795783"/>
+              <a:gd name="connsiteX1" fmla="*/ 135270 w 543456"/>
+              <a:gd name="connsiteY1" fmla="*/ 0 h 795783"/>
+              <a:gd name="connsiteX2" fmla="*/ 135270 w 543456"/>
+              <a:gd name="connsiteY2" fmla="*/ 90435 h 795783"/>
+              <a:gd name="connsiteX3" fmla="*/ 316142 w 543456"/>
+              <a:gd name="connsiteY3" fmla="*/ 394197 h 795783"/>
+              <a:gd name="connsiteX4" fmla="*/ 543456 w 543456"/>
+              <a:gd name="connsiteY4" fmla="*/ 795783 h 795783"/>
+              <a:gd name="connsiteX5" fmla="*/ 135270 w 543456"/>
+              <a:gd name="connsiteY5" fmla="*/ 394197 h 795783"/>
+              <a:gd name="connsiteX6" fmla="*/ 135270 w 543456"/>
+              <a:gd name="connsiteY6" fmla="*/ 484632 h 795783"/>
+              <a:gd name="connsiteX7" fmla="*/ 0 w 543456"/>
+              <a:gd name="connsiteY7" fmla="*/ 242316 h 795783"/>
+              <a:gd name="connsiteX0" fmla="*/ 0 w 543456"/>
+              <a:gd name="connsiteY0" fmla="*/ 242316 h 795783"/>
+              <a:gd name="connsiteX1" fmla="*/ 135270 w 543456"/>
+              <a:gd name="connsiteY1" fmla="*/ 0 h 795783"/>
+              <a:gd name="connsiteX2" fmla="*/ 135270 w 543456"/>
+              <a:gd name="connsiteY2" fmla="*/ 90435 h 795783"/>
+              <a:gd name="connsiteX3" fmla="*/ 543456 w 543456"/>
+              <a:gd name="connsiteY3" fmla="*/ 795783 h 795783"/>
+              <a:gd name="connsiteX4" fmla="*/ 135270 w 543456"/>
+              <a:gd name="connsiteY4" fmla="*/ 394197 h 795783"/>
+              <a:gd name="connsiteX5" fmla="*/ 135270 w 543456"/>
+              <a:gd name="connsiteY5" fmla="*/ 484632 h 795783"/>
+              <a:gd name="connsiteX6" fmla="*/ 0 w 543456"/>
+              <a:gd name="connsiteY6" fmla="*/ 242316 h 795783"/>
+              <a:gd name="connsiteX0" fmla="*/ 0 w 551283"/>
+              <a:gd name="connsiteY0" fmla="*/ 242316 h 789003"/>
+              <a:gd name="connsiteX1" fmla="*/ 135270 w 551283"/>
+              <a:gd name="connsiteY1" fmla="*/ 0 h 789003"/>
+              <a:gd name="connsiteX2" fmla="*/ 135270 w 551283"/>
+              <a:gd name="connsiteY2" fmla="*/ 90435 h 789003"/>
+              <a:gd name="connsiteX3" fmla="*/ 551283 w 551283"/>
+              <a:gd name="connsiteY3" fmla="*/ 789003 h 789003"/>
+              <a:gd name="connsiteX4" fmla="*/ 135270 w 551283"/>
+              <a:gd name="connsiteY4" fmla="*/ 394197 h 789003"/>
+              <a:gd name="connsiteX5" fmla="*/ 135270 w 551283"/>
+              <a:gd name="connsiteY5" fmla="*/ 484632 h 789003"/>
+              <a:gd name="connsiteX6" fmla="*/ 0 w 551283"/>
+              <a:gd name="connsiteY6" fmla="*/ 242316 h 789003"/>
+              <a:gd name="connsiteX0" fmla="*/ 0 w 551283"/>
+              <a:gd name="connsiteY0" fmla="*/ 242316 h 775443"/>
+              <a:gd name="connsiteX1" fmla="*/ 135270 w 551283"/>
+              <a:gd name="connsiteY1" fmla="*/ 0 h 775443"/>
+              <a:gd name="connsiteX2" fmla="*/ 135270 w 551283"/>
+              <a:gd name="connsiteY2" fmla="*/ 90435 h 775443"/>
+              <a:gd name="connsiteX3" fmla="*/ 551283 w 551283"/>
+              <a:gd name="connsiteY3" fmla="*/ 775443 h 775443"/>
+              <a:gd name="connsiteX4" fmla="*/ 135270 w 551283"/>
+              <a:gd name="connsiteY4" fmla="*/ 394197 h 775443"/>
+              <a:gd name="connsiteX5" fmla="*/ 135270 w 551283"/>
+              <a:gd name="connsiteY5" fmla="*/ 484632 h 775443"/>
+              <a:gd name="connsiteX6" fmla="*/ 0 w 551283"/>
+              <a:gd name="connsiteY6" fmla="*/ 242316 h 775443"/>
+              <a:gd name="connsiteX0" fmla="*/ 0 w 551283"/>
+              <a:gd name="connsiteY0" fmla="*/ 242316 h 842544"/>
+              <a:gd name="connsiteX1" fmla="*/ 135270 w 551283"/>
+              <a:gd name="connsiteY1" fmla="*/ 0 h 842544"/>
+              <a:gd name="connsiteX2" fmla="*/ 135270 w 551283"/>
+              <a:gd name="connsiteY2" fmla="*/ 90435 h 842544"/>
+              <a:gd name="connsiteX3" fmla="*/ 551283 w 551283"/>
+              <a:gd name="connsiteY3" fmla="*/ 842544 h 842544"/>
+              <a:gd name="connsiteX4" fmla="*/ 135270 w 551283"/>
+              <a:gd name="connsiteY4" fmla="*/ 394197 h 842544"/>
+              <a:gd name="connsiteX5" fmla="*/ 135270 w 551283"/>
+              <a:gd name="connsiteY5" fmla="*/ 484632 h 842544"/>
+              <a:gd name="connsiteX6" fmla="*/ 0 w 551283"/>
+              <a:gd name="connsiteY6" fmla="*/ 242316 h 842544"/>
+            </a:gdLst>
+            <a:ahLst/>
+            <a:cxnLst>
+              <a:cxn ang="0">
+                <a:pos x="connsiteX0" y="connsiteY0"/>
+              </a:cxn>
+              <a:cxn ang="0">
+                <a:pos x="connsiteX1" y="connsiteY1"/>
+              </a:cxn>
+              <a:cxn ang="0">
+                <a:pos x="connsiteX2" y="connsiteY2"/>
+              </a:cxn>
+              <a:cxn ang="0">
+                <a:pos x="connsiteX3" y="connsiteY3"/>
+              </a:cxn>
+              <a:cxn ang="0">
+                <a:pos x="connsiteX4" y="connsiteY4"/>
+              </a:cxn>
+              <a:cxn ang="0">
+                <a:pos x="connsiteX5" y="connsiteY5"/>
+              </a:cxn>
+              <a:cxn ang="0">
+                <a:pos x="connsiteX6" y="connsiteY6"/>
+              </a:cxn>
+            </a:cxnLst>
+            <a:rect l="l" t="t" r="r" b="b"/>
+            <a:pathLst>
+              <a:path w="551283" h="842544">
+                <a:moveTo>
+                  <a:pt x="0" y="242316"/>
+                </a:moveTo>
+                <a:lnTo>
+                  <a:pt x="135270" y="0"/>
+                </a:lnTo>
+                <a:lnTo>
+                  <a:pt x="135270" y="90435"/>
+                </a:lnTo>
+                <a:lnTo>
+                  <a:pt x="551283" y="842544"/>
+                </a:lnTo>
+                <a:lnTo>
+                  <a:pt x="135270" y="394197"/>
+                </a:lnTo>
+                <a:lnTo>
+                  <a:pt x="135270" y="484632"/>
+                </a:lnTo>
+                <a:lnTo>
+                  <a:pt x="0" y="242316"/>
+                </a:lnTo>
+                <a:close/>
+              </a:path>
+            </a:pathLst>
+          </a:custGeom>
+        </p:spPr>
+        <p:style>
+          <a:lnRef idx="2">
+            <a:schemeClr val="accent2">
+              <a:shade val="50000"/>
+            </a:schemeClr>
+          </a:lnRef>
+          <a:fillRef idx="1">
+            <a:schemeClr val="accent2"/>
+          </a:fillRef>
+          <a:effectRef idx="0">
+            <a:schemeClr val="accent2"/>
+          </a:effectRef>
+          <a:fontRef idx="minor">
+            <a:schemeClr val="lt1"/>
+          </a:fontRef>
+        </p:style>
+        <p:txBody>
+          <a:bodyPr rtlCol="0" anchor="ctr"/>
+          <a:lstStyle/>
+          <a:p>
+            <a:pPr algn="ctr"/>
+            <a:endParaRPr lang="ru-RU"/>
+          </a:p>
+        </p:txBody>
+      </p:sp>
+      <p:sp>
+        <p:nvSpPr>
+          <p:cNvPr id="39" name="TextBox 38"/>
+          <p:cNvSpPr txBox="1"/>
+          <p:nvPr/>
+        </p:nvSpPr>
+        <p:spPr>
+          <a:xfrm>
+            <a:off x="5723722" y="3985259"/>
+            <a:ext cx="4447800" cy="1200329"/>
+          </a:xfrm>
+          <a:prstGeom prst="rect">
+            <a:avLst/>
+          </a:prstGeom>
+          <a:noFill/>
+        </p:spPr>
+        <p:txBody>
+          <a:bodyPr wrap="square" rtlCol="0">
+            <a:spAutoFit/>
+          </a:bodyPr>
+          <a:lstStyle/>
+          <a:p>
+            <a:r>
+              <a:rPr lang="en-US" dirty="0" smtClean="0"/>
+              <a:t>{</a:t>
+            </a:r>
+          </a:p>
+          <a:p>
+            <a:r>
+              <a:rPr lang="en-US" dirty="0" smtClean="0"/>
+              <a:t>   </a:t>
+            </a:r>
+            <a:r>
+              <a:rPr lang="en-US" dirty="0" err="1" smtClean="0"/>
+              <a:t>userAndRelatives</a:t>
+            </a:r>
+            <a:r>
+              <a:rPr lang="en-US" dirty="0" smtClean="0"/>
+              <a:t>: {USER_AND_RELATIVES},</a:t>
+            </a:r>
+          </a:p>
+          <a:p>
+            <a:r>
+              <a:rPr lang="en-US" dirty="0"/>
+              <a:t> </a:t>
+            </a:r>
+            <a:r>
+              <a:rPr lang="en-US" dirty="0" smtClean="0"/>
+              <a:t>  credits: {CREDITS_AND_PAYMENTS}</a:t>
+            </a:r>
+            <a:endParaRPr lang="en-US" dirty="0" smtClean="0"/>
+          </a:p>
+          <a:p>
+            <a:r>
+              <a:rPr lang="en-US" dirty="0" smtClean="0"/>
+              <a:t>}</a:t>
+            </a:r>
+            <a:endParaRPr lang="ru-RU" dirty="0" smtClean="0"/>
+          </a:p>
+        </p:txBody>
+      </p:sp>
+    </p:spTree>
+    <p:extLst>
+      <p:ext uri="{BB962C8B-B14F-4D97-AF65-F5344CB8AC3E}">
+        <p14:creationId xmlns:p14="http://schemas.microsoft.com/office/powerpoint/2010/main" val="3050579546"/>
+      </p:ext>
+    </p:extLst>
+  </p:cSld>
+  <p:clrMapOvr>
+    <a:masterClrMapping/>
+  </p:clrMapOvr>
+  <mc:AlternateContent xmlns:mc="http://schemas.openxmlformats.org/markup-compatibility/2006" xmlns:p14="http://schemas.microsoft.com/office/powerpoint/2010/main">
+    <mc:Choice Requires="p14">
+      <p:transition spd="slow" p14:dur="2000"/>
+    </mc:Choice>
+    <mc:Fallback xmlns="">
+      <p:transition spd="slow"/>
+    </mc:Fallback>
+  </mc:AlternateContent>
+  <p:timing>
+    <p:tnLst>
+      <p:par>
+        <p:cTn id="1" dur="indefinite" restart="never" nodeType="tmRoot"/>
+      </p:par>
+    </p:tnLst>
+  </p:timing>
+</p:sld>
+</file>
+
+<file path=ppt/slides/slide21.xml><?xml version="1.0" encoding="utf-8"?>
+<p:sld xmlns:a="http://schemas.openxmlformats.org/drawingml/2006/main" xmlns:r="http://schemas.openxmlformats.org/officeDocument/2006/relationships" xmlns:p="http://schemas.openxmlformats.org/presentationml/2006/main">
+  <p:cSld>
+    <p:spTree>
+      <p:nvGrpSpPr>
+        <p:cNvPr id="1" name=""/>
+        <p:cNvGrpSpPr/>
+        <p:nvPr/>
+      </p:nvGrpSpPr>
+      <p:grpSpPr>
+        <a:xfrm>
+          <a:off x="0" y="0"/>
+          <a:ext cx="0" cy="0"/>
+          <a:chOff x="0" y="0"/>
+          <a:chExt cx="0" cy="0"/>
+        </a:xfrm>
+      </p:grpSpPr>
+      <p:grpSp>
+        <p:nvGrpSpPr>
+          <p:cNvPr id="53" name="Группа 52"/>
+          <p:cNvGrpSpPr/>
+          <p:nvPr/>
+        </p:nvGrpSpPr>
+        <p:grpSpPr>
+          <a:xfrm>
+            <a:off x="2469824" y="1635207"/>
+            <a:ext cx="7236092" cy="4916419"/>
+            <a:chOff x="4272985" y="2759867"/>
+            <a:chExt cx="463461" cy="484632"/>
+          </a:xfrm>
+        </p:grpSpPr>
+        <p:sp>
+          <p:nvSpPr>
+            <p:cNvPr id="54" name="Двойная стрелка влево/вправо 5"/>
+            <p:cNvSpPr/>
+            <p:nvPr/>
+          </p:nvSpPr>
+          <p:spPr>
+            <a:xfrm>
+              <a:off x="4272985" y="2759867"/>
+              <a:ext cx="316142" cy="484632"/>
+            </a:xfrm>
+            <a:custGeom>
+              <a:avLst/>
+              <a:gdLst>
+                <a:gd name="connsiteX0" fmla="*/ 0 w 451412"/>
+                <a:gd name="connsiteY0" fmla="*/ 242316 h 484632"/>
+                <a:gd name="connsiteX1" fmla="*/ 135270 w 451412"/>
+                <a:gd name="connsiteY1" fmla="*/ 0 h 484632"/>
+                <a:gd name="connsiteX2" fmla="*/ 135270 w 451412"/>
+                <a:gd name="connsiteY2" fmla="*/ 90435 h 484632"/>
+                <a:gd name="connsiteX3" fmla="*/ 316142 w 451412"/>
+                <a:gd name="connsiteY3" fmla="*/ 90435 h 484632"/>
+                <a:gd name="connsiteX4" fmla="*/ 316142 w 451412"/>
+                <a:gd name="connsiteY4" fmla="*/ 0 h 484632"/>
+                <a:gd name="connsiteX5" fmla="*/ 451412 w 451412"/>
+                <a:gd name="connsiteY5" fmla="*/ 242316 h 484632"/>
+                <a:gd name="connsiteX6" fmla="*/ 316142 w 451412"/>
+                <a:gd name="connsiteY6" fmla="*/ 484632 h 484632"/>
+                <a:gd name="connsiteX7" fmla="*/ 316142 w 451412"/>
+                <a:gd name="connsiteY7" fmla="*/ 394197 h 484632"/>
+                <a:gd name="connsiteX8" fmla="*/ 135270 w 451412"/>
+                <a:gd name="connsiteY8" fmla="*/ 394197 h 484632"/>
+                <a:gd name="connsiteX9" fmla="*/ 135270 w 451412"/>
+                <a:gd name="connsiteY9" fmla="*/ 484632 h 484632"/>
+                <a:gd name="connsiteX10" fmla="*/ 0 w 451412"/>
+                <a:gd name="connsiteY10" fmla="*/ 242316 h 484632"/>
+                <a:gd name="connsiteX0" fmla="*/ 0 w 451412"/>
+                <a:gd name="connsiteY0" fmla="*/ 242316 h 484632"/>
+                <a:gd name="connsiteX1" fmla="*/ 135270 w 451412"/>
+                <a:gd name="connsiteY1" fmla="*/ 0 h 484632"/>
+                <a:gd name="connsiteX2" fmla="*/ 135270 w 451412"/>
+                <a:gd name="connsiteY2" fmla="*/ 90435 h 484632"/>
+                <a:gd name="connsiteX3" fmla="*/ 316142 w 451412"/>
+                <a:gd name="connsiteY3" fmla="*/ 90435 h 484632"/>
+                <a:gd name="connsiteX4" fmla="*/ 451412 w 451412"/>
+                <a:gd name="connsiteY4" fmla="*/ 242316 h 484632"/>
+                <a:gd name="connsiteX5" fmla="*/ 316142 w 451412"/>
+                <a:gd name="connsiteY5" fmla="*/ 484632 h 484632"/>
+                <a:gd name="connsiteX6" fmla="*/ 316142 w 451412"/>
+                <a:gd name="connsiteY6" fmla="*/ 394197 h 484632"/>
+                <a:gd name="connsiteX7" fmla="*/ 135270 w 451412"/>
+                <a:gd name="connsiteY7" fmla="*/ 394197 h 484632"/>
+                <a:gd name="connsiteX8" fmla="*/ 135270 w 451412"/>
+                <a:gd name="connsiteY8" fmla="*/ 484632 h 484632"/>
+                <a:gd name="connsiteX9" fmla="*/ 0 w 451412"/>
+                <a:gd name="connsiteY9" fmla="*/ 242316 h 484632"/>
+                <a:gd name="connsiteX0" fmla="*/ 0 w 316142"/>
+                <a:gd name="connsiteY0" fmla="*/ 242316 h 484632"/>
+                <a:gd name="connsiteX1" fmla="*/ 135270 w 316142"/>
+                <a:gd name="connsiteY1" fmla="*/ 0 h 484632"/>
+                <a:gd name="connsiteX2" fmla="*/ 135270 w 316142"/>
+                <a:gd name="connsiteY2" fmla="*/ 90435 h 484632"/>
+                <a:gd name="connsiteX3" fmla="*/ 316142 w 316142"/>
+                <a:gd name="connsiteY3" fmla="*/ 90435 h 484632"/>
+                <a:gd name="connsiteX4" fmla="*/ 316142 w 316142"/>
+                <a:gd name="connsiteY4" fmla="*/ 484632 h 484632"/>
+                <a:gd name="connsiteX5" fmla="*/ 316142 w 316142"/>
+                <a:gd name="connsiteY5" fmla="*/ 394197 h 484632"/>
+                <a:gd name="connsiteX6" fmla="*/ 135270 w 316142"/>
+                <a:gd name="connsiteY6" fmla="*/ 394197 h 484632"/>
+                <a:gd name="connsiteX7" fmla="*/ 135270 w 316142"/>
+                <a:gd name="connsiteY7" fmla="*/ 484632 h 484632"/>
+                <a:gd name="connsiteX8" fmla="*/ 0 w 316142"/>
+                <a:gd name="connsiteY8" fmla="*/ 242316 h 484632"/>
+                <a:gd name="connsiteX0" fmla="*/ 0 w 316142"/>
+                <a:gd name="connsiteY0" fmla="*/ 242316 h 484632"/>
+                <a:gd name="connsiteX1" fmla="*/ 135270 w 316142"/>
+                <a:gd name="connsiteY1" fmla="*/ 0 h 484632"/>
+                <a:gd name="connsiteX2" fmla="*/ 135270 w 316142"/>
+                <a:gd name="connsiteY2" fmla="*/ 90435 h 484632"/>
+                <a:gd name="connsiteX3" fmla="*/ 316142 w 316142"/>
+                <a:gd name="connsiteY3" fmla="*/ 90435 h 484632"/>
+                <a:gd name="connsiteX4" fmla="*/ 316142 w 316142"/>
+                <a:gd name="connsiteY4" fmla="*/ 394197 h 484632"/>
+                <a:gd name="connsiteX5" fmla="*/ 135270 w 316142"/>
+                <a:gd name="connsiteY5" fmla="*/ 394197 h 484632"/>
+                <a:gd name="connsiteX6" fmla="*/ 135270 w 316142"/>
+                <a:gd name="connsiteY6" fmla="*/ 484632 h 484632"/>
+                <a:gd name="connsiteX7" fmla="*/ 0 w 316142"/>
+                <a:gd name="connsiteY7" fmla="*/ 242316 h 484632"/>
+                <a:gd name="connsiteX0" fmla="*/ 0 w 316142"/>
+                <a:gd name="connsiteY0" fmla="*/ 242316 h 484632"/>
+                <a:gd name="connsiteX1" fmla="*/ 135270 w 316142"/>
+                <a:gd name="connsiteY1" fmla="*/ 0 h 484632"/>
+                <a:gd name="connsiteX2" fmla="*/ 135270 w 316142"/>
+                <a:gd name="connsiteY2" fmla="*/ 90435 h 484632"/>
+                <a:gd name="connsiteX3" fmla="*/ 316142 w 316142"/>
+                <a:gd name="connsiteY3" fmla="*/ 394197 h 484632"/>
+                <a:gd name="connsiteX4" fmla="*/ 135270 w 316142"/>
+                <a:gd name="connsiteY4" fmla="*/ 394197 h 484632"/>
+                <a:gd name="connsiteX5" fmla="*/ 135270 w 316142"/>
+                <a:gd name="connsiteY5" fmla="*/ 484632 h 484632"/>
+                <a:gd name="connsiteX6" fmla="*/ 0 w 316142"/>
+                <a:gd name="connsiteY6" fmla="*/ 242316 h 484632"/>
+              </a:gdLst>
+              <a:ahLst/>
+              <a:cxnLst>
+                <a:cxn ang="0">
+                  <a:pos x="connsiteX0" y="connsiteY0"/>
+                </a:cxn>
+                <a:cxn ang="0">
+                  <a:pos x="connsiteX1" y="connsiteY1"/>
+                </a:cxn>
+                <a:cxn ang="0">
+                  <a:pos x="connsiteX2" y="connsiteY2"/>
+                </a:cxn>
+                <a:cxn ang="0">
+                  <a:pos x="connsiteX3" y="connsiteY3"/>
+                </a:cxn>
+                <a:cxn ang="0">
+                  <a:pos x="connsiteX4" y="connsiteY4"/>
+                </a:cxn>
+                <a:cxn ang="0">
+                  <a:pos x="connsiteX5" y="connsiteY5"/>
+                </a:cxn>
+                <a:cxn ang="0">
+                  <a:pos x="connsiteX6" y="connsiteY6"/>
+                </a:cxn>
+              </a:cxnLst>
+              <a:rect l="l" t="t" r="r" b="b"/>
+              <a:pathLst>
+                <a:path w="316142" h="484632">
+                  <a:moveTo>
+                    <a:pt x="0" y="242316"/>
+                  </a:moveTo>
+                  <a:lnTo>
+                    <a:pt x="135270" y="0"/>
+                  </a:lnTo>
+                  <a:lnTo>
+                    <a:pt x="135270" y="90435"/>
+                  </a:lnTo>
+                  <a:lnTo>
+                    <a:pt x="316142" y="394197"/>
+                  </a:lnTo>
+                  <a:lnTo>
+                    <a:pt x="135270" y="394197"/>
+                  </a:lnTo>
+                  <a:lnTo>
+                    <a:pt x="135270" y="484632"/>
+                  </a:lnTo>
+                  <a:lnTo>
+                    <a:pt x="0" y="242316"/>
+                  </a:lnTo>
+                  <a:close/>
+                </a:path>
+              </a:pathLst>
+            </a:custGeom>
+          </p:spPr>
+          <p:style>
+            <a:lnRef idx="2">
+              <a:schemeClr val="accent1">
+                <a:shade val="50000"/>
+              </a:schemeClr>
+            </a:lnRef>
+            <a:fillRef idx="1">
+              <a:schemeClr val="accent1"/>
+            </a:fillRef>
+            <a:effectRef idx="0">
+              <a:schemeClr val="accent1"/>
+            </a:effectRef>
+            <a:fontRef idx="minor">
+              <a:schemeClr val="lt1"/>
+            </a:fontRef>
+          </p:style>
+          <p:txBody>
+            <a:bodyPr rtlCol="0" anchor="ctr"/>
+            <a:lstStyle/>
+            <a:p>
+              <a:pPr algn="ctr"/>
+              <a:endParaRPr lang="ru-RU"/>
+            </a:p>
+          </p:txBody>
+        </p:sp>
+        <p:sp>
+          <p:nvSpPr>
+            <p:cNvPr id="55" name="Двойная стрелка влево/вправо 5"/>
+            <p:cNvSpPr/>
+            <p:nvPr/>
+          </p:nvSpPr>
+          <p:spPr>
+            <a:xfrm flipH="1" flipV="1">
+              <a:off x="4420304" y="2759867"/>
+              <a:ext cx="316142" cy="484632"/>
+            </a:xfrm>
+            <a:custGeom>
+              <a:avLst/>
+              <a:gdLst>
+                <a:gd name="connsiteX0" fmla="*/ 0 w 451412"/>
+                <a:gd name="connsiteY0" fmla="*/ 242316 h 484632"/>
+                <a:gd name="connsiteX1" fmla="*/ 135270 w 451412"/>
+                <a:gd name="connsiteY1" fmla="*/ 0 h 484632"/>
+                <a:gd name="connsiteX2" fmla="*/ 135270 w 451412"/>
+                <a:gd name="connsiteY2" fmla="*/ 90435 h 484632"/>
+                <a:gd name="connsiteX3" fmla="*/ 316142 w 451412"/>
+                <a:gd name="connsiteY3" fmla="*/ 90435 h 484632"/>
+                <a:gd name="connsiteX4" fmla="*/ 316142 w 451412"/>
+                <a:gd name="connsiteY4" fmla="*/ 0 h 484632"/>
+                <a:gd name="connsiteX5" fmla="*/ 451412 w 451412"/>
+                <a:gd name="connsiteY5" fmla="*/ 242316 h 484632"/>
+                <a:gd name="connsiteX6" fmla="*/ 316142 w 451412"/>
+                <a:gd name="connsiteY6" fmla="*/ 484632 h 484632"/>
+                <a:gd name="connsiteX7" fmla="*/ 316142 w 451412"/>
+                <a:gd name="connsiteY7" fmla="*/ 394197 h 484632"/>
+                <a:gd name="connsiteX8" fmla="*/ 135270 w 451412"/>
+                <a:gd name="connsiteY8" fmla="*/ 394197 h 484632"/>
+                <a:gd name="connsiteX9" fmla="*/ 135270 w 451412"/>
+                <a:gd name="connsiteY9" fmla="*/ 484632 h 484632"/>
+                <a:gd name="connsiteX10" fmla="*/ 0 w 451412"/>
+                <a:gd name="connsiteY10" fmla="*/ 242316 h 484632"/>
+                <a:gd name="connsiteX0" fmla="*/ 0 w 451412"/>
+                <a:gd name="connsiteY0" fmla="*/ 242316 h 484632"/>
+                <a:gd name="connsiteX1" fmla="*/ 135270 w 451412"/>
+                <a:gd name="connsiteY1" fmla="*/ 0 h 484632"/>
+                <a:gd name="connsiteX2" fmla="*/ 135270 w 451412"/>
+                <a:gd name="connsiteY2" fmla="*/ 90435 h 484632"/>
+                <a:gd name="connsiteX3" fmla="*/ 316142 w 451412"/>
+                <a:gd name="connsiteY3" fmla="*/ 90435 h 484632"/>
+                <a:gd name="connsiteX4" fmla="*/ 451412 w 451412"/>
+                <a:gd name="connsiteY4" fmla="*/ 242316 h 484632"/>
+                <a:gd name="connsiteX5" fmla="*/ 316142 w 451412"/>
+                <a:gd name="connsiteY5" fmla="*/ 484632 h 484632"/>
+                <a:gd name="connsiteX6" fmla="*/ 316142 w 451412"/>
+                <a:gd name="connsiteY6" fmla="*/ 394197 h 484632"/>
+                <a:gd name="connsiteX7" fmla="*/ 135270 w 451412"/>
+                <a:gd name="connsiteY7" fmla="*/ 394197 h 484632"/>
+                <a:gd name="connsiteX8" fmla="*/ 135270 w 451412"/>
+                <a:gd name="connsiteY8" fmla="*/ 484632 h 484632"/>
+                <a:gd name="connsiteX9" fmla="*/ 0 w 451412"/>
+                <a:gd name="connsiteY9" fmla="*/ 242316 h 484632"/>
+                <a:gd name="connsiteX0" fmla="*/ 0 w 316142"/>
+                <a:gd name="connsiteY0" fmla="*/ 242316 h 484632"/>
+                <a:gd name="connsiteX1" fmla="*/ 135270 w 316142"/>
+                <a:gd name="connsiteY1" fmla="*/ 0 h 484632"/>
+                <a:gd name="connsiteX2" fmla="*/ 135270 w 316142"/>
+                <a:gd name="connsiteY2" fmla="*/ 90435 h 484632"/>
+                <a:gd name="connsiteX3" fmla="*/ 316142 w 316142"/>
+                <a:gd name="connsiteY3" fmla="*/ 90435 h 484632"/>
+                <a:gd name="connsiteX4" fmla="*/ 316142 w 316142"/>
+                <a:gd name="connsiteY4" fmla="*/ 484632 h 484632"/>
+                <a:gd name="connsiteX5" fmla="*/ 316142 w 316142"/>
+                <a:gd name="connsiteY5" fmla="*/ 394197 h 484632"/>
+                <a:gd name="connsiteX6" fmla="*/ 135270 w 316142"/>
+                <a:gd name="connsiteY6" fmla="*/ 394197 h 484632"/>
+                <a:gd name="connsiteX7" fmla="*/ 135270 w 316142"/>
+                <a:gd name="connsiteY7" fmla="*/ 484632 h 484632"/>
+                <a:gd name="connsiteX8" fmla="*/ 0 w 316142"/>
+                <a:gd name="connsiteY8" fmla="*/ 242316 h 484632"/>
+                <a:gd name="connsiteX0" fmla="*/ 0 w 316142"/>
+                <a:gd name="connsiteY0" fmla="*/ 242316 h 484632"/>
+                <a:gd name="connsiteX1" fmla="*/ 135270 w 316142"/>
+                <a:gd name="connsiteY1" fmla="*/ 0 h 484632"/>
+                <a:gd name="connsiteX2" fmla="*/ 135270 w 316142"/>
+                <a:gd name="connsiteY2" fmla="*/ 90435 h 484632"/>
+                <a:gd name="connsiteX3" fmla="*/ 316142 w 316142"/>
+                <a:gd name="connsiteY3" fmla="*/ 90435 h 484632"/>
+                <a:gd name="connsiteX4" fmla="*/ 316142 w 316142"/>
+                <a:gd name="connsiteY4" fmla="*/ 394197 h 484632"/>
+                <a:gd name="connsiteX5" fmla="*/ 135270 w 316142"/>
+                <a:gd name="connsiteY5" fmla="*/ 394197 h 484632"/>
+                <a:gd name="connsiteX6" fmla="*/ 135270 w 316142"/>
+                <a:gd name="connsiteY6" fmla="*/ 484632 h 484632"/>
+                <a:gd name="connsiteX7" fmla="*/ 0 w 316142"/>
+                <a:gd name="connsiteY7" fmla="*/ 242316 h 484632"/>
+                <a:gd name="connsiteX0" fmla="*/ 0 w 316142"/>
+                <a:gd name="connsiteY0" fmla="*/ 242316 h 484632"/>
+                <a:gd name="connsiteX1" fmla="*/ 135270 w 316142"/>
+                <a:gd name="connsiteY1" fmla="*/ 0 h 484632"/>
+                <a:gd name="connsiteX2" fmla="*/ 135270 w 316142"/>
+                <a:gd name="connsiteY2" fmla="*/ 90435 h 484632"/>
+                <a:gd name="connsiteX3" fmla="*/ 316142 w 316142"/>
+                <a:gd name="connsiteY3" fmla="*/ 394197 h 484632"/>
+                <a:gd name="connsiteX4" fmla="*/ 135270 w 316142"/>
+                <a:gd name="connsiteY4" fmla="*/ 394197 h 484632"/>
+                <a:gd name="connsiteX5" fmla="*/ 135270 w 316142"/>
+                <a:gd name="connsiteY5" fmla="*/ 484632 h 484632"/>
+                <a:gd name="connsiteX6" fmla="*/ 0 w 316142"/>
+                <a:gd name="connsiteY6" fmla="*/ 242316 h 484632"/>
+              </a:gdLst>
+              <a:ahLst/>
+              <a:cxnLst>
+                <a:cxn ang="0">
+                  <a:pos x="connsiteX0" y="connsiteY0"/>
+                </a:cxn>
+                <a:cxn ang="0">
+                  <a:pos x="connsiteX1" y="connsiteY1"/>
+                </a:cxn>
+                <a:cxn ang="0">
+                  <a:pos x="connsiteX2" y="connsiteY2"/>
+                </a:cxn>
+                <a:cxn ang="0">
+                  <a:pos x="connsiteX3" y="connsiteY3"/>
+                </a:cxn>
+                <a:cxn ang="0">
+                  <a:pos x="connsiteX4" y="connsiteY4"/>
+                </a:cxn>
+                <a:cxn ang="0">
+                  <a:pos x="connsiteX5" y="connsiteY5"/>
+                </a:cxn>
+                <a:cxn ang="0">
+                  <a:pos x="connsiteX6" y="connsiteY6"/>
+                </a:cxn>
+              </a:cxnLst>
+              <a:rect l="l" t="t" r="r" b="b"/>
+              <a:pathLst>
+                <a:path w="316142" h="484632">
+                  <a:moveTo>
+                    <a:pt x="0" y="242316"/>
+                  </a:moveTo>
+                  <a:lnTo>
+                    <a:pt x="135270" y="0"/>
+                  </a:lnTo>
+                  <a:lnTo>
+                    <a:pt x="135270" y="90435"/>
+                  </a:lnTo>
+                  <a:lnTo>
+                    <a:pt x="316142" y="394197"/>
+                  </a:lnTo>
+                  <a:lnTo>
+                    <a:pt x="135270" y="394197"/>
+                  </a:lnTo>
+                  <a:lnTo>
+                    <a:pt x="135270" y="484632"/>
+                  </a:lnTo>
+                  <a:lnTo>
+                    <a:pt x="0" y="242316"/>
+                  </a:lnTo>
+                  <a:close/>
+                </a:path>
+              </a:pathLst>
+            </a:custGeom>
+          </p:spPr>
+          <p:style>
+            <a:lnRef idx="2">
+              <a:schemeClr val="accent2">
+                <a:shade val="50000"/>
+              </a:schemeClr>
+            </a:lnRef>
+            <a:fillRef idx="1">
+              <a:schemeClr val="accent2"/>
+            </a:fillRef>
+            <a:effectRef idx="0">
+              <a:schemeClr val="accent2"/>
+            </a:effectRef>
+            <a:fontRef idx="minor">
+              <a:schemeClr val="lt1"/>
+            </a:fontRef>
+          </p:style>
+          <p:txBody>
+            <a:bodyPr rtlCol="0" anchor="ctr"/>
+            <a:lstStyle/>
+            <a:p>
+              <a:pPr algn="ctr"/>
+              <a:endParaRPr lang="ru-RU"/>
+            </a:p>
+          </p:txBody>
+        </p:sp>
+      </p:grpSp>
+      <p:sp>
+        <p:nvSpPr>
+          <p:cNvPr id="10" name="TextBox 9"/>
+          <p:cNvSpPr txBox="1"/>
+          <p:nvPr/>
+        </p:nvSpPr>
+        <p:spPr>
+          <a:xfrm>
+            <a:off x="914401" y="151900"/>
+            <a:ext cx="10363199" cy="1015663"/>
+          </a:xfrm>
+          <a:prstGeom prst="rect">
+            <a:avLst/>
+          </a:prstGeom>
+          <a:noFill/>
+        </p:spPr>
+        <p:txBody>
+          <a:bodyPr wrap="square" rtlCol="0" anchor="ctr">
+            <a:spAutoFit/>
+          </a:bodyPr>
+          <a:lstStyle/>
+          <a:p>
+            <a:pPr algn="ctr"/>
+            <a:r>
+              <a:rPr lang="ru-RU" sz="6000" b="1" dirty="0" smtClean="0"/>
+              <a:t>Работа с данными</a:t>
+            </a:r>
+            <a:endParaRPr lang="ru-RU" sz="6000" b="1" dirty="0" smtClean="0"/>
+          </a:p>
+        </p:txBody>
+      </p:sp>
+      <p:sp>
+        <p:nvSpPr>
+          <p:cNvPr id="2" name="TextBox 1"/>
+          <p:cNvSpPr txBox="1"/>
+          <p:nvPr/>
+        </p:nvSpPr>
+        <p:spPr>
+          <a:xfrm>
+            <a:off x="4737136" y="1167469"/>
+            <a:ext cx="2717732" cy="461665"/>
+          </a:xfrm>
+          <a:prstGeom prst="rect">
+            <a:avLst/>
+          </a:prstGeom>
+          <a:noFill/>
+        </p:spPr>
+        <p:txBody>
+          <a:bodyPr wrap="none" rtlCol="0">
+            <a:spAutoFit/>
+          </a:bodyPr>
+          <a:lstStyle/>
+          <a:p>
+            <a:pPr algn="ctr"/>
+            <a:r>
+              <a:rPr lang="ru-RU" sz="2400" b="1" dirty="0" smtClean="0"/>
+              <a:t>Коннектор модели</a:t>
+            </a:r>
+            <a:endParaRPr lang="ru-RU" sz="2400" b="1" dirty="0"/>
+          </a:p>
+        </p:txBody>
+      </p:sp>
+      <p:sp>
+        <p:nvSpPr>
+          <p:cNvPr id="29" name="Прямоугольник 28"/>
+          <p:cNvSpPr/>
+          <p:nvPr/>
+        </p:nvSpPr>
+        <p:spPr>
+          <a:xfrm>
+            <a:off x="4726586" y="1629135"/>
+            <a:ext cx="2743200" cy="4922493"/>
+          </a:xfrm>
+          <a:prstGeom prst="rect">
+            <a:avLst/>
+          </a:prstGeom>
+        </p:spPr>
+        <p:style>
+          <a:lnRef idx="2">
+            <a:schemeClr val="accent5"/>
+          </a:lnRef>
+          <a:fillRef idx="1">
+            <a:schemeClr val="lt1"/>
+          </a:fillRef>
+          <a:effectRef idx="0">
+            <a:schemeClr val="accent5"/>
+          </a:effectRef>
+          <a:fontRef idx="minor">
+            <a:schemeClr val="dk1"/>
+          </a:fontRef>
+        </p:style>
+        <p:txBody>
+          <a:bodyPr rtlCol="0" anchor="ctr"/>
+          <a:lstStyle/>
+          <a:p>
+            <a:pPr algn="ctr"/>
+            <a:endParaRPr lang="ru-RU" sz="5400" dirty="0" smtClean="0"/>
+          </a:p>
+        </p:txBody>
+      </p:sp>
+      <p:sp>
+        <p:nvSpPr>
+          <p:cNvPr id="41" name="Прямоугольник 40"/>
+          <p:cNvSpPr/>
+          <p:nvPr/>
+        </p:nvSpPr>
+        <p:spPr>
+          <a:xfrm>
+            <a:off x="8534400" y="1629135"/>
+            <a:ext cx="2743200" cy="4922493"/>
+          </a:xfrm>
+          <a:prstGeom prst="rect">
+            <a:avLst/>
+          </a:prstGeom>
+        </p:spPr>
+        <p:style>
+          <a:lnRef idx="2">
+            <a:schemeClr val="accent5"/>
+          </a:lnRef>
+          <a:fillRef idx="1">
+            <a:schemeClr val="lt1"/>
+          </a:fillRef>
+          <a:effectRef idx="0">
+            <a:schemeClr val="accent5"/>
+          </a:effectRef>
+          <a:fontRef idx="minor">
+            <a:schemeClr val="dk1"/>
+          </a:fontRef>
+        </p:style>
+        <p:txBody>
+          <a:bodyPr rtlCol="0" anchor="ctr"/>
+          <a:lstStyle/>
+          <a:p>
+            <a:pPr algn="ctr"/>
+            <a:endParaRPr lang="ru-RU" sz="5400" dirty="0" smtClean="0"/>
+          </a:p>
+        </p:txBody>
+      </p:sp>
+      <p:sp>
+        <p:nvSpPr>
+          <p:cNvPr id="42" name="Прямоугольник 41"/>
+          <p:cNvSpPr/>
+          <p:nvPr/>
+        </p:nvSpPr>
+        <p:spPr>
+          <a:xfrm>
+            <a:off x="914401" y="1629134"/>
+            <a:ext cx="2743200" cy="4922493"/>
+          </a:xfrm>
+          <a:prstGeom prst="rect">
+            <a:avLst/>
+          </a:prstGeom>
+        </p:spPr>
+        <p:style>
+          <a:lnRef idx="2">
+            <a:schemeClr val="accent5"/>
+          </a:lnRef>
+          <a:fillRef idx="1">
+            <a:schemeClr val="lt1"/>
+          </a:fillRef>
+          <a:effectRef idx="0">
+            <a:schemeClr val="accent5"/>
+          </a:effectRef>
+          <a:fontRef idx="minor">
+            <a:schemeClr val="dk1"/>
+          </a:fontRef>
+        </p:style>
+        <p:txBody>
+          <a:bodyPr rtlCol="0" anchor="ctr"/>
+          <a:lstStyle/>
+          <a:p>
+            <a:pPr algn="ctr"/>
+            <a:endParaRPr lang="ru-RU" sz="5400" dirty="0" smtClean="0"/>
+          </a:p>
+        </p:txBody>
+      </p:sp>
+      <p:sp>
+        <p:nvSpPr>
+          <p:cNvPr id="43" name="TextBox 42"/>
+          <p:cNvSpPr txBox="1"/>
+          <p:nvPr/>
+        </p:nvSpPr>
+        <p:spPr>
+          <a:xfrm>
+            <a:off x="1340873" y="1167469"/>
+            <a:ext cx="1890262" cy="461665"/>
+          </a:xfrm>
+          <a:prstGeom prst="rect">
+            <a:avLst/>
+          </a:prstGeom>
+          <a:noFill/>
+        </p:spPr>
+        <p:txBody>
+          <a:bodyPr wrap="none" rtlCol="0">
+            <a:spAutoFit/>
+          </a:bodyPr>
+          <a:lstStyle/>
+          <a:p>
+            <a:pPr algn="ctr"/>
+            <a:r>
+              <a:rPr lang="ru-RU" sz="2400" b="1" dirty="0" smtClean="0"/>
+              <a:t>База данных</a:t>
+            </a:r>
+            <a:endParaRPr lang="ru-RU" sz="2400" b="1" dirty="0"/>
+          </a:p>
+        </p:txBody>
+      </p:sp>
+      <p:sp>
+        <p:nvSpPr>
+          <p:cNvPr id="44" name="TextBox 43"/>
+          <p:cNvSpPr txBox="1"/>
+          <p:nvPr/>
+        </p:nvSpPr>
+        <p:spPr>
+          <a:xfrm>
+            <a:off x="9279450" y="1167468"/>
+            <a:ext cx="1253100" cy="461665"/>
+          </a:xfrm>
+          <a:prstGeom prst="rect">
+            <a:avLst/>
+          </a:prstGeom>
+          <a:noFill/>
+        </p:spPr>
+        <p:txBody>
+          <a:bodyPr wrap="none" rtlCol="0">
+            <a:spAutoFit/>
+          </a:bodyPr>
+          <a:lstStyle/>
+          <a:p>
+            <a:pPr algn="ctr"/>
+            <a:r>
+              <a:rPr lang="ru-RU" sz="2400" b="1" dirty="0" smtClean="0"/>
+              <a:t>Модель</a:t>
+            </a:r>
+            <a:endParaRPr lang="ru-RU" sz="2400" b="1" dirty="0"/>
+          </a:p>
+        </p:txBody>
+      </p:sp>
+      <p:sp>
+        <p:nvSpPr>
+          <p:cNvPr id="5" name="TextBox 4"/>
+          <p:cNvSpPr txBox="1"/>
+          <p:nvPr/>
+        </p:nvSpPr>
+        <p:spPr>
+          <a:xfrm>
+            <a:off x="914401" y="1767585"/>
+            <a:ext cx="2732653" cy="646331"/>
+          </a:xfrm>
+          <a:prstGeom prst="rect">
+            <a:avLst/>
+          </a:prstGeom>
+          <a:noFill/>
+        </p:spPr>
+        <p:txBody>
+          <a:bodyPr wrap="square" rtlCol="0">
+            <a:spAutoFit/>
+          </a:bodyPr>
+          <a:lstStyle/>
+          <a:p>
+            <a:pPr algn="ctr"/>
+            <a:r>
+              <a:rPr lang="ru-RU" dirty="0" smtClean="0"/>
+              <a:t>Объект, содержащий информацию о БД</a:t>
+            </a:r>
+            <a:endParaRPr lang="ru-RU" dirty="0"/>
+          </a:p>
+        </p:txBody>
+      </p:sp>
+      <p:sp>
+        <p:nvSpPr>
+          <p:cNvPr id="45" name="TextBox 44"/>
+          <p:cNvSpPr txBox="1"/>
+          <p:nvPr/>
+        </p:nvSpPr>
+        <p:spPr>
+          <a:xfrm>
+            <a:off x="924948" y="2552368"/>
+            <a:ext cx="2732653" cy="1754326"/>
+          </a:xfrm>
+          <a:prstGeom prst="rect">
+            <a:avLst/>
+          </a:prstGeom>
+          <a:noFill/>
+        </p:spPr>
+        <p:txBody>
+          <a:bodyPr wrap="square" rtlCol="0">
+            <a:spAutoFit/>
+          </a:bodyPr>
+          <a:lstStyle/>
+          <a:p>
+            <a:pPr marL="285750" indent="-285750">
+              <a:buFont typeface="Arial" panose="020B0604020202020204" pitchFamily="34" charset="0"/>
+              <a:buChar char="•"/>
+            </a:pPr>
+            <a:r>
+              <a:rPr lang="ru-RU" dirty="0" smtClean="0"/>
+              <a:t>Создаёт подключение к БД</a:t>
+            </a:r>
+          </a:p>
+          <a:p>
+            <a:pPr marL="285750" indent="-285750">
+              <a:buFont typeface="Arial" panose="020B0604020202020204" pitchFamily="34" charset="0"/>
+              <a:buChar char="•"/>
+            </a:pPr>
+            <a:r>
+              <a:rPr lang="ru-RU" dirty="0" smtClean="0"/>
+              <a:t>Даёт возможность выполнять подготовленные </a:t>
+            </a:r>
+            <a:r>
+              <a:rPr lang="en-US" dirty="0" smtClean="0"/>
+              <a:t>SQL </a:t>
+            </a:r>
+            <a:r>
+              <a:rPr lang="ru-RU" dirty="0" smtClean="0"/>
+              <a:t>запросы</a:t>
+            </a:r>
+            <a:endParaRPr lang="ru-RU" dirty="0"/>
+          </a:p>
+        </p:txBody>
+      </p:sp>
+      <p:sp>
+        <p:nvSpPr>
+          <p:cNvPr id="46" name="TextBox 45"/>
+          <p:cNvSpPr txBox="1"/>
+          <p:nvPr/>
+        </p:nvSpPr>
+        <p:spPr>
+          <a:xfrm>
+            <a:off x="924948" y="4797301"/>
+            <a:ext cx="2732653" cy="1754326"/>
+          </a:xfrm>
+          <a:prstGeom prst="rect">
+            <a:avLst/>
+          </a:prstGeom>
+          <a:noFill/>
+        </p:spPr>
+        <p:txBody>
+          <a:bodyPr wrap="square" rtlCol="0">
+            <a:spAutoFit/>
+          </a:bodyPr>
+          <a:lstStyle/>
+          <a:p>
+            <a:pPr algn="ctr"/>
+            <a:r>
+              <a:rPr lang="ru-RU" dirty="0" smtClean="0"/>
+              <a:t>Реализация в </a:t>
+            </a:r>
+            <a:r>
+              <a:rPr lang="en-US" i="1" dirty="0" err="1" smtClean="0"/>
+              <a:t>BasePostgresDataBase</a:t>
+            </a:r>
+            <a:endParaRPr lang="en-US" dirty="0" smtClean="0"/>
+          </a:p>
+          <a:p>
+            <a:r>
+              <a:rPr lang="ru-RU" dirty="0" smtClean="0"/>
+              <a:t>Каждый сервис наследует базовый класс, предоставляя данные для подключения к БД.</a:t>
+            </a:r>
+            <a:endParaRPr lang="ru-RU" dirty="0"/>
+          </a:p>
+        </p:txBody>
+      </p:sp>
+      <p:sp>
+        <p:nvSpPr>
+          <p:cNvPr id="47" name="TextBox 46"/>
+          <p:cNvSpPr txBox="1"/>
+          <p:nvPr/>
+        </p:nvSpPr>
+        <p:spPr>
+          <a:xfrm>
+            <a:off x="4722211" y="1629133"/>
+            <a:ext cx="2732653" cy="1200329"/>
+          </a:xfrm>
+          <a:prstGeom prst="rect">
+            <a:avLst/>
+          </a:prstGeom>
+          <a:noFill/>
+        </p:spPr>
+        <p:txBody>
+          <a:bodyPr wrap="square" rtlCol="0">
+            <a:spAutoFit/>
+          </a:bodyPr>
+          <a:lstStyle/>
+          <a:p>
+            <a:pPr algn="ctr"/>
+            <a:r>
+              <a:rPr lang="ru-RU" dirty="0" smtClean="0"/>
+              <a:t>Объект, содержащий информацию о том, как правильно общаться с БД для каждой из моделей</a:t>
+            </a:r>
+            <a:endParaRPr lang="ru-RU" dirty="0"/>
+          </a:p>
+        </p:txBody>
+      </p:sp>
+      <p:sp>
+        <p:nvSpPr>
+          <p:cNvPr id="48" name="TextBox 47"/>
+          <p:cNvSpPr txBox="1"/>
+          <p:nvPr/>
+        </p:nvSpPr>
+        <p:spPr>
+          <a:xfrm>
+            <a:off x="8534397" y="1767539"/>
+            <a:ext cx="2732653" cy="646331"/>
+          </a:xfrm>
+          <a:prstGeom prst="rect">
+            <a:avLst/>
+          </a:prstGeom>
+          <a:noFill/>
+        </p:spPr>
+        <p:txBody>
+          <a:bodyPr wrap="square" rtlCol="0">
+            <a:spAutoFit/>
+          </a:bodyPr>
+          <a:lstStyle/>
+          <a:p>
+            <a:pPr algn="ctr"/>
+            <a:r>
+              <a:rPr lang="en-US" dirty="0" smtClean="0"/>
+              <a:t>Data-</a:t>
+            </a:r>
+            <a:r>
+              <a:rPr lang="ru-RU" dirty="0" smtClean="0"/>
+              <a:t>объект, содержащий значащую информацию</a:t>
+            </a:r>
+            <a:endParaRPr lang="ru-RU" dirty="0"/>
+          </a:p>
+        </p:txBody>
+      </p:sp>
+      <p:sp>
+        <p:nvSpPr>
+          <p:cNvPr id="49" name="TextBox 48"/>
+          <p:cNvSpPr txBox="1"/>
+          <p:nvPr/>
+        </p:nvSpPr>
+        <p:spPr>
+          <a:xfrm>
+            <a:off x="8534396" y="2552274"/>
+            <a:ext cx="2732653" cy="2031325"/>
+          </a:xfrm>
+          <a:prstGeom prst="rect">
+            <a:avLst/>
+          </a:prstGeom>
+          <a:noFill/>
+        </p:spPr>
+        <p:txBody>
+          <a:bodyPr wrap="square" rtlCol="0">
+            <a:spAutoFit/>
+          </a:bodyPr>
+          <a:lstStyle/>
+          <a:p>
+            <a:pPr marL="285750" indent="-285750">
+              <a:buFont typeface="Arial" panose="020B0604020202020204" pitchFamily="34" charset="0"/>
+              <a:buChar char="•"/>
+            </a:pPr>
+            <a:r>
+              <a:rPr lang="ru-RU" dirty="0" smtClean="0"/>
+              <a:t>Хранит информацию</a:t>
+            </a:r>
+          </a:p>
+          <a:p>
+            <a:pPr marL="285750" indent="-285750">
+              <a:buFont typeface="Arial" panose="020B0604020202020204" pitchFamily="34" charset="0"/>
+              <a:buChar char="•"/>
+            </a:pPr>
+            <a:r>
+              <a:rPr lang="ru-RU" dirty="0" smtClean="0"/>
+              <a:t>Предоставляет методы для задания</a:t>
+            </a:r>
+            <a:r>
+              <a:rPr lang="ru-RU" dirty="0"/>
+              <a:t> </a:t>
+            </a:r>
+            <a:r>
+              <a:rPr lang="ru-RU" dirty="0" smtClean="0"/>
+              <a:t>и получения данных</a:t>
+            </a:r>
+          </a:p>
+          <a:p>
+            <a:pPr marL="285750" indent="-285750">
+              <a:buFont typeface="Arial" panose="020B0604020202020204" pitchFamily="34" charset="0"/>
+              <a:buChar char="•"/>
+            </a:pPr>
+            <a:r>
+              <a:rPr lang="ru-RU" dirty="0" smtClean="0"/>
+              <a:t>Может использоваться при передаче данных между сервисами</a:t>
+            </a:r>
+            <a:endParaRPr lang="ru-RU" dirty="0"/>
+          </a:p>
+        </p:txBody>
+      </p:sp>
+      <p:sp>
+        <p:nvSpPr>
+          <p:cNvPr id="50" name="TextBox 49"/>
+          <p:cNvSpPr txBox="1"/>
+          <p:nvPr/>
+        </p:nvSpPr>
+        <p:spPr>
+          <a:xfrm>
+            <a:off x="8544947" y="4583599"/>
+            <a:ext cx="2732653" cy="2031325"/>
+          </a:xfrm>
+          <a:prstGeom prst="rect">
+            <a:avLst/>
+          </a:prstGeom>
+          <a:noFill/>
+        </p:spPr>
+        <p:txBody>
+          <a:bodyPr wrap="square" rtlCol="0">
+            <a:spAutoFit/>
+          </a:bodyPr>
+          <a:lstStyle/>
+          <a:p>
+            <a:pPr algn="ctr"/>
+            <a:r>
+              <a:rPr lang="ru-RU" dirty="0" smtClean="0"/>
+              <a:t>Существует базовая реализация </a:t>
+            </a:r>
+            <a:r>
+              <a:rPr lang="en-US" i="1" dirty="0" err="1" smtClean="0"/>
+              <a:t>AbstractModel</a:t>
+            </a:r>
+            <a:endParaRPr lang="ru-RU" dirty="0" smtClean="0"/>
+          </a:p>
+          <a:p>
+            <a:r>
+              <a:rPr lang="ru-RU" dirty="0"/>
+              <a:t>Н</a:t>
+            </a:r>
+            <a:r>
+              <a:rPr lang="ru-RU" dirty="0" smtClean="0"/>
+              <a:t>аследоваться от неё необязательно, если нет необходимости получать объект по </a:t>
+            </a:r>
+            <a:r>
+              <a:rPr lang="en-US" dirty="0" smtClean="0"/>
+              <a:t>ID</a:t>
+            </a:r>
+            <a:r>
+              <a:rPr lang="ru-RU" dirty="0" smtClean="0"/>
+              <a:t>.</a:t>
+            </a:r>
+            <a:endParaRPr lang="ru-RU" dirty="0"/>
+          </a:p>
+        </p:txBody>
+      </p:sp>
+      <p:sp>
+        <p:nvSpPr>
+          <p:cNvPr id="51" name="TextBox 50"/>
+          <p:cNvSpPr txBox="1"/>
+          <p:nvPr/>
+        </p:nvSpPr>
+        <p:spPr>
+          <a:xfrm>
+            <a:off x="4716035" y="2829462"/>
+            <a:ext cx="2732653" cy="2031325"/>
+          </a:xfrm>
+          <a:prstGeom prst="rect">
+            <a:avLst/>
+          </a:prstGeom>
+          <a:noFill/>
+        </p:spPr>
+        <p:txBody>
+          <a:bodyPr wrap="square" rtlCol="0">
+            <a:spAutoFit/>
+          </a:bodyPr>
+          <a:lstStyle/>
+          <a:p>
+            <a:pPr marL="285750" indent="-285750">
+              <a:buFont typeface="Arial" panose="020B0604020202020204" pitchFamily="34" charset="0"/>
+              <a:buChar char="•"/>
+            </a:pPr>
+            <a:r>
+              <a:rPr lang="ru-RU" dirty="0" smtClean="0"/>
+              <a:t>Создаёт </a:t>
+            </a:r>
+            <a:r>
+              <a:rPr lang="en-US" dirty="0" smtClean="0"/>
+              <a:t>SQL</a:t>
+            </a:r>
+            <a:r>
+              <a:rPr lang="ru-RU" dirty="0" smtClean="0"/>
+              <a:t> запросы для получения </a:t>
+            </a:r>
+            <a:r>
+              <a:rPr lang="ru-RU" dirty="0"/>
+              <a:t>(</a:t>
+            </a:r>
+            <a:r>
+              <a:rPr lang="ru-RU" dirty="0" smtClean="0"/>
+              <a:t>отправки) объектов моделей из (в) БД.</a:t>
+            </a:r>
+          </a:p>
+          <a:p>
+            <a:pPr marL="285750" indent="-285750">
+              <a:buFont typeface="Arial" panose="020B0604020202020204" pitchFamily="34" charset="0"/>
+              <a:buChar char="•"/>
+            </a:pPr>
+            <a:r>
+              <a:rPr lang="ru-RU" dirty="0" smtClean="0"/>
+              <a:t>Создаёт объекты из результатов </a:t>
+            </a:r>
+            <a:r>
+              <a:rPr lang="en-US" dirty="0" smtClean="0"/>
+              <a:t>SQL</a:t>
+            </a:r>
+            <a:r>
+              <a:rPr lang="ru-RU" dirty="0" smtClean="0"/>
+              <a:t> запросов</a:t>
+            </a:r>
+            <a:endParaRPr lang="ru-RU" dirty="0"/>
+          </a:p>
+        </p:txBody>
+      </p:sp>
+      <p:sp>
+        <p:nvSpPr>
+          <p:cNvPr id="52" name="TextBox 51"/>
+          <p:cNvSpPr txBox="1"/>
+          <p:nvPr/>
+        </p:nvSpPr>
+        <p:spPr>
+          <a:xfrm>
+            <a:off x="4722211" y="4860787"/>
+            <a:ext cx="2732653" cy="1692771"/>
+          </a:xfrm>
+          <a:prstGeom prst="rect">
+            <a:avLst/>
+          </a:prstGeom>
+          <a:noFill/>
+        </p:spPr>
+        <p:txBody>
+          <a:bodyPr wrap="square" rtlCol="0">
+            <a:spAutoFit/>
+          </a:bodyPr>
+          <a:lstStyle/>
+          <a:p>
+            <a:pPr algn="ctr"/>
+            <a:r>
+              <a:rPr lang="ru-RU" dirty="0" smtClean="0"/>
+              <a:t>Реализация в </a:t>
+            </a:r>
+            <a:r>
+              <a:rPr lang="en-US" sz="1600" i="1" dirty="0" err="1" smtClean="0"/>
+              <a:t>BaseDatabaseConnector</a:t>
+            </a:r>
+            <a:r>
+              <a:rPr lang="en-US" sz="1600" i="1" dirty="0" smtClean="0"/>
+              <a:t>&lt;T</a:t>
+            </a:r>
+            <a:r>
+              <a:rPr lang="en-US" sz="1600" dirty="0" smtClean="0"/>
+              <a:t>&gt;</a:t>
+            </a:r>
+            <a:r>
+              <a:rPr lang="ru-RU" sz="1600" dirty="0"/>
+              <a:t> </a:t>
+            </a:r>
+            <a:r>
+              <a:rPr lang="ru-RU" sz="1600" dirty="0" smtClean="0"/>
+              <a:t>и </a:t>
+            </a:r>
+            <a:r>
+              <a:rPr lang="en-US" sz="1600" i="1" dirty="0" err="1" smtClean="0"/>
+              <a:t>AbstractModelD</a:t>
+            </a:r>
+            <a:r>
+              <a:rPr lang="en-US" sz="1600" i="1" dirty="0" smtClean="0"/>
+              <a:t>…C…&lt;T&gt;</a:t>
+            </a:r>
+            <a:endParaRPr lang="ru-RU" sz="1600" i="1" dirty="0"/>
+          </a:p>
+          <a:p>
+            <a:r>
+              <a:rPr lang="ru-RU" dirty="0" smtClean="0"/>
+              <a:t>Наследуется для каждой модели, для которой необходима работа с БД.</a:t>
+            </a:r>
+            <a:endParaRPr lang="en-US" dirty="0" smtClean="0"/>
+          </a:p>
+        </p:txBody>
+      </p:sp>
+    </p:spTree>
+    <p:extLst>
+      <p:ext uri="{BB962C8B-B14F-4D97-AF65-F5344CB8AC3E}">
+        <p14:creationId xmlns:p14="http://schemas.microsoft.com/office/powerpoint/2010/main" val="3588891117"/>
+      </p:ext>
+    </p:extLst>
+  </p:cSld>
+  <p:clrMapOvr>
+    <a:masterClrMapping/>
+  </p:clrMapOvr>
+  <mc:AlternateContent xmlns:mc="http://schemas.openxmlformats.org/markup-compatibility/2006" xmlns:p14="http://schemas.microsoft.com/office/powerpoint/2010/main">
+    <mc:Choice Requires="p14">
+      <p:transition spd="slow" p14:dur="2000"/>
+    </mc:Choice>
+    <mc:Fallback xmlns="">
+      <p:transition spd="slow"/>
+    </mc:Fallback>
+  </mc:AlternateContent>
+  <p:timing>
+    <p:tnLst>
+      <p:par>
+        <p:cTn id="1" dur="indefinite" restart="never" nodeType="tmRoot">
+          <p:childTnLst>
+            <p:seq concurrent="1" nextAc="seek">
+              <p:cTn id="2" dur="indefinite" nodeType="mainSeq">
+                <p:childTnLst>
+                  <p:par>
+                    <p:cTn id="3" fill="hold">
+                      <p:stCondLst>
+                        <p:cond delay="indefinite"/>
+                        <p:cond evt="onBegin" delay="0">
+                          <p:tn val="2"/>
+                        </p:cond>
+                      </p:stCondLst>
+                      <p:childTnLst>
+                        <p:par>
+                          <p:cTn id="4" fill="hold">
+                            <p:stCondLst>
+                              <p:cond delay="0"/>
+                            </p:stCondLst>
+                            <p:childTnLst>
+                              <p:par>
+                                <p:cTn id="5" presetID="10" presetClass="entr" presetSubtype="0" fill="hold" nodeType="withEffect">
+                                  <p:stCondLst>
+                                    <p:cond delay="0"/>
+                                  </p:stCondLst>
+                                  <p:childTnLst>
+                                    <p:set>
+                                      <p:cBhvr>
+                                        <p:cTn id="6" dur="1" fill="hold">
+                                          <p:stCondLst>
+                                            <p:cond delay="0"/>
+                                          </p:stCondLst>
+                                        </p:cTn>
+                                        <p:tgtEl>
+                                          <p:spTgt spid="53"/>
+                                        </p:tgtEl>
+                                        <p:attrNameLst>
+                                          <p:attrName>style.visibility</p:attrName>
+                                        </p:attrNameLst>
+                                      </p:cBhvr>
+                                      <p:to>
+                                        <p:strVal val="visible"/>
+                                      </p:to>
+                                    </p:set>
+                                    <p:animEffect transition="in" filter="fade">
+                                      <p:cBhvr>
+                                        <p:cTn id="7" dur="500"/>
+                                        <p:tgtEl>
+                                          <p:spTgt spid="53"/>
+                                        </p:tgtEl>
+                                      </p:cBhvr>
+                                    </p:animEffect>
+                                  </p:childTnLst>
+                                </p:cTn>
+                              </p:par>
+                            </p:childTnLst>
+                          </p:cTn>
+                        </p:par>
+                      </p:childTnLst>
+                    </p:cTn>
+                  </p:par>
+                </p:childTnLst>
+              </p:cTn>
+              <p:prevCondLst>
+                <p:cond evt="onPrev" delay="0">
+                  <p:tgtEl>
+                    <p:sldTgt/>
+                  </p:tgtEl>
+                </p:cond>
+              </p:prevCondLst>
+              <p:nextCondLst>
+                <p:cond evt="onNext" delay="0">
+                  <p:tgtEl>
+                    <p:sldTgt/>
+                  </p:tgtEl>
+                </p:cond>
+              </p:nextCondLst>
+            </p:seq>
+          </p:childTnLst>
+        </p:cTn>
       </p:par>
     </p:tnLst>
   </p:timing>
@@ -16495,11 +23153,11 @@
   <p:clrMapOvr>
     <a:masterClrMapping/>
   </p:clrMapOvr>
-  <mc:AlternateContent xmlns:mc="http://schemas.openxmlformats.org/markup-compatibility/2006">
-    <mc:Choice xmlns:p14="http://schemas.microsoft.com/office/powerpoint/2010/main" Requires="p14">
+  <mc:AlternateContent xmlns:mc="http://schemas.openxmlformats.org/markup-compatibility/2006" xmlns:p14="http://schemas.microsoft.com/office/powerpoint/2010/main">
+    <mc:Choice Requires="p14">
       <p:transition spd="slow" p14:dur="2000"/>
     </mc:Choice>
-    <mc:Fallback>
+    <mc:Fallback xmlns="">
       <p:transition spd="slow"/>
     </mc:Fallback>
   </mc:AlternateContent>
@@ -17468,11 +24126,11 @@
   <p:clrMapOvr>
     <a:masterClrMapping/>
   </p:clrMapOvr>
-  <mc:AlternateContent xmlns:mc="http://schemas.openxmlformats.org/markup-compatibility/2006">
-    <mc:Choice xmlns:p14="http://schemas.microsoft.com/office/powerpoint/2010/main" Requires="p14">
+  <mc:AlternateContent xmlns:mc="http://schemas.openxmlformats.org/markup-compatibility/2006" xmlns:p14="http://schemas.microsoft.com/office/powerpoint/2010/main">
+    <mc:Choice Requires="p14">
       <p:transition spd="slow" p14:dur="2000" advTm="3000"/>
     </mc:Choice>
-    <mc:Fallback>
+    <mc:Fallback xmlns="">
       <p:transition spd="slow" advTm="3000"/>
     </mc:Fallback>
   </mc:AlternateContent>
@@ -18196,11 +24854,11 @@
   <p:clrMapOvr>
     <a:masterClrMapping/>
   </p:clrMapOvr>
-  <mc:AlternateContent xmlns:mc="http://schemas.openxmlformats.org/markup-compatibility/2006">
-    <mc:Choice xmlns:p14="http://schemas.microsoft.com/office/powerpoint/2010/main" Requires="p14">
+  <mc:AlternateContent xmlns:mc="http://schemas.openxmlformats.org/markup-compatibility/2006" xmlns:p14="http://schemas.microsoft.com/office/powerpoint/2010/main">
+    <mc:Choice Requires="p14">
       <p:transition spd="slow" p14:dur="2000" advTm="1000"/>
     </mc:Choice>
-    <mc:Fallback>
+    <mc:Fallback xmlns="">
       <p:transition spd="slow" advTm="1000"/>
     </mc:Fallback>
   </mc:AlternateContent>
